--- a/caching-dangers/Caching Dangers.pptx
+++ b/caching-dangers/Caching Dangers.pptx
@@ -2,10 +2,10 @@
 <file path=ppt/presentation.xml><?xml version="1.0" encoding="utf-8"?>
 <p:presentation xmlns:a="http://schemas.openxmlformats.org/drawingml/2006/main" xmlns:r="http://schemas.openxmlformats.org/officeDocument/2006/relationships" xmlns:p="http://schemas.openxmlformats.org/presentationml/2006/main" embedTrueTypeFonts="1" saveSubsetFonts="1" autoCompressPictures="0">
   <p:sldMasterIdLst>
-    <p:sldMasterId id="2147483648" r:id="rId1"/>
+    <p:sldMasterId id="2147483669" r:id="rId1"/>
   </p:sldMasterIdLst>
   <p:notesMasterIdLst>
-    <p:notesMasterId r:id="rId11"/>
+    <p:notesMasterId r:id="rId12"/>
   </p:notesMasterIdLst>
   <p:sldIdLst>
     <p:sldId id="256" r:id="rId2"/>
@@ -15,25 +15,26 @@
     <p:sldId id="261" r:id="rId6"/>
     <p:sldId id="262" r:id="rId7"/>
     <p:sldId id="263" r:id="rId8"/>
-    <p:sldId id="264" r:id="rId9"/>
-    <p:sldId id="265" r:id="rId10"/>
+    <p:sldId id="266" r:id="rId9"/>
+    <p:sldId id="267" r:id="rId10"/>
+    <p:sldId id="265" r:id="rId11"/>
   </p:sldIdLst>
-  <p:sldSz cx="12192000" cy="6858000"/>
+  <p:sldSz cx="9144000" cy="5143500" type="screen16x9"/>
   <p:notesSz cx="6858000" cy="9144000"/>
   <p:embeddedFontLst>
     <p:embeddedFont>
       <p:font typeface="Calibri" panose="020F0502020204030204" pitchFamily="34" charset="0"/>
-      <p:regular r:id="rId12"/>
-      <p:bold r:id="rId13"/>
-      <p:italic r:id="rId14"/>
-      <p:boldItalic r:id="rId15"/>
+      <p:regular r:id="rId13"/>
+      <p:bold r:id="rId14"/>
+      <p:italic r:id="rId15"/>
+      <p:boldItalic r:id="rId16"/>
     </p:embeddedFont>
     <p:embeddedFont>
       <p:font typeface="Tw Cen MT" panose="020B0602020104020603" pitchFamily="34" charset="77"/>
-      <p:regular r:id="rId16"/>
-      <p:bold r:id="rId17"/>
-      <p:italic r:id="rId18"/>
-      <p:boldItalic r:id="rId19"/>
+      <p:regular r:id="rId17"/>
+      <p:bold r:id="rId18"/>
+      <p:italic r:id="rId19"/>
+      <p:boldItalic r:id="rId20"/>
     </p:embeddedFont>
   </p:embeddedFontLst>
   <p:defaultTextStyle>
@@ -139,6 +140,3390 @@
 </p:presentation>
 </file>
 
+<file path=ppt/diagrams/colors1.xml><?xml version="1.0" encoding="utf-8"?>
+<dgm:colorsDef xmlns:dgm="http://schemas.openxmlformats.org/drawingml/2006/diagram" xmlns:a="http://schemas.openxmlformats.org/drawingml/2006/main" uniqueId="urn:microsoft.com/office/officeart/2005/8/colors/accent1_2">
+  <dgm:title val=""/>
+  <dgm:desc val=""/>
+  <dgm:catLst>
+    <dgm:cat type="accent1" pri="11200"/>
+  </dgm:catLst>
+  <dgm:styleLbl name="node0">
+    <dgm:fillClrLst meth="repeat">
+      <a:schemeClr val="accent1"/>
+    </dgm:fillClrLst>
+    <dgm:linClrLst meth="repeat">
+      <a:schemeClr val="lt1"/>
+    </dgm:linClrLst>
+    <dgm:effectClrLst/>
+    <dgm:txLinClrLst/>
+    <dgm:txFillClrLst/>
+    <dgm:txEffectClrLst/>
+  </dgm:styleLbl>
+  <dgm:styleLbl name="alignNode1">
+    <dgm:fillClrLst meth="repeat">
+      <a:schemeClr val="accent1"/>
+    </dgm:fillClrLst>
+    <dgm:linClrLst meth="repeat">
+      <a:schemeClr val="accent1"/>
+    </dgm:linClrLst>
+    <dgm:effectClrLst/>
+    <dgm:txLinClrLst/>
+    <dgm:txFillClrLst/>
+    <dgm:txEffectClrLst/>
+  </dgm:styleLbl>
+  <dgm:styleLbl name="node1">
+    <dgm:fillClrLst meth="repeat">
+      <a:schemeClr val="accent1"/>
+    </dgm:fillClrLst>
+    <dgm:linClrLst meth="repeat">
+      <a:schemeClr val="lt1"/>
+    </dgm:linClrLst>
+    <dgm:effectClrLst/>
+    <dgm:txLinClrLst/>
+    <dgm:txFillClrLst/>
+    <dgm:txEffectClrLst/>
+  </dgm:styleLbl>
+  <dgm:styleLbl name="lnNode1">
+    <dgm:fillClrLst meth="repeat">
+      <a:schemeClr val="accent1"/>
+    </dgm:fillClrLst>
+    <dgm:linClrLst meth="repeat">
+      <a:schemeClr val="lt1"/>
+    </dgm:linClrLst>
+    <dgm:effectClrLst/>
+    <dgm:txLinClrLst/>
+    <dgm:txFillClrLst/>
+    <dgm:txEffectClrLst/>
+  </dgm:styleLbl>
+  <dgm:styleLbl name="vennNode1">
+    <dgm:fillClrLst meth="repeat">
+      <a:schemeClr val="accent1">
+        <a:alpha val="50000"/>
+      </a:schemeClr>
+    </dgm:fillClrLst>
+    <dgm:linClrLst meth="repeat">
+      <a:schemeClr val="lt1"/>
+    </dgm:linClrLst>
+    <dgm:effectClrLst/>
+    <dgm:txLinClrLst/>
+    <dgm:txFillClrLst/>
+    <dgm:txEffectClrLst/>
+  </dgm:styleLbl>
+  <dgm:styleLbl name="node2">
+    <dgm:fillClrLst meth="repeat">
+      <a:schemeClr val="accent1"/>
+    </dgm:fillClrLst>
+    <dgm:linClrLst meth="repeat">
+      <a:schemeClr val="lt1"/>
+    </dgm:linClrLst>
+    <dgm:effectClrLst/>
+    <dgm:txLinClrLst/>
+    <dgm:txFillClrLst/>
+    <dgm:txEffectClrLst/>
+  </dgm:styleLbl>
+  <dgm:styleLbl name="node3">
+    <dgm:fillClrLst meth="repeat">
+      <a:schemeClr val="accent1"/>
+    </dgm:fillClrLst>
+    <dgm:linClrLst meth="repeat">
+      <a:schemeClr val="lt1"/>
+    </dgm:linClrLst>
+    <dgm:effectClrLst/>
+    <dgm:txLinClrLst/>
+    <dgm:txFillClrLst/>
+    <dgm:txEffectClrLst/>
+  </dgm:styleLbl>
+  <dgm:styleLbl name="node4">
+    <dgm:fillClrLst meth="repeat">
+      <a:schemeClr val="accent1"/>
+    </dgm:fillClrLst>
+    <dgm:linClrLst meth="repeat">
+      <a:schemeClr val="lt1"/>
+    </dgm:linClrLst>
+    <dgm:effectClrLst/>
+    <dgm:txLinClrLst/>
+    <dgm:txFillClrLst/>
+    <dgm:txEffectClrLst/>
+  </dgm:styleLbl>
+  <dgm:styleLbl name="fgImgPlace1">
+    <dgm:fillClrLst meth="repeat">
+      <a:schemeClr val="accent1">
+        <a:tint val="50000"/>
+      </a:schemeClr>
+    </dgm:fillClrLst>
+    <dgm:linClrLst meth="repeat">
+      <a:schemeClr val="lt1"/>
+    </dgm:linClrLst>
+    <dgm:effectClrLst/>
+    <dgm:txLinClrLst/>
+    <dgm:txFillClrLst meth="repeat">
+      <a:schemeClr val="lt1"/>
+    </dgm:txFillClrLst>
+    <dgm:txEffectClrLst/>
+  </dgm:styleLbl>
+  <dgm:styleLbl name="alignImgPlace1">
+    <dgm:fillClrLst meth="repeat">
+      <a:schemeClr val="accent1">
+        <a:tint val="50000"/>
+      </a:schemeClr>
+    </dgm:fillClrLst>
+    <dgm:linClrLst meth="repeat">
+      <a:schemeClr val="lt1"/>
+    </dgm:linClrLst>
+    <dgm:effectClrLst/>
+    <dgm:txLinClrLst/>
+    <dgm:txFillClrLst meth="repeat">
+      <a:schemeClr val="lt1"/>
+    </dgm:txFillClrLst>
+    <dgm:txEffectClrLst/>
+  </dgm:styleLbl>
+  <dgm:styleLbl name="bgImgPlace1">
+    <dgm:fillClrLst meth="repeat">
+      <a:schemeClr val="accent1">
+        <a:tint val="50000"/>
+      </a:schemeClr>
+    </dgm:fillClrLst>
+    <dgm:linClrLst meth="repeat">
+      <a:schemeClr val="lt1"/>
+    </dgm:linClrLst>
+    <dgm:effectClrLst/>
+    <dgm:txLinClrLst/>
+    <dgm:txFillClrLst meth="repeat">
+      <a:schemeClr val="lt1"/>
+    </dgm:txFillClrLst>
+    <dgm:txEffectClrLst/>
+  </dgm:styleLbl>
+  <dgm:styleLbl name="sibTrans2D1">
+    <dgm:fillClrLst meth="repeat">
+      <a:schemeClr val="accent1">
+        <a:tint val="60000"/>
+      </a:schemeClr>
+    </dgm:fillClrLst>
+    <dgm:linClrLst meth="repeat">
+      <a:schemeClr val="accent1">
+        <a:tint val="60000"/>
+      </a:schemeClr>
+    </dgm:linClrLst>
+    <dgm:effectClrLst/>
+    <dgm:txLinClrLst/>
+    <dgm:txFillClrLst/>
+    <dgm:txEffectClrLst/>
+  </dgm:styleLbl>
+  <dgm:styleLbl name="fgSibTrans2D1">
+    <dgm:fillClrLst meth="repeat">
+      <a:schemeClr val="accent1">
+        <a:tint val="60000"/>
+      </a:schemeClr>
+    </dgm:fillClrLst>
+    <dgm:linClrLst meth="repeat">
+      <a:schemeClr val="accent1">
+        <a:tint val="60000"/>
+      </a:schemeClr>
+    </dgm:linClrLst>
+    <dgm:effectClrLst/>
+    <dgm:txLinClrLst/>
+    <dgm:txFillClrLst/>
+    <dgm:txEffectClrLst/>
+  </dgm:styleLbl>
+  <dgm:styleLbl name="bgSibTrans2D1">
+    <dgm:fillClrLst meth="repeat">
+      <a:schemeClr val="accent1">
+        <a:tint val="60000"/>
+      </a:schemeClr>
+    </dgm:fillClrLst>
+    <dgm:linClrLst meth="repeat">
+      <a:schemeClr val="accent1">
+        <a:tint val="60000"/>
+      </a:schemeClr>
+    </dgm:linClrLst>
+    <dgm:effectClrLst/>
+    <dgm:txLinClrLst/>
+    <dgm:txFillClrLst/>
+    <dgm:txEffectClrLst/>
+  </dgm:styleLbl>
+  <dgm:styleLbl name="sibTrans1D1">
+    <dgm:fillClrLst meth="repeat">
+      <a:schemeClr val="accent1"/>
+    </dgm:fillClrLst>
+    <dgm:linClrLst meth="repeat">
+      <a:schemeClr val="accent1"/>
+    </dgm:linClrLst>
+    <dgm:effectClrLst/>
+    <dgm:txLinClrLst/>
+    <dgm:txFillClrLst meth="repeat">
+      <a:schemeClr val="tx1"/>
+    </dgm:txFillClrLst>
+    <dgm:txEffectClrLst/>
+  </dgm:styleLbl>
+  <dgm:styleLbl name="callout">
+    <dgm:fillClrLst meth="repeat">
+      <a:schemeClr val="accent1"/>
+    </dgm:fillClrLst>
+    <dgm:linClrLst meth="repeat">
+      <a:schemeClr val="accent1">
+        <a:tint val="50000"/>
+      </a:schemeClr>
+    </dgm:linClrLst>
+    <dgm:effectClrLst/>
+    <dgm:txLinClrLst/>
+    <dgm:txFillClrLst meth="repeat">
+      <a:schemeClr val="tx1"/>
+    </dgm:txFillClrLst>
+    <dgm:txEffectClrLst/>
+  </dgm:styleLbl>
+  <dgm:styleLbl name="asst0">
+    <dgm:fillClrLst meth="repeat">
+      <a:schemeClr val="accent1"/>
+    </dgm:fillClrLst>
+    <dgm:linClrLst meth="repeat">
+      <a:schemeClr val="lt1"/>
+    </dgm:linClrLst>
+    <dgm:effectClrLst/>
+    <dgm:txLinClrLst/>
+    <dgm:txFillClrLst/>
+    <dgm:txEffectClrLst/>
+  </dgm:styleLbl>
+  <dgm:styleLbl name="asst1">
+    <dgm:fillClrLst meth="repeat">
+      <a:schemeClr val="accent1"/>
+    </dgm:fillClrLst>
+    <dgm:linClrLst meth="repeat">
+      <a:schemeClr val="lt1"/>
+    </dgm:linClrLst>
+    <dgm:effectClrLst/>
+    <dgm:txLinClrLst/>
+    <dgm:txFillClrLst/>
+    <dgm:txEffectClrLst/>
+  </dgm:styleLbl>
+  <dgm:styleLbl name="asst2">
+    <dgm:fillClrLst meth="repeat">
+      <a:schemeClr val="accent1"/>
+    </dgm:fillClrLst>
+    <dgm:linClrLst meth="repeat">
+      <a:schemeClr val="lt1"/>
+    </dgm:linClrLst>
+    <dgm:effectClrLst/>
+    <dgm:txLinClrLst/>
+    <dgm:txFillClrLst/>
+    <dgm:txEffectClrLst/>
+  </dgm:styleLbl>
+  <dgm:styleLbl name="asst3">
+    <dgm:fillClrLst meth="repeat">
+      <a:schemeClr val="accent1"/>
+    </dgm:fillClrLst>
+    <dgm:linClrLst meth="repeat">
+      <a:schemeClr val="lt1"/>
+    </dgm:linClrLst>
+    <dgm:effectClrLst/>
+    <dgm:txLinClrLst/>
+    <dgm:txFillClrLst/>
+    <dgm:txEffectClrLst/>
+  </dgm:styleLbl>
+  <dgm:styleLbl name="asst4">
+    <dgm:fillClrLst meth="repeat">
+      <a:schemeClr val="accent1"/>
+    </dgm:fillClrLst>
+    <dgm:linClrLst meth="repeat">
+      <a:schemeClr val="lt1"/>
+    </dgm:linClrLst>
+    <dgm:effectClrLst/>
+    <dgm:txLinClrLst/>
+    <dgm:txFillClrLst/>
+    <dgm:txEffectClrLst/>
+  </dgm:styleLbl>
+  <dgm:styleLbl name="parChTrans2D1">
+    <dgm:fillClrLst meth="repeat">
+      <a:schemeClr val="accent1">
+        <a:tint val="60000"/>
+      </a:schemeClr>
+    </dgm:fillClrLst>
+    <dgm:linClrLst meth="repeat">
+      <a:schemeClr val="accent1">
+        <a:tint val="60000"/>
+      </a:schemeClr>
+    </dgm:linClrLst>
+    <dgm:effectClrLst/>
+    <dgm:txLinClrLst/>
+    <dgm:txFillClrLst meth="repeat">
+      <a:schemeClr val="lt1"/>
+    </dgm:txFillClrLst>
+    <dgm:txEffectClrLst/>
+  </dgm:styleLbl>
+  <dgm:styleLbl name="parChTrans2D2">
+    <dgm:fillClrLst meth="repeat">
+      <a:schemeClr val="accent1"/>
+    </dgm:fillClrLst>
+    <dgm:linClrLst meth="repeat">
+      <a:schemeClr val="accent1"/>
+    </dgm:linClrLst>
+    <dgm:effectClrLst/>
+    <dgm:txLinClrLst/>
+    <dgm:txFillClrLst meth="repeat">
+      <a:schemeClr val="lt1"/>
+    </dgm:txFillClrLst>
+    <dgm:txEffectClrLst/>
+  </dgm:styleLbl>
+  <dgm:styleLbl name="parChTrans2D3">
+    <dgm:fillClrLst meth="repeat">
+      <a:schemeClr val="accent1"/>
+    </dgm:fillClrLst>
+    <dgm:linClrLst meth="repeat">
+      <a:schemeClr val="accent1"/>
+    </dgm:linClrLst>
+    <dgm:effectClrLst/>
+    <dgm:txLinClrLst/>
+    <dgm:txFillClrLst meth="repeat">
+      <a:schemeClr val="lt1"/>
+    </dgm:txFillClrLst>
+    <dgm:txEffectClrLst/>
+  </dgm:styleLbl>
+  <dgm:styleLbl name="parChTrans2D4">
+    <dgm:fillClrLst meth="repeat">
+      <a:schemeClr val="accent1"/>
+    </dgm:fillClrLst>
+    <dgm:linClrLst meth="repeat">
+      <a:schemeClr val="accent1"/>
+    </dgm:linClrLst>
+    <dgm:effectClrLst/>
+    <dgm:txLinClrLst/>
+    <dgm:txFillClrLst meth="repeat">
+      <a:schemeClr val="lt1"/>
+    </dgm:txFillClrLst>
+    <dgm:txEffectClrLst/>
+  </dgm:styleLbl>
+  <dgm:styleLbl name="parChTrans1D1">
+    <dgm:fillClrLst meth="repeat">
+      <a:schemeClr val="accent1"/>
+    </dgm:fillClrLst>
+    <dgm:linClrLst meth="repeat">
+      <a:schemeClr val="accent1">
+        <a:shade val="60000"/>
+      </a:schemeClr>
+    </dgm:linClrLst>
+    <dgm:effectClrLst/>
+    <dgm:txLinClrLst/>
+    <dgm:txFillClrLst meth="repeat">
+      <a:schemeClr val="tx1"/>
+    </dgm:txFillClrLst>
+    <dgm:txEffectClrLst/>
+  </dgm:styleLbl>
+  <dgm:styleLbl name="parChTrans1D2">
+    <dgm:fillClrLst meth="repeat">
+      <a:schemeClr val="accent1"/>
+    </dgm:fillClrLst>
+    <dgm:linClrLst meth="repeat">
+      <a:schemeClr val="accent1">
+        <a:shade val="60000"/>
+      </a:schemeClr>
+    </dgm:linClrLst>
+    <dgm:effectClrLst/>
+    <dgm:txLinClrLst/>
+    <dgm:txFillClrLst meth="repeat">
+      <a:schemeClr val="tx1"/>
+    </dgm:txFillClrLst>
+    <dgm:txEffectClrLst/>
+  </dgm:styleLbl>
+  <dgm:styleLbl name="parChTrans1D3">
+    <dgm:fillClrLst meth="repeat">
+      <a:schemeClr val="accent1"/>
+    </dgm:fillClrLst>
+    <dgm:linClrLst meth="repeat">
+      <a:schemeClr val="accent1">
+        <a:shade val="80000"/>
+      </a:schemeClr>
+    </dgm:linClrLst>
+    <dgm:effectClrLst/>
+    <dgm:txLinClrLst/>
+    <dgm:txFillClrLst meth="repeat">
+      <a:schemeClr val="tx1"/>
+    </dgm:txFillClrLst>
+    <dgm:txEffectClrLst/>
+  </dgm:styleLbl>
+  <dgm:styleLbl name="parChTrans1D4">
+    <dgm:fillClrLst meth="repeat">
+      <a:schemeClr val="accent1"/>
+    </dgm:fillClrLst>
+    <dgm:linClrLst meth="repeat">
+      <a:schemeClr val="accent1">
+        <a:shade val="80000"/>
+      </a:schemeClr>
+    </dgm:linClrLst>
+    <dgm:effectClrLst/>
+    <dgm:txLinClrLst/>
+    <dgm:txFillClrLst meth="repeat">
+      <a:schemeClr val="tx1"/>
+    </dgm:txFillClrLst>
+    <dgm:txEffectClrLst/>
+  </dgm:styleLbl>
+  <dgm:styleLbl name="fgAcc1">
+    <dgm:fillClrLst meth="repeat">
+      <a:schemeClr val="lt1">
+        <a:alpha val="90000"/>
+      </a:schemeClr>
+    </dgm:fillClrLst>
+    <dgm:linClrLst meth="repeat">
+      <a:schemeClr val="accent1"/>
+    </dgm:linClrLst>
+    <dgm:effectClrLst/>
+    <dgm:txLinClrLst/>
+    <dgm:txFillClrLst meth="repeat">
+      <a:schemeClr val="dk1"/>
+    </dgm:txFillClrLst>
+    <dgm:txEffectClrLst/>
+  </dgm:styleLbl>
+  <dgm:styleLbl name="conFgAcc1">
+    <dgm:fillClrLst meth="repeat">
+      <a:schemeClr val="lt1">
+        <a:alpha val="90000"/>
+      </a:schemeClr>
+    </dgm:fillClrLst>
+    <dgm:linClrLst meth="repeat">
+      <a:schemeClr val="accent1"/>
+    </dgm:linClrLst>
+    <dgm:effectClrLst/>
+    <dgm:txLinClrLst/>
+    <dgm:txFillClrLst meth="repeat">
+      <a:schemeClr val="dk1"/>
+    </dgm:txFillClrLst>
+    <dgm:txEffectClrLst/>
+  </dgm:styleLbl>
+  <dgm:styleLbl name="alignAcc1">
+    <dgm:fillClrLst meth="repeat">
+      <a:schemeClr val="lt1">
+        <a:alpha val="90000"/>
+      </a:schemeClr>
+    </dgm:fillClrLst>
+    <dgm:linClrLst meth="repeat">
+      <a:schemeClr val="accent1"/>
+    </dgm:linClrLst>
+    <dgm:effectClrLst/>
+    <dgm:txLinClrLst/>
+    <dgm:txFillClrLst meth="repeat">
+      <a:schemeClr val="dk1"/>
+    </dgm:txFillClrLst>
+    <dgm:txEffectClrLst/>
+  </dgm:styleLbl>
+  <dgm:styleLbl name="trAlignAcc1">
+    <dgm:fillClrLst meth="repeat">
+      <a:schemeClr val="lt1">
+        <a:alpha val="40000"/>
+      </a:schemeClr>
+    </dgm:fillClrLst>
+    <dgm:linClrLst meth="repeat">
+      <a:schemeClr val="accent1"/>
+    </dgm:linClrLst>
+    <dgm:effectClrLst/>
+    <dgm:txLinClrLst/>
+    <dgm:txFillClrLst meth="repeat">
+      <a:schemeClr val="dk1"/>
+    </dgm:txFillClrLst>
+    <dgm:txEffectClrLst/>
+  </dgm:styleLbl>
+  <dgm:styleLbl name="bgAcc1">
+    <dgm:fillClrLst meth="repeat">
+      <a:schemeClr val="lt1">
+        <a:alpha val="90000"/>
+      </a:schemeClr>
+    </dgm:fillClrLst>
+    <dgm:linClrLst meth="repeat">
+      <a:schemeClr val="accent1"/>
+    </dgm:linClrLst>
+    <dgm:effectClrLst/>
+    <dgm:txLinClrLst/>
+    <dgm:txFillClrLst meth="repeat">
+      <a:schemeClr val="dk1"/>
+    </dgm:txFillClrLst>
+    <dgm:txEffectClrLst/>
+  </dgm:styleLbl>
+  <dgm:styleLbl name="solidFgAcc1">
+    <dgm:fillClrLst meth="repeat">
+      <a:schemeClr val="lt1"/>
+    </dgm:fillClrLst>
+    <dgm:linClrLst meth="repeat">
+      <a:schemeClr val="accent1"/>
+    </dgm:linClrLst>
+    <dgm:effectClrLst/>
+    <dgm:txLinClrLst/>
+    <dgm:txFillClrLst meth="repeat">
+      <a:schemeClr val="dk1"/>
+    </dgm:txFillClrLst>
+    <dgm:txEffectClrLst/>
+  </dgm:styleLbl>
+  <dgm:styleLbl name="solidAlignAcc1">
+    <dgm:fillClrLst meth="repeat">
+      <a:schemeClr val="lt1"/>
+    </dgm:fillClrLst>
+    <dgm:linClrLst meth="repeat">
+      <a:schemeClr val="accent1"/>
+    </dgm:linClrLst>
+    <dgm:effectClrLst/>
+    <dgm:txLinClrLst/>
+    <dgm:txFillClrLst meth="repeat">
+      <a:schemeClr val="dk1"/>
+    </dgm:txFillClrLst>
+    <dgm:txEffectClrLst/>
+  </dgm:styleLbl>
+  <dgm:styleLbl name="solidBgAcc1">
+    <dgm:fillClrLst meth="repeat">
+      <a:schemeClr val="lt1"/>
+    </dgm:fillClrLst>
+    <dgm:linClrLst meth="repeat">
+      <a:schemeClr val="accent1"/>
+    </dgm:linClrLst>
+    <dgm:effectClrLst/>
+    <dgm:txLinClrLst/>
+    <dgm:txFillClrLst meth="repeat">
+      <a:schemeClr val="dk1"/>
+    </dgm:txFillClrLst>
+    <dgm:txEffectClrLst/>
+  </dgm:styleLbl>
+  <dgm:styleLbl name="fgAccFollowNode1">
+    <dgm:fillClrLst meth="repeat">
+      <a:schemeClr val="accent1">
+        <a:alpha val="90000"/>
+        <a:tint val="40000"/>
+      </a:schemeClr>
+    </dgm:fillClrLst>
+    <dgm:linClrLst meth="repeat">
+      <a:schemeClr val="accent1">
+        <a:alpha val="90000"/>
+        <a:tint val="40000"/>
+      </a:schemeClr>
+    </dgm:linClrLst>
+    <dgm:effectClrLst/>
+    <dgm:txLinClrLst/>
+    <dgm:txFillClrLst meth="repeat">
+      <a:schemeClr val="dk1"/>
+    </dgm:txFillClrLst>
+    <dgm:txEffectClrLst/>
+  </dgm:styleLbl>
+  <dgm:styleLbl name="alignAccFollowNode1">
+    <dgm:fillClrLst meth="repeat">
+      <a:schemeClr val="accent1">
+        <a:alpha val="90000"/>
+        <a:tint val="40000"/>
+      </a:schemeClr>
+    </dgm:fillClrLst>
+    <dgm:linClrLst meth="repeat">
+      <a:schemeClr val="accent1">
+        <a:alpha val="90000"/>
+        <a:tint val="40000"/>
+      </a:schemeClr>
+    </dgm:linClrLst>
+    <dgm:effectClrLst/>
+    <dgm:txLinClrLst/>
+    <dgm:txFillClrLst meth="repeat">
+      <a:schemeClr val="dk1"/>
+    </dgm:txFillClrLst>
+    <dgm:txEffectClrLst/>
+  </dgm:styleLbl>
+  <dgm:styleLbl name="bgAccFollowNode1">
+    <dgm:fillClrLst meth="repeat">
+      <a:schemeClr val="accent1">
+        <a:alpha val="90000"/>
+        <a:tint val="40000"/>
+      </a:schemeClr>
+    </dgm:fillClrLst>
+    <dgm:linClrLst meth="repeat">
+      <a:schemeClr val="accent1">
+        <a:alpha val="90000"/>
+        <a:tint val="40000"/>
+      </a:schemeClr>
+    </dgm:linClrLst>
+    <dgm:effectClrLst/>
+    <dgm:txLinClrLst/>
+    <dgm:txFillClrLst meth="repeat">
+      <a:schemeClr val="dk1"/>
+    </dgm:txFillClrLst>
+    <dgm:txEffectClrLst/>
+  </dgm:styleLbl>
+  <dgm:styleLbl name="fgAcc0">
+    <dgm:fillClrLst meth="repeat">
+      <a:schemeClr val="lt1">
+        <a:alpha val="90000"/>
+      </a:schemeClr>
+    </dgm:fillClrLst>
+    <dgm:linClrLst meth="repeat">
+      <a:schemeClr val="accent1"/>
+    </dgm:linClrLst>
+    <dgm:effectClrLst/>
+    <dgm:txLinClrLst/>
+    <dgm:txFillClrLst meth="repeat">
+      <a:schemeClr val="dk1"/>
+    </dgm:txFillClrLst>
+    <dgm:txEffectClrLst/>
+  </dgm:styleLbl>
+  <dgm:styleLbl name="fgAcc2">
+    <dgm:fillClrLst meth="repeat">
+      <a:schemeClr val="lt1">
+        <a:alpha val="90000"/>
+      </a:schemeClr>
+    </dgm:fillClrLst>
+    <dgm:linClrLst meth="repeat">
+      <a:schemeClr val="accent1"/>
+    </dgm:linClrLst>
+    <dgm:effectClrLst/>
+    <dgm:txLinClrLst/>
+    <dgm:txFillClrLst meth="repeat">
+      <a:schemeClr val="dk1"/>
+    </dgm:txFillClrLst>
+    <dgm:txEffectClrLst/>
+  </dgm:styleLbl>
+  <dgm:styleLbl name="fgAcc3">
+    <dgm:fillClrLst meth="repeat">
+      <a:schemeClr val="lt1">
+        <a:alpha val="90000"/>
+      </a:schemeClr>
+    </dgm:fillClrLst>
+    <dgm:linClrLst meth="repeat">
+      <a:schemeClr val="accent1"/>
+    </dgm:linClrLst>
+    <dgm:effectClrLst/>
+    <dgm:txLinClrLst/>
+    <dgm:txFillClrLst meth="repeat">
+      <a:schemeClr val="dk1"/>
+    </dgm:txFillClrLst>
+    <dgm:txEffectClrLst/>
+  </dgm:styleLbl>
+  <dgm:styleLbl name="fgAcc4">
+    <dgm:fillClrLst meth="repeat">
+      <a:schemeClr val="lt1">
+        <a:alpha val="90000"/>
+      </a:schemeClr>
+    </dgm:fillClrLst>
+    <dgm:linClrLst meth="repeat">
+      <a:schemeClr val="accent1"/>
+    </dgm:linClrLst>
+    <dgm:effectClrLst/>
+    <dgm:txLinClrLst/>
+    <dgm:txFillClrLst meth="repeat">
+      <a:schemeClr val="dk1"/>
+    </dgm:txFillClrLst>
+    <dgm:txEffectClrLst/>
+  </dgm:styleLbl>
+  <dgm:styleLbl name="bgShp">
+    <dgm:fillClrLst meth="repeat">
+      <a:schemeClr val="accent1">
+        <a:tint val="40000"/>
+      </a:schemeClr>
+    </dgm:fillClrLst>
+    <dgm:linClrLst meth="repeat">
+      <a:schemeClr val="accent1"/>
+    </dgm:linClrLst>
+    <dgm:effectClrLst/>
+    <dgm:txLinClrLst/>
+    <dgm:txFillClrLst meth="repeat">
+      <a:schemeClr val="dk1"/>
+    </dgm:txFillClrLst>
+    <dgm:txEffectClrLst/>
+  </dgm:styleLbl>
+  <dgm:styleLbl name="dkBgShp">
+    <dgm:fillClrLst meth="repeat">
+      <a:schemeClr val="accent1">
+        <a:shade val="80000"/>
+      </a:schemeClr>
+    </dgm:fillClrLst>
+    <dgm:linClrLst meth="repeat">
+      <a:schemeClr val="accent1"/>
+    </dgm:linClrLst>
+    <dgm:effectClrLst/>
+    <dgm:txLinClrLst/>
+    <dgm:txFillClrLst meth="repeat">
+      <a:schemeClr val="lt1"/>
+    </dgm:txFillClrLst>
+    <dgm:txEffectClrLst/>
+  </dgm:styleLbl>
+  <dgm:styleLbl name="trBgShp">
+    <dgm:fillClrLst meth="repeat">
+      <a:schemeClr val="accent1">
+        <a:tint val="50000"/>
+        <a:alpha val="40000"/>
+      </a:schemeClr>
+    </dgm:fillClrLst>
+    <dgm:linClrLst meth="repeat">
+      <a:schemeClr val="accent1"/>
+    </dgm:linClrLst>
+    <dgm:effectClrLst/>
+    <dgm:txLinClrLst/>
+    <dgm:txFillClrLst meth="repeat">
+      <a:schemeClr val="lt1"/>
+    </dgm:txFillClrLst>
+    <dgm:txEffectClrLst/>
+  </dgm:styleLbl>
+  <dgm:styleLbl name="fgShp">
+    <dgm:fillClrLst meth="repeat">
+      <a:schemeClr val="accent1">
+        <a:tint val="60000"/>
+      </a:schemeClr>
+    </dgm:fillClrLst>
+    <dgm:linClrLst meth="repeat">
+      <a:schemeClr val="lt1"/>
+    </dgm:linClrLst>
+    <dgm:effectClrLst/>
+    <dgm:txLinClrLst/>
+    <dgm:txFillClrLst meth="repeat">
+      <a:schemeClr val="dk1"/>
+    </dgm:txFillClrLst>
+    <dgm:txEffectClrLst/>
+  </dgm:styleLbl>
+  <dgm:styleLbl name="revTx">
+    <dgm:fillClrLst meth="repeat">
+      <a:schemeClr val="lt1">
+        <a:alpha val="0"/>
+      </a:schemeClr>
+    </dgm:fillClrLst>
+    <dgm:linClrLst meth="repeat">
+      <a:schemeClr val="dk1">
+        <a:alpha val="0"/>
+      </a:schemeClr>
+    </dgm:linClrLst>
+    <dgm:effectClrLst/>
+    <dgm:txLinClrLst/>
+    <dgm:txFillClrLst meth="repeat">
+      <a:schemeClr val="tx1"/>
+    </dgm:txFillClrLst>
+    <dgm:txEffectClrLst/>
+  </dgm:styleLbl>
+</dgm:colorsDef>
+</file>
+
+<file path=ppt/diagrams/data1.xml><?xml version="1.0" encoding="utf-8"?>
+<dgm:dataModel xmlns:dgm="http://schemas.openxmlformats.org/drawingml/2006/diagram" xmlns:a="http://schemas.openxmlformats.org/drawingml/2006/main">
+  <dgm:ptLst>
+    <dgm:pt modelId="{6BB92694-CCF4-6D42-93A9-D5856001F2BE}" type="doc">
+      <dgm:prSet loTypeId="urn:microsoft.com/office/officeart/2005/8/layout/hierarchy1" loCatId="hierarchy" qsTypeId="urn:microsoft.com/office/officeart/2005/8/quickstyle/simple5" qsCatId="simple" csTypeId="urn:microsoft.com/office/officeart/2005/8/colors/accent1_2" csCatId="accent1" phldr="1"/>
+      <dgm:spPr/>
+      <dgm:t>
+        <a:bodyPr/>
+        <a:lstStyle/>
+        <a:p>
+          <a:endParaRPr lang="en-GB"/>
+        </a:p>
+      </dgm:t>
+    </dgm:pt>
+    <dgm:pt modelId="{D6EBA58D-30EE-2645-B17E-8DD636DEC53D}">
+      <dgm:prSet phldrT="[Text]"/>
+      <dgm:spPr/>
+      <dgm:t>
+        <a:bodyPr/>
+        <a:lstStyle/>
+        <a:p>
+          <a:r>
+            <a:rPr lang="en-GB" dirty="0"/>
+            <a:t>Bare Recursion</a:t>
+          </a:r>
+        </a:p>
+      </dgm:t>
+    </dgm:pt>
+    <dgm:pt modelId="{52D35CB9-49DE-194B-9BBF-3FF55EB59755}" type="parTrans" cxnId="{9726402A-3C7A-C442-80F1-719E355C6B7A}">
+      <dgm:prSet/>
+      <dgm:spPr/>
+      <dgm:t>
+        <a:bodyPr/>
+        <a:lstStyle/>
+        <a:p>
+          <a:endParaRPr lang="en-GB"/>
+        </a:p>
+      </dgm:t>
+    </dgm:pt>
+    <dgm:pt modelId="{397BB982-B843-A546-8F0D-4C78A0FACB52}" type="sibTrans" cxnId="{9726402A-3C7A-C442-80F1-719E355C6B7A}">
+      <dgm:prSet/>
+      <dgm:spPr/>
+      <dgm:t>
+        <a:bodyPr/>
+        <a:lstStyle/>
+        <a:p>
+          <a:endParaRPr lang="en-GB"/>
+        </a:p>
+      </dgm:t>
+    </dgm:pt>
+    <dgm:pt modelId="{ACC3C0CA-CEAC-B74C-BEC2-F420FFB8BA5D}">
+      <dgm:prSet phldrT="[Text]"/>
+      <dgm:spPr/>
+      <dgm:t>
+        <a:bodyPr/>
+        <a:lstStyle/>
+        <a:p>
+          <a:r>
+            <a:rPr lang="en-GB" dirty="0"/>
+            <a:t>Manual </a:t>
+          </a:r>
+          <a:r>
+            <a:rPr lang="en-GB" dirty="0" err="1"/>
+            <a:t>Memoization</a:t>
+          </a:r>
+          <a:endParaRPr lang="en-GB" dirty="0"/>
+        </a:p>
+      </dgm:t>
+    </dgm:pt>
+    <dgm:pt modelId="{6AC1BBD3-FB25-2F49-BEC1-F410277A3699}" type="parTrans" cxnId="{DB8D1B26-3545-CD4D-A038-0938F6D66D16}">
+      <dgm:prSet/>
+      <dgm:spPr/>
+      <dgm:t>
+        <a:bodyPr/>
+        <a:lstStyle/>
+        <a:p>
+          <a:endParaRPr lang="en-GB"/>
+        </a:p>
+      </dgm:t>
+    </dgm:pt>
+    <dgm:pt modelId="{72CB1B94-F11B-524B-A061-2CA3C7C6A53E}" type="sibTrans" cxnId="{DB8D1B26-3545-CD4D-A038-0938F6D66D16}">
+      <dgm:prSet/>
+      <dgm:spPr/>
+      <dgm:t>
+        <a:bodyPr/>
+        <a:lstStyle/>
+        <a:p>
+          <a:endParaRPr lang="en-GB"/>
+        </a:p>
+      </dgm:t>
+    </dgm:pt>
+    <dgm:pt modelId="{31D3ECE3-F7D1-4C47-9050-BDB50309B44F}">
+      <dgm:prSet phldrT="[Text]"/>
+      <dgm:spPr/>
+      <dgm:t>
+        <a:bodyPr/>
+        <a:lstStyle/>
+        <a:p>
+          <a:r>
+            <a:rPr lang="en-GB" dirty="0"/>
+            <a:t>Auto </a:t>
+          </a:r>
+          <a:r>
+            <a:rPr lang="en-GB" dirty="0" err="1"/>
+            <a:t>Memoization</a:t>
+          </a:r>
+          <a:endParaRPr lang="en-GB" dirty="0"/>
+        </a:p>
+      </dgm:t>
+    </dgm:pt>
+    <dgm:pt modelId="{0CF19D16-6F3F-7449-ADA5-F807DE14680F}" type="parTrans" cxnId="{385B68B6-7874-C548-9A28-45DBF447AEAF}">
+      <dgm:prSet/>
+      <dgm:spPr/>
+      <dgm:t>
+        <a:bodyPr/>
+        <a:lstStyle/>
+        <a:p>
+          <a:endParaRPr lang="en-GB"/>
+        </a:p>
+      </dgm:t>
+    </dgm:pt>
+    <dgm:pt modelId="{FF5C2109-130D-2D4B-A873-EFF83C4BF1F0}" type="sibTrans" cxnId="{385B68B6-7874-C548-9A28-45DBF447AEAF}">
+      <dgm:prSet/>
+      <dgm:spPr/>
+      <dgm:t>
+        <a:bodyPr/>
+        <a:lstStyle/>
+        <a:p>
+          <a:endParaRPr lang="en-GB"/>
+        </a:p>
+      </dgm:t>
+    </dgm:pt>
+    <dgm:pt modelId="{436520CE-171D-5148-88AC-1D39EFEADB1D}">
+      <dgm:prSet phldrT="[Text]"/>
+      <dgm:spPr/>
+      <dgm:t>
+        <a:bodyPr/>
+        <a:lstStyle/>
+        <a:p>
+          <a:r>
+            <a:rPr lang="en-GB" dirty="0"/>
+            <a:t>Do we need all this caching horror?</a:t>
+          </a:r>
+        </a:p>
+      </dgm:t>
+    </dgm:pt>
+    <dgm:pt modelId="{BFCE7468-7AA8-C344-A55F-A7B470607FD7}" type="parTrans" cxnId="{E4EE25D6-5470-564A-941D-CBBB23345712}">
+      <dgm:prSet/>
+      <dgm:spPr/>
+      <dgm:t>
+        <a:bodyPr/>
+        <a:lstStyle/>
+        <a:p>
+          <a:endParaRPr lang="en-GB"/>
+        </a:p>
+      </dgm:t>
+    </dgm:pt>
+    <dgm:pt modelId="{8D3DCB28-C3A8-0544-AF7C-E46066F97333}" type="sibTrans" cxnId="{E4EE25D6-5470-564A-941D-CBBB23345712}">
+      <dgm:prSet/>
+      <dgm:spPr/>
+      <dgm:t>
+        <a:bodyPr/>
+        <a:lstStyle/>
+        <a:p>
+          <a:endParaRPr lang="en-GB"/>
+        </a:p>
+      </dgm:t>
+    </dgm:pt>
+    <dgm:pt modelId="{04B8D888-E6FE-7948-A3A7-2E2248286336}" type="pres">
+      <dgm:prSet presAssocID="{6BB92694-CCF4-6D42-93A9-D5856001F2BE}" presName="hierChild1" presStyleCnt="0">
+        <dgm:presLayoutVars>
+          <dgm:chPref val="1"/>
+          <dgm:dir/>
+          <dgm:animOne val="branch"/>
+          <dgm:animLvl val="lvl"/>
+          <dgm:resizeHandles/>
+        </dgm:presLayoutVars>
+      </dgm:prSet>
+      <dgm:spPr/>
+    </dgm:pt>
+    <dgm:pt modelId="{96CB380A-4C67-B040-B0A4-6F3D746AB9D8}" type="pres">
+      <dgm:prSet presAssocID="{D6EBA58D-30EE-2645-B17E-8DD636DEC53D}" presName="hierRoot1" presStyleCnt="0"/>
+      <dgm:spPr/>
+    </dgm:pt>
+    <dgm:pt modelId="{46F98E06-5E41-F74E-9770-0E3C895C0546}" type="pres">
+      <dgm:prSet presAssocID="{D6EBA58D-30EE-2645-B17E-8DD636DEC53D}" presName="composite" presStyleCnt="0"/>
+      <dgm:spPr/>
+    </dgm:pt>
+    <dgm:pt modelId="{55D02146-F389-8F4D-8FA5-CFC007F87695}" type="pres">
+      <dgm:prSet presAssocID="{D6EBA58D-30EE-2645-B17E-8DD636DEC53D}" presName="background" presStyleLbl="node0" presStyleIdx="0" presStyleCnt="4"/>
+      <dgm:spPr/>
+    </dgm:pt>
+    <dgm:pt modelId="{16A32126-EF87-E440-8CE2-FA6B36BBB0B2}" type="pres">
+      <dgm:prSet presAssocID="{D6EBA58D-30EE-2645-B17E-8DD636DEC53D}" presName="text" presStyleLbl="fgAcc0" presStyleIdx="0" presStyleCnt="4">
+        <dgm:presLayoutVars>
+          <dgm:chPref val="3"/>
+        </dgm:presLayoutVars>
+      </dgm:prSet>
+      <dgm:spPr/>
+    </dgm:pt>
+    <dgm:pt modelId="{79EC159D-ECA5-4447-B30D-D099D0457930}" type="pres">
+      <dgm:prSet presAssocID="{D6EBA58D-30EE-2645-B17E-8DD636DEC53D}" presName="hierChild2" presStyleCnt="0"/>
+      <dgm:spPr/>
+    </dgm:pt>
+    <dgm:pt modelId="{2CAB1A11-4ABE-4144-8FF4-86BE3081E9DB}" type="pres">
+      <dgm:prSet presAssocID="{ACC3C0CA-CEAC-B74C-BEC2-F420FFB8BA5D}" presName="hierRoot1" presStyleCnt="0"/>
+      <dgm:spPr/>
+    </dgm:pt>
+    <dgm:pt modelId="{3EFF7E8E-4B29-5F4D-B3EA-259DFEC2CA26}" type="pres">
+      <dgm:prSet presAssocID="{ACC3C0CA-CEAC-B74C-BEC2-F420FFB8BA5D}" presName="composite" presStyleCnt="0"/>
+      <dgm:spPr/>
+    </dgm:pt>
+    <dgm:pt modelId="{111AF7E0-FAC2-634A-AAE6-06BD42458862}" type="pres">
+      <dgm:prSet presAssocID="{ACC3C0CA-CEAC-B74C-BEC2-F420FFB8BA5D}" presName="background" presStyleLbl="node0" presStyleIdx="1" presStyleCnt="4"/>
+      <dgm:spPr/>
+    </dgm:pt>
+    <dgm:pt modelId="{65CED16D-A2E6-D541-B393-0349995F0566}" type="pres">
+      <dgm:prSet presAssocID="{ACC3C0CA-CEAC-B74C-BEC2-F420FFB8BA5D}" presName="text" presStyleLbl="fgAcc0" presStyleIdx="1" presStyleCnt="4">
+        <dgm:presLayoutVars>
+          <dgm:chPref val="3"/>
+        </dgm:presLayoutVars>
+      </dgm:prSet>
+      <dgm:spPr/>
+    </dgm:pt>
+    <dgm:pt modelId="{C8DA879E-837D-C940-88EB-94600B306C27}" type="pres">
+      <dgm:prSet presAssocID="{ACC3C0CA-CEAC-B74C-BEC2-F420FFB8BA5D}" presName="hierChild2" presStyleCnt="0"/>
+      <dgm:spPr/>
+    </dgm:pt>
+    <dgm:pt modelId="{D7F226A9-7B2B-BE48-A3A0-25A1F8236021}" type="pres">
+      <dgm:prSet presAssocID="{31D3ECE3-F7D1-4C47-9050-BDB50309B44F}" presName="hierRoot1" presStyleCnt="0"/>
+      <dgm:spPr/>
+    </dgm:pt>
+    <dgm:pt modelId="{0AD03AA6-9C8D-A84D-8C53-16164388108C}" type="pres">
+      <dgm:prSet presAssocID="{31D3ECE3-F7D1-4C47-9050-BDB50309B44F}" presName="composite" presStyleCnt="0"/>
+      <dgm:spPr/>
+    </dgm:pt>
+    <dgm:pt modelId="{E8BAE442-CB8C-7540-9BD6-ED448205DA1E}" type="pres">
+      <dgm:prSet presAssocID="{31D3ECE3-F7D1-4C47-9050-BDB50309B44F}" presName="background" presStyleLbl="node0" presStyleIdx="2" presStyleCnt="4"/>
+      <dgm:spPr/>
+    </dgm:pt>
+    <dgm:pt modelId="{1D84FFFF-2466-A349-B7B9-77C00708009E}" type="pres">
+      <dgm:prSet presAssocID="{31D3ECE3-F7D1-4C47-9050-BDB50309B44F}" presName="text" presStyleLbl="fgAcc0" presStyleIdx="2" presStyleCnt="4">
+        <dgm:presLayoutVars>
+          <dgm:chPref val="3"/>
+        </dgm:presLayoutVars>
+      </dgm:prSet>
+      <dgm:spPr/>
+    </dgm:pt>
+    <dgm:pt modelId="{27AD2AE2-6D6D-E646-94E2-6B2BF6F7BD3E}" type="pres">
+      <dgm:prSet presAssocID="{31D3ECE3-F7D1-4C47-9050-BDB50309B44F}" presName="hierChild2" presStyleCnt="0"/>
+      <dgm:spPr/>
+    </dgm:pt>
+    <dgm:pt modelId="{9E641182-AFA1-FD41-A1F8-08EFD6B1F357}" type="pres">
+      <dgm:prSet presAssocID="{436520CE-171D-5148-88AC-1D39EFEADB1D}" presName="hierRoot1" presStyleCnt="0"/>
+      <dgm:spPr/>
+    </dgm:pt>
+    <dgm:pt modelId="{BB355CF4-449D-434A-9843-16715ACB5237}" type="pres">
+      <dgm:prSet presAssocID="{436520CE-171D-5148-88AC-1D39EFEADB1D}" presName="composite" presStyleCnt="0"/>
+      <dgm:spPr/>
+    </dgm:pt>
+    <dgm:pt modelId="{2609FCBC-3E48-644F-9578-3E65AA2B4E9C}" type="pres">
+      <dgm:prSet presAssocID="{436520CE-171D-5148-88AC-1D39EFEADB1D}" presName="background" presStyleLbl="node0" presStyleIdx="3" presStyleCnt="4"/>
+      <dgm:spPr/>
+    </dgm:pt>
+    <dgm:pt modelId="{2B508035-2CCD-2241-B7EF-3F2BF68645E9}" type="pres">
+      <dgm:prSet presAssocID="{436520CE-171D-5148-88AC-1D39EFEADB1D}" presName="text" presStyleLbl="fgAcc0" presStyleIdx="3" presStyleCnt="4">
+        <dgm:presLayoutVars>
+          <dgm:chPref val="3"/>
+        </dgm:presLayoutVars>
+      </dgm:prSet>
+      <dgm:spPr/>
+    </dgm:pt>
+    <dgm:pt modelId="{CA518B23-A82C-5F4A-B352-67480C8E5866}" type="pres">
+      <dgm:prSet presAssocID="{436520CE-171D-5148-88AC-1D39EFEADB1D}" presName="hierChild2" presStyleCnt="0"/>
+      <dgm:spPr/>
+    </dgm:pt>
+  </dgm:ptLst>
+  <dgm:cxnLst>
+    <dgm:cxn modelId="{DB8D1B26-3545-CD4D-A038-0938F6D66D16}" srcId="{6BB92694-CCF4-6D42-93A9-D5856001F2BE}" destId="{ACC3C0CA-CEAC-B74C-BEC2-F420FFB8BA5D}" srcOrd="1" destOrd="0" parTransId="{6AC1BBD3-FB25-2F49-BEC1-F410277A3699}" sibTransId="{72CB1B94-F11B-524B-A061-2CA3C7C6A53E}"/>
+    <dgm:cxn modelId="{93E7FE26-A8A3-6B4E-AC8B-CBD82C963D2B}" type="presOf" srcId="{D6EBA58D-30EE-2645-B17E-8DD636DEC53D}" destId="{16A32126-EF87-E440-8CE2-FA6B36BBB0B2}" srcOrd="0" destOrd="0" presId="urn:microsoft.com/office/officeart/2005/8/layout/hierarchy1"/>
+    <dgm:cxn modelId="{9726402A-3C7A-C442-80F1-719E355C6B7A}" srcId="{6BB92694-CCF4-6D42-93A9-D5856001F2BE}" destId="{D6EBA58D-30EE-2645-B17E-8DD636DEC53D}" srcOrd="0" destOrd="0" parTransId="{52D35CB9-49DE-194B-9BBF-3FF55EB59755}" sibTransId="{397BB982-B843-A546-8F0D-4C78A0FACB52}"/>
+    <dgm:cxn modelId="{5ABD6358-FD42-F84B-B9C9-B223A3CDF2AB}" type="presOf" srcId="{436520CE-171D-5148-88AC-1D39EFEADB1D}" destId="{2B508035-2CCD-2241-B7EF-3F2BF68645E9}" srcOrd="0" destOrd="0" presId="urn:microsoft.com/office/officeart/2005/8/layout/hierarchy1"/>
+    <dgm:cxn modelId="{253FB19A-A3C5-2140-B74E-4B555BC25777}" type="presOf" srcId="{ACC3C0CA-CEAC-B74C-BEC2-F420FFB8BA5D}" destId="{65CED16D-A2E6-D541-B393-0349995F0566}" srcOrd="0" destOrd="0" presId="urn:microsoft.com/office/officeart/2005/8/layout/hierarchy1"/>
+    <dgm:cxn modelId="{385B68B6-7874-C548-9A28-45DBF447AEAF}" srcId="{6BB92694-CCF4-6D42-93A9-D5856001F2BE}" destId="{31D3ECE3-F7D1-4C47-9050-BDB50309B44F}" srcOrd="2" destOrd="0" parTransId="{0CF19D16-6F3F-7449-ADA5-F807DE14680F}" sibTransId="{FF5C2109-130D-2D4B-A873-EFF83C4BF1F0}"/>
+    <dgm:cxn modelId="{111537C0-CBD5-6147-B73F-47092D637587}" type="presOf" srcId="{31D3ECE3-F7D1-4C47-9050-BDB50309B44F}" destId="{1D84FFFF-2466-A349-B7B9-77C00708009E}" srcOrd="0" destOrd="0" presId="urn:microsoft.com/office/officeart/2005/8/layout/hierarchy1"/>
+    <dgm:cxn modelId="{E4EE25D6-5470-564A-941D-CBBB23345712}" srcId="{6BB92694-CCF4-6D42-93A9-D5856001F2BE}" destId="{436520CE-171D-5148-88AC-1D39EFEADB1D}" srcOrd="3" destOrd="0" parTransId="{BFCE7468-7AA8-C344-A55F-A7B470607FD7}" sibTransId="{8D3DCB28-C3A8-0544-AF7C-E46066F97333}"/>
+    <dgm:cxn modelId="{2C1F33EA-9FAB-8246-9174-CDF623BEF74C}" type="presOf" srcId="{6BB92694-CCF4-6D42-93A9-D5856001F2BE}" destId="{04B8D888-E6FE-7948-A3A7-2E2248286336}" srcOrd="0" destOrd="0" presId="urn:microsoft.com/office/officeart/2005/8/layout/hierarchy1"/>
+    <dgm:cxn modelId="{D26F376F-6B67-9545-86E1-942188FF298E}" type="presParOf" srcId="{04B8D888-E6FE-7948-A3A7-2E2248286336}" destId="{96CB380A-4C67-B040-B0A4-6F3D746AB9D8}" srcOrd="0" destOrd="0" presId="urn:microsoft.com/office/officeart/2005/8/layout/hierarchy1"/>
+    <dgm:cxn modelId="{C149E6CC-56F4-A44C-8498-4CC414520044}" type="presParOf" srcId="{96CB380A-4C67-B040-B0A4-6F3D746AB9D8}" destId="{46F98E06-5E41-F74E-9770-0E3C895C0546}" srcOrd="0" destOrd="0" presId="urn:microsoft.com/office/officeart/2005/8/layout/hierarchy1"/>
+    <dgm:cxn modelId="{41D2689E-CCF5-3A4E-8737-88B1B7085202}" type="presParOf" srcId="{46F98E06-5E41-F74E-9770-0E3C895C0546}" destId="{55D02146-F389-8F4D-8FA5-CFC007F87695}" srcOrd="0" destOrd="0" presId="urn:microsoft.com/office/officeart/2005/8/layout/hierarchy1"/>
+    <dgm:cxn modelId="{2586E684-3F70-5F44-B41F-F24235AC146A}" type="presParOf" srcId="{46F98E06-5E41-F74E-9770-0E3C895C0546}" destId="{16A32126-EF87-E440-8CE2-FA6B36BBB0B2}" srcOrd="1" destOrd="0" presId="urn:microsoft.com/office/officeart/2005/8/layout/hierarchy1"/>
+    <dgm:cxn modelId="{0D09EFA3-EB65-B14E-898C-E434DE5B1680}" type="presParOf" srcId="{96CB380A-4C67-B040-B0A4-6F3D746AB9D8}" destId="{79EC159D-ECA5-4447-B30D-D099D0457930}" srcOrd="1" destOrd="0" presId="urn:microsoft.com/office/officeart/2005/8/layout/hierarchy1"/>
+    <dgm:cxn modelId="{DBC9C21E-F244-5649-8F00-1C95A3F60103}" type="presParOf" srcId="{04B8D888-E6FE-7948-A3A7-2E2248286336}" destId="{2CAB1A11-4ABE-4144-8FF4-86BE3081E9DB}" srcOrd="1" destOrd="0" presId="urn:microsoft.com/office/officeart/2005/8/layout/hierarchy1"/>
+    <dgm:cxn modelId="{05D08C12-8988-754F-94D7-5B6FB457F588}" type="presParOf" srcId="{2CAB1A11-4ABE-4144-8FF4-86BE3081E9DB}" destId="{3EFF7E8E-4B29-5F4D-B3EA-259DFEC2CA26}" srcOrd="0" destOrd="0" presId="urn:microsoft.com/office/officeart/2005/8/layout/hierarchy1"/>
+    <dgm:cxn modelId="{EEFA2C0E-0556-BA49-AE33-1B0230D6B174}" type="presParOf" srcId="{3EFF7E8E-4B29-5F4D-B3EA-259DFEC2CA26}" destId="{111AF7E0-FAC2-634A-AAE6-06BD42458862}" srcOrd="0" destOrd="0" presId="urn:microsoft.com/office/officeart/2005/8/layout/hierarchy1"/>
+    <dgm:cxn modelId="{1A8E9880-76CF-6B45-AF9A-EAAD56F6F018}" type="presParOf" srcId="{3EFF7E8E-4B29-5F4D-B3EA-259DFEC2CA26}" destId="{65CED16D-A2E6-D541-B393-0349995F0566}" srcOrd="1" destOrd="0" presId="urn:microsoft.com/office/officeart/2005/8/layout/hierarchy1"/>
+    <dgm:cxn modelId="{F2E646BE-920F-5941-B489-DFA3E1577979}" type="presParOf" srcId="{2CAB1A11-4ABE-4144-8FF4-86BE3081E9DB}" destId="{C8DA879E-837D-C940-88EB-94600B306C27}" srcOrd="1" destOrd="0" presId="urn:microsoft.com/office/officeart/2005/8/layout/hierarchy1"/>
+    <dgm:cxn modelId="{0DDC75BF-3341-0547-99C8-7878846D9EB6}" type="presParOf" srcId="{04B8D888-E6FE-7948-A3A7-2E2248286336}" destId="{D7F226A9-7B2B-BE48-A3A0-25A1F8236021}" srcOrd="2" destOrd="0" presId="urn:microsoft.com/office/officeart/2005/8/layout/hierarchy1"/>
+    <dgm:cxn modelId="{F095A2F4-DD7F-AD46-85F3-AB95861001D5}" type="presParOf" srcId="{D7F226A9-7B2B-BE48-A3A0-25A1F8236021}" destId="{0AD03AA6-9C8D-A84D-8C53-16164388108C}" srcOrd="0" destOrd="0" presId="urn:microsoft.com/office/officeart/2005/8/layout/hierarchy1"/>
+    <dgm:cxn modelId="{B670A4B9-54D2-F141-985C-4AB7B787939B}" type="presParOf" srcId="{0AD03AA6-9C8D-A84D-8C53-16164388108C}" destId="{E8BAE442-CB8C-7540-9BD6-ED448205DA1E}" srcOrd="0" destOrd="0" presId="urn:microsoft.com/office/officeart/2005/8/layout/hierarchy1"/>
+    <dgm:cxn modelId="{6205A9F4-5570-3D42-B928-80046B184D7D}" type="presParOf" srcId="{0AD03AA6-9C8D-A84D-8C53-16164388108C}" destId="{1D84FFFF-2466-A349-B7B9-77C00708009E}" srcOrd="1" destOrd="0" presId="urn:microsoft.com/office/officeart/2005/8/layout/hierarchy1"/>
+    <dgm:cxn modelId="{606D6EB3-8442-C04A-B1A7-951B67D9A8AA}" type="presParOf" srcId="{D7F226A9-7B2B-BE48-A3A0-25A1F8236021}" destId="{27AD2AE2-6D6D-E646-94E2-6B2BF6F7BD3E}" srcOrd="1" destOrd="0" presId="urn:microsoft.com/office/officeart/2005/8/layout/hierarchy1"/>
+    <dgm:cxn modelId="{0086B213-9C4B-AD44-BB93-2922BE0F796E}" type="presParOf" srcId="{04B8D888-E6FE-7948-A3A7-2E2248286336}" destId="{9E641182-AFA1-FD41-A1F8-08EFD6B1F357}" srcOrd="3" destOrd="0" presId="urn:microsoft.com/office/officeart/2005/8/layout/hierarchy1"/>
+    <dgm:cxn modelId="{C6AE57BF-11D0-D040-9391-D04C22130210}" type="presParOf" srcId="{9E641182-AFA1-FD41-A1F8-08EFD6B1F357}" destId="{BB355CF4-449D-434A-9843-16715ACB5237}" srcOrd="0" destOrd="0" presId="urn:microsoft.com/office/officeart/2005/8/layout/hierarchy1"/>
+    <dgm:cxn modelId="{7217812D-2BA6-B04B-A605-03E26405861F}" type="presParOf" srcId="{BB355CF4-449D-434A-9843-16715ACB5237}" destId="{2609FCBC-3E48-644F-9578-3E65AA2B4E9C}" srcOrd="0" destOrd="0" presId="urn:microsoft.com/office/officeart/2005/8/layout/hierarchy1"/>
+    <dgm:cxn modelId="{60B26DD4-A031-4849-8C35-A5FA5C91A710}" type="presParOf" srcId="{BB355CF4-449D-434A-9843-16715ACB5237}" destId="{2B508035-2CCD-2241-B7EF-3F2BF68645E9}" srcOrd="1" destOrd="0" presId="urn:microsoft.com/office/officeart/2005/8/layout/hierarchy1"/>
+    <dgm:cxn modelId="{4011D495-211A-7C4D-B428-27E11204E8F3}" type="presParOf" srcId="{9E641182-AFA1-FD41-A1F8-08EFD6B1F357}" destId="{CA518B23-A82C-5F4A-B352-67480C8E5866}" srcOrd="1" destOrd="0" presId="urn:microsoft.com/office/officeart/2005/8/layout/hierarchy1"/>
+  </dgm:cxnLst>
+  <dgm:bg/>
+  <dgm:whole/>
+  <dgm:extLst>
+    <a:ext uri="http://schemas.microsoft.com/office/drawing/2008/diagram">
+      <dsp:dataModelExt xmlns:dsp="http://schemas.microsoft.com/office/drawing/2008/diagram" relId="rId6" minVer="http://schemas.openxmlformats.org/drawingml/2006/diagram"/>
+    </a:ext>
+  </dgm:extLst>
+</dgm:dataModel>
+</file>
+
+<file path=ppt/diagrams/drawing1.xml><?xml version="1.0" encoding="utf-8"?>
+<dsp:drawing xmlns:dgm="http://schemas.openxmlformats.org/drawingml/2006/diagram" xmlns:dsp="http://schemas.microsoft.com/office/drawing/2008/diagram" xmlns:a="http://schemas.openxmlformats.org/drawingml/2006/main">
+  <dsp:spTree>
+    <dsp:nvGrpSpPr>
+      <dsp:cNvPr id="0" name=""/>
+      <dsp:cNvGrpSpPr/>
+    </dsp:nvGrpSpPr>
+    <dsp:grpSpPr/>
+    <dsp:sp modelId="{55D02146-F389-8F4D-8FA5-CFC007F87695}">
+      <dsp:nvSpPr>
+        <dsp:cNvPr id="0" name=""/>
+        <dsp:cNvSpPr/>
+      </dsp:nvSpPr>
+      <dsp:spPr>
+        <a:xfrm>
+          <a:off x="1785" y="1559836"/>
+          <a:ext cx="1275159" cy="809726"/>
+        </a:xfrm>
+        <a:prstGeom prst="roundRect">
+          <a:avLst>
+            <a:gd name="adj" fmla="val 10000"/>
+          </a:avLst>
+        </a:prstGeom>
+        <a:gradFill rotWithShape="0">
+          <a:gsLst>
+            <a:gs pos="0">
+              <a:schemeClr val="accent1">
+                <a:hueOff val="0"/>
+                <a:satOff val="0"/>
+                <a:lumOff val="0"/>
+                <a:alphaOff val="0"/>
+                <a:tint val="94000"/>
+                <a:satMod val="100000"/>
+                <a:lumMod val="108000"/>
+              </a:schemeClr>
+            </a:gs>
+            <a:gs pos="50000">
+              <a:schemeClr val="accent1">
+                <a:hueOff val="0"/>
+                <a:satOff val="0"/>
+                <a:lumOff val="0"/>
+                <a:alphaOff val="0"/>
+                <a:tint val="98000"/>
+                <a:shade val="100000"/>
+                <a:satMod val="100000"/>
+                <a:lumMod val="100000"/>
+              </a:schemeClr>
+            </a:gs>
+            <a:gs pos="100000">
+              <a:schemeClr val="accent1">
+                <a:hueOff val="0"/>
+                <a:satOff val="0"/>
+                <a:lumOff val="0"/>
+                <a:alphaOff val="0"/>
+                <a:shade val="72000"/>
+                <a:satMod val="120000"/>
+                <a:lumMod val="100000"/>
+              </a:schemeClr>
+            </a:gs>
+          </a:gsLst>
+          <a:lin ang="5400000" scaled="0"/>
+        </a:gradFill>
+        <a:ln>
+          <a:noFill/>
+        </a:ln>
+        <a:effectLst>
+          <a:outerShdw blurRad="63500" dist="25400" dir="5400000" algn="ctr" rotWithShape="0">
+            <a:srgbClr val="000000">
+              <a:alpha val="69000"/>
+            </a:srgbClr>
+          </a:outerShdw>
+        </a:effectLst>
+        <a:scene3d>
+          <a:camera prst="orthographicFront">
+            <a:rot lat="0" lon="0" rev="0"/>
+          </a:camera>
+          <a:lightRig rig="balanced" dir="t">
+            <a:rot lat="0" lon="0" rev="1200000"/>
+          </a:lightRig>
+        </a:scene3d>
+        <a:sp3d prstMaterial="plastic">
+          <a:bevelT w="25400" h="25400"/>
+        </a:sp3d>
+      </dsp:spPr>
+      <dsp:style>
+        <a:lnRef idx="0">
+          <a:scrgbClr r="0" g="0" b="0"/>
+        </a:lnRef>
+        <a:fillRef idx="3">
+          <a:scrgbClr r="0" g="0" b="0"/>
+        </a:fillRef>
+        <a:effectRef idx="3">
+          <a:scrgbClr r="0" g="0" b="0"/>
+        </a:effectRef>
+        <a:fontRef idx="minor">
+          <a:schemeClr val="lt1"/>
+        </a:fontRef>
+      </dsp:style>
+    </dsp:sp>
+    <dsp:sp modelId="{16A32126-EF87-E440-8CE2-FA6B36BBB0B2}">
+      <dsp:nvSpPr>
+        <dsp:cNvPr id="0" name=""/>
+        <dsp:cNvSpPr/>
+      </dsp:nvSpPr>
+      <dsp:spPr>
+        <a:xfrm>
+          <a:off x="143470" y="1694436"/>
+          <a:ext cx="1275159" cy="809726"/>
+        </a:xfrm>
+        <a:prstGeom prst="roundRect">
+          <a:avLst>
+            <a:gd name="adj" fmla="val 10000"/>
+          </a:avLst>
+        </a:prstGeom>
+        <a:solidFill>
+          <a:schemeClr val="lt1">
+            <a:alpha val="90000"/>
+            <a:hueOff val="0"/>
+            <a:satOff val="0"/>
+            <a:lumOff val="0"/>
+            <a:alphaOff val="0"/>
+          </a:schemeClr>
+        </a:solidFill>
+        <a:ln w="9525" cap="flat" cmpd="sng" algn="ctr">
+          <a:solidFill>
+            <a:schemeClr val="accent1">
+              <a:hueOff val="0"/>
+              <a:satOff val="0"/>
+              <a:lumOff val="0"/>
+              <a:alphaOff val="0"/>
+            </a:schemeClr>
+          </a:solidFill>
+          <a:prstDash val="solid"/>
+        </a:ln>
+        <a:effectLst>
+          <a:outerShdw blurRad="50800" dist="25400" dir="5400000" rotWithShape="0">
+            <a:srgbClr val="000000">
+              <a:alpha val="28000"/>
+            </a:srgbClr>
+          </a:outerShdw>
+        </a:effectLst>
+      </dsp:spPr>
+      <dsp:style>
+        <a:lnRef idx="1">
+          <a:scrgbClr r="0" g="0" b="0"/>
+        </a:lnRef>
+        <a:fillRef idx="1">
+          <a:scrgbClr r="0" g="0" b="0"/>
+        </a:fillRef>
+        <a:effectRef idx="2">
+          <a:scrgbClr r="0" g="0" b="0"/>
+        </a:effectRef>
+        <a:fontRef idx="minor"/>
+      </dsp:style>
+      <dsp:txBody>
+        <a:bodyPr spcFirstLastPara="0" vert="horz" wrap="square" lIns="57150" tIns="57150" rIns="57150" bIns="57150" numCol="1" spcCol="1270" anchor="ctr" anchorCtr="0">
+          <a:noAutofit/>
+        </a:bodyPr>
+        <a:lstStyle/>
+        <a:p>
+          <a:pPr marL="0" lvl="0" indent="0" algn="ctr" defTabSz="666750">
+            <a:lnSpc>
+              <a:spcPct val="90000"/>
+            </a:lnSpc>
+            <a:spcBef>
+              <a:spcPct val="0"/>
+            </a:spcBef>
+            <a:spcAft>
+              <a:spcPct val="35000"/>
+            </a:spcAft>
+            <a:buNone/>
+          </a:pPr>
+          <a:r>
+            <a:rPr lang="en-GB" sz="1500" kern="1200" dirty="0"/>
+            <a:t>Bare Recursion</a:t>
+          </a:r>
+        </a:p>
+      </dsp:txBody>
+      <dsp:txXfrm>
+        <a:off x="167186" y="1718152"/>
+        <a:ext cx="1227727" cy="762294"/>
+      </dsp:txXfrm>
+    </dsp:sp>
+    <dsp:sp modelId="{111AF7E0-FAC2-634A-AAE6-06BD42458862}">
+      <dsp:nvSpPr>
+        <dsp:cNvPr id="0" name=""/>
+        <dsp:cNvSpPr/>
+      </dsp:nvSpPr>
+      <dsp:spPr>
+        <a:xfrm>
+          <a:off x="1560314" y="1559836"/>
+          <a:ext cx="1275159" cy="809726"/>
+        </a:xfrm>
+        <a:prstGeom prst="roundRect">
+          <a:avLst>
+            <a:gd name="adj" fmla="val 10000"/>
+          </a:avLst>
+        </a:prstGeom>
+        <a:gradFill rotWithShape="0">
+          <a:gsLst>
+            <a:gs pos="0">
+              <a:schemeClr val="accent1">
+                <a:hueOff val="0"/>
+                <a:satOff val="0"/>
+                <a:lumOff val="0"/>
+                <a:alphaOff val="0"/>
+                <a:tint val="94000"/>
+                <a:satMod val="100000"/>
+                <a:lumMod val="108000"/>
+              </a:schemeClr>
+            </a:gs>
+            <a:gs pos="50000">
+              <a:schemeClr val="accent1">
+                <a:hueOff val="0"/>
+                <a:satOff val="0"/>
+                <a:lumOff val="0"/>
+                <a:alphaOff val="0"/>
+                <a:tint val="98000"/>
+                <a:shade val="100000"/>
+                <a:satMod val="100000"/>
+                <a:lumMod val="100000"/>
+              </a:schemeClr>
+            </a:gs>
+            <a:gs pos="100000">
+              <a:schemeClr val="accent1">
+                <a:hueOff val="0"/>
+                <a:satOff val="0"/>
+                <a:lumOff val="0"/>
+                <a:alphaOff val="0"/>
+                <a:shade val="72000"/>
+                <a:satMod val="120000"/>
+                <a:lumMod val="100000"/>
+              </a:schemeClr>
+            </a:gs>
+          </a:gsLst>
+          <a:lin ang="5400000" scaled="0"/>
+        </a:gradFill>
+        <a:ln>
+          <a:noFill/>
+        </a:ln>
+        <a:effectLst>
+          <a:outerShdw blurRad="63500" dist="25400" dir="5400000" algn="ctr" rotWithShape="0">
+            <a:srgbClr val="000000">
+              <a:alpha val="69000"/>
+            </a:srgbClr>
+          </a:outerShdw>
+        </a:effectLst>
+        <a:scene3d>
+          <a:camera prst="orthographicFront">
+            <a:rot lat="0" lon="0" rev="0"/>
+          </a:camera>
+          <a:lightRig rig="balanced" dir="t">
+            <a:rot lat="0" lon="0" rev="1200000"/>
+          </a:lightRig>
+        </a:scene3d>
+        <a:sp3d prstMaterial="plastic">
+          <a:bevelT w="25400" h="25400"/>
+        </a:sp3d>
+      </dsp:spPr>
+      <dsp:style>
+        <a:lnRef idx="0">
+          <a:scrgbClr r="0" g="0" b="0"/>
+        </a:lnRef>
+        <a:fillRef idx="3">
+          <a:scrgbClr r="0" g="0" b="0"/>
+        </a:fillRef>
+        <a:effectRef idx="3">
+          <a:scrgbClr r="0" g="0" b="0"/>
+        </a:effectRef>
+        <a:fontRef idx="minor">
+          <a:schemeClr val="lt1"/>
+        </a:fontRef>
+      </dsp:style>
+    </dsp:sp>
+    <dsp:sp modelId="{65CED16D-A2E6-D541-B393-0349995F0566}">
+      <dsp:nvSpPr>
+        <dsp:cNvPr id="0" name=""/>
+        <dsp:cNvSpPr/>
+      </dsp:nvSpPr>
+      <dsp:spPr>
+        <a:xfrm>
+          <a:off x="1701998" y="1694436"/>
+          <a:ext cx="1275159" cy="809726"/>
+        </a:xfrm>
+        <a:prstGeom prst="roundRect">
+          <a:avLst>
+            <a:gd name="adj" fmla="val 10000"/>
+          </a:avLst>
+        </a:prstGeom>
+        <a:solidFill>
+          <a:schemeClr val="lt1">
+            <a:alpha val="90000"/>
+            <a:hueOff val="0"/>
+            <a:satOff val="0"/>
+            <a:lumOff val="0"/>
+            <a:alphaOff val="0"/>
+          </a:schemeClr>
+        </a:solidFill>
+        <a:ln w="9525" cap="flat" cmpd="sng" algn="ctr">
+          <a:solidFill>
+            <a:schemeClr val="accent1">
+              <a:hueOff val="0"/>
+              <a:satOff val="0"/>
+              <a:lumOff val="0"/>
+              <a:alphaOff val="0"/>
+            </a:schemeClr>
+          </a:solidFill>
+          <a:prstDash val="solid"/>
+        </a:ln>
+        <a:effectLst>
+          <a:outerShdw blurRad="50800" dist="25400" dir="5400000" rotWithShape="0">
+            <a:srgbClr val="000000">
+              <a:alpha val="28000"/>
+            </a:srgbClr>
+          </a:outerShdw>
+        </a:effectLst>
+      </dsp:spPr>
+      <dsp:style>
+        <a:lnRef idx="1">
+          <a:scrgbClr r="0" g="0" b="0"/>
+        </a:lnRef>
+        <a:fillRef idx="1">
+          <a:scrgbClr r="0" g="0" b="0"/>
+        </a:fillRef>
+        <a:effectRef idx="2">
+          <a:scrgbClr r="0" g="0" b="0"/>
+        </a:effectRef>
+        <a:fontRef idx="minor"/>
+      </dsp:style>
+      <dsp:txBody>
+        <a:bodyPr spcFirstLastPara="0" vert="horz" wrap="square" lIns="57150" tIns="57150" rIns="57150" bIns="57150" numCol="1" spcCol="1270" anchor="ctr" anchorCtr="0">
+          <a:noAutofit/>
+        </a:bodyPr>
+        <a:lstStyle/>
+        <a:p>
+          <a:pPr marL="0" lvl="0" indent="0" algn="ctr" defTabSz="666750">
+            <a:lnSpc>
+              <a:spcPct val="90000"/>
+            </a:lnSpc>
+            <a:spcBef>
+              <a:spcPct val="0"/>
+            </a:spcBef>
+            <a:spcAft>
+              <a:spcPct val="35000"/>
+            </a:spcAft>
+            <a:buNone/>
+          </a:pPr>
+          <a:r>
+            <a:rPr lang="en-GB" sz="1500" kern="1200" dirty="0"/>
+            <a:t>Manual </a:t>
+          </a:r>
+          <a:r>
+            <a:rPr lang="en-GB" sz="1500" kern="1200" dirty="0" err="1"/>
+            <a:t>Memoization</a:t>
+          </a:r>
+          <a:endParaRPr lang="en-GB" sz="1500" kern="1200" dirty="0"/>
+        </a:p>
+      </dsp:txBody>
+      <dsp:txXfrm>
+        <a:off x="1725714" y="1718152"/>
+        <a:ext cx="1227727" cy="762294"/>
+      </dsp:txXfrm>
+    </dsp:sp>
+    <dsp:sp modelId="{E8BAE442-CB8C-7540-9BD6-ED448205DA1E}">
+      <dsp:nvSpPr>
+        <dsp:cNvPr id="0" name=""/>
+        <dsp:cNvSpPr/>
+      </dsp:nvSpPr>
+      <dsp:spPr>
+        <a:xfrm>
+          <a:off x="3118842" y="1559836"/>
+          <a:ext cx="1275159" cy="809726"/>
+        </a:xfrm>
+        <a:prstGeom prst="roundRect">
+          <a:avLst>
+            <a:gd name="adj" fmla="val 10000"/>
+          </a:avLst>
+        </a:prstGeom>
+        <a:gradFill rotWithShape="0">
+          <a:gsLst>
+            <a:gs pos="0">
+              <a:schemeClr val="accent1">
+                <a:hueOff val="0"/>
+                <a:satOff val="0"/>
+                <a:lumOff val="0"/>
+                <a:alphaOff val="0"/>
+                <a:tint val="94000"/>
+                <a:satMod val="100000"/>
+                <a:lumMod val="108000"/>
+              </a:schemeClr>
+            </a:gs>
+            <a:gs pos="50000">
+              <a:schemeClr val="accent1">
+                <a:hueOff val="0"/>
+                <a:satOff val="0"/>
+                <a:lumOff val="0"/>
+                <a:alphaOff val="0"/>
+                <a:tint val="98000"/>
+                <a:shade val="100000"/>
+                <a:satMod val="100000"/>
+                <a:lumMod val="100000"/>
+              </a:schemeClr>
+            </a:gs>
+            <a:gs pos="100000">
+              <a:schemeClr val="accent1">
+                <a:hueOff val="0"/>
+                <a:satOff val="0"/>
+                <a:lumOff val="0"/>
+                <a:alphaOff val="0"/>
+                <a:shade val="72000"/>
+                <a:satMod val="120000"/>
+                <a:lumMod val="100000"/>
+              </a:schemeClr>
+            </a:gs>
+          </a:gsLst>
+          <a:lin ang="5400000" scaled="0"/>
+        </a:gradFill>
+        <a:ln>
+          <a:noFill/>
+        </a:ln>
+        <a:effectLst>
+          <a:outerShdw blurRad="63500" dist="25400" dir="5400000" algn="ctr" rotWithShape="0">
+            <a:srgbClr val="000000">
+              <a:alpha val="69000"/>
+            </a:srgbClr>
+          </a:outerShdw>
+        </a:effectLst>
+        <a:scene3d>
+          <a:camera prst="orthographicFront">
+            <a:rot lat="0" lon="0" rev="0"/>
+          </a:camera>
+          <a:lightRig rig="balanced" dir="t">
+            <a:rot lat="0" lon="0" rev="1200000"/>
+          </a:lightRig>
+        </a:scene3d>
+        <a:sp3d prstMaterial="plastic">
+          <a:bevelT w="25400" h="25400"/>
+        </a:sp3d>
+      </dsp:spPr>
+      <dsp:style>
+        <a:lnRef idx="0">
+          <a:scrgbClr r="0" g="0" b="0"/>
+        </a:lnRef>
+        <a:fillRef idx="3">
+          <a:scrgbClr r="0" g="0" b="0"/>
+        </a:fillRef>
+        <a:effectRef idx="3">
+          <a:scrgbClr r="0" g="0" b="0"/>
+        </a:effectRef>
+        <a:fontRef idx="minor">
+          <a:schemeClr val="lt1"/>
+        </a:fontRef>
+      </dsp:style>
+    </dsp:sp>
+    <dsp:sp modelId="{1D84FFFF-2466-A349-B7B9-77C00708009E}">
+      <dsp:nvSpPr>
+        <dsp:cNvPr id="0" name=""/>
+        <dsp:cNvSpPr/>
+      </dsp:nvSpPr>
+      <dsp:spPr>
+        <a:xfrm>
+          <a:off x="3260526" y="1694436"/>
+          <a:ext cx="1275159" cy="809726"/>
+        </a:xfrm>
+        <a:prstGeom prst="roundRect">
+          <a:avLst>
+            <a:gd name="adj" fmla="val 10000"/>
+          </a:avLst>
+        </a:prstGeom>
+        <a:solidFill>
+          <a:schemeClr val="lt1">
+            <a:alpha val="90000"/>
+            <a:hueOff val="0"/>
+            <a:satOff val="0"/>
+            <a:lumOff val="0"/>
+            <a:alphaOff val="0"/>
+          </a:schemeClr>
+        </a:solidFill>
+        <a:ln w="9525" cap="flat" cmpd="sng" algn="ctr">
+          <a:solidFill>
+            <a:schemeClr val="accent1">
+              <a:hueOff val="0"/>
+              <a:satOff val="0"/>
+              <a:lumOff val="0"/>
+              <a:alphaOff val="0"/>
+            </a:schemeClr>
+          </a:solidFill>
+          <a:prstDash val="solid"/>
+        </a:ln>
+        <a:effectLst>
+          <a:outerShdw blurRad="50800" dist="25400" dir="5400000" rotWithShape="0">
+            <a:srgbClr val="000000">
+              <a:alpha val="28000"/>
+            </a:srgbClr>
+          </a:outerShdw>
+        </a:effectLst>
+      </dsp:spPr>
+      <dsp:style>
+        <a:lnRef idx="1">
+          <a:scrgbClr r="0" g="0" b="0"/>
+        </a:lnRef>
+        <a:fillRef idx="1">
+          <a:scrgbClr r="0" g="0" b="0"/>
+        </a:fillRef>
+        <a:effectRef idx="2">
+          <a:scrgbClr r="0" g="0" b="0"/>
+        </a:effectRef>
+        <a:fontRef idx="minor"/>
+      </dsp:style>
+      <dsp:txBody>
+        <a:bodyPr spcFirstLastPara="0" vert="horz" wrap="square" lIns="57150" tIns="57150" rIns="57150" bIns="57150" numCol="1" spcCol="1270" anchor="ctr" anchorCtr="0">
+          <a:noAutofit/>
+        </a:bodyPr>
+        <a:lstStyle/>
+        <a:p>
+          <a:pPr marL="0" lvl="0" indent="0" algn="ctr" defTabSz="666750">
+            <a:lnSpc>
+              <a:spcPct val="90000"/>
+            </a:lnSpc>
+            <a:spcBef>
+              <a:spcPct val="0"/>
+            </a:spcBef>
+            <a:spcAft>
+              <a:spcPct val="35000"/>
+            </a:spcAft>
+            <a:buNone/>
+          </a:pPr>
+          <a:r>
+            <a:rPr lang="en-GB" sz="1500" kern="1200" dirty="0"/>
+            <a:t>Auto </a:t>
+          </a:r>
+          <a:r>
+            <a:rPr lang="en-GB" sz="1500" kern="1200" dirty="0" err="1"/>
+            <a:t>Memoization</a:t>
+          </a:r>
+          <a:endParaRPr lang="en-GB" sz="1500" kern="1200" dirty="0"/>
+        </a:p>
+      </dsp:txBody>
+      <dsp:txXfrm>
+        <a:off x="3284242" y="1718152"/>
+        <a:ext cx="1227727" cy="762294"/>
+      </dsp:txXfrm>
+    </dsp:sp>
+    <dsp:sp modelId="{2609FCBC-3E48-644F-9578-3E65AA2B4E9C}">
+      <dsp:nvSpPr>
+        <dsp:cNvPr id="0" name=""/>
+        <dsp:cNvSpPr/>
+      </dsp:nvSpPr>
+      <dsp:spPr>
+        <a:xfrm>
+          <a:off x="4677370" y="1559836"/>
+          <a:ext cx="1275159" cy="809726"/>
+        </a:xfrm>
+        <a:prstGeom prst="roundRect">
+          <a:avLst>
+            <a:gd name="adj" fmla="val 10000"/>
+          </a:avLst>
+        </a:prstGeom>
+        <a:gradFill rotWithShape="0">
+          <a:gsLst>
+            <a:gs pos="0">
+              <a:schemeClr val="accent1">
+                <a:hueOff val="0"/>
+                <a:satOff val="0"/>
+                <a:lumOff val="0"/>
+                <a:alphaOff val="0"/>
+                <a:tint val="94000"/>
+                <a:satMod val="100000"/>
+                <a:lumMod val="108000"/>
+              </a:schemeClr>
+            </a:gs>
+            <a:gs pos="50000">
+              <a:schemeClr val="accent1">
+                <a:hueOff val="0"/>
+                <a:satOff val="0"/>
+                <a:lumOff val="0"/>
+                <a:alphaOff val="0"/>
+                <a:tint val="98000"/>
+                <a:shade val="100000"/>
+                <a:satMod val="100000"/>
+                <a:lumMod val="100000"/>
+              </a:schemeClr>
+            </a:gs>
+            <a:gs pos="100000">
+              <a:schemeClr val="accent1">
+                <a:hueOff val="0"/>
+                <a:satOff val="0"/>
+                <a:lumOff val="0"/>
+                <a:alphaOff val="0"/>
+                <a:shade val="72000"/>
+                <a:satMod val="120000"/>
+                <a:lumMod val="100000"/>
+              </a:schemeClr>
+            </a:gs>
+          </a:gsLst>
+          <a:lin ang="5400000" scaled="0"/>
+        </a:gradFill>
+        <a:ln>
+          <a:noFill/>
+        </a:ln>
+        <a:effectLst>
+          <a:outerShdw blurRad="63500" dist="25400" dir="5400000" algn="ctr" rotWithShape="0">
+            <a:srgbClr val="000000">
+              <a:alpha val="69000"/>
+            </a:srgbClr>
+          </a:outerShdw>
+        </a:effectLst>
+        <a:scene3d>
+          <a:camera prst="orthographicFront">
+            <a:rot lat="0" lon="0" rev="0"/>
+          </a:camera>
+          <a:lightRig rig="balanced" dir="t">
+            <a:rot lat="0" lon="0" rev="1200000"/>
+          </a:lightRig>
+        </a:scene3d>
+        <a:sp3d prstMaterial="plastic">
+          <a:bevelT w="25400" h="25400"/>
+        </a:sp3d>
+      </dsp:spPr>
+      <dsp:style>
+        <a:lnRef idx="0">
+          <a:scrgbClr r="0" g="0" b="0"/>
+        </a:lnRef>
+        <a:fillRef idx="3">
+          <a:scrgbClr r="0" g="0" b="0"/>
+        </a:fillRef>
+        <a:effectRef idx="3">
+          <a:scrgbClr r="0" g="0" b="0"/>
+        </a:effectRef>
+        <a:fontRef idx="minor">
+          <a:schemeClr val="lt1"/>
+        </a:fontRef>
+      </dsp:style>
+    </dsp:sp>
+    <dsp:sp modelId="{2B508035-2CCD-2241-B7EF-3F2BF68645E9}">
+      <dsp:nvSpPr>
+        <dsp:cNvPr id="0" name=""/>
+        <dsp:cNvSpPr/>
+      </dsp:nvSpPr>
+      <dsp:spPr>
+        <a:xfrm>
+          <a:off x="4819054" y="1694436"/>
+          <a:ext cx="1275159" cy="809726"/>
+        </a:xfrm>
+        <a:prstGeom prst="roundRect">
+          <a:avLst>
+            <a:gd name="adj" fmla="val 10000"/>
+          </a:avLst>
+        </a:prstGeom>
+        <a:solidFill>
+          <a:schemeClr val="lt1">
+            <a:alpha val="90000"/>
+            <a:hueOff val="0"/>
+            <a:satOff val="0"/>
+            <a:lumOff val="0"/>
+            <a:alphaOff val="0"/>
+          </a:schemeClr>
+        </a:solidFill>
+        <a:ln w="9525" cap="flat" cmpd="sng" algn="ctr">
+          <a:solidFill>
+            <a:schemeClr val="accent1">
+              <a:hueOff val="0"/>
+              <a:satOff val="0"/>
+              <a:lumOff val="0"/>
+              <a:alphaOff val="0"/>
+            </a:schemeClr>
+          </a:solidFill>
+          <a:prstDash val="solid"/>
+        </a:ln>
+        <a:effectLst>
+          <a:outerShdw blurRad="50800" dist="25400" dir="5400000" rotWithShape="0">
+            <a:srgbClr val="000000">
+              <a:alpha val="28000"/>
+            </a:srgbClr>
+          </a:outerShdw>
+        </a:effectLst>
+      </dsp:spPr>
+      <dsp:style>
+        <a:lnRef idx="1">
+          <a:scrgbClr r="0" g="0" b="0"/>
+        </a:lnRef>
+        <a:fillRef idx="1">
+          <a:scrgbClr r="0" g="0" b="0"/>
+        </a:fillRef>
+        <a:effectRef idx="2">
+          <a:scrgbClr r="0" g="0" b="0"/>
+        </a:effectRef>
+        <a:fontRef idx="minor"/>
+      </dsp:style>
+      <dsp:txBody>
+        <a:bodyPr spcFirstLastPara="0" vert="horz" wrap="square" lIns="57150" tIns="57150" rIns="57150" bIns="57150" numCol="1" spcCol="1270" anchor="ctr" anchorCtr="0">
+          <a:noAutofit/>
+        </a:bodyPr>
+        <a:lstStyle/>
+        <a:p>
+          <a:pPr marL="0" lvl="0" indent="0" algn="ctr" defTabSz="666750">
+            <a:lnSpc>
+              <a:spcPct val="90000"/>
+            </a:lnSpc>
+            <a:spcBef>
+              <a:spcPct val="0"/>
+            </a:spcBef>
+            <a:spcAft>
+              <a:spcPct val="35000"/>
+            </a:spcAft>
+            <a:buNone/>
+          </a:pPr>
+          <a:r>
+            <a:rPr lang="en-GB" sz="1500" kern="1200" dirty="0"/>
+            <a:t>Do we need all this caching horror?</a:t>
+          </a:r>
+        </a:p>
+      </dsp:txBody>
+      <dsp:txXfrm>
+        <a:off x="4842770" y="1718152"/>
+        <a:ext cx="1227727" cy="762294"/>
+      </dsp:txXfrm>
+    </dsp:sp>
+  </dsp:spTree>
+</dsp:drawing>
+</file>
+
+<file path=ppt/diagrams/layout1.xml><?xml version="1.0" encoding="utf-8"?>
+<dgm:layoutDef xmlns:dgm="http://schemas.openxmlformats.org/drawingml/2006/diagram" xmlns:a="http://schemas.openxmlformats.org/drawingml/2006/main" uniqueId="urn:microsoft.com/office/officeart/2005/8/layout/hierarchy1">
+  <dgm:title val=""/>
+  <dgm:desc val=""/>
+  <dgm:catLst>
+    <dgm:cat type="hierarchy" pri="2000"/>
+  </dgm:catLst>
+  <dgm:sampData>
+    <dgm:dataModel>
+      <dgm:ptLst>
+        <dgm:pt modelId="0" type="doc"/>
+        <dgm:pt modelId="1">
+          <dgm:prSet phldr="1"/>
+        </dgm:pt>
+        <dgm:pt modelId="2">
+          <dgm:prSet phldr="1"/>
+        </dgm:pt>
+        <dgm:pt modelId="21">
+          <dgm:prSet phldr="1"/>
+        </dgm:pt>
+        <dgm:pt modelId="22">
+          <dgm:prSet phldr="1"/>
+        </dgm:pt>
+        <dgm:pt modelId="3">
+          <dgm:prSet phldr="1"/>
+        </dgm:pt>
+        <dgm:pt modelId="31">
+          <dgm:prSet phldr="1"/>
+        </dgm:pt>
+      </dgm:ptLst>
+      <dgm:cxnLst>
+        <dgm:cxn modelId="4" srcId="0" destId="1" srcOrd="0" destOrd="0"/>
+        <dgm:cxn modelId="5" srcId="1" destId="2" srcOrd="0" destOrd="0"/>
+        <dgm:cxn modelId="6" srcId="1" destId="3" srcOrd="1" destOrd="0"/>
+        <dgm:cxn modelId="23" srcId="2" destId="21" srcOrd="0" destOrd="0"/>
+        <dgm:cxn modelId="24" srcId="2" destId="22" srcOrd="1" destOrd="0"/>
+        <dgm:cxn modelId="33" srcId="3" destId="31" srcOrd="0" destOrd="0"/>
+      </dgm:cxnLst>
+      <dgm:bg/>
+      <dgm:whole/>
+    </dgm:dataModel>
+  </dgm:sampData>
+  <dgm:styleData>
+    <dgm:dataModel>
+      <dgm:ptLst>
+        <dgm:pt modelId="0" type="doc"/>
+        <dgm:pt modelId="1"/>
+        <dgm:pt modelId="11"/>
+        <dgm:pt modelId="12"/>
+      </dgm:ptLst>
+      <dgm:cxnLst>
+        <dgm:cxn modelId="2" srcId="0" destId="1" srcOrd="0" destOrd="0"/>
+        <dgm:cxn modelId="13" srcId="1" destId="11" srcOrd="0" destOrd="0"/>
+        <dgm:cxn modelId="14" srcId="1" destId="12" srcOrd="1" destOrd="0"/>
+      </dgm:cxnLst>
+      <dgm:bg/>
+      <dgm:whole/>
+    </dgm:dataModel>
+  </dgm:styleData>
+  <dgm:clrData>
+    <dgm:dataModel>
+      <dgm:ptLst>
+        <dgm:pt modelId="0" type="doc"/>
+        <dgm:pt modelId="1"/>
+        <dgm:pt modelId="2"/>
+        <dgm:pt modelId="21"/>
+        <dgm:pt modelId="211"/>
+        <dgm:pt modelId="3"/>
+        <dgm:pt modelId="31"/>
+        <dgm:pt modelId="311"/>
+      </dgm:ptLst>
+      <dgm:cxnLst>
+        <dgm:cxn modelId="4" srcId="0" destId="1" srcOrd="0" destOrd="0"/>
+        <dgm:cxn modelId="5" srcId="1" destId="2" srcOrd="0" destOrd="0"/>
+        <dgm:cxn modelId="6" srcId="1" destId="3" srcOrd="1" destOrd="0"/>
+        <dgm:cxn modelId="23" srcId="2" destId="21" srcOrd="0" destOrd="0"/>
+        <dgm:cxn modelId="24" srcId="21" destId="211" srcOrd="0" destOrd="0"/>
+        <dgm:cxn modelId="33" srcId="3" destId="31" srcOrd="0" destOrd="0"/>
+        <dgm:cxn modelId="34" srcId="31" destId="311" srcOrd="0" destOrd="0"/>
+      </dgm:cxnLst>
+      <dgm:bg/>
+      <dgm:whole/>
+    </dgm:dataModel>
+  </dgm:clrData>
+  <dgm:layoutNode name="hierChild1">
+    <dgm:varLst>
+      <dgm:chPref val="1"/>
+      <dgm:dir/>
+      <dgm:animOne val="branch"/>
+      <dgm:animLvl val="lvl"/>
+      <dgm:resizeHandles/>
+    </dgm:varLst>
+    <dgm:choose name="Name0">
+      <dgm:if name="Name1" func="var" arg="dir" op="equ" val="norm">
+        <dgm:alg type="hierChild">
+          <dgm:param type="linDir" val="fromL"/>
+        </dgm:alg>
+      </dgm:if>
+      <dgm:else name="Name2">
+        <dgm:alg type="hierChild">
+          <dgm:param type="linDir" val="fromR"/>
+        </dgm:alg>
+      </dgm:else>
+    </dgm:choose>
+    <dgm:shape xmlns:r="http://schemas.openxmlformats.org/officeDocument/2006/relationships" r:blip="">
+      <dgm:adjLst/>
+    </dgm:shape>
+    <dgm:presOf/>
+    <dgm:constrLst>
+      <dgm:constr type="primFontSz" for="des" ptType="node" op="equ" val="65"/>
+      <dgm:constr type="w" for="des" forName="composite" refType="w"/>
+      <dgm:constr type="h" for="des" forName="composite" refType="w" refFor="des" refForName="composite" fact="0.667"/>
+      <dgm:constr type="w" for="des" forName="composite2" refType="w" refFor="des" refForName="composite"/>
+      <dgm:constr type="h" for="des" forName="composite2" refType="h" refFor="des" refForName="composite"/>
+      <dgm:constr type="w" for="des" forName="composite3" refType="w" refFor="des" refForName="composite"/>
+      <dgm:constr type="h" for="des" forName="composite3" refType="h" refFor="des" refForName="composite"/>
+      <dgm:constr type="w" for="des" forName="composite4" refType="w" refFor="des" refForName="composite"/>
+      <dgm:constr type="h" for="des" forName="composite4" refType="h" refFor="des" refForName="composite"/>
+      <dgm:constr type="w" for="des" forName="composite5" refType="w" refFor="des" refForName="composite"/>
+      <dgm:constr type="h" for="des" forName="composite5" refType="h" refFor="des" refForName="composite"/>
+      <dgm:constr type="sibSp" refType="w" refFor="des" refForName="composite" fact="0.1"/>
+      <dgm:constr type="sibSp" for="des" forName="hierChild2" refType="sibSp"/>
+      <dgm:constr type="sibSp" for="des" forName="hierChild3" refType="sibSp"/>
+      <dgm:constr type="sibSp" for="des" forName="hierChild4" refType="sibSp"/>
+      <dgm:constr type="sibSp" for="des" forName="hierChild5" refType="sibSp"/>
+      <dgm:constr type="sibSp" for="des" forName="hierChild6" refType="sibSp"/>
+      <dgm:constr type="sp" for="des" forName="hierRoot1" refType="h" refFor="des" refForName="composite" fact="0.25"/>
+      <dgm:constr type="sp" for="des" forName="hierRoot2" refType="sp" refFor="des" refForName="hierRoot1"/>
+      <dgm:constr type="sp" for="des" forName="hierRoot3" refType="sp" refFor="des" refForName="hierRoot1"/>
+      <dgm:constr type="sp" for="des" forName="hierRoot4" refType="sp" refFor="des" refForName="hierRoot1"/>
+      <dgm:constr type="sp" for="des" forName="hierRoot5" refType="sp" refFor="des" refForName="hierRoot1"/>
+    </dgm:constrLst>
+    <dgm:ruleLst/>
+    <dgm:forEach name="Name3" axis="ch">
+      <dgm:forEach name="Name4" axis="self" ptType="node">
+        <dgm:layoutNode name="hierRoot1">
+          <dgm:alg type="hierRoot"/>
+          <dgm:shape xmlns:r="http://schemas.openxmlformats.org/officeDocument/2006/relationships" r:blip="">
+            <dgm:adjLst/>
+          </dgm:shape>
+          <dgm:presOf/>
+          <dgm:constrLst>
+            <dgm:constr type="bendDist" for="des" ptType="parTrans" refType="sp" fact="0.5"/>
+          </dgm:constrLst>
+          <dgm:ruleLst/>
+          <dgm:layoutNode name="composite">
+            <dgm:alg type="composite"/>
+            <dgm:shape xmlns:r="http://schemas.openxmlformats.org/officeDocument/2006/relationships" r:blip="">
+              <dgm:adjLst/>
+            </dgm:shape>
+            <dgm:presOf/>
+            <dgm:constrLst>
+              <dgm:constr type="w" for="ch" forName="background" refType="w" fact="0.9"/>
+              <dgm:constr type="h" for="ch" forName="background" refType="w" refFor="ch" refForName="background" fact="0.635"/>
+              <dgm:constr type="t" for="ch" forName="background"/>
+              <dgm:constr type="l" for="ch" forName="background"/>
+              <dgm:constr type="w" for="ch" forName="text" refType="w" fact="0.9"/>
+              <dgm:constr type="h" for="ch" forName="text" refType="w" refFor="ch" refForName="text" fact="0.635"/>
+              <dgm:constr type="t" for="ch" forName="text" refType="w" fact="0.095"/>
+              <dgm:constr type="l" for="ch" forName="text" refType="w" fact="0.1"/>
+            </dgm:constrLst>
+            <dgm:ruleLst/>
+            <dgm:layoutNode name="background" styleLbl="node0" moveWith="text">
+              <dgm:alg type="sp"/>
+              <dgm:shape xmlns:r="http://schemas.openxmlformats.org/officeDocument/2006/relationships" type="roundRect" r:blip="">
+                <dgm:adjLst>
+                  <dgm:adj idx="1" val="0.1"/>
+                </dgm:adjLst>
+              </dgm:shape>
+              <dgm:presOf/>
+              <dgm:constrLst/>
+              <dgm:ruleLst/>
+            </dgm:layoutNode>
+            <dgm:layoutNode name="text" styleLbl="fgAcc0">
+              <dgm:varLst>
+                <dgm:chPref val="3"/>
+              </dgm:varLst>
+              <dgm:alg type="tx"/>
+              <dgm:shape xmlns:r="http://schemas.openxmlformats.org/officeDocument/2006/relationships" type="roundRect" r:blip="">
+                <dgm:adjLst>
+                  <dgm:adj idx="1" val="0.1"/>
+                </dgm:adjLst>
+              </dgm:shape>
+              <dgm:presOf axis="self"/>
+              <dgm:constrLst>
+                <dgm:constr type="tMarg" refType="primFontSz" fact="0.3"/>
+                <dgm:constr type="bMarg" refType="primFontSz" fact="0.3"/>
+                <dgm:constr type="lMarg" refType="primFontSz" fact="0.3"/>
+                <dgm:constr type="rMarg" refType="primFontSz" fact="0.3"/>
+              </dgm:constrLst>
+              <dgm:ruleLst>
+                <dgm:rule type="primFontSz" val="5" fact="NaN" max="NaN"/>
+              </dgm:ruleLst>
+            </dgm:layoutNode>
+          </dgm:layoutNode>
+          <dgm:layoutNode name="hierChild2">
+            <dgm:choose name="Name5">
+              <dgm:if name="Name6" func="var" arg="dir" op="equ" val="norm">
+                <dgm:alg type="hierChild">
+                  <dgm:param type="linDir" val="fromL"/>
+                </dgm:alg>
+              </dgm:if>
+              <dgm:else name="Name7">
+                <dgm:alg type="hierChild">
+                  <dgm:param type="linDir" val="fromR"/>
+                </dgm:alg>
+              </dgm:else>
+            </dgm:choose>
+            <dgm:shape xmlns:r="http://schemas.openxmlformats.org/officeDocument/2006/relationships" r:blip="">
+              <dgm:adjLst/>
+            </dgm:shape>
+            <dgm:presOf/>
+            <dgm:constrLst/>
+            <dgm:ruleLst/>
+            <dgm:forEach name="Name8" axis="ch">
+              <dgm:forEach name="Name9" axis="self" ptType="parTrans" cnt="1">
+                <dgm:layoutNode name="Name10">
+                  <dgm:alg type="conn">
+                    <dgm:param type="dim" val="1D"/>
+                    <dgm:param type="endSty" val="noArr"/>
+                    <dgm:param type="connRout" val="bend"/>
+                    <dgm:param type="bendPt" val="end"/>
+                    <dgm:param type="begPts" val="bCtr"/>
+                    <dgm:param type="endPts" val="tCtr"/>
+                    <dgm:param type="srcNode" val="background"/>
+                    <dgm:param type="dstNode" val="background2"/>
+                  </dgm:alg>
+                  <dgm:shape xmlns:r="http://schemas.openxmlformats.org/officeDocument/2006/relationships" type="conn" r:blip="" zOrderOff="-999">
+                    <dgm:adjLst/>
+                  </dgm:shape>
+                  <dgm:presOf axis="self"/>
+                  <dgm:constrLst>
+                    <dgm:constr type="begPad"/>
+                    <dgm:constr type="endPad"/>
+                  </dgm:constrLst>
+                  <dgm:ruleLst/>
+                </dgm:layoutNode>
+              </dgm:forEach>
+              <dgm:forEach name="Name11" axis="self" ptType="node">
+                <dgm:layoutNode name="hierRoot2">
+                  <dgm:alg type="hierRoot"/>
+                  <dgm:shape xmlns:r="http://schemas.openxmlformats.org/officeDocument/2006/relationships" r:blip="">
+                    <dgm:adjLst/>
+                  </dgm:shape>
+                  <dgm:presOf/>
+                  <dgm:constrLst>
+                    <dgm:constr type="bendDist" for="des" ptType="parTrans" refType="sp" fact="0.5"/>
+                  </dgm:constrLst>
+                  <dgm:ruleLst/>
+                  <dgm:layoutNode name="composite2">
+                    <dgm:alg type="composite"/>
+                    <dgm:shape xmlns:r="http://schemas.openxmlformats.org/officeDocument/2006/relationships" r:blip="">
+                      <dgm:adjLst/>
+                    </dgm:shape>
+                    <dgm:presOf/>
+                    <dgm:constrLst>
+                      <dgm:constr type="w" for="ch" forName="background2" refType="w" fact="0.9"/>
+                      <dgm:constr type="h" for="ch" forName="background2" refType="w" refFor="ch" refForName="background2" fact="0.635"/>
+                      <dgm:constr type="t" for="ch" forName="background2"/>
+                      <dgm:constr type="l" for="ch" forName="background2"/>
+                      <dgm:constr type="w" for="ch" forName="text2" refType="w" fact="0.9"/>
+                      <dgm:constr type="h" for="ch" forName="text2" refType="w" refFor="ch" refForName="text2" fact="0.635"/>
+                      <dgm:constr type="t" for="ch" forName="text2" refType="w" fact="0.095"/>
+                      <dgm:constr type="l" for="ch" forName="text2" refType="w" fact="0.1"/>
+                    </dgm:constrLst>
+                    <dgm:ruleLst/>
+                    <dgm:layoutNode name="background2" moveWith="text2">
+                      <dgm:alg type="sp"/>
+                      <dgm:shape xmlns:r="http://schemas.openxmlformats.org/officeDocument/2006/relationships" type="roundRect" r:blip="">
+                        <dgm:adjLst>
+                          <dgm:adj idx="1" val="0.1"/>
+                        </dgm:adjLst>
+                      </dgm:shape>
+                      <dgm:presOf/>
+                      <dgm:constrLst/>
+                      <dgm:ruleLst/>
+                    </dgm:layoutNode>
+                    <dgm:layoutNode name="text2" styleLbl="fgAcc2">
+                      <dgm:varLst>
+                        <dgm:chPref val="3"/>
+                      </dgm:varLst>
+                      <dgm:alg type="tx"/>
+                      <dgm:shape xmlns:r="http://schemas.openxmlformats.org/officeDocument/2006/relationships" type="roundRect" r:blip="">
+                        <dgm:adjLst>
+                          <dgm:adj idx="1" val="0.1"/>
+                        </dgm:adjLst>
+                      </dgm:shape>
+                      <dgm:presOf axis="self"/>
+                      <dgm:constrLst>
+                        <dgm:constr type="tMarg" refType="primFontSz" fact="0.3"/>
+                        <dgm:constr type="bMarg" refType="primFontSz" fact="0.3"/>
+                        <dgm:constr type="lMarg" refType="primFontSz" fact="0.3"/>
+                        <dgm:constr type="rMarg" refType="primFontSz" fact="0.3"/>
+                      </dgm:constrLst>
+                      <dgm:ruleLst>
+                        <dgm:rule type="primFontSz" val="5" fact="NaN" max="NaN"/>
+                      </dgm:ruleLst>
+                    </dgm:layoutNode>
+                  </dgm:layoutNode>
+                  <dgm:layoutNode name="hierChild3">
+                    <dgm:choose name="Name12">
+                      <dgm:if name="Name13" func="var" arg="dir" op="equ" val="norm">
+                        <dgm:alg type="hierChild">
+                          <dgm:param type="linDir" val="fromL"/>
+                        </dgm:alg>
+                      </dgm:if>
+                      <dgm:else name="Name14">
+                        <dgm:alg type="hierChild">
+                          <dgm:param type="linDir" val="fromR"/>
+                        </dgm:alg>
+                      </dgm:else>
+                    </dgm:choose>
+                    <dgm:shape xmlns:r="http://schemas.openxmlformats.org/officeDocument/2006/relationships" r:blip="">
+                      <dgm:adjLst/>
+                    </dgm:shape>
+                    <dgm:presOf/>
+                    <dgm:constrLst/>
+                    <dgm:ruleLst/>
+                    <dgm:forEach name="Name15" axis="ch">
+                      <dgm:forEach name="Name16" axis="self" ptType="parTrans" cnt="1">
+                        <dgm:layoutNode name="Name17">
+                          <dgm:alg type="conn">
+                            <dgm:param type="dim" val="1D"/>
+                            <dgm:param type="endSty" val="noArr"/>
+                            <dgm:param type="connRout" val="bend"/>
+                            <dgm:param type="bendPt" val="end"/>
+                            <dgm:param type="begPts" val="bCtr"/>
+                            <dgm:param type="endPts" val="tCtr"/>
+                            <dgm:param type="srcNode" val="background2"/>
+                            <dgm:param type="dstNode" val="background3"/>
+                          </dgm:alg>
+                          <dgm:shape xmlns:r="http://schemas.openxmlformats.org/officeDocument/2006/relationships" type="conn" r:blip="" zOrderOff="-999">
+                            <dgm:adjLst/>
+                          </dgm:shape>
+                          <dgm:presOf axis="self"/>
+                          <dgm:constrLst>
+                            <dgm:constr type="begPad"/>
+                            <dgm:constr type="endPad"/>
+                          </dgm:constrLst>
+                          <dgm:ruleLst/>
+                        </dgm:layoutNode>
+                      </dgm:forEach>
+                      <dgm:forEach name="Name18" axis="self" ptType="node">
+                        <dgm:layoutNode name="hierRoot3">
+                          <dgm:alg type="hierRoot"/>
+                          <dgm:shape xmlns:r="http://schemas.openxmlformats.org/officeDocument/2006/relationships" r:blip="">
+                            <dgm:adjLst/>
+                          </dgm:shape>
+                          <dgm:presOf/>
+                          <dgm:constrLst>
+                            <dgm:constr type="bendDist" for="des" ptType="parTrans" refType="sp" fact="0.5"/>
+                          </dgm:constrLst>
+                          <dgm:ruleLst/>
+                          <dgm:layoutNode name="composite3">
+                            <dgm:alg type="composite"/>
+                            <dgm:shape xmlns:r="http://schemas.openxmlformats.org/officeDocument/2006/relationships" r:blip="">
+                              <dgm:adjLst/>
+                            </dgm:shape>
+                            <dgm:presOf/>
+                            <dgm:constrLst>
+                              <dgm:constr type="w" for="ch" forName="background3" refType="w" fact="0.9"/>
+                              <dgm:constr type="h" for="ch" forName="background3" refType="w" refFor="ch" refForName="background3" fact="0.635"/>
+                              <dgm:constr type="t" for="ch" forName="background3"/>
+                              <dgm:constr type="l" for="ch" forName="background3"/>
+                              <dgm:constr type="w" for="ch" forName="text3" refType="w" fact="0.9"/>
+                              <dgm:constr type="h" for="ch" forName="text3" refType="w" refFor="ch" refForName="text3" fact="0.635"/>
+                              <dgm:constr type="t" for="ch" forName="text3" refType="w" fact="0.095"/>
+                              <dgm:constr type="l" for="ch" forName="text3" refType="w" fact="0.1"/>
+                            </dgm:constrLst>
+                            <dgm:ruleLst/>
+                            <dgm:layoutNode name="background3" moveWith="text3">
+                              <dgm:alg type="sp"/>
+                              <dgm:shape xmlns:r="http://schemas.openxmlformats.org/officeDocument/2006/relationships" type="roundRect" r:blip="">
+                                <dgm:adjLst>
+                                  <dgm:adj idx="1" val="0.1"/>
+                                </dgm:adjLst>
+                              </dgm:shape>
+                              <dgm:presOf/>
+                              <dgm:constrLst/>
+                              <dgm:ruleLst/>
+                            </dgm:layoutNode>
+                            <dgm:layoutNode name="text3" styleLbl="fgAcc3">
+                              <dgm:varLst>
+                                <dgm:chPref val="3"/>
+                              </dgm:varLst>
+                              <dgm:alg type="tx"/>
+                              <dgm:shape xmlns:r="http://schemas.openxmlformats.org/officeDocument/2006/relationships" type="roundRect" r:blip="">
+                                <dgm:adjLst>
+                                  <dgm:adj idx="1" val="0.1"/>
+                                </dgm:adjLst>
+                              </dgm:shape>
+                              <dgm:presOf axis="self"/>
+                              <dgm:constrLst>
+                                <dgm:constr type="tMarg" refType="primFontSz" fact="0.3"/>
+                                <dgm:constr type="bMarg" refType="primFontSz" fact="0.3"/>
+                                <dgm:constr type="lMarg" refType="primFontSz" fact="0.3"/>
+                                <dgm:constr type="rMarg" refType="primFontSz" fact="0.3"/>
+                              </dgm:constrLst>
+                              <dgm:ruleLst>
+                                <dgm:rule type="primFontSz" val="5" fact="NaN" max="NaN"/>
+                              </dgm:ruleLst>
+                            </dgm:layoutNode>
+                          </dgm:layoutNode>
+                          <dgm:layoutNode name="hierChild4">
+                            <dgm:choose name="Name19">
+                              <dgm:if name="Name20" func="var" arg="dir" op="equ" val="norm">
+                                <dgm:alg type="hierChild">
+                                  <dgm:param type="linDir" val="fromL"/>
+                                </dgm:alg>
+                              </dgm:if>
+                              <dgm:else name="Name21">
+                                <dgm:alg type="hierChild">
+                                  <dgm:param type="linDir" val="fromR"/>
+                                </dgm:alg>
+                              </dgm:else>
+                            </dgm:choose>
+                            <dgm:shape xmlns:r="http://schemas.openxmlformats.org/officeDocument/2006/relationships" r:blip="">
+                              <dgm:adjLst/>
+                            </dgm:shape>
+                            <dgm:presOf/>
+                            <dgm:constrLst/>
+                            <dgm:ruleLst/>
+                            <dgm:forEach name="repeat" axis="ch">
+                              <dgm:forEach name="Name22" axis="self" ptType="parTrans" cnt="1">
+                                <dgm:layoutNode name="Name23">
+                                  <dgm:choose name="Name24">
+                                    <dgm:if name="Name25" axis="self" func="depth" op="lte" val="4">
+                                      <dgm:alg type="conn">
+                                        <dgm:param type="dim" val="1D"/>
+                                        <dgm:param type="endSty" val="noArr"/>
+                                        <dgm:param type="connRout" val="bend"/>
+                                        <dgm:param type="bendPt" val="end"/>
+                                        <dgm:param type="begPts" val="bCtr"/>
+                                        <dgm:param type="endPts" val="tCtr"/>
+                                        <dgm:param type="srcNode" val="background3"/>
+                                        <dgm:param type="dstNode" val="background4"/>
+                                      </dgm:alg>
+                                    </dgm:if>
+                                    <dgm:else name="Name26">
+                                      <dgm:alg type="conn">
+                                        <dgm:param type="dim" val="1D"/>
+                                        <dgm:param type="endSty" val="noArr"/>
+                                        <dgm:param type="connRout" val="bend"/>
+                                        <dgm:param type="bendPt" val="end"/>
+                                        <dgm:param type="begPts" val="bCtr"/>
+                                        <dgm:param type="endPts" val="tCtr"/>
+                                        <dgm:param type="srcNode" val="background4"/>
+                                        <dgm:param type="dstNode" val="background4"/>
+                                      </dgm:alg>
+                                    </dgm:else>
+                                  </dgm:choose>
+                                  <dgm:shape xmlns:r="http://schemas.openxmlformats.org/officeDocument/2006/relationships" type="conn" r:blip="" zOrderOff="-999">
+                                    <dgm:adjLst/>
+                                  </dgm:shape>
+                                  <dgm:presOf axis="self"/>
+                                  <dgm:constrLst>
+                                    <dgm:constr type="begPad"/>
+                                    <dgm:constr type="endPad"/>
+                                  </dgm:constrLst>
+                                  <dgm:ruleLst/>
+                                </dgm:layoutNode>
+                              </dgm:forEach>
+                              <dgm:forEach name="Name27" axis="self" ptType="node">
+                                <dgm:layoutNode name="hierRoot4">
+                                  <dgm:alg type="hierRoot"/>
+                                  <dgm:shape xmlns:r="http://schemas.openxmlformats.org/officeDocument/2006/relationships" r:blip="">
+                                    <dgm:adjLst/>
+                                  </dgm:shape>
+                                  <dgm:presOf/>
+                                  <dgm:constrLst>
+                                    <dgm:constr type="bendDist" for="des" ptType="parTrans" refType="sp" fact="0.5"/>
+                                  </dgm:constrLst>
+                                  <dgm:ruleLst/>
+                                  <dgm:layoutNode name="composite4">
+                                    <dgm:alg type="composite"/>
+                                    <dgm:shape xmlns:r="http://schemas.openxmlformats.org/officeDocument/2006/relationships" r:blip="">
+                                      <dgm:adjLst/>
+                                    </dgm:shape>
+                                    <dgm:presOf/>
+                                    <dgm:constrLst>
+                                      <dgm:constr type="w" for="ch" forName="background4" refType="w" fact="0.9"/>
+                                      <dgm:constr type="h" for="ch" forName="background4" refType="w" refFor="ch" refForName="background4" fact="0.635"/>
+                                      <dgm:constr type="t" for="ch" forName="background4"/>
+                                      <dgm:constr type="l" for="ch" forName="background4"/>
+                                      <dgm:constr type="w" for="ch" forName="text4" refType="w" fact="0.9"/>
+                                      <dgm:constr type="h" for="ch" forName="text4" refType="w" refFor="ch" refForName="text4" fact="0.635"/>
+                                      <dgm:constr type="t" for="ch" forName="text4" refType="w" fact="0.095"/>
+                                      <dgm:constr type="l" for="ch" forName="text4" refType="w" fact="0.1"/>
+                                    </dgm:constrLst>
+                                    <dgm:ruleLst/>
+                                    <dgm:layoutNode name="background4" moveWith="text4">
+                                      <dgm:alg type="sp"/>
+                                      <dgm:shape xmlns:r="http://schemas.openxmlformats.org/officeDocument/2006/relationships" type="roundRect" r:blip="">
+                                        <dgm:adjLst>
+                                          <dgm:adj idx="1" val="0.1"/>
+                                        </dgm:adjLst>
+                                      </dgm:shape>
+                                      <dgm:presOf/>
+                                      <dgm:constrLst/>
+                                      <dgm:ruleLst/>
+                                    </dgm:layoutNode>
+                                    <dgm:layoutNode name="text4" styleLbl="fgAcc4">
+                                      <dgm:varLst>
+                                        <dgm:chPref val="3"/>
+                                      </dgm:varLst>
+                                      <dgm:alg type="tx"/>
+                                      <dgm:shape xmlns:r="http://schemas.openxmlformats.org/officeDocument/2006/relationships" type="roundRect" r:blip="">
+                                        <dgm:adjLst>
+                                          <dgm:adj idx="1" val="0.1"/>
+                                        </dgm:adjLst>
+                                      </dgm:shape>
+                                      <dgm:presOf axis="self"/>
+                                      <dgm:constrLst>
+                                        <dgm:constr type="tMarg" refType="primFontSz" fact="0.3"/>
+                                        <dgm:constr type="bMarg" refType="primFontSz" fact="0.3"/>
+                                        <dgm:constr type="lMarg" refType="primFontSz" fact="0.3"/>
+                                        <dgm:constr type="rMarg" refType="primFontSz" fact="0.3"/>
+                                      </dgm:constrLst>
+                                      <dgm:ruleLst>
+                                        <dgm:rule type="primFontSz" val="5" fact="NaN" max="NaN"/>
+                                      </dgm:ruleLst>
+                                    </dgm:layoutNode>
+                                  </dgm:layoutNode>
+                                  <dgm:layoutNode name="hierChild5">
+                                    <dgm:choose name="Name28">
+                                      <dgm:if name="Name29" func="var" arg="dir" op="equ" val="norm">
+                                        <dgm:alg type="hierChild">
+                                          <dgm:param type="linDir" val="fromL"/>
+                                        </dgm:alg>
+                                      </dgm:if>
+                                      <dgm:else name="Name30">
+                                        <dgm:alg type="hierChild">
+                                          <dgm:param type="linDir" val="fromR"/>
+                                        </dgm:alg>
+                                      </dgm:else>
+                                    </dgm:choose>
+                                    <dgm:shape xmlns:r="http://schemas.openxmlformats.org/officeDocument/2006/relationships" r:blip="">
+                                      <dgm:adjLst/>
+                                    </dgm:shape>
+                                    <dgm:presOf/>
+                                    <dgm:constrLst/>
+                                    <dgm:ruleLst/>
+                                    <dgm:forEach name="Name31" ref="repeat"/>
+                                  </dgm:layoutNode>
+                                </dgm:layoutNode>
+                              </dgm:forEach>
+                            </dgm:forEach>
+                          </dgm:layoutNode>
+                        </dgm:layoutNode>
+                      </dgm:forEach>
+                    </dgm:forEach>
+                  </dgm:layoutNode>
+                </dgm:layoutNode>
+              </dgm:forEach>
+            </dgm:forEach>
+          </dgm:layoutNode>
+        </dgm:layoutNode>
+      </dgm:forEach>
+    </dgm:forEach>
+  </dgm:layoutNode>
+</dgm:layoutDef>
+</file>
+
+<file path=ppt/diagrams/quickStyle1.xml><?xml version="1.0" encoding="utf-8"?>
+<dgm:styleDef xmlns:dgm="http://schemas.openxmlformats.org/drawingml/2006/diagram" xmlns:a="http://schemas.openxmlformats.org/drawingml/2006/main" uniqueId="urn:microsoft.com/office/officeart/2005/8/quickstyle/simple5">
+  <dgm:title val=""/>
+  <dgm:desc val=""/>
+  <dgm:catLst>
+    <dgm:cat type="simple" pri="10500"/>
+  </dgm:catLst>
+  <dgm:scene3d>
+    <a:camera prst="orthographicFront"/>
+    <a:lightRig rig="threePt" dir="t"/>
+  </dgm:scene3d>
+  <dgm:styleLbl name="node0">
+    <dgm:scene3d>
+      <a:camera prst="orthographicFront"/>
+      <a:lightRig rig="threePt" dir="t"/>
+    </dgm:scene3d>
+    <dgm:sp3d/>
+    <dgm:txPr/>
+    <dgm:style>
+      <a:lnRef idx="0">
+        <a:scrgbClr r="0" g="0" b="0"/>
+      </a:lnRef>
+      <a:fillRef idx="3">
+        <a:scrgbClr r="0" g="0" b="0"/>
+      </a:fillRef>
+      <a:effectRef idx="3">
+        <a:scrgbClr r="0" g="0" b="0"/>
+      </a:effectRef>
+      <a:fontRef idx="minor">
+        <a:schemeClr val="lt1"/>
+      </a:fontRef>
+    </dgm:style>
+  </dgm:styleLbl>
+  <dgm:styleLbl name="lnNode1">
+    <dgm:scene3d>
+      <a:camera prst="orthographicFront"/>
+      <a:lightRig rig="threePt" dir="t"/>
+    </dgm:scene3d>
+    <dgm:sp3d/>
+    <dgm:txPr/>
+    <dgm:style>
+      <a:lnRef idx="0">
+        <a:scrgbClr r="0" g="0" b="0"/>
+      </a:lnRef>
+      <a:fillRef idx="3">
+        <a:scrgbClr r="0" g="0" b="0"/>
+      </a:fillRef>
+      <a:effectRef idx="3">
+        <a:scrgbClr r="0" g="0" b="0"/>
+      </a:effectRef>
+      <a:fontRef idx="minor">
+        <a:schemeClr val="lt1"/>
+      </a:fontRef>
+    </dgm:style>
+  </dgm:styleLbl>
+  <dgm:styleLbl name="vennNode1">
+    <dgm:scene3d>
+      <a:camera prst="orthographicFront"/>
+      <a:lightRig rig="threePt" dir="t"/>
+    </dgm:scene3d>
+    <dgm:sp3d/>
+    <dgm:txPr/>
+    <dgm:style>
+      <a:lnRef idx="0">
+        <a:scrgbClr r="0" g="0" b="0"/>
+      </a:lnRef>
+      <a:fillRef idx="3">
+        <a:scrgbClr r="0" g="0" b="0"/>
+      </a:fillRef>
+      <a:effectRef idx="3">
+        <a:scrgbClr r="0" g="0" b="0"/>
+      </a:effectRef>
+      <a:fontRef idx="minor">
+        <a:schemeClr val="tx1"/>
+      </a:fontRef>
+    </dgm:style>
+  </dgm:styleLbl>
+  <dgm:styleLbl name="alignNode1">
+    <dgm:scene3d>
+      <a:camera prst="orthographicFront"/>
+      <a:lightRig rig="threePt" dir="t"/>
+    </dgm:scene3d>
+    <dgm:sp3d/>
+    <dgm:txPr/>
+    <dgm:style>
+      <a:lnRef idx="1">
+        <a:scrgbClr r="0" g="0" b="0"/>
+      </a:lnRef>
+      <a:fillRef idx="3">
+        <a:scrgbClr r="0" g="0" b="0"/>
+      </a:fillRef>
+      <a:effectRef idx="3">
+        <a:scrgbClr r="0" g="0" b="0"/>
+      </a:effectRef>
+      <a:fontRef idx="minor">
+        <a:schemeClr val="lt1"/>
+      </a:fontRef>
+    </dgm:style>
+  </dgm:styleLbl>
+  <dgm:styleLbl name="node1">
+    <dgm:scene3d>
+      <a:camera prst="orthographicFront"/>
+      <a:lightRig rig="threePt" dir="t"/>
+    </dgm:scene3d>
+    <dgm:sp3d/>
+    <dgm:txPr/>
+    <dgm:style>
+      <a:lnRef idx="0">
+        <a:scrgbClr r="0" g="0" b="0"/>
+      </a:lnRef>
+      <a:fillRef idx="3">
+        <a:scrgbClr r="0" g="0" b="0"/>
+      </a:fillRef>
+      <a:effectRef idx="3">
+        <a:scrgbClr r="0" g="0" b="0"/>
+      </a:effectRef>
+      <a:fontRef idx="minor">
+        <a:schemeClr val="lt1"/>
+      </a:fontRef>
+    </dgm:style>
+  </dgm:styleLbl>
+  <dgm:styleLbl name="node2">
+    <dgm:scene3d>
+      <a:camera prst="orthographicFront"/>
+      <a:lightRig rig="threePt" dir="t"/>
+    </dgm:scene3d>
+    <dgm:sp3d/>
+    <dgm:txPr/>
+    <dgm:style>
+      <a:lnRef idx="0">
+        <a:scrgbClr r="0" g="0" b="0"/>
+      </a:lnRef>
+      <a:fillRef idx="3">
+        <a:scrgbClr r="0" g="0" b="0"/>
+      </a:fillRef>
+      <a:effectRef idx="3">
+        <a:scrgbClr r="0" g="0" b="0"/>
+      </a:effectRef>
+      <a:fontRef idx="minor">
+        <a:schemeClr val="lt1"/>
+      </a:fontRef>
+    </dgm:style>
+  </dgm:styleLbl>
+  <dgm:styleLbl name="node3">
+    <dgm:scene3d>
+      <a:camera prst="orthographicFront"/>
+      <a:lightRig rig="threePt" dir="t"/>
+    </dgm:scene3d>
+    <dgm:sp3d/>
+    <dgm:txPr/>
+    <dgm:style>
+      <a:lnRef idx="0">
+        <a:scrgbClr r="0" g="0" b="0"/>
+      </a:lnRef>
+      <a:fillRef idx="3">
+        <a:scrgbClr r="0" g="0" b="0"/>
+      </a:fillRef>
+      <a:effectRef idx="3">
+        <a:scrgbClr r="0" g="0" b="0"/>
+      </a:effectRef>
+      <a:fontRef idx="minor">
+        <a:schemeClr val="lt1"/>
+      </a:fontRef>
+    </dgm:style>
+  </dgm:styleLbl>
+  <dgm:styleLbl name="node4">
+    <dgm:scene3d>
+      <a:camera prst="orthographicFront"/>
+      <a:lightRig rig="threePt" dir="t"/>
+    </dgm:scene3d>
+    <dgm:sp3d/>
+    <dgm:txPr/>
+    <dgm:style>
+      <a:lnRef idx="0">
+        <a:scrgbClr r="0" g="0" b="0"/>
+      </a:lnRef>
+      <a:fillRef idx="3">
+        <a:scrgbClr r="0" g="0" b="0"/>
+      </a:fillRef>
+      <a:effectRef idx="3">
+        <a:scrgbClr r="0" g="0" b="0"/>
+      </a:effectRef>
+      <a:fontRef idx="minor">
+        <a:schemeClr val="lt1"/>
+      </a:fontRef>
+    </dgm:style>
+  </dgm:styleLbl>
+  <dgm:styleLbl name="fgImgPlace1">
+    <dgm:scene3d>
+      <a:camera prst="orthographicFront"/>
+      <a:lightRig rig="threePt" dir="t"/>
+    </dgm:scene3d>
+    <dgm:sp3d/>
+    <dgm:txPr/>
+    <dgm:style>
+      <a:lnRef idx="0">
+        <a:scrgbClr r="0" g="0" b="0"/>
+      </a:lnRef>
+      <a:fillRef idx="1">
+        <a:scrgbClr r="0" g="0" b="0"/>
+      </a:fillRef>
+      <a:effectRef idx="3">
+        <a:scrgbClr r="0" g="0" b="0"/>
+      </a:effectRef>
+      <a:fontRef idx="minor"/>
+    </dgm:style>
+  </dgm:styleLbl>
+  <dgm:styleLbl name="alignImgPlace1">
+    <dgm:scene3d>
+      <a:camera prst="orthographicFront"/>
+      <a:lightRig rig="threePt" dir="t"/>
+    </dgm:scene3d>
+    <dgm:sp3d/>
+    <dgm:txPr/>
+    <dgm:style>
+      <a:lnRef idx="0">
+        <a:scrgbClr r="0" g="0" b="0"/>
+      </a:lnRef>
+      <a:fillRef idx="1">
+        <a:scrgbClr r="0" g="0" b="0"/>
+      </a:fillRef>
+      <a:effectRef idx="3">
+        <a:scrgbClr r="0" g="0" b="0"/>
+      </a:effectRef>
+      <a:fontRef idx="minor"/>
+    </dgm:style>
+  </dgm:styleLbl>
+  <dgm:styleLbl name="bgImgPlace1">
+    <dgm:scene3d>
+      <a:camera prst="orthographicFront"/>
+      <a:lightRig rig="threePt" dir="t"/>
+    </dgm:scene3d>
+    <dgm:sp3d/>
+    <dgm:txPr/>
+    <dgm:style>
+      <a:lnRef idx="0">
+        <a:scrgbClr r="0" g="0" b="0"/>
+      </a:lnRef>
+      <a:fillRef idx="1">
+        <a:scrgbClr r="0" g="0" b="0"/>
+      </a:fillRef>
+      <a:effectRef idx="3">
+        <a:scrgbClr r="0" g="0" b="0"/>
+      </a:effectRef>
+      <a:fontRef idx="minor"/>
+    </dgm:style>
+  </dgm:styleLbl>
+  <dgm:styleLbl name="sibTrans2D1">
+    <dgm:scene3d>
+      <a:camera prst="orthographicFront"/>
+      <a:lightRig rig="threePt" dir="t"/>
+    </dgm:scene3d>
+    <dgm:sp3d/>
+    <dgm:txPr/>
+    <dgm:style>
+      <a:lnRef idx="0">
+        <a:scrgbClr r="0" g="0" b="0"/>
+      </a:lnRef>
+      <a:fillRef idx="3">
+        <a:scrgbClr r="0" g="0" b="0"/>
+      </a:fillRef>
+      <a:effectRef idx="3">
+        <a:scrgbClr r="0" g="0" b="0"/>
+      </a:effectRef>
+      <a:fontRef idx="minor">
+        <a:schemeClr val="lt1"/>
+      </a:fontRef>
+    </dgm:style>
+  </dgm:styleLbl>
+  <dgm:styleLbl name="fgSibTrans2D1">
+    <dgm:scene3d>
+      <a:camera prst="orthographicFront"/>
+      <a:lightRig rig="threePt" dir="t"/>
+    </dgm:scene3d>
+    <dgm:sp3d/>
+    <dgm:txPr/>
+    <dgm:style>
+      <a:lnRef idx="0">
+        <a:scrgbClr r="0" g="0" b="0"/>
+      </a:lnRef>
+      <a:fillRef idx="3">
+        <a:scrgbClr r="0" g="0" b="0"/>
+      </a:fillRef>
+      <a:effectRef idx="3">
+        <a:scrgbClr r="0" g="0" b="0"/>
+      </a:effectRef>
+      <a:fontRef idx="minor">
+        <a:schemeClr val="lt1"/>
+      </a:fontRef>
+    </dgm:style>
+  </dgm:styleLbl>
+  <dgm:styleLbl name="bgSibTrans2D1">
+    <dgm:scene3d>
+      <a:camera prst="orthographicFront"/>
+      <a:lightRig rig="threePt" dir="t"/>
+    </dgm:scene3d>
+    <dgm:sp3d/>
+    <dgm:txPr/>
+    <dgm:style>
+      <a:lnRef idx="0">
+        <a:scrgbClr r="0" g="0" b="0"/>
+      </a:lnRef>
+      <a:fillRef idx="3">
+        <a:scrgbClr r="0" g="0" b="0"/>
+      </a:fillRef>
+      <a:effectRef idx="3">
+        <a:scrgbClr r="0" g="0" b="0"/>
+      </a:effectRef>
+      <a:fontRef idx="minor">
+        <a:schemeClr val="lt1"/>
+      </a:fontRef>
+    </dgm:style>
+  </dgm:styleLbl>
+  <dgm:styleLbl name="sibTrans1D1">
+    <dgm:scene3d>
+      <a:camera prst="orthographicFront"/>
+      <a:lightRig rig="threePt" dir="t"/>
+    </dgm:scene3d>
+    <dgm:sp3d/>
+    <dgm:txPr/>
+    <dgm:style>
+      <a:lnRef idx="1">
+        <a:scrgbClr r="0" g="0" b="0"/>
+      </a:lnRef>
+      <a:fillRef idx="0">
+        <a:scrgbClr r="0" g="0" b="0"/>
+      </a:fillRef>
+      <a:effectRef idx="0">
+        <a:scrgbClr r="0" g="0" b="0"/>
+      </a:effectRef>
+      <a:fontRef idx="minor"/>
+    </dgm:style>
+  </dgm:styleLbl>
+  <dgm:styleLbl name="callout">
+    <dgm:scene3d>
+      <a:camera prst="orthographicFront"/>
+      <a:lightRig rig="threePt" dir="t"/>
+    </dgm:scene3d>
+    <dgm:sp3d/>
+    <dgm:txPr/>
+    <dgm:style>
+      <a:lnRef idx="1">
+        <a:scrgbClr r="0" g="0" b="0"/>
+      </a:lnRef>
+      <a:fillRef idx="0">
+        <a:scrgbClr r="0" g="0" b="0"/>
+      </a:fillRef>
+      <a:effectRef idx="1">
+        <a:scrgbClr r="0" g="0" b="0"/>
+      </a:effectRef>
+      <a:fontRef idx="minor"/>
+    </dgm:style>
+  </dgm:styleLbl>
+  <dgm:styleLbl name="asst0">
+    <dgm:scene3d>
+      <a:camera prst="orthographicFront"/>
+      <a:lightRig rig="threePt" dir="t"/>
+    </dgm:scene3d>
+    <dgm:sp3d/>
+    <dgm:txPr/>
+    <dgm:style>
+      <a:lnRef idx="0">
+        <a:scrgbClr r="0" g="0" b="0"/>
+      </a:lnRef>
+      <a:fillRef idx="3">
+        <a:scrgbClr r="0" g="0" b="0"/>
+      </a:fillRef>
+      <a:effectRef idx="3">
+        <a:scrgbClr r="0" g="0" b="0"/>
+      </a:effectRef>
+      <a:fontRef idx="minor">
+        <a:schemeClr val="lt1"/>
+      </a:fontRef>
+    </dgm:style>
+  </dgm:styleLbl>
+  <dgm:styleLbl name="asst1">
+    <dgm:scene3d>
+      <a:camera prst="orthographicFront"/>
+      <a:lightRig rig="threePt" dir="t"/>
+    </dgm:scene3d>
+    <dgm:sp3d/>
+    <dgm:txPr/>
+    <dgm:style>
+      <a:lnRef idx="0">
+        <a:scrgbClr r="0" g="0" b="0"/>
+      </a:lnRef>
+      <a:fillRef idx="3">
+        <a:scrgbClr r="0" g="0" b="0"/>
+      </a:fillRef>
+      <a:effectRef idx="3">
+        <a:scrgbClr r="0" g="0" b="0"/>
+      </a:effectRef>
+      <a:fontRef idx="minor">
+        <a:schemeClr val="lt1"/>
+      </a:fontRef>
+    </dgm:style>
+  </dgm:styleLbl>
+  <dgm:styleLbl name="asst2">
+    <dgm:scene3d>
+      <a:camera prst="orthographicFront"/>
+      <a:lightRig rig="threePt" dir="t"/>
+    </dgm:scene3d>
+    <dgm:sp3d/>
+    <dgm:txPr/>
+    <dgm:style>
+      <a:lnRef idx="0">
+        <a:scrgbClr r="0" g="0" b="0"/>
+      </a:lnRef>
+      <a:fillRef idx="3">
+        <a:scrgbClr r="0" g="0" b="0"/>
+      </a:fillRef>
+      <a:effectRef idx="3">
+        <a:scrgbClr r="0" g="0" b="0"/>
+      </a:effectRef>
+      <a:fontRef idx="minor">
+        <a:schemeClr val="lt1"/>
+      </a:fontRef>
+    </dgm:style>
+  </dgm:styleLbl>
+  <dgm:styleLbl name="asst3">
+    <dgm:scene3d>
+      <a:camera prst="orthographicFront"/>
+      <a:lightRig rig="threePt" dir="t"/>
+    </dgm:scene3d>
+    <dgm:sp3d/>
+    <dgm:txPr/>
+    <dgm:style>
+      <a:lnRef idx="0">
+        <a:scrgbClr r="0" g="0" b="0"/>
+      </a:lnRef>
+      <a:fillRef idx="3">
+        <a:scrgbClr r="0" g="0" b="0"/>
+      </a:fillRef>
+      <a:effectRef idx="3">
+        <a:scrgbClr r="0" g="0" b="0"/>
+      </a:effectRef>
+      <a:fontRef idx="minor">
+        <a:schemeClr val="lt1"/>
+      </a:fontRef>
+    </dgm:style>
+  </dgm:styleLbl>
+  <dgm:styleLbl name="asst4">
+    <dgm:scene3d>
+      <a:camera prst="orthographicFront"/>
+      <a:lightRig rig="threePt" dir="t"/>
+    </dgm:scene3d>
+    <dgm:sp3d/>
+    <dgm:txPr/>
+    <dgm:style>
+      <a:lnRef idx="0">
+        <a:scrgbClr r="0" g="0" b="0"/>
+      </a:lnRef>
+      <a:fillRef idx="3">
+        <a:scrgbClr r="0" g="0" b="0"/>
+      </a:fillRef>
+      <a:effectRef idx="3">
+        <a:scrgbClr r="0" g="0" b="0"/>
+      </a:effectRef>
+      <a:fontRef idx="minor">
+        <a:schemeClr val="lt1"/>
+      </a:fontRef>
+    </dgm:style>
+  </dgm:styleLbl>
+  <dgm:styleLbl name="parChTrans2D1">
+    <dgm:scene3d>
+      <a:camera prst="orthographicFront"/>
+      <a:lightRig rig="threePt" dir="t"/>
+    </dgm:scene3d>
+    <dgm:sp3d/>
+    <dgm:txPr/>
+    <dgm:style>
+      <a:lnRef idx="0">
+        <a:scrgbClr r="0" g="0" b="0"/>
+      </a:lnRef>
+      <a:fillRef idx="3">
+        <a:scrgbClr r="0" g="0" b="0"/>
+      </a:fillRef>
+      <a:effectRef idx="3">
+        <a:scrgbClr r="0" g="0" b="0"/>
+      </a:effectRef>
+      <a:fontRef idx="minor">
+        <a:schemeClr val="lt1"/>
+      </a:fontRef>
+    </dgm:style>
+  </dgm:styleLbl>
+  <dgm:styleLbl name="parChTrans2D2">
+    <dgm:scene3d>
+      <a:camera prst="orthographicFront"/>
+      <a:lightRig rig="threePt" dir="t"/>
+    </dgm:scene3d>
+    <dgm:sp3d/>
+    <dgm:txPr/>
+    <dgm:style>
+      <a:lnRef idx="0">
+        <a:scrgbClr r="0" g="0" b="0"/>
+      </a:lnRef>
+      <a:fillRef idx="3">
+        <a:scrgbClr r="0" g="0" b="0"/>
+      </a:fillRef>
+      <a:effectRef idx="3">
+        <a:scrgbClr r="0" g="0" b="0"/>
+      </a:effectRef>
+      <a:fontRef idx="minor">
+        <a:schemeClr val="lt1"/>
+      </a:fontRef>
+    </dgm:style>
+  </dgm:styleLbl>
+  <dgm:styleLbl name="parChTrans2D3">
+    <dgm:scene3d>
+      <a:camera prst="orthographicFront"/>
+      <a:lightRig rig="threePt" dir="t"/>
+    </dgm:scene3d>
+    <dgm:sp3d/>
+    <dgm:txPr/>
+    <dgm:style>
+      <a:lnRef idx="0">
+        <a:scrgbClr r="0" g="0" b="0"/>
+      </a:lnRef>
+      <a:fillRef idx="3">
+        <a:scrgbClr r="0" g="0" b="0"/>
+      </a:fillRef>
+      <a:effectRef idx="3">
+        <a:scrgbClr r="0" g="0" b="0"/>
+      </a:effectRef>
+      <a:fontRef idx="minor">
+        <a:schemeClr val="lt1"/>
+      </a:fontRef>
+    </dgm:style>
+  </dgm:styleLbl>
+  <dgm:styleLbl name="parChTrans2D4">
+    <dgm:scene3d>
+      <a:camera prst="orthographicFront"/>
+      <a:lightRig rig="threePt" dir="t"/>
+    </dgm:scene3d>
+    <dgm:sp3d/>
+    <dgm:txPr/>
+    <dgm:style>
+      <a:lnRef idx="0">
+        <a:scrgbClr r="0" g="0" b="0"/>
+      </a:lnRef>
+      <a:fillRef idx="3">
+        <a:scrgbClr r="0" g="0" b="0"/>
+      </a:fillRef>
+      <a:effectRef idx="3">
+        <a:scrgbClr r="0" g="0" b="0"/>
+      </a:effectRef>
+      <a:fontRef idx="minor">
+        <a:schemeClr val="lt1"/>
+      </a:fontRef>
+    </dgm:style>
+  </dgm:styleLbl>
+  <dgm:styleLbl name="parChTrans1D1">
+    <dgm:scene3d>
+      <a:camera prst="orthographicFront"/>
+      <a:lightRig rig="threePt" dir="t"/>
+    </dgm:scene3d>
+    <dgm:sp3d/>
+    <dgm:txPr/>
+    <dgm:style>
+      <a:lnRef idx="2">
+        <a:scrgbClr r="0" g="0" b="0"/>
+      </a:lnRef>
+      <a:fillRef idx="0">
+        <a:scrgbClr r="0" g="0" b="0"/>
+      </a:fillRef>
+      <a:effectRef idx="0">
+        <a:scrgbClr r="0" g="0" b="0"/>
+      </a:effectRef>
+      <a:fontRef idx="minor"/>
+    </dgm:style>
+  </dgm:styleLbl>
+  <dgm:styleLbl name="parChTrans1D2">
+    <dgm:scene3d>
+      <a:camera prst="orthographicFront"/>
+      <a:lightRig rig="threePt" dir="t"/>
+    </dgm:scene3d>
+    <dgm:sp3d/>
+    <dgm:txPr/>
+    <dgm:style>
+      <a:lnRef idx="2">
+        <a:scrgbClr r="0" g="0" b="0"/>
+      </a:lnRef>
+      <a:fillRef idx="0">
+        <a:scrgbClr r="0" g="0" b="0"/>
+      </a:fillRef>
+      <a:effectRef idx="0">
+        <a:scrgbClr r="0" g="0" b="0"/>
+      </a:effectRef>
+      <a:fontRef idx="minor"/>
+    </dgm:style>
+  </dgm:styleLbl>
+  <dgm:styleLbl name="parChTrans1D3">
+    <dgm:scene3d>
+      <a:camera prst="orthographicFront"/>
+      <a:lightRig rig="threePt" dir="t"/>
+    </dgm:scene3d>
+    <dgm:sp3d/>
+    <dgm:txPr/>
+    <dgm:style>
+      <a:lnRef idx="2">
+        <a:scrgbClr r="0" g="0" b="0"/>
+      </a:lnRef>
+      <a:fillRef idx="0">
+        <a:scrgbClr r="0" g="0" b="0"/>
+      </a:fillRef>
+      <a:effectRef idx="0">
+        <a:scrgbClr r="0" g="0" b="0"/>
+      </a:effectRef>
+      <a:fontRef idx="minor"/>
+    </dgm:style>
+  </dgm:styleLbl>
+  <dgm:styleLbl name="parChTrans1D4">
+    <dgm:scene3d>
+      <a:camera prst="orthographicFront"/>
+      <a:lightRig rig="threePt" dir="t"/>
+    </dgm:scene3d>
+    <dgm:sp3d/>
+    <dgm:txPr/>
+    <dgm:style>
+      <a:lnRef idx="2">
+        <a:scrgbClr r="0" g="0" b="0"/>
+      </a:lnRef>
+      <a:fillRef idx="0">
+        <a:scrgbClr r="0" g="0" b="0"/>
+      </a:fillRef>
+      <a:effectRef idx="0">
+        <a:scrgbClr r="0" g="0" b="0"/>
+      </a:effectRef>
+      <a:fontRef idx="minor"/>
+    </dgm:style>
+  </dgm:styleLbl>
+  <dgm:styleLbl name="fgAcc1">
+    <dgm:scene3d>
+      <a:camera prst="orthographicFront"/>
+      <a:lightRig rig="threePt" dir="t"/>
+    </dgm:scene3d>
+    <dgm:sp3d/>
+    <dgm:txPr/>
+    <dgm:style>
+      <a:lnRef idx="1">
+        <a:scrgbClr r="0" g="0" b="0"/>
+      </a:lnRef>
+      <a:fillRef idx="1">
+        <a:scrgbClr r="0" g="0" b="0"/>
+      </a:fillRef>
+      <a:effectRef idx="2">
+        <a:scrgbClr r="0" g="0" b="0"/>
+      </a:effectRef>
+      <a:fontRef idx="minor"/>
+    </dgm:style>
+  </dgm:styleLbl>
+  <dgm:styleLbl name="conFgAcc1">
+    <dgm:scene3d>
+      <a:camera prst="orthographicFront"/>
+      <a:lightRig rig="threePt" dir="t"/>
+    </dgm:scene3d>
+    <dgm:sp3d/>
+    <dgm:txPr/>
+    <dgm:style>
+      <a:lnRef idx="1">
+        <a:scrgbClr r="0" g="0" b="0"/>
+      </a:lnRef>
+      <a:fillRef idx="1">
+        <a:scrgbClr r="0" g="0" b="0"/>
+      </a:fillRef>
+      <a:effectRef idx="2">
+        <a:scrgbClr r="0" g="0" b="0"/>
+      </a:effectRef>
+      <a:fontRef idx="minor"/>
+    </dgm:style>
+  </dgm:styleLbl>
+  <dgm:styleLbl name="alignAcc1">
+    <dgm:scene3d>
+      <a:camera prst="orthographicFront"/>
+      <a:lightRig rig="threePt" dir="t"/>
+    </dgm:scene3d>
+    <dgm:sp3d/>
+    <dgm:txPr/>
+    <dgm:style>
+      <a:lnRef idx="1">
+        <a:scrgbClr r="0" g="0" b="0"/>
+      </a:lnRef>
+      <a:fillRef idx="1">
+        <a:scrgbClr r="0" g="0" b="0"/>
+      </a:fillRef>
+      <a:effectRef idx="2">
+        <a:scrgbClr r="0" g="0" b="0"/>
+      </a:effectRef>
+      <a:fontRef idx="minor"/>
+    </dgm:style>
+  </dgm:styleLbl>
+  <dgm:styleLbl name="trAlignAcc1">
+    <dgm:scene3d>
+      <a:camera prst="orthographicFront"/>
+      <a:lightRig rig="threePt" dir="t"/>
+    </dgm:scene3d>
+    <dgm:sp3d/>
+    <dgm:txPr/>
+    <dgm:style>
+      <a:lnRef idx="1">
+        <a:scrgbClr r="0" g="0" b="0"/>
+      </a:lnRef>
+      <a:fillRef idx="1">
+        <a:scrgbClr r="0" g="0" b="0"/>
+      </a:fillRef>
+      <a:effectRef idx="0">
+        <a:scrgbClr r="0" g="0" b="0"/>
+      </a:effectRef>
+      <a:fontRef idx="minor"/>
+    </dgm:style>
+  </dgm:styleLbl>
+  <dgm:styleLbl name="bgAcc1">
+    <dgm:scene3d>
+      <a:camera prst="orthographicFront"/>
+      <a:lightRig rig="threePt" dir="t"/>
+    </dgm:scene3d>
+    <dgm:sp3d/>
+    <dgm:txPr/>
+    <dgm:style>
+      <a:lnRef idx="1">
+        <a:scrgbClr r="0" g="0" b="0"/>
+      </a:lnRef>
+      <a:fillRef idx="1">
+        <a:scrgbClr r="0" g="0" b="0"/>
+      </a:fillRef>
+      <a:effectRef idx="2">
+        <a:scrgbClr r="0" g="0" b="0"/>
+      </a:effectRef>
+      <a:fontRef idx="minor"/>
+    </dgm:style>
+  </dgm:styleLbl>
+  <dgm:styleLbl name="solidFgAcc1">
+    <dgm:scene3d>
+      <a:camera prst="orthographicFront"/>
+      <a:lightRig rig="threePt" dir="t"/>
+    </dgm:scene3d>
+    <dgm:sp3d/>
+    <dgm:txPr/>
+    <dgm:style>
+      <a:lnRef idx="1">
+        <a:scrgbClr r="0" g="0" b="0"/>
+      </a:lnRef>
+      <a:fillRef idx="1">
+        <a:scrgbClr r="0" g="0" b="0"/>
+      </a:fillRef>
+      <a:effectRef idx="2">
+        <a:scrgbClr r="0" g="0" b="0"/>
+      </a:effectRef>
+      <a:fontRef idx="minor"/>
+    </dgm:style>
+  </dgm:styleLbl>
+  <dgm:styleLbl name="solidAlignAcc1">
+    <dgm:scene3d>
+      <a:camera prst="orthographicFront"/>
+      <a:lightRig rig="threePt" dir="t"/>
+    </dgm:scene3d>
+    <dgm:sp3d/>
+    <dgm:txPr/>
+    <dgm:style>
+      <a:lnRef idx="1">
+        <a:scrgbClr r="0" g="0" b="0"/>
+      </a:lnRef>
+      <a:fillRef idx="1">
+        <a:scrgbClr r="0" g="0" b="0"/>
+      </a:fillRef>
+      <a:effectRef idx="3">
+        <a:scrgbClr r="0" g="0" b="0"/>
+      </a:effectRef>
+      <a:fontRef idx="minor"/>
+    </dgm:style>
+  </dgm:styleLbl>
+  <dgm:styleLbl name="solidBgAcc1">
+    <dgm:scene3d>
+      <a:camera prst="orthographicFront"/>
+      <a:lightRig rig="threePt" dir="t"/>
+    </dgm:scene3d>
+    <dgm:sp3d/>
+    <dgm:txPr/>
+    <dgm:style>
+      <a:lnRef idx="1">
+        <a:scrgbClr r="0" g="0" b="0"/>
+      </a:lnRef>
+      <a:fillRef idx="1">
+        <a:scrgbClr r="0" g="0" b="0"/>
+      </a:fillRef>
+      <a:effectRef idx="3">
+        <a:scrgbClr r="0" g="0" b="0"/>
+      </a:effectRef>
+      <a:fontRef idx="minor"/>
+    </dgm:style>
+  </dgm:styleLbl>
+  <dgm:styleLbl name="fgAccFollowNode1">
+    <dgm:scene3d>
+      <a:camera prst="orthographicFront"/>
+      <a:lightRig rig="threePt" dir="t"/>
+    </dgm:scene3d>
+    <dgm:sp3d/>
+    <dgm:txPr/>
+    <dgm:style>
+      <a:lnRef idx="1">
+        <a:scrgbClr r="0" g="0" b="0"/>
+      </a:lnRef>
+      <a:fillRef idx="1">
+        <a:scrgbClr r="0" g="0" b="0"/>
+      </a:fillRef>
+      <a:effectRef idx="2">
+        <a:scrgbClr r="0" g="0" b="0"/>
+      </a:effectRef>
+      <a:fontRef idx="minor"/>
+    </dgm:style>
+  </dgm:styleLbl>
+  <dgm:styleLbl name="alignAccFollowNode1">
+    <dgm:scene3d>
+      <a:camera prst="orthographicFront"/>
+      <a:lightRig rig="threePt" dir="t"/>
+    </dgm:scene3d>
+    <dgm:sp3d/>
+    <dgm:txPr/>
+    <dgm:style>
+      <a:lnRef idx="1">
+        <a:scrgbClr r="0" g="0" b="0"/>
+      </a:lnRef>
+      <a:fillRef idx="1">
+        <a:scrgbClr r="0" g="0" b="0"/>
+      </a:fillRef>
+      <a:effectRef idx="2">
+        <a:scrgbClr r="0" g="0" b="0"/>
+      </a:effectRef>
+      <a:fontRef idx="minor"/>
+    </dgm:style>
+  </dgm:styleLbl>
+  <dgm:styleLbl name="bgAccFollowNode1">
+    <dgm:scene3d>
+      <a:camera prst="orthographicFront"/>
+      <a:lightRig rig="threePt" dir="t"/>
+    </dgm:scene3d>
+    <dgm:sp3d/>
+    <dgm:txPr/>
+    <dgm:style>
+      <a:lnRef idx="1">
+        <a:scrgbClr r="0" g="0" b="0"/>
+      </a:lnRef>
+      <a:fillRef idx="1">
+        <a:scrgbClr r="0" g="0" b="0"/>
+      </a:fillRef>
+      <a:effectRef idx="2">
+        <a:scrgbClr r="0" g="0" b="0"/>
+      </a:effectRef>
+      <a:fontRef idx="minor"/>
+    </dgm:style>
+  </dgm:styleLbl>
+  <dgm:styleLbl name="fgAcc0">
+    <dgm:scene3d>
+      <a:camera prst="orthographicFront"/>
+      <a:lightRig rig="threePt" dir="t"/>
+    </dgm:scene3d>
+    <dgm:sp3d/>
+    <dgm:txPr/>
+    <dgm:style>
+      <a:lnRef idx="1">
+        <a:scrgbClr r="0" g="0" b="0"/>
+      </a:lnRef>
+      <a:fillRef idx="1">
+        <a:scrgbClr r="0" g="0" b="0"/>
+      </a:fillRef>
+      <a:effectRef idx="2">
+        <a:scrgbClr r="0" g="0" b="0"/>
+      </a:effectRef>
+      <a:fontRef idx="minor"/>
+    </dgm:style>
+  </dgm:styleLbl>
+  <dgm:styleLbl name="fgAcc2">
+    <dgm:scene3d>
+      <a:camera prst="orthographicFront"/>
+      <a:lightRig rig="threePt" dir="t"/>
+    </dgm:scene3d>
+    <dgm:sp3d/>
+    <dgm:txPr/>
+    <dgm:style>
+      <a:lnRef idx="1">
+        <a:scrgbClr r="0" g="0" b="0"/>
+      </a:lnRef>
+      <a:fillRef idx="1">
+        <a:scrgbClr r="0" g="0" b="0"/>
+      </a:fillRef>
+      <a:effectRef idx="2">
+        <a:scrgbClr r="0" g="0" b="0"/>
+      </a:effectRef>
+      <a:fontRef idx="minor"/>
+    </dgm:style>
+  </dgm:styleLbl>
+  <dgm:styleLbl name="fgAcc3">
+    <dgm:scene3d>
+      <a:camera prst="orthographicFront"/>
+      <a:lightRig rig="threePt" dir="t"/>
+    </dgm:scene3d>
+    <dgm:sp3d/>
+    <dgm:txPr/>
+    <dgm:style>
+      <a:lnRef idx="1">
+        <a:scrgbClr r="0" g="0" b="0"/>
+      </a:lnRef>
+      <a:fillRef idx="1">
+        <a:scrgbClr r="0" g="0" b="0"/>
+      </a:fillRef>
+      <a:effectRef idx="2">
+        <a:scrgbClr r="0" g="0" b="0"/>
+      </a:effectRef>
+      <a:fontRef idx="minor"/>
+    </dgm:style>
+  </dgm:styleLbl>
+  <dgm:styleLbl name="fgAcc4">
+    <dgm:scene3d>
+      <a:camera prst="orthographicFront"/>
+      <a:lightRig rig="threePt" dir="t"/>
+    </dgm:scene3d>
+    <dgm:sp3d/>
+    <dgm:txPr/>
+    <dgm:style>
+      <a:lnRef idx="1">
+        <a:scrgbClr r="0" g="0" b="0"/>
+      </a:lnRef>
+      <a:fillRef idx="1">
+        <a:scrgbClr r="0" g="0" b="0"/>
+      </a:fillRef>
+      <a:effectRef idx="2">
+        <a:scrgbClr r="0" g="0" b="0"/>
+      </a:effectRef>
+      <a:fontRef idx="minor"/>
+    </dgm:style>
+  </dgm:styleLbl>
+  <dgm:styleLbl name="bgShp">
+    <dgm:scene3d>
+      <a:camera prst="orthographicFront"/>
+      <a:lightRig rig="threePt" dir="t"/>
+    </dgm:scene3d>
+    <dgm:sp3d/>
+    <dgm:txPr/>
+    <dgm:style>
+      <a:lnRef idx="0">
+        <a:scrgbClr r="0" g="0" b="0"/>
+      </a:lnRef>
+      <a:fillRef idx="1">
+        <a:scrgbClr r="0" g="0" b="0"/>
+      </a:fillRef>
+      <a:effectRef idx="2">
+        <a:scrgbClr r="0" g="0" b="0"/>
+      </a:effectRef>
+      <a:fontRef idx="minor"/>
+    </dgm:style>
+  </dgm:styleLbl>
+  <dgm:styleLbl name="dkBgShp">
+    <dgm:scene3d>
+      <a:camera prst="orthographicFront"/>
+      <a:lightRig rig="threePt" dir="t"/>
+    </dgm:scene3d>
+    <dgm:sp3d/>
+    <dgm:txPr/>
+    <dgm:style>
+      <a:lnRef idx="0">
+        <a:scrgbClr r="0" g="0" b="0"/>
+      </a:lnRef>
+      <a:fillRef idx="1">
+        <a:scrgbClr r="0" g="0" b="0"/>
+      </a:fillRef>
+      <a:effectRef idx="3">
+        <a:scrgbClr r="0" g="0" b="0"/>
+      </a:effectRef>
+      <a:fontRef idx="minor"/>
+    </dgm:style>
+  </dgm:styleLbl>
+  <dgm:styleLbl name="trBgShp">
+    <dgm:scene3d>
+      <a:camera prst="orthographicFront"/>
+      <a:lightRig rig="threePt" dir="t"/>
+    </dgm:scene3d>
+    <dgm:sp3d/>
+    <dgm:txPr/>
+    <dgm:style>
+      <a:lnRef idx="0">
+        <a:scrgbClr r="0" g="0" b="0"/>
+      </a:lnRef>
+      <a:fillRef idx="1">
+        <a:scrgbClr r="0" g="0" b="0"/>
+      </a:fillRef>
+      <a:effectRef idx="0">
+        <a:scrgbClr r="0" g="0" b="0"/>
+      </a:effectRef>
+      <a:fontRef idx="minor"/>
+    </dgm:style>
+  </dgm:styleLbl>
+  <dgm:styleLbl name="fgShp">
+    <dgm:scene3d>
+      <a:camera prst="orthographicFront"/>
+      <a:lightRig rig="threePt" dir="t"/>
+    </dgm:scene3d>
+    <dgm:sp3d/>
+    <dgm:txPr/>
+    <dgm:style>
+      <a:lnRef idx="0">
+        <a:scrgbClr r="0" g="0" b="0"/>
+      </a:lnRef>
+      <a:fillRef idx="3">
+        <a:scrgbClr r="0" g="0" b="0"/>
+      </a:fillRef>
+      <a:effectRef idx="3">
+        <a:scrgbClr r="0" g="0" b="0"/>
+      </a:effectRef>
+      <a:fontRef idx="minor"/>
+    </dgm:style>
+  </dgm:styleLbl>
+  <dgm:styleLbl name="revTx">
+    <dgm:scene3d>
+      <a:camera prst="orthographicFront"/>
+      <a:lightRig rig="threePt" dir="t"/>
+    </dgm:scene3d>
+    <dgm:sp3d/>
+    <dgm:txPr/>
+    <dgm:style>
+      <a:lnRef idx="0">
+        <a:scrgbClr r="0" g="0" b="0"/>
+      </a:lnRef>
+      <a:fillRef idx="0">
+        <a:scrgbClr r="0" g="0" b="0"/>
+      </a:fillRef>
+      <a:effectRef idx="0">
+        <a:scrgbClr r="0" g="0" b="0"/>
+      </a:effectRef>
+      <a:fontRef idx="minor"/>
+    </dgm:style>
+  </dgm:styleLbl>
+</dgm:styleDef>
+</file>
+
 <file path=ppt/notesMasters/notesMaster1.xml><?xml version="1.0" encoding="utf-8"?>
 <p:notesMaster xmlns:a="http://schemas.openxmlformats.org/drawingml/2006/main" xmlns:r="http://schemas.openxmlformats.org/officeDocument/2006/relationships" xmlns:p="http://schemas.openxmlformats.org/presentationml/2006/main">
   <p:cSld>
@@ -221,7 +3606,7 @@
           <a:p>
             <a:fld id="{B450C49C-AB40-DA4A-A80C-C93B5913236A}" type="datetimeFigureOut">
               <a:rPr lang="en-US" smtClean="0"/>
-              <a:t>1/4/22</a:t>
+              <a:t>1/5/22</a:t>
             </a:fld>
             <a:endParaRPr lang="en-US"/>
           </a:p>
@@ -395,8 +3780,8 @@
   </p:cSld>
   <p:clrMap bg1="lt1" tx1="dk1" bg2="lt2" tx2="dk2" accent1="accent1" accent2="accent2" accent3="accent3" accent4="accent4" accent5="accent5" accent6="accent6" hlink="hlink" folHlink="folHlink"/>
   <p:notesStyle>
-    <a:lvl1pPr marL="0" algn="l" defTabSz="914400" rtl="0" eaLnBrk="1" latinLnBrk="0" hangingPunct="1">
-      <a:defRPr sz="1200" kern="1200">
+    <a:lvl1pPr marL="0" algn="l" defTabSz="685800" rtl="0" eaLnBrk="1" latinLnBrk="0" hangingPunct="1">
+      <a:defRPr sz="900" kern="1200">
         <a:solidFill>
           <a:schemeClr val="tx1"/>
         </a:solidFill>
@@ -405,8 +3790,8 @@
         <a:cs typeface="+mn-cs"/>
       </a:defRPr>
     </a:lvl1pPr>
-    <a:lvl2pPr marL="457200" algn="l" defTabSz="914400" rtl="0" eaLnBrk="1" latinLnBrk="0" hangingPunct="1">
-      <a:defRPr sz="1200" kern="1200">
+    <a:lvl2pPr marL="342900" algn="l" defTabSz="685800" rtl="0" eaLnBrk="1" latinLnBrk="0" hangingPunct="1">
+      <a:defRPr sz="900" kern="1200">
         <a:solidFill>
           <a:schemeClr val="tx1"/>
         </a:solidFill>
@@ -415,8 +3800,8 @@
         <a:cs typeface="+mn-cs"/>
       </a:defRPr>
     </a:lvl2pPr>
-    <a:lvl3pPr marL="914400" algn="l" defTabSz="914400" rtl="0" eaLnBrk="1" latinLnBrk="0" hangingPunct="1">
-      <a:defRPr sz="1200" kern="1200">
+    <a:lvl3pPr marL="685800" algn="l" defTabSz="685800" rtl="0" eaLnBrk="1" latinLnBrk="0" hangingPunct="1">
+      <a:defRPr sz="900" kern="1200">
         <a:solidFill>
           <a:schemeClr val="tx1"/>
         </a:solidFill>
@@ -425,8 +3810,8 @@
         <a:cs typeface="+mn-cs"/>
       </a:defRPr>
     </a:lvl3pPr>
-    <a:lvl4pPr marL="1371600" algn="l" defTabSz="914400" rtl="0" eaLnBrk="1" latinLnBrk="0" hangingPunct="1">
-      <a:defRPr sz="1200" kern="1200">
+    <a:lvl4pPr marL="1028700" algn="l" defTabSz="685800" rtl="0" eaLnBrk="1" latinLnBrk="0" hangingPunct="1">
+      <a:defRPr sz="900" kern="1200">
         <a:solidFill>
           <a:schemeClr val="tx1"/>
         </a:solidFill>
@@ -435,8 +3820,8 @@
         <a:cs typeface="+mn-cs"/>
       </a:defRPr>
     </a:lvl4pPr>
-    <a:lvl5pPr marL="1828800" algn="l" defTabSz="914400" rtl="0" eaLnBrk="1" latinLnBrk="0" hangingPunct="1">
-      <a:defRPr sz="1200" kern="1200">
+    <a:lvl5pPr marL="1371600" algn="l" defTabSz="685800" rtl="0" eaLnBrk="1" latinLnBrk="0" hangingPunct="1">
+      <a:defRPr sz="900" kern="1200">
         <a:solidFill>
           <a:schemeClr val="tx1"/>
         </a:solidFill>
@@ -445,8 +3830,8 @@
         <a:cs typeface="+mn-cs"/>
       </a:defRPr>
     </a:lvl5pPr>
-    <a:lvl6pPr marL="2286000" algn="l" defTabSz="914400" rtl="0" eaLnBrk="1" latinLnBrk="0" hangingPunct="1">
-      <a:defRPr sz="1200" kern="1200">
+    <a:lvl6pPr marL="1714500" algn="l" defTabSz="685800" rtl="0" eaLnBrk="1" latinLnBrk="0" hangingPunct="1">
+      <a:defRPr sz="900" kern="1200">
         <a:solidFill>
           <a:schemeClr val="tx1"/>
         </a:solidFill>
@@ -455,8 +3840,8 @@
         <a:cs typeface="+mn-cs"/>
       </a:defRPr>
     </a:lvl6pPr>
-    <a:lvl7pPr marL="2743200" algn="l" defTabSz="914400" rtl="0" eaLnBrk="1" latinLnBrk="0" hangingPunct="1">
-      <a:defRPr sz="1200" kern="1200">
+    <a:lvl7pPr marL="2057400" algn="l" defTabSz="685800" rtl="0" eaLnBrk="1" latinLnBrk="0" hangingPunct="1">
+      <a:defRPr sz="900" kern="1200">
         <a:solidFill>
           <a:schemeClr val="tx1"/>
         </a:solidFill>
@@ -465,8 +3850,8 @@
         <a:cs typeface="+mn-cs"/>
       </a:defRPr>
     </a:lvl7pPr>
-    <a:lvl8pPr marL="3200400" algn="l" defTabSz="914400" rtl="0" eaLnBrk="1" latinLnBrk="0" hangingPunct="1">
-      <a:defRPr sz="1200" kern="1200">
+    <a:lvl8pPr marL="2400300" algn="l" defTabSz="685800" rtl="0" eaLnBrk="1" latinLnBrk="0" hangingPunct="1">
+      <a:defRPr sz="900" kern="1200">
         <a:solidFill>
           <a:schemeClr val="tx1"/>
         </a:solidFill>
@@ -475,8 +3860,8 @@
         <a:cs typeface="+mn-cs"/>
       </a:defRPr>
     </a:lvl8pPr>
-    <a:lvl9pPr marL="3657600" algn="l" defTabSz="914400" rtl="0" eaLnBrk="1" latinLnBrk="0" hangingPunct="1">
-      <a:defRPr sz="1200" kern="1200">
+    <a:lvl9pPr marL="2743200" algn="l" defTabSz="685800" rtl="0" eaLnBrk="1" latinLnBrk="0" hangingPunct="1">
+      <a:defRPr sz="900" kern="1200">
         <a:solidFill>
           <a:schemeClr val="tx1"/>
         </a:solidFill>
@@ -529,7 +3914,7 @@
         <p:spPr>
           <a:xfrm>
             <a:off x="0" y="0"/>
-            <a:ext cx="12192000" cy="6858000"/>
+            <a:ext cx="9144000" cy="5143500"/>
           </a:xfrm>
           <a:prstGeom prst="rect">
             <a:avLst/>
@@ -548,8 +3933,8 @@
         </p:nvSpPr>
         <p:spPr>
           <a:xfrm>
-            <a:off x="1751012" y="1300785"/>
-            <a:ext cx="8689976" cy="2509213"/>
+            <a:off x="1313259" y="975589"/>
+            <a:ext cx="6517482" cy="1881910"/>
           </a:xfrm>
         </p:spPr>
         <p:txBody>
@@ -558,7 +3943,7 @@
           </a:bodyPr>
           <a:lstStyle>
             <a:lvl1pPr algn="ctr">
-              <a:defRPr sz="4800"/>
+              <a:defRPr sz="3600"/>
             </a:lvl1pPr>
           </a:lstStyle>
           <a:p>
@@ -582,8 +3967,8 @@
         </p:nvSpPr>
         <p:spPr>
           <a:xfrm>
-            <a:off x="1751012" y="3886200"/>
-            <a:ext cx="8689976" cy="1371599"/>
+            <a:off x="1313259" y="2914651"/>
+            <a:ext cx="6517482" cy="1028699"/>
           </a:xfrm>
         </p:spPr>
         <p:txBody>
@@ -593,7 +3978,7 @@
           <a:lstStyle>
             <a:lvl1pPr marL="0" indent="0" algn="ctr">
               <a:buNone/>
-              <a:defRPr sz="2200">
+              <a:defRPr sz="1650">
                 <a:solidFill>
                   <a:schemeClr val="bg1">
                     <a:lumMod val="50000"/>
@@ -601,37 +3986,37 @@
                 </a:solidFill>
               </a:defRPr>
             </a:lvl1pPr>
-            <a:lvl2pPr marL="457200" indent="0" algn="ctr">
-              <a:buNone/>
-              <a:defRPr sz="2000"/>
+            <a:lvl2pPr marL="342900" indent="0" algn="ctr">
+              <a:buNone/>
+              <a:defRPr sz="1500"/>
             </a:lvl2pPr>
-            <a:lvl3pPr marL="914400" indent="0" algn="ctr">
-              <a:buNone/>
-              <a:defRPr sz="1800"/>
+            <a:lvl3pPr marL="685800" indent="0" algn="ctr">
+              <a:buNone/>
+              <a:defRPr sz="1350"/>
             </a:lvl3pPr>
-            <a:lvl4pPr marL="1371600" indent="0" algn="ctr">
-              <a:buNone/>
-              <a:defRPr sz="1600"/>
+            <a:lvl4pPr marL="1028700" indent="0" algn="ctr">
+              <a:buNone/>
+              <a:defRPr sz="1200"/>
             </a:lvl4pPr>
-            <a:lvl5pPr marL="1828800" indent="0" algn="ctr">
-              <a:buNone/>
-              <a:defRPr sz="1600"/>
+            <a:lvl5pPr marL="1371600" indent="0" algn="ctr">
+              <a:buNone/>
+              <a:defRPr sz="1200"/>
             </a:lvl5pPr>
-            <a:lvl6pPr marL="2286000" indent="0" algn="ctr">
-              <a:buNone/>
-              <a:defRPr sz="1600"/>
+            <a:lvl6pPr marL="1714500" indent="0" algn="ctr">
+              <a:buNone/>
+              <a:defRPr sz="1200"/>
             </a:lvl6pPr>
-            <a:lvl7pPr marL="2743200" indent="0" algn="ctr">
-              <a:buNone/>
-              <a:defRPr sz="1600"/>
+            <a:lvl7pPr marL="2057400" indent="0" algn="ctr">
+              <a:buNone/>
+              <a:defRPr sz="1200"/>
             </a:lvl7pPr>
-            <a:lvl8pPr marL="3200400" indent="0" algn="ctr">
-              <a:buNone/>
-              <a:defRPr sz="1600"/>
+            <a:lvl8pPr marL="2400300" indent="0" algn="ctr">
+              <a:buNone/>
+              <a:defRPr sz="1200"/>
             </a:lvl8pPr>
-            <a:lvl9pPr marL="3657600" indent="0" algn="ctr">
-              <a:buNone/>
-              <a:defRPr sz="1600"/>
+            <a:lvl9pPr marL="2743200" indent="0" algn="ctr">
+              <a:buNone/>
+              <a:defRPr sz="1200"/>
             </a:lvl9pPr>
           </a:lstStyle>
           <a:p>
@@ -659,8 +4044,8 @@
           <a:lstStyle/>
           <a:p>
             <a:fld id="{48A87A34-81AB-432B-8DAE-1953F412C126}" type="datetimeFigureOut">
-              <a:rPr lang="en-US"/>
-              <a:t>1/4/22</a:t>
+              <a:rPr lang="en-US" smtClean="0"/>
+              <a:t>1/5/22</a:t>
             </a:fld>
             <a:endParaRPr lang="en-US" dirty="0"/>
           </a:p>
@@ -701,7 +4086,7 @@
           <a:lstStyle/>
           <a:p>
             <a:fld id="{6D22F896-40B5-4ADD-8801-0D06FADFA095}" type="slidenum">
-              <a:rPr lang="en-US"/>
+              <a:rPr lang="en-US" smtClean="0"/>
               <a:t>‹#›</a:t>
             </a:fld>
             <a:endParaRPr lang="en-US" dirty="0"/>
@@ -709,6 +4094,11 @@
         </p:txBody>
       </p:sp>
     </p:spTree>
+    <p:extLst>
+      <p:ext uri="{BB962C8B-B14F-4D97-AF65-F5344CB8AC3E}">
+        <p14:creationId xmlns:p14="http://schemas.microsoft.com/office/powerpoint/2010/main" val="2520768205"/>
+      </p:ext>
+    </p:extLst>
   </p:cSld>
   <p:clrMapOvr>
     <a:masterClrMapping/>
@@ -768,7 +4158,7 @@
         <p:spPr>
           <a:xfrm>
             <a:off x="0" y="0"/>
-            <a:ext cx="12192000" cy="6858000"/>
+            <a:ext cx="9144000" cy="5143500"/>
           </a:xfrm>
           <a:prstGeom prst="rect">
             <a:avLst/>
@@ -787,15 +4177,15 @@
         </p:nvSpPr>
         <p:spPr>
           <a:xfrm>
-            <a:off x="913794" y="4289374"/>
-            <a:ext cx="10364432" cy="811610"/>
+            <a:off x="685346" y="3217030"/>
+            <a:ext cx="7773324" cy="608708"/>
           </a:xfrm>
         </p:spPr>
         <p:txBody>
           <a:bodyPr anchor="b"/>
           <a:lstStyle>
             <a:lvl1pPr>
-              <a:defRPr sz="3200"/>
+              <a:defRPr sz="2400"/>
             </a:lvl1pPr>
           </a:lstStyle>
           <a:p>
@@ -819,8 +4209,8 @@
         </p:nvSpPr>
         <p:spPr>
           <a:xfrm>
-            <a:off x="1184744" y="698261"/>
-            <a:ext cx="9822532" cy="3214136"/>
+            <a:off x="888558" y="523696"/>
+            <a:ext cx="7366899" cy="2410602"/>
           </a:xfrm>
           <a:prstGeom prst="roundRect">
             <a:avLst>
@@ -853,44 +4243,44 @@
           <a:lstStyle>
             <a:lvl1pPr marL="0" indent="0" algn="ctr">
               <a:buNone/>
-              <a:defRPr sz="3200"/>
+              <a:defRPr sz="2400"/>
             </a:lvl1pPr>
-            <a:lvl2pPr marL="457200" indent="0">
-              <a:buNone/>
-              <a:defRPr sz="2800"/>
+            <a:lvl2pPr marL="342900" indent="0">
+              <a:buNone/>
+              <a:defRPr sz="2100"/>
             </a:lvl2pPr>
-            <a:lvl3pPr marL="914400" indent="0">
-              <a:buNone/>
-              <a:defRPr sz="2400"/>
+            <a:lvl3pPr marL="685800" indent="0">
+              <a:buNone/>
+              <a:defRPr sz="1800"/>
             </a:lvl3pPr>
-            <a:lvl4pPr marL="1371600" indent="0">
-              <a:buNone/>
-              <a:defRPr sz="2000"/>
+            <a:lvl4pPr marL="1028700" indent="0">
+              <a:buNone/>
+              <a:defRPr sz="1500"/>
             </a:lvl4pPr>
-            <a:lvl5pPr marL="1828800" indent="0">
-              <a:buNone/>
-              <a:defRPr sz="2000"/>
+            <a:lvl5pPr marL="1371600" indent="0">
+              <a:buNone/>
+              <a:defRPr sz="1500"/>
             </a:lvl5pPr>
-            <a:lvl6pPr marL="2286000" indent="0">
-              <a:buNone/>
-              <a:defRPr sz="2000"/>
+            <a:lvl6pPr marL="1714500" indent="0">
+              <a:buNone/>
+              <a:defRPr sz="1500"/>
             </a:lvl6pPr>
-            <a:lvl7pPr marL="2743200" indent="0">
-              <a:buNone/>
-              <a:defRPr sz="2000"/>
+            <a:lvl7pPr marL="2057400" indent="0">
+              <a:buNone/>
+              <a:defRPr sz="1500"/>
             </a:lvl7pPr>
-            <a:lvl8pPr marL="3200400" indent="0">
-              <a:buNone/>
-              <a:defRPr sz="2000"/>
+            <a:lvl8pPr marL="2400300" indent="0">
+              <a:buNone/>
+              <a:defRPr sz="1500"/>
             </a:lvl8pPr>
-            <a:lvl9pPr marL="3657600" indent="0">
-              <a:buNone/>
-              <a:defRPr sz="2000"/>
+            <a:lvl9pPr marL="2743200" indent="0">
+              <a:buNone/>
+              <a:defRPr sz="1500"/>
             </a:lvl9pPr>
           </a:lstStyle>
           <a:p>
             <a:r>
-              <a:rPr lang="en-GB" dirty="0"/>
+              <a:rPr lang="en-GB"/>
               <a:t>Click icon to add picture</a:t>
             </a:r>
             <a:endParaRPr lang="en-US" dirty="0"/>
@@ -909,8 +4299,8 @@
         </p:nvSpPr>
         <p:spPr>
           <a:xfrm>
-            <a:off x="913774" y="5108728"/>
-            <a:ext cx="10364452" cy="682472"/>
+            <a:off x="685331" y="3831546"/>
+            <a:ext cx="7773339" cy="511854"/>
           </a:xfrm>
         </p:spPr>
         <p:txBody>
@@ -918,39 +4308,39 @@
           <a:lstStyle>
             <a:lvl1pPr marL="0" indent="0" algn="ctr">
               <a:buNone/>
-              <a:defRPr sz="1600"/>
+              <a:defRPr sz="1200"/>
             </a:lvl1pPr>
-            <a:lvl2pPr marL="457200" indent="0">
-              <a:buNone/>
-              <a:defRPr sz="1400"/>
+            <a:lvl2pPr marL="342900" indent="0">
+              <a:buNone/>
+              <a:defRPr sz="1050"/>
             </a:lvl2pPr>
-            <a:lvl3pPr marL="914400" indent="0">
-              <a:buNone/>
-              <a:defRPr sz="1200"/>
+            <a:lvl3pPr marL="685800" indent="0">
+              <a:buNone/>
+              <a:defRPr sz="900"/>
             </a:lvl3pPr>
-            <a:lvl4pPr marL="1371600" indent="0">
-              <a:buNone/>
-              <a:defRPr sz="1000"/>
+            <a:lvl4pPr marL="1028700" indent="0">
+              <a:buNone/>
+              <a:defRPr sz="750"/>
             </a:lvl4pPr>
-            <a:lvl5pPr marL="1828800" indent="0">
-              <a:buNone/>
-              <a:defRPr sz="1000"/>
+            <a:lvl5pPr marL="1371600" indent="0">
+              <a:buNone/>
+              <a:defRPr sz="750"/>
             </a:lvl5pPr>
-            <a:lvl6pPr marL="2286000" indent="0">
-              <a:buNone/>
-              <a:defRPr sz="1000"/>
+            <a:lvl6pPr marL="1714500" indent="0">
+              <a:buNone/>
+              <a:defRPr sz="750"/>
             </a:lvl6pPr>
-            <a:lvl7pPr marL="2743200" indent="0">
-              <a:buNone/>
-              <a:defRPr sz="1000"/>
+            <a:lvl7pPr marL="2057400" indent="0">
+              <a:buNone/>
+              <a:defRPr sz="750"/>
             </a:lvl7pPr>
-            <a:lvl8pPr marL="3200400" indent="0">
-              <a:buNone/>
-              <a:defRPr sz="1000"/>
+            <a:lvl8pPr marL="2400300" indent="0">
+              <a:buNone/>
+              <a:defRPr sz="750"/>
             </a:lvl8pPr>
-            <a:lvl9pPr marL="3657600" indent="0">
-              <a:buNone/>
-              <a:defRPr sz="1000"/>
+            <a:lvl9pPr marL="2743200" indent="0">
+              <a:buNone/>
+              <a:defRPr sz="750"/>
             </a:lvl9pPr>
           </a:lstStyle>
           <a:p>
@@ -978,8 +4368,8 @@
           <a:lstStyle/>
           <a:p>
             <a:fld id="{48A87A34-81AB-432B-8DAE-1953F412C126}" type="datetimeFigureOut">
-              <a:rPr lang="en-US"/>
-              <a:t>1/4/22</a:t>
+              <a:rPr lang="en-US" smtClean="0"/>
+              <a:t>1/5/22</a:t>
             </a:fld>
             <a:endParaRPr lang="en-US" dirty="0"/>
           </a:p>
@@ -1020,7 +4410,7 @@
           <a:lstStyle/>
           <a:p>
             <a:fld id="{6D22F896-40B5-4ADD-8801-0D06FADFA095}" type="slidenum">
-              <a:rPr lang="en-US"/>
+              <a:rPr lang="en-US" smtClean="0"/>
               <a:t>‹#›</a:t>
             </a:fld>
             <a:endParaRPr lang="en-US" dirty="0"/>
@@ -1028,6 +4418,11 @@
         </p:txBody>
       </p:sp>
     </p:spTree>
+    <p:extLst>
+      <p:ext uri="{BB962C8B-B14F-4D97-AF65-F5344CB8AC3E}">
+        <p14:creationId xmlns:p14="http://schemas.microsoft.com/office/powerpoint/2010/main" val="4231149300"/>
+      </p:ext>
+    </p:extLst>
   </p:cSld>
   <p:clrMapOvr>
     <a:masterClrMapping/>
@@ -1087,7 +4482,7 @@
         <p:spPr>
           <a:xfrm>
             <a:off x="0" y="0"/>
-            <a:ext cx="12192000" cy="6858000"/>
+            <a:ext cx="9144000" cy="5143500"/>
           </a:xfrm>
           <a:prstGeom prst="rect">
             <a:avLst/>
@@ -1106,15 +4501,15 @@
         </p:nvSpPr>
         <p:spPr>
           <a:xfrm>
-            <a:off x="913774" y="609599"/>
-            <a:ext cx="10364452" cy="3427245"/>
+            <a:off x="685331" y="457200"/>
+            <a:ext cx="7773339" cy="2570434"/>
           </a:xfrm>
         </p:spPr>
         <p:txBody>
           <a:bodyPr anchor="ctr"/>
           <a:lstStyle>
             <a:lvl1pPr algn="ctr">
-              <a:defRPr sz="3200"/>
+              <a:defRPr sz="2400"/>
             </a:lvl1pPr>
           </a:lstStyle>
           <a:p>
@@ -1138,8 +4533,8 @@
         </p:nvSpPr>
         <p:spPr>
           <a:xfrm>
-            <a:off x="913775" y="4204821"/>
-            <a:ext cx="10364452" cy="1586380"/>
+            <a:off x="685331" y="3153616"/>
+            <a:ext cx="7773339" cy="1189785"/>
           </a:xfrm>
         </p:spPr>
         <p:txBody>
@@ -1147,39 +4542,39 @@
           <a:lstStyle>
             <a:lvl1pPr marL="0" indent="0" algn="ctr">
               <a:buNone/>
-              <a:defRPr sz="1600"/>
+              <a:defRPr sz="1200"/>
             </a:lvl1pPr>
-            <a:lvl2pPr marL="457200" indent="0">
-              <a:buNone/>
-              <a:defRPr sz="1400"/>
+            <a:lvl2pPr marL="342900" indent="0">
+              <a:buNone/>
+              <a:defRPr sz="1050"/>
             </a:lvl2pPr>
-            <a:lvl3pPr marL="914400" indent="0">
-              <a:buNone/>
-              <a:defRPr sz="1200"/>
+            <a:lvl3pPr marL="685800" indent="0">
+              <a:buNone/>
+              <a:defRPr sz="900"/>
             </a:lvl3pPr>
-            <a:lvl4pPr marL="1371600" indent="0">
-              <a:buNone/>
-              <a:defRPr sz="1000"/>
+            <a:lvl4pPr marL="1028700" indent="0">
+              <a:buNone/>
+              <a:defRPr sz="750"/>
             </a:lvl4pPr>
-            <a:lvl5pPr marL="1828800" indent="0">
-              <a:buNone/>
-              <a:defRPr sz="1000"/>
+            <a:lvl5pPr marL="1371600" indent="0">
+              <a:buNone/>
+              <a:defRPr sz="750"/>
             </a:lvl5pPr>
-            <a:lvl6pPr marL="2286000" indent="0">
-              <a:buNone/>
-              <a:defRPr sz="1000"/>
+            <a:lvl6pPr marL="1714500" indent="0">
+              <a:buNone/>
+              <a:defRPr sz="750"/>
             </a:lvl6pPr>
-            <a:lvl7pPr marL="2743200" indent="0">
-              <a:buNone/>
-              <a:defRPr sz="1000"/>
+            <a:lvl7pPr marL="2057400" indent="0">
+              <a:buNone/>
+              <a:defRPr sz="750"/>
             </a:lvl7pPr>
-            <a:lvl8pPr marL="3200400" indent="0">
-              <a:buNone/>
-              <a:defRPr sz="1000"/>
+            <a:lvl8pPr marL="2400300" indent="0">
+              <a:buNone/>
+              <a:defRPr sz="750"/>
             </a:lvl8pPr>
-            <a:lvl9pPr marL="3657600" indent="0">
-              <a:buNone/>
-              <a:defRPr sz="1000"/>
+            <a:lvl9pPr marL="2743200" indent="0">
+              <a:buNone/>
+              <a:defRPr sz="750"/>
             </a:lvl9pPr>
           </a:lstStyle>
           <a:p>
@@ -1207,8 +4602,8 @@
           <a:lstStyle/>
           <a:p>
             <a:fld id="{48A87A34-81AB-432B-8DAE-1953F412C126}" type="datetimeFigureOut">
-              <a:rPr lang="en-US"/>
-              <a:t>1/4/22</a:t>
+              <a:rPr lang="en-US" smtClean="0"/>
+              <a:t>1/5/22</a:t>
             </a:fld>
             <a:endParaRPr lang="en-US" dirty="0"/>
           </a:p>
@@ -1249,7 +4644,7 @@
           <a:lstStyle/>
           <a:p>
             <a:fld id="{6D22F896-40B5-4ADD-8801-0D06FADFA095}" type="slidenum">
-              <a:rPr lang="en-US"/>
+              <a:rPr lang="en-US" smtClean="0"/>
               <a:t>‹#›</a:t>
             </a:fld>
             <a:endParaRPr lang="en-US" dirty="0"/>
@@ -1257,6 +4652,11 @@
         </p:txBody>
       </p:sp>
     </p:spTree>
+    <p:extLst>
+      <p:ext uri="{BB962C8B-B14F-4D97-AF65-F5344CB8AC3E}">
+        <p14:creationId xmlns:p14="http://schemas.microsoft.com/office/powerpoint/2010/main" val="2195280553"/>
+      </p:ext>
+    </p:extLst>
   </p:cSld>
   <p:clrMapOvr>
     <a:masterClrMapping/>
@@ -1316,7 +4716,7 @@
         <p:spPr>
           <a:xfrm>
             <a:off x="0" y="0"/>
-            <a:ext cx="12192000" cy="6858000"/>
+            <a:ext cx="9144000" cy="5143500"/>
           </a:xfrm>
           <a:prstGeom prst="rect">
             <a:avLst/>
@@ -1335,15 +4735,15 @@
         </p:nvSpPr>
         <p:spPr>
           <a:xfrm>
-            <a:off x="1446212" y="609600"/>
-            <a:ext cx="9302752" cy="2992904"/>
+            <a:off x="1084659" y="457200"/>
+            <a:ext cx="6977064" cy="2244678"/>
           </a:xfrm>
         </p:spPr>
         <p:txBody>
           <a:bodyPr anchor="ctr"/>
           <a:lstStyle>
             <a:lvl1pPr>
-              <a:defRPr sz="3200"/>
+              <a:defRPr sz="2400"/>
             </a:lvl1pPr>
           </a:lstStyle>
           <a:p>
@@ -1367,8 +4767,8 @@
         </p:nvSpPr>
         <p:spPr>
           <a:xfrm>
-            <a:off x="1720644" y="3610032"/>
-            <a:ext cx="8752299" cy="594788"/>
+            <a:off x="1290484" y="2707524"/>
+            <a:ext cx="6564224" cy="446091"/>
           </a:xfrm>
         </p:spPr>
         <p:txBody>
@@ -1378,39 +4778,39 @@
           <a:lstStyle>
             <a:lvl1pPr marL="0" indent="0">
               <a:buNone/>
-              <a:defRPr sz="1400"/>
+              <a:defRPr sz="1050"/>
             </a:lvl1pPr>
-            <a:lvl2pPr marL="457200" indent="0">
-              <a:buNone/>
-              <a:defRPr sz="1400"/>
+            <a:lvl2pPr marL="342900" indent="0">
+              <a:buNone/>
+              <a:defRPr sz="1050"/>
             </a:lvl2pPr>
-            <a:lvl3pPr marL="914400" indent="0">
-              <a:buNone/>
-              <a:defRPr sz="1200"/>
+            <a:lvl3pPr marL="685800" indent="0">
+              <a:buNone/>
+              <a:defRPr sz="900"/>
             </a:lvl3pPr>
-            <a:lvl4pPr marL="1371600" indent="0">
-              <a:buNone/>
-              <a:defRPr sz="1000"/>
+            <a:lvl4pPr marL="1028700" indent="0">
+              <a:buNone/>
+              <a:defRPr sz="750"/>
             </a:lvl4pPr>
-            <a:lvl5pPr marL="1828800" indent="0">
-              <a:buNone/>
-              <a:defRPr sz="1000"/>
+            <a:lvl5pPr marL="1371600" indent="0">
+              <a:buNone/>
+              <a:defRPr sz="750"/>
             </a:lvl5pPr>
-            <a:lvl6pPr marL="2286000" indent="0">
-              <a:buNone/>
-              <a:defRPr sz="1000"/>
+            <a:lvl6pPr marL="1714500" indent="0">
+              <a:buNone/>
+              <a:defRPr sz="750"/>
             </a:lvl6pPr>
-            <a:lvl7pPr marL="2743200" indent="0">
-              <a:buNone/>
-              <a:defRPr sz="1000"/>
+            <a:lvl7pPr marL="2057400" indent="0">
+              <a:buNone/>
+              <a:defRPr sz="750"/>
             </a:lvl7pPr>
-            <a:lvl8pPr marL="3200400" indent="0">
-              <a:buNone/>
-              <a:defRPr sz="1000"/>
+            <a:lvl8pPr marL="2400300" indent="0">
+              <a:buNone/>
+              <a:defRPr sz="750"/>
             </a:lvl8pPr>
-            <a:lvl9pPr marL="3657600" indent="0">
-              <a:buNone/>
-              <a:defRPr sz="1000"/>
+            <a:lvl9pPr marL="2743200" indent="0">
+              <a:buNone/>
+              <a:defRPr sz="750"/>
             </a:lvl9pPr>
           </a:lstStyle>
           <a:p>
@@ -1434,8 +4834,8 @@
         </p:nvSpPr>
         <p:spPr>
           <a:xfrm>
-            <a:off x="913774" y="4372796"/>
-            <a:ext cx="10364452" cy="1421053"/>
+            <a:off x="685331" y="3279597"/>
+            <a:ext cx="7773339" cy="1065790"/>
           </a:xfrm>
         </p:spPr>
         <p:txBody>
@@ -1445,39 +4845,39 @@
           <a:lstStyle>
             <a:lvl1pPr marL="0" indent="0" algn="ctr">
               <a:buNone/>
-              <a:defRPr sz="1600"/>
+              <a:defRPr sz="1200"/>
             </a:lvl1pPr>
-            <a:lvl2pPr marL="457200" indent="0">
-              <a:buNone/>
-              <a:defRPr sz="1400"/>
+            <a:lvl2pPr marL="342900" indent="0">
+              <a:buNone/>
+              <a:defRPr sz="1050"/>
             </a:lvl2pPr>
-            <a:lvl3pPr marL="914400" indent="0">
-              <a:buNone/>
-              <a:defRPr sz="1200"/>
+            <a:lvl3pPr marL="685800" indent="0">
+              <a:buNone/>
+              <a:defRPr sz="900"/>
             </a:lvl3pPr>
-            <a:lvl4pPr marL="1371600" indent="0">
-              <a:buNone/>
-              <a:defRPr sz="1000"/>
+            <a:lvl4pPr marL="1028700" indent="0">
+              <a:buNone/>
+              <a:defRPr sz="750"/>
             </a:lvl4pPr>
-            <a:lvl5pPr marL="1828800" indent="0">
-              <a:buNone/>
-              <a:defRPr sz="1000"/>
+            <a:lvl5pPr marL="1371600" indent="0">
+              <a:buNone/>
+              <a:defRPr sz="750"/>
             </a:lvl5pPr>
-            <a:lvl6pPr marL="2286000" indent="0">
-              <a:buNone/>
-              <a:defRPr sz="1000"/>
+            <a:lvl6pPr marL="1714500" indent="0">
+              <a:buNone/>
+              <a:defRPr sz="750"/>
             </a:lvl6pPr>
-            <a:lvl7pPr marL="2743200" indent="0">
-              <a:buNone/>
-              <a:defRPr sz="1000"/>
+            <a:lvl7pPr marL="2057400" indent="0">
+              <a:buNone/>
+              <a:defRPr sz="750"/>
             </a:lvl7pPr>
-            <a:lvl8pPr marL="3200400" indent="0">
-              <a:buNone/>
-              <a:defRPr sz="1000"/>
+            <a:lvl8pPr marL="2400300" indent="0">
+              <a:buNone/>
+              <a:defRPr sz="750"/>
             </a:lvl8pPr>
-            <a:lvl9pPr marL="3657600" indent="0">
-              <a:buNone/>
-              <a:defRPr sz="1000"/>
+            <a:lvl9pPr marL="2743200" indent="0">
+              <a:buNone/>
+              <a:defRPr sz="750"/>
             </a:lvl9pPr>
           </a:lstStyle>
           <a:p>
@@ -1505,8 +4905,8 @@
           <a:lstStyle/>
           <a:p>
             <a:fld id="{48A87A34-81AB-432B-8DAE-1953F412C126}" type="datetimeFigureOut">
-              <a:rPr lang="en-US"/>
-              <a:t>1/4/22</a:t>
+              <a:rPr lang="en-US" smtClean="0"/>
+              <a:t>1/5/22</a:t>
             </a:fld>
             <a:endParaRPr lang="en-US" dirty="0"/>
           </a:p>
@@ -1547,7 +4947,7 @@
           <a:lstStyle/>
           <a:p>
             <a:fld id="{6D22F896-40B5-4ADD-8801-0D06FADFA095}" type="slidenum">
-              <a:rPr lang="en-US"/>
+              <a:rPr lang="en-US" smtClean="0"/>
               <a:t>‹#›</a:t>
             </a:fld>
             <a:endParaRPr lang="en-US" dirty="0"/>
@@ -1562,15 +4962,15 @@
         </p:nvSpPr>
         <p:spPr>
           <a:xfrm>
-            <a:off x="1001488" y="754166"/>
-            <a:ext cx="609600" cy="584776"/>
+            <a:off x="751116" y="565625"/>
+            <a:ext cx="457200" cy="438582"/>
           </a:xfrm>
           <a:prstGeom prst="rect">
             <a:avLst/>
           </a:prstGeom>
         </p:spPr>
         <p:txBody>
-          <a:bodyPr vert="horz" lIns="91440" tIns="45720" rIns="91440" bIns="45720" rtlCol="0" anchor="ctr">
+          <a:bodyPr vert="horz" lIns="68580" tIns="34290" rIns="68580" bIns="34290" rtlCol="0" anchor="ctr">
             <a:noAutofit/>
           </a:bodyPr>
           <a:lstStyle>
@@ -1659,7 +5059,7 @@
           <a:p>
             <a:pPr lvl="0"/>
             <a:r>
-              <a:rPr lang="en-US" sz="8000" dirty="0">
+              <a:rPr lang="en-US" sz="6000" dirty="0">
                 <a:solidFill>
                   <a:schemeClr val="tx1"/>
                 </a:solidFill>
@@ -1678,15 +5078,15 @@
         </p:nvSpPr>
         <p:spPr>
           <a:xfrm>
-            <a:off x="10557558" y="2993578"/>
-            <a:ext cx="609600" cy="584776"/>
+            <a:off x="7918169" y="2245184"/>
+            <a:ext cx="457200" cy="438582"/>
           </a:xfrm>
           <a:prstGeom prst="rect">
             <a:avLst/>
           </a:prstGeom>
         </p:spPr>
         <p:txBody>
-          <a:bodyPr vert="horz" lIns="91440" tIns="45720" rIns="91440" bIns="45720" rtlCol="0" anchor="ctr">
+          <a:bodyPr vert="horz" lIns="68580" tIns="34290" rIns="68580" bIns="34290" rtlCol="0" anchor="ctr">
             <a:noAutofit/>
           </a:bodyPr>
           <a:lstStyle>
@@ -1775,7 +5175,7 @@
           <a:p>
             <a:pPr lvl="0" algn="r"/>
             <a:r>
-              <a:rPr lang="en-US" sz="8000" dirty="0">
+              <a:rPr lang="en-US" sz="6000" dirty="0">
                 <a:solidFill>
                   <a:schemeClr val="tx1"/>
                 </a:solidFill>
@@ -1787,6 +5187,11 @@
         </p:txBody>
       </p:sp>
     </p:spTree>
+    <p:extLst>
+      <p:ext uri="{BB962C8B-B14F-4D97-AF65-F5344CB8AC3E}">
+        <p14:creationId xmlns:p14="http://schemas.microsoft.com/office/powerpoint/2010/main" val="3605983120"/>
+      </p:ext>
+    </p:extLst>
   </p:cSld>
   <p:clrMapOvr>
     <a:masterClrMapping/>
@@ -1846,7 +5251,7 @@
         <p:spPr>
           <a:xfrm>
             <a:off x="0" y="0"/>
-            <a:ext cx="12192000" cy="6858000"/>
+            <a:ext cx="9144000" cy="5143500"/>
           </a:xfrm>
           <a:prstGeom prst="rect">
             <a:avLst/>
@@ -1865,15 +5270,15 @@
         </p:nvSpPr>
         <p:spPr>
           <a:xfrm>
-            <a:off x="913775" y="2138721"/>
-            <a:ext cx="10364452" cy="2511835"/>
+            <a:off x="685331" y="1604041"/>
+            <a:ext cx="7773339" cy="1883876"/>
           </a:xfrm>
         </p:spPr>
         <p:txBody>
           <a:bodyPr anchor="b"/>
           <a:lstStyle>
             <a:lvl1pPr algn="ctr">
-              <a:defRPr sz="3200"/>
+              <a:defRPr sz="2400"/>
             </a:lvl1pPr>
           </a:lstStyle>
           <a:p>
@@ -1897,8 +5302,8 @@
         </p:nvSpPr>
         <p:spPr>
           <a:xfrm>
-            <a:off x="913775" y="4662335"/>
-            <a:ext cx="10364452" cy="1140644"/>
+            <a:off x="685331" y="3496751"/>
+            <a:ext cx="7773339" cy="855483"/>
           </a:xfrm>
         </p:spPr>
         <p:txBody>
@@ -1906,39 +5311,39 @@
           <a:lstStyle>
             <a:lvl1pPr marL="0" indent="0" algn="ctr">
               <a:buNone/>
-              <a:defRPr sz="1600"/>
+              <a:defRPr sz="1200"/>
             </a:lvl1pPr>
-            <a:lvl2pPr marL="457200" indent="0">
-              <a:buNone/>
-              <a:defRPr sz="1400"/>
+            <a:lvl2pPr marL="342900" indent="0">
+              <a:buNone/>
+              <a:defRPr sz="1050"/>
             </a:lvl2pPr>
-            <a:lvl3pPr marL="914400" indent="0">
-              <a:buNone/>
-              <a:defRPr sz="1200"/>
+            <a:lvl3pPr marL="685800" indent="0">
+              <a:buNone/>
+              <a:defRPr sz="900"/>
             </a:lvl3pPr>
-            <a:lvl4pPr marL="1371600" indent="0">
-              <a:buNone/>
-              <a:defRPr sz="1000"/>
+            <a:lvl4pPr marL="1028700" indent="0">
+              <a:buNone/>
+              <a:defRPr sz="750"/>
             </a:lvl4pPr>
-            <a:lvl5pPr marL="1828800" indent="0">
-              <a:buNone/>
-              <a:defRPr sz="1000"/>
+            <a:lvl5pPr marL="1371600" indent="0">
+              <a:buNone/>
+              <a:defRPr sz="750"/>
             </a:lvl5pPr>
-            <a:lvl6pPr marL="2286000" indent="0">
-              <a:buNone/>
-              <a:defRPr sz="1000"/>
+            <a:lvl6pPr marL="1714500" indent="0">
+              <a:buNone/>
+              <a:defRPr sz="750"/>
             </a:lvl6pPr>
-            <a:lvl7pPr marL="2743200" indent="0">
-              <a:buNone/>
-              <a:defRPr sz="1000"/>
+            <a:lvl7pPr marL="2057400" indent="0">
+              <a:buNone/>
+              <a:defRPr sz="750"/>
             </a:lvl7pPr>
-            <a:lvl8pPr marL="3200400" indent="0">
-              <a:buNone/>
-              <a:defRPr sz="1000"/>
+            <a:lvl8pPr marL="2400300" indent="0">
+              <a:buNone/>
+              <a:defRPr sz="750"/>
             </a:lvl8pPr>
-            <a:lvl9pPr marL="3657600" indent="0">
-              <a:buNone/>
-              <a:defRPr sz="1000"/>
+            <a:lvl9pPr marL="2743200" indent="0">
+              <a:buNone/>
+              <a:defRPr sz="750"/>
             </a:lvl9pPr>
           </a:lstStyle>
           <a:p>
@@ -1966,8 +5371,8 @@
           <a:lstStyle/>
           <a:p>
             <a:fld id="{48A87A34-81AB-432B-8DAE-1953F412C126}" type="datetimeFigureOut">
-              <a:rPr lang="en-US"/>
-              <a:t>1/4/22</a:t>
+              <a:rPr lang="en-US" smtClean="0"/>
+              <a:t>1/5/22</a:t>
             </a:fld>
             <a:endParaRPr lang="en-US" dirty="0"/>
           </a:p>
@@ -2008,7 +5413,7 @@
           <a:lstStyle/>
           <a:p>
             <a:fld id="{6D22F896-40B5-4ADD-8801-0D06FADFA095}" type="slidenum">
-              <a:rPr lang="en-US"/>
+              <a:rPr lang="en-US" smtClean="0"/>
               <a:t>‹#›</a:t>
             </a:fld>
             <a:endParaRPr lang="en-US" dirty="0"/>
@@ -2016,6 +5421,11 @@
         </p:txBody>
       </p:sp>
     </p:spTree>
+    <p:extLst>
+      <p:ext uri="{BB962C8B-B14F-4D97-AF65-F5344CB8AC3E}">
+        <p14:creationId xmlns:p14="http://schemas.microsoft.com/office/powerpoint/2010/main" val="2569570244"/>
+      </p:ext>
+    </p:extLst>
   </p:cSld>
   <p:clrMapOvr>
     <a:masterClrMapping/>
@@ -2075,7 +5485,7 @@
         <p:spPr>
           <a:xfrm>
             <a:off x="0" y="0"/>
-            <a:ext cx="12192000" cy="6858000"/>
+            <a:ext cx="9144000" cy="5143500"/>
           </a:xfrm>
           <a:prstGeom prst="rect">
             <a:avLst/>
@@ -2094,8 +5504,8 @@
         </p:nvSpPr>
         <p:spPr>
           <a:xfrm>
-            <a:off x="913774" y="609600"/>
-            <a:ext cx="10364452" cy="1605094"/>
+            <a:off x="685331" y="457200"/>
+            <a:ext cx="7773339" cy="1203821"/>
           </a:xfrm>
         </p:spPr>
         <p:txBody>
@@ -2122,8 +5532,8 @@
         </p:nvSpPr>
         <p:spPr>
           <a:xfrm>
-            <a:off x="913774" y="2367093"/>
-            <a:ext cx="3298976" cy="576262"/>
+            <a:off x="685331" y="1775320"/>
+            <a:ext cx="2474232" cy="432197"/>
           </a:xfrm>
         </p:spPr>
         <p:txBody>
@@ -2136,43 +5546,43 @@
                 <a:spcPct val="85000"/>
               </a:lnSpc>
               <a:buNone/>
-              <a:defRPr sz="2400" b="0">
+              <a:defRPr sz="1800" b="0">
                 <a:solidFill>
                   <a:schemeClr val="tx1"/>
                 </a:solidFill>
               </a:defRPr>
             </a:lvl1pPr>
-            <a:lvl2pPr marL="457200" indent="0">
-              <a:buNone/>
-              <a:defRPr sz="2000" b="1"/>
+            <a:lvl2pPr marL="342900" indent="0">
+              <a:buNone/>
+              <a:defRPr sz="1500" b="1"/>
             </a:lvl2pPr>
-            <a:lvl3pPr marL="914400" indent="0">
-              <a:buNone/>
-              <a:defRPr sz="1800" b="1"/>
+            <a:lvl3pPr marL="685800" indent="0">
+              <a:buNone/>
+              <a:defRPr sz="1350" b="1"/>
             </a:lvl3pPr>
-            <a:lvl4pPr marL="1371600" indent="0">
-              <a:buNone/>
-              <a:defRPr sz="1600" b="1"/>
+            <a:lvl4pPr marL="1028700" indent="0">
+              <a:buNone/>
+              <a:defRPr sz="1200" b="1"/>
             </a:lvl4pPr>
-            <a:lvl5pPr marL="1828800" indent="0">
-              <a:buNone/>
-              <a:defRPr sz="1600" b="1"/>
+            <a:lvl5pPr marL="1371600" indent="0">
+              <a:buNone/>
+              <a:defRPr sz="1200" b="1"/>
             </a:lvl5pPr>
-            <a:lvl6pPr marL="2286000" indent="0">
-              <a:buNone/>
-              <a:defRPr sz="1600" b="1"/>
+            <a:lvl6pPr marL="1714500" indent="0">
+              <a:buNone/>
+              <a:defRPr sz="1200" b="1"/>
             </a:lvl6pPr>
-            <a:lvl7pPr marL="2743200" indent="0">
-              <a:buNone/>
-              <a:defRPr sz="1600" b="1"/>
+            <a:lvl7pPr marL="2057400" indent="0">
+              <a:buNone/>
+              <a:defRPr sz="1200" b="1"/>
             </a:lvl7pPr>
-            <a:lvl8pPr marL="3200400" indent="0">
-              <a:buNone/>
-              <a:defRPr sz="1600" b="1"/>
+            <a:lvl8pPr marL="2400300" indent="0">
+              <a:buNone/>
+              <a:defRPr sz="1200" b="1"/>
             </a:lvl8pPr>
-            <a:lvl9pPr marL="3657600" indent="0">
-              <a:buNone/>
-              <a:defRPr sz="1600" b="1"/>
+            <a:lvl9pPr marL="2743200" indent="0">
+              <a:buNone/>
+              <a:defRPr sz="1200" b="1"/>
             </a:lvl9pPr>
           </a:lstStyle>
           <a:p>
@@ -2196,8 +5606,8 @@
         </p:nvSpPr>
         <p:spPr>
           <a:xfrm>
-            <a:off x="913774" y="2943355"/>
-            <a:ext cx="3298976" cy="2847845"/>
+            <a:off x="685331" y="2207517"/>
+            <a:ext cx="2474232" cy="2135884"/>
           </a:xfrm>
         </p:spPr>
         <p:txBody>
@@ -2207,39 +5617,39 @@
           <a:lstStyle>
             <a:lvl1pPr marL="0" indent="0" algn="ctr">
               <a:buNone/>
-              <a:defRPr sz="1400"/>
+              <a:defRPr sz="1050"/>
             </a:lvl1pPr>
-            <a:lvl2pPr marL="457200" indent="0">
-              <a:buNone/>
-              <a:defRPr sz="1200"/>
+            <a:lvl2pPr marL="342900" indent="0">
+              <a:buNone/>
+              <a:defRPr sz="900"/>
             </a:lvl2pPr>
-            <a:lvl3pPr marL="914400" indent="0">
-              <a:buNone/>
-              <a:defRPr sz="1000"/>
+            <a:lvl3pPr marL="685800" indent="0">
+              <a:buNone/>
+              <a:defRPr sz="750"/>
             </a:lvl3pPr>
-            <a:lvl4pPr marL="1371600" indent="0">
-              <a:buNone/>
-              <a:defRPr sz="900"/>
+            <a:lvl4pPr marL="1028700" indent="0">
+              <a:buNone/>
+              <a:defRPr sz="675"/>
             </a:lvl4pPr>
-            <a:lvl5pPr marL="1828800" indent="0">
-              <a:buNone/>
-              <a:defRPr sz="900"/>
+            <a:lvl5pPr marL="1371600" indent="0">
+              <a:buNone/>
+              <a:defRPr sz="675"/>
             </a:lvl5pPr>
-            <a:lvl6pPr marL="2286000" indent="0">
-              <a:buNone/>
-              <a:defRPr sz="900"/>
+            <a:lvl6pPr marL="1714500" indent="0">
+              <a:buNone/>
+              <a:defRPr sz="675"/>
             </a:lvl6pPr>
-            <a:lvl7pPr marL="2743200" indent="0">
-              <a:buNone/>
-              <a:defRPr sz="900"/>
+            <a:lvl7pPr marL="2057400" indent="0">
+              <a:buNone/>
+              <a:defRPr sz="675"/>
             </a:lvl7pPr>
-            <a:lvl8pPr marL="3200400" indent="0">
-              <a:buNone/>
-              <a:defRPr sz="900"/>
+            <a:lvl8pPr marL="2400300" indent="0">
+              <a:buNone/>
+              <a:defRPr sz="675"/>
             </a:lvl8pPr>
-            <a:lvl9pPr marL="3657600" indent="0">
-              <a:buNone/>
-              <a:defRPr sz="900"/>
+            <a:lvl9pPr marL="2743200" indent="0">
+              <a:buNone/>
+              <a:defRPr sz="675"/>
             </a:lvl9pPr>
           </a:lstStyle>
           <a:p>
@@ -2263,8 +5673,8 @@
         </p:nvSpPr>
         <p:spPr>
           <a:xfrm>
-            <a:off x="4452389" y="2367093"/>
-            <a:ext cx="3291521" cy="576262"/>
+            <a:off x="3339292" y="1775320"/>
+            <a:ext cx="2468641" cy="432197"/>
           </a:xfrm>
         </p:spPr>
         <p:txBody>
@@ -2277,43 +5687,43 @@
                 <a:spcPct val="85000"/>
               </a:lnSpc>
               <a:buNone/>
-              <a:defRPr sz="2400" b="0">
+              <a:defRPr sz="1800" b="0">
                 <a:solidFill>
                   <a:schemeClr val="tx1"/>
                 </a:solidFill>
               </a:defRPr>
             </a:lvl1pPr>
-            <a:lvl2pPr marL="457200" indent="0">
-              <a:buNone/>
-              <a:defRPr sz="2000" b="1"/>
+            <a:lvl2pPr marL="342900" indent="0">
+              <a:buNone/>
+              <a:defRPr sz="1500" b="1"/>
             </a:lvl2pPr>
-            <a:lvl3pPr marL="914400" indent="0">
-              <a:buNone/>
-              <a:defRPr sz="1800" b="1"/>
+            <a:lvl3pPr marL="685800" indent="0">
+              <a:buNone/>
+              <a:defRPr sz="1350" b="1"/>
             </a:lvl3pPr>
-            <a:lvl4pPr marL="1371600" indent="0">
-              <a:buNone/>
-              <a:defRPr sz="1600" b="1"/>
+            <a:lvl4pPr marL="1028700" indent="0">
+              <a:buNone/>
+              <a:defRPr sz="1200" b="1"/>
             </a:lvl4pPr>
-            <a:lvl5pPr marL="1828800" indent="0">
-              <a:buNone/>
-              <a:defRPr sz="1600" b="1"/>
+            <a:lvl5pPr marL="1371600" indent="0">
+              <a:buNone/>
+              <a:defRPr sz="1200" b="1"/>
             </a:lvl5pPr>
-            <a:lvl6pPr marL="2286000" indent="0">
-              <a:buNone/>
-              <a:defRPr sz="1600" b="1"/>
+            <a:lvl6pPr marL="1714500" indent="0">
+              <a:buNone/>
+              <a:defRPr sz="1200" b="1"/>
             </a:lvl6pPr>
-            <a:lvl7pPr marL="2743200" indent="0">
-              <a:buNone/>
-              <a:defRPr sz="1600" b="1"/>
+            <a:lvl7pPr marL="2057400" indent="0">
+              <a:buNone/>
+              <a:defRPr sz="1200" b="1"/>
             </a:lvl7pPr>
-            <a:lvl8pPr marL="3200400" indent="0">
-              <a:buNone/>
-              <a:defRPr sz="1600" b="1"/>
+            <a:lvl8pPr marL="2400300" indent="0">
+              <a:buNone/>
+              <a:defRPr sz="1200" b="1"/>
             </a:lvl8pPr>
-            <a:lvl9pPr marL="3657600" indent="0">
-              <a:buNone/>
-              <a:defRPr sz="1600" b="1"/>
+            <a:lvl9pPr marL="2743200" indent="0">
+              <a:buNone/>
+              <a:defRPr sz="1200" b="1"/>
             </a:lvl9pPr>
           </a:lstStyle>
           <a:p>
@@ -2337,8 +5747,8 @@
         </p:nvSpPr>
         <p:spPr>
           <a:xfrm>
-            <a:off x="4441348" y="2943355"/>
-            <a:ext cx="3303351" cy="2847845"/>
+            <a:off x="3331012" y="2207517"/>
+            <a:ext cx="2477513" cy="2135884"/>
           </a:xfrm>
         </p:spPr>
         <p:txBody>
@@ -2348,39 +5758,39 @@
           <a:lstStyle>
             <a:lvl1pPr marL="0" indent="0" algn="ctr">
               <a:buNone/>
-              <a:defRPr sz="1400"/>
+              <a:defRPr sz="1050"/>
             </a:lvl1pPr>
-            <a:lvl2pPr marL="457200" indent="0">
-              <a:buNone/>
-              <a:defRPr sz="1200"/>
+            <a:lvl2pPr marL="342900" indent="0">
+              <a:buNone/>
+              <a:defRPr sz="900"/>
             </a:lvl2pPr>
-            <a:lvl3pPr marL="914400" indent="0">
-              <a:buNone/>
-              <a:defRPr sz="1000"/>
+            <a:lvl3pPr marL="685800" indent="0">
+              <a:buNone/>
+              <a:defRPr sz="750"/>
             </a:lvl3pPr>
-            <a:lvl4pPr marL="1371600" indent="0">
-              <a:buNone/>
-              <a:defRPr sz="900"/>
+            <a:lvl4pPr marL="1028700" indent="0">
+              <a:buNone/>
+              <a:defRPr sz="675"/>
             </a:lvl4pPr>
-            <a:lvl5pPr marL="1828800" indent="0">
-              <a:buNone/>
-              <a:defRPr sz="900"/>
+            <a:lvl5pPr marL="1371600" indent="0">
+              <a:buNone/>
+              <a:defRPr sz="675"/>
             </a:lvl5pPr>
-            <a:lvl6pPr marL="2286000" indent="0">
-              <a:buNone/>
-              <a:defRPr sz="900"/>
+            <a:lvl6pPr marL="1714500" indent="0">
+              <a:buNone/>
+              <a:defRPr sz="675"/>
             </a:lvl6pPr>
-            <a:lvl7pPr marL="2743200" indent="0">
-              <a:buNone/>
-              <a:defRPr sz="900"/>
+            <a:lvl7pPr marL="2057400" indent="0">
+              <a:buNone/>
+              <a:defRPr sz="675"/>
             </a:lvl7pPr>
-            <a:lvl8pPr marL="3200400" indent="0">
-              <a:buNone/>
-              <a:defRPr sz="900"/>
+            <a:lvl8pPr marL="2400300" indent="0">
+              <a:buNone/>
+              <a:defRPr sz="675"/>
             </a:lvl8pPr>
-            <a:lvl9pPr marL="3657600" indent="0">
-              <a:buNone/>
-              <a:defRPr sz="900"/>
+            <a:lvl9pPr marL="2743200" indent="0">
+              <a:buNone/>
+              <a:defRPr sz="675"/>
             </a:lvl9pPr>
           </a:lstStyle>
           <a:p>
@@ -2404,8 +5814,8 @@
         </p:nvSpPr>
         <p:spPr>
           <a:xfrm>
-            <a:off x="7973298" y="2367093"/>
-            <a:ext cx="3304928" cy="576262"/>
+            <a:off x="5979974" y="1775320"/>
+            <a:ext cx="2478696" cy="432197"/>
           </a:xfrm>
         </p:spPr>
         <p:txBody>
@@ -2418,43 +5828,43 @@
                 <a:spcPct val="85000"/>
               </a:lnSpc>
               <a:buNone/>
-              <a:defRPr sz="2400" b="0">
+              <a:defRPr sz="1800" b="0">
                 <a:solidFill>
                   <a:schemeClr val="tx1"/>
                 </a:solidFill>
               </a:defRPr>
             </a:lvl1pPr>
-            <a:lvl2pPr marL="457200" indent="0">
-              <a:buNone/>
-              <a:defRPr sz="2000" b="1"/>
+            <a:lvl2pPr marL="342900" indent="0">
+              <a:buNone/>
+              <a:defRPr sz="1500" b="1"/>
             </a:lvl2pPr>
-            <a:lvl3pPr marL="914400" indent="0">
-              <a:buNone/>
-              <a:defRPr sz="1800" b="1"/>
+            <a:lvl3pPr marL="685800" indent="0">
+              <a:buNone/>
+              <a:defRPr sz="1350" b="1"/>
             </a:lvl3pPr>
-            <a:lvl4pPr marL="1371600" indent="0">
-              <a:buNone/>
-              <a:defRPr sz="1600" b="1"/>
+            <a:lvl4pPr marL="1028700" indent="0">
+              <a:buNone/>
+              <a:defRPr sz="1200" b="1"/>
             </a:lvl4pPr>
-            <a:lvl5pPr marL="1828800" indent="0">
-              <a:buNone/>
-              <a:defRPr sz="1600" b="1"/>
+            <a:lvl5pPr marL="1371600" indent="0">
+              <a:buNone/>
+              <a:defRPr sz="1200" b="1"/>
             </a:lvl5pPr>
-            <a:lvl6pPr marL="2286000" indent="0">
-              <a:buNone/>
-              <a:defRPr sz="1600" b="1"/>
+            <a:lvl6pPr marL="1714500" indent="0">
+              <a:buNone/>
+              <a:defRPr sz="1200" b="1"/>
             </a:lvl6pPr>
-            <a:lvl7pPr marL="2743200" indent="0">
-              <a:buNone/>
-              <a:defRPr sz="1600" b="1"/>
+            <a:lvl7pPr marL="2057400" indent="0">
+              <a:buNone/>
+              <a:defRPr sz="1200" b="1"/>
             </a:lvl7pPr>
-            <a:lvl8pPr marL="3200400" indent="0">
-              <a:buNone/>
-              <a:defRPr sz="1600" b="1"/>
+            <a:lvl8pPr marL="2400300" indent="0">
+              <a:buNone/>
+              <a:defRPr sz="1200" b="1"/>
             </a:lvl8pPr>
-            <a:lvl9pPr marL="3657600" indent="0">
-              <a:buNone/>
-              <a:defRPr sz="1600" b="1"/>
+            <a:lvl9pPr marL="2743200" indent="0">
+              <a:buNone/>
+              <a:defRPr sz="1200" b="1"/>
             </a:lvl9pPr>
           </a:lstStyle>
           <a:p>
@@ -2478,8 +5888,8 @@
         </p:nvSpPr>
         <p:spPr>
           <a:xfrm>
-            <a:off x="7973298" y="2943355"/>
-            <a:ext cx="3304928" cy="2847845"/>
+            <a:off x="5979974" y="2207517"/>
+            <a:ext cx="2478696" cy="2135884"/>
           </a:xfrm>
         </p:spPr>
         <p:txBody>
@@ -2489,39 +5899,39 @@
           <a:lstStyle>
             <a:lvl1pPr marL="0" indent="0" algn="ctr">
               <a:buNone/>
-              <a:defRPr sz="1400"/>
+              <a:defRPr sz="1050"/>
             </a:lvl1pPr>
-            <a:lvl2pPr marL="457200" indent="0">
-              <a:buNone/>
-              <a:defRPr sz="1200"/>
+            <a:lvl2pPr marL="342900" indent="0">
+              <a:buNone/>
+              <a:defRPr sz="900"/>
             </a:lvl2pPr>
-            <a:lvl3pPr marL="914400" indent="0">
-              <a:buNone/>
-              <a:defRPr sz="1000"/>
+            <a:lvl3pPr marL="685800" indent="0">
+              <a:buNone/>
+              <a:defRPr sz="750"/>
             </a:lvl3pPr>
-            <a:lvl4pPr marL="1371600" indent="0">
-              <a:buNone/>
-              <a:defRPr sz="900"/>
+            <a:lvl4pPr marL="1028700" indent="0">
+              <a:buNone/>
+              <a:defRPr sz="675"/>
             </a:lvl4pPr>
-            <a:lvl5pPr marL="1828800" indent="0">
-              <a:buNone/>
-              <a:defRPr sz="900"/>
+            <a:lvl5pPr marL="1371600" indent="0">
+              <a:buNone/>
+              <a:defRPr sz="675"/>
             </a:lvl5pPr>
-            <a:lvl6pPr marL="2286000" indent="0">
-              <a:buNone/>
-              <a:defRPr sz="900"/>
+            <a:lvl6pPr marL="1714500" indent="0">
+              <a:buNone/>
+              <a:defRPr sz="675"/>
             </a:lvl6pPr>
-            <a:lvl7pPr marL="2743200" indent="0">
-              <a:buNone/>
-              <a:defRPr sz="900"/>
+            <a:lvl7pPr marL="2057400" indent="0">
+              <a:buNone/>
+              <a:defRPr sz="675"/>
             </a:lvl7pPr>
-            <a:lvl8pPr marL="3200400" indent="0">
-              <a:buNone/>
-              <a:defRPr sz="900"/>
+            <a:lvl8pPr marL="2400300" indent="0">
+              <a:buNone/>
+              <a:defRPr sz="675"/>
             </a:lvl8pPr>
-            <a:lvl9pPr marL="3657600" indent="0">
-              <a:buNone/>
-              <a:defRPr sz="900"/>
+            <a:lvl9pPr marL="2743200" indent="0">
+              <a:buNone/>
+              <a:defRPr sz="675"/>
             </a:lvl9pPr>
           </a:lstStyle>
           <a:p>
@@ -2549,8 +5959,8 @@
           <a:lstStyle/>
           <a:p>
             <a:fld id="{48A87A34-81AB-432B-8DAE-1953F412C126}" type="datetimeFigureOut">
-              <a:rPr lang="en-US"/>
-              <a:t>1/4/22</a:t>
+              <a:rPr lang="en-US" smtClean="0"/>
+              <a:t>1/5/22</a:t>
             </a:fld>
             <a:endParaRPr lang="en-US" dirty="0"/>
           </a:p>
@@ -2591,7 +6001,7 @@
           <a:lstStyle/>
           <a:p>
             <a:fld id="{6D22F896-40B5-4ADD-8801-0D06FADFA095}" type="slidenum">
-              <a:rPr lang="en-US"/>
+              <a:rPr lang="en-US" smtClean="0"/>
               <a:t>‹#›</a:t>
             </a:fld>
             <a:endParaRPr lang="en-US" dirty="0"/>
@@ -2599,6 +6009,11 @@
         </p:txBody>
       </p:sp>
     </p:spTree>
+    <p:extLst>
+      <p:ext uri="{BB962C8B-B14F-4D97-AF65-F5344CB8AC3E}">
+        <p14:creationId xmlns:p14="http://schemas.microsoft.com/office/powerpoint/2010/main" val="3341455334"/>
+      </p:ext>
+    </p:extLst>
   </p:cSld>
   <p:clrMapOvr>
     <a:masterClrMapping/>
@@ -2658,7 +6073,7 @@
         <p:spPr>
           <a:xfrm>
             <a:off x="0" y="0"/>
-            <a:ext cx="12192000" cy="6858000"/>
+            <a:ext cx="9144000" cy="5143500"/>
           </a:xfrm>
           <a:prstGeom prst="rect">
             <a:avLst/>
@@ -2677,8 +6092,8 @@
         </p:nvSpPr>
         <p:spPr>
           <a:xfrm>
-            <a:off x="913774" y="610772"/>
-            <a:ext cx="10364452" cy="1603922"/>
+            <a:off x="685331" y="458079"/>
+            <a:ext cx="7773339" cy="1202942"/>
           </a:xfrm>
         </p:spPr>
         <p:txBody>
@@ -2705,8 +6120,8 @@
         </p:nvSpPr>
         <p:spPr>
           <a:xfrm>
-            <a:off x="913774" y="4204820"/>
-            <a:ext cx="3296409" cy="576262"/>
+            <a:off x="685331" y="3153615"/>
+            <a:ext cx="2472307" cy="432197"/>
           </a:xfrm>
         </p:spPr>
         <p:txBody>
@@ -2719,43 +6134,43 @@
                 <a:spcPct val="85000"/>
               </a:lnSpc>
               <a:buNone/>
-              <a:defRPr sz="2200" b="0">
+              <a:defRPr sz="1650" b="0">
                 <a:solidFill>
                   <a:schemeClr val="tx1"/>
                 </a:solidFill>
               </a:defRPr>
             </a:lvl1pPr>
-            <a:lvl2pPr marL="457200" indent="0">
-              <a:buNone/>
-              <a:defRPr sz="2000" b="1"/>
+            <a:lvl2pPr marL="342900" indent="0">
+              <a:buNone/>
+              <a:defRPr sz="1500" b="1"/>
             </a:lvl2pPr>
-            <a:lvl3pPr marL="914400" indent="0">
-              <a:buNone/>
-              <a:defRPr sz="1800" b="1"/>
+            <a:lvl3pPr marL="685800" indent="0">
+              <a:buNone/>
+              <a:defRPr sz="1350" b="1"/>
             </a:lvl3pPr>
-            <a:lvl4pPr marL="1371600" indent="0">
-              <a:buNone/>
-              <a:defRPr sz="1600" b="1"/>
+            <a:lvl4pPr marL="1028700" indent="0">
+              <a:buNone/>
+              <a:defRPr sz="1200" b="1"/>
             </a:lvl4pPr>
-            <a:lvl5pPr marL="1828800" indent="0">
-              <a:buNone/>
-              <a:defRPr sz="1600" b="1"/>
+            <a:lvl5pPr marL="1371600" indent="0">
+              <a:buNone/>
+              <a:defRPr sz="1200" b="1"/>
             </a:lvl5pPr>
-            <a:lvl6pPr marL="2286000" indent="0">
-              <a:buNone/>
-              <a:defRPr sz="1600" b="1"/>
+            <a:lvl6pPr marL="1714500" indent="0">
+              <a:buNone/>
+              <a:defRPr sz="1200" b="1"/>
             </a:lvl6pPr>
-            <a:lvl7pPr marL="2743200" indent="0">
-              <a:buNone/>
-              <a:defRPr sz="1600" b="1"/>
+            <a:lvl7pPr marL="2057400" indent="0">
+              <a:buNone/>
+              <a:defRPr sz="1200" b="1"/>
             </a:lvl7pPr>
-            <a:lvl8pPr marL="3200400" indent="0">
-              <a:buNone/>
-              <a:defRPr sz="1600" b="1"/>
+            <a:lvl8pPr marL="2400300" indent="0">
+              <a:buNone/>
+              <a:defRPr sz="1200" b="1"/>
             </a:lvl8pPr>
-            <a:lvl9pPr marL="3657600" indent="0">
-              <a:buNone/>
-              <a:defRPr sz="1600" b="1"/>
+            <a:lvl9pPr marL="2743200" indent="0">
+              <a:buNone/>
+              <a:defRPr sz="1200" b="1"/>
             </a:lvl9pPr>
           </a:lstStyle>
           <a:p>
@@ -2779,8 +6194,8 @@
         </p:nvSpPr>
         <p:spPr>
           <a:xfrm>
-            <a:off x="913774" y="2367093"/>
-            <a:ext cx="3296409" cy="1524000"/>
+            <a:off x="685331" y="1775320"/>
+            <a:ext cx="2472307" cy="1143000"/>
           </a:xfrm>
           <a:prstGeom prst="roundRect">
             <a:avLst>
@@ -2815,44 +6230,44 @@
           <a:lstStyle>
             <a:lvl1pPr marL="0" indent="0" algn="ctr">
               <a:buNone/>
-              <a:defRPr sz="1600"/>
+              <a:defRPr sz="1200"/>
             </a:lvl1pPr>
-            <a:lvl2pPr marL="457200" indent="0">
-              <a:buNone/>
-              <a:defRPr sz="1600"/>
+            <a:lvl2pPr marL="342900" indent="0">
+              <a:buNone/>
+              <a:defRPr sz="1200"/>
             </a:lvl2pPr>
-            <a:lvl3pPr marL="914400" indent="0">
-              <a:buNone/>
-              <a:defRPr sz="1600"/>
+            <a:lvl3pPr marL="685800" indent="0">
+              <a:buNone/>
+              <a:defRPr sz="1200"/>
             </a:lvl3pPr>
-            <a:lvl4pPr marL="1371600" indent="0">
-              <a:buNone/>
-              <a:defRPr sz="1600"/>
+            <a:lvl4pPr marL="1028700" indent="0">
+              <a:buNone/>
+              <a:defRPr sz="1200"/>
             </a:lvl4pPr>
-            <a:lvl5pPr marL="1828800" indent="0">
-              <a:buNone/>
-              <a:defRPr sz="1600"/>
+            <a:lvl5pPr marL="1371600" indent="0">
+              <a:buNone/>
+              <a:defRPr sz="1200"/>
             </a:lvl5pPr>
-            <a:lvl6pPr marL="2286000" indent="0">
-              <a:buNone/>
-              <a:defRPr sz="1600"/>
+            <a:lvl6pPr marL="1714500" indent="0">
+              <a:buNone/>
+              <a:defRPr sz="1200"/>
             </a:lvl6pPr>
-            <a:lvl7pPr marL="2743200" indent="0">
-              <a:buNone/>
-              <a:defRPr sz="1600"/>
+            <a:lvl7pPr marL="2057400" indent="0">
+              <a:buNone/>
+              <a:defRPr sz="1200"/>
             </a:lvl7pPr>
-            <a:lvl8pPr marL="3200400" indent="0">
-              <a:buNone/>
-              <a:defRPr sz="1600"/>
+            <a:lvl8pPr marL="2400300" indent="0">
+              <a:buNone/>
+              <a:defRPr sz="1200"/>
             </a:lvl8pPr>
-            <a:lvl9pPr marL="3657600" indent="0">
-              <a:buNone/>
-              <a:defRPr sz="1600"/>
+            <a:lvl9pPr marL="2743200" indent="0">
+              <a:buNone/>
+              <a:defRPr sz="1200"/>
             </a:lvl9pPr>
           </a:lstStyle>
           <a:p>
             <a:r>
-              <a:rPr lang="en-GB" dirty="0"/>
+              <a:rPr lang="en-GB"/>
               <a:t>Click icon to add picture</a:t>
             </a:r>
             <a:endParaRPr lang="en-US" dirty="0"/>
@@ -2871,8 +6286,8 @@
         </p:nvSpPr>
         <p:spPr>
           <a:xfrm>
-            <a:off x="913774" y="4781082"/>
-            <a:ext cx="3296409" cy="1010118"/>
+            <a:off x="685331" y="3585811"/>
+            <a:ext cx="2472307" cy="757589"/>
           </a:xfrm>
         </p:spPr>
         <p:txBody>
@@ -2882,39 +6297,39 @@
           <a:lstStyle>
             <a:lvl1pPr marL="0" indent="0" algn="ctr">
               <a:buNone/>
-              <a:defRPr sz="1400"/>
+              <a:defRPr sz="1050"/>
             </a:lvl1pPr>
-            <a:lvl2pPr marL="457200" indent="0">
-              <a:buNone/>
-              <a:defRPr sz="1200"/>
+            <a:lvl2pPr marL="342900" indent="0">
+              <a:buNone/>
+              <a:defRPr sz="900"/>
             </a:lvl2pPr>
-            <a:lvl3pPr marL="914400" indent="0">
-              <a:buNone/>
-              <a:defRPr sz="1000"/>
+            <a:lvl3pPr marL="685800" indent="0">
+              <a:buNone/>
+              <a:defRPr sz="750"/>
             </a:lvl3pPr>
-            <a:lvl4pPr marL="1371600" indent="0">
-              <a:buNone/>
-              <a:defRPr sz="900"/>
+            <a:lvl4pPr marL="1028700" indent="0">
+              <a:buNone/>
+              <a:defRPr sz="675"/>
             </a:lvl4pPr>
-            <a:lvl5pPr marL="1828800" indent="0">
-              <a:buNone/>
-              <a:defRPr sz="900"/>
+            <a:lvl5pPr marL="1371600" indent="0">
+              <a:buNone/>
+              <a:defRPr sz="675"/>
             </a:lvl5pPr>
-            <a:lvl6pPr marL="2286000" indent="0">
-              <a:buNone/>
-              <a:defRPr sz="900"/>
+            <a:lvl6pPr marL="1714500" indent="0">
+              <a:buNone/>
+              <a:defRPr sz="675"/>
             </a:lvl6pPr>
-            <a:lvl7pPr marL="2743200" indent="0">
-              <a:buNone/>
-              <a:defRPr sz="900"/>
+            <a:lvl7pPr marL="2057400" indent="0">
+              <a:buNone/>
+              <a:defRPr sz="675"/>
             </a:lvl7pPr>
-            <a:lvl8pPr marL="3200400" indent="0">
-              <a:buNone/>
-              <a:defRPr sz="900"/>
+            <a:lvl8pPr marL="2400300" indent="0">
+              <a:buNone/>
+              <a:defRPr sz="675"/>
             </a:lvl8pPr>
-            <a:lvl9pPr marL="3657600" indent="0">
-              <a:buNone/>
-              <a:defRPr sz="900"/>
+            <a:lvl9pPr marL="2743200" indent="0">
+              <a:buNone/>
+              <a:defRPr sz="675"/>
             </a:lvl9pPr>
           </a:lstStyle>
           <a:p>
@@ -2938,8 +6353,8 @@
         </p:nvSpPr>
         <p:spPr>
           <a:xfrm>
-            <a:off x="4442759" y="4204820"/>
-            <a:ext cx="3301828" cy="576262"/>
+            <a:off x="3332069" y="3153615"/>
+            <a:ext cx="2476371" cy="432197"/>
           </a:xfrm>
         </p:spPr>
         <p:txBody>
@@ -2952,43 +6367,43 @@
                 <a:spcPct val="85000"/>
               </a:lnSpc>
               <a:buNone/>
-              <a:defRPr sz="2200" b="0">
+              <a:defRPr sz="1650" b="0">
                 <a:solidFill>
                   <a:schemeClr val="tx1"/>
                 </a:solidFill>
               </a:defRPr>
             </a:lvl1pPr>
-            <a:lvl2pPr marL="457200" indent="0">
-              <a:buNone/>
-              <a:defRPr sz="2000" b="1"/>
+            <a:lvl2pPr marL="342900" indent="0">
+              <a:buNone/>
+              <a:defRPr sz="1500" b="1"/>
             </a:lvl2pPr>
-            <a:lvl3pPr marL="914400" indent="0">
-              <a:buNone/>
-              <a:defRPr sz="1800" b="1"/>
+            <a:lvl3pPr marL="685800" indent="0">
+              <a:buNone/>
+              <a:defRPr sz="1350" b="1"/>
             </a:lvl3pPr>
-            <a:lvl4pPr marL="1371600" indent="0">
-              <a:buNone/>
-              <a:defRPr sz="1600" b="1"/>
+            <a:lvl4pPr marL="1028700" indent="0">
+              <a:buNone/>
+              <a:defRPr sz="1200" b="1"/>
             </a:lvl4pPr>
-            <a:lvl5pPr marL="1828800" indent="0">
-              <a:buNone/>
-              <a:defRPr sz="1600" b="1"/>
+            <a:lvl5pPr marL="1371600" indent="0">
+              <a:buNone/>
+              <a:defRPr sz="1200" b="1"/>
             </a:lvl5pPr>
-            <a:lvl6pPr marL="2286000" indent="0">
-              <a:buNone/>
-              <a:defRPr sz="1600" b="1"/>
+            <a:lvl6pPr marL="1714500" indent="0">
+              <a:buNone/>
+              <a:defRPr sz="1200" b="1"/>
             </a:lvl6pPr>
-            <a:lvl7pPr marL="2743200" indent="0">
-              <a:buNone/>
-              <a:defRPr sz="1600" b="1"/>
+            <a:lvl7pPr marL="2057400" indent="0">
+              <a:buNone/>
+              <a:defRPr sz="1200" b="1"/>
             </a:lvl7pPr>
-            <a:lvl8pPr marL="3200400" indent="0">
-              <a:buNone/>
-              <a:defRPr sz="1600" b="1"/>
+            <a:lvl8pPr marL="2400300" indent="0">
+              <a:buNone/>
+              <a:defRPr sz="1200" b="1"/>
             </a:lvl8pPr>
-            <a:lvl9pPr marL="3657600" indent="0">
-              <a:buNone/>
-              <a:defRPr sz="1600" b="1"/>
+            <a:lvl9pPr marL="2743200" indent="0">
+              <a:buNone/>
+              <a:defRPr sz="1200" b="1"/>
             </a:lvl9pPr>
           </a:lstStyle>
           <a:p>
@@ -3012,8 +6427,8 @@
         </p:nvSpPr>
         <p:spPr>
           <a:xfrm>
-            <a:off x="4441348" y="2367093"/>
-            <a:ext cx="3303352" cy="1524000"/>
+            <a:off x="3331011" y="1775320"/>
+            <a:ext cx="2477514" cy="1143000"/>
           </a:xfrm>
           <a:prstGeom prst="roundRect">
             <a:avLst>
@@ -3048,44 +6463,44 @@
           <a:lstStyle>
             <a:lvl1pPr marL="0" indent="0" algn="ctr">
               <a:buNone/>
-              <a:defRPr sz="1600"/>
+              <a:defRPr sz="1200"/>
             </a:lvl1pPr>
-            <a:lvl2pPr marL="457200" indent="0">
-              <a:buNone/>
-              <a:defRPr sz="1600"/>
+            <a:lvl2pPr marL="342900" indent="0">
+              <a:buNone/>
+              <a:defRPr sz="1200"/>
             </a:lvl2pPr>
-            <a:lvl3pPr marL="914400" indent="0">
-              <a:buNone/>
-              <a:defRPr sz="1600"/>
+            <a:lvl3pPr marL="685800" indent="0">
+              <a:buNone/>
+              <a:defRPr sz="1200"/>
             </a:lvl3pPr>
-            <a:lvl4pPr marL="1371600" indent="0">
-              <a:buNone/>
-              <a:defRPr sz="1600"/>
+            <a:lvl4pPr marL="1028700" indent="0">
+              <a:buNone/>
+              <a:defRPr sz="1200"/>
             </a:lvl4pPr>
-            <a:lvl5pPr marL="1828800" indent="0">
-              <a:buNone/>
-              <a:defRPr sz="1600"/>
+            <a:lvl5pPr marL="1371600" indent="0">
+              <a:buNone/>
+              <a:defRPr sz="1200"/>
             </a:lvl5pPr>
-            <a:lvl6pPr marL="2286000" indent="0">
-              <a:buNone/>
-              <a:defRPr sz="1600"/>
+            <a:lvl6pPr marL="1714500" indent="0">
+              <a:buNone/>
+              <a:defRPr sz="1200"/>
             </a:lvl6pPr>
-            <a:lvl7pPr marL="2743200" indent="0">
-              <a:buNone/>
-              <a:defRPr sz="1600"/>
+            <a:lvl7pPr marL="2057400" indent="0">
+              <a:buNone/>
+              <a:defRPr sz="1200"/>
             </a:lvl7pPr>
-            <a:lvl8pPr marL="3200400" indent="0">
-              <a:buNone/>
-              <a:defRPr sz="1600"/>
+            <a:lvl8pPr marL="2400300" indent="0">
+              <a:buNone/>
+              <a:defRPr sz="1200"/>
             </a:lvl8pPr>
-            <a:lvl9pPr marL="3657600" indent="0">
-              <a:buNone/>
-              <a:defRPr sz="1600"/>
+            <a:lvl9pPr marL="2743200" indent="0">
+              <a:buNone/>
+              <a:defRPr sz="1200"/>
             </a:lvl9pPr>
           </a:lstStyle>
           <a:p>
             <a:r>
-              <a:rPr lang="en-GB" dirty="0"/>
+              <a:rPr lang="en-GB"/>
               <a:t>Click icon to add picture</a:t>
             </a:r>
             <a:endParaRPr lang="en-US" dirty="0"/>
@@ -3104,8 +6519,8 @@
         </p:nvSpPr>
         <p:spPr>
           <a:xfrm>
-            <a:off x="4441348" y="4781080"/>
-            <a:ext cx="3303352" cy="1010119"/>
+            <a:off x="3331011" y="3585811"/>
+            <a:ext cx="2477514" cy="757589"/>
           </a:xfrm>
         </p:spPr>
         <p:txBody>
@@ -3115,39 +6530,39 @@
           <a:lstStyle>
             <a:lvl1pPr marL="0" indent="0" algn="ctr">
               <a:buNone/>
-              <a:defRPr sz="1400"/>
+              <a:defRPr sz="1050"/>
             </a:lvl1pPr>
-            <a:lvl2pPr marL="457200" indent="0">
-              <a:buNone/>
-              <a:defRPr sz="1200"/>
+            <a:lvl2pPr marL="342900" indent="0">
+              <a:buNone/>
+              <a:defRPr sz="900"/>
             </a:lvl2pPr>
-            <a:lvl3pPr marL="914400" indent="0">
-              <a:buNone/>
-              <a:defRPr sz="1000"/>
+            <a:lvl3pPr marL="685800" indent="0">
+              <a:buNone/>
+              <a:defRPr sz="750"/>
             </a:lvl3pPr>
-            <a:lvl4pPr marL="1371600" indent="0">
-              <a:buNone/>
-              <a:defRPr sz="900"/>
+            <a:lvl4pPr marL="1028700" indent="0">
+              <a:buNone/>
+              <a:defRPr sz="675"/>
             </a:lvl4pPr>
-            <a:lvl5pPr marL="1828800" indent="0">
-              <a:buNone/>
-              <a:defRPr sz="900"/>
+            <a:lvl5pPr marL="1371600" indent="0">
+              <a:buNone/>
+              <a:defRPr sz="675"/>
             </a:lvl5pPr>
-            <a:lvl6pPr marL="2286000" indent="0">
-              <a:buNone/>
-              <a:defRPr sz="900"/>
+            <a:lvl6pPr marL="1714500" indent="0">
+              <a:buNone/>
+              <a:defRPr sz="675"/>
             </a:lvl6pPr>
-            <a:lvl7pPr marL="2743200" indent="0">
-              <a:buNone/>
-              <a:defRPr sz="900"/>
+            <a:lvl7pPr marL="2057400" indent="0">
+              <a:buNone/>
+              <a:defRPr sz="675"/>
             </a:lvl7pPr>
-            <a:lvl8pPr marL="3200400" indent="0">
-              <a:buNone/>
-              <a:defRPr sz="900"/>
+            <a:lvl8pPr marL="2400300" indent="0">
+              <a:buNone/>
+              <a:defRPr sz="675"/>
             </a:lvl8pPr>
-            <a:lvl9pPr marL="3657600" indent="0">
-              <a:buNone/>
-              <a:defRPr sz="900"/>
+            <a:lvl9pPr marL="2743200" indent="0">
+              <a:buNone/>
+              <a:defRPr sz="675"/>
             </a:lvl9pPr>
           </a:lstStyle>
           <a:p>
@@ -3171,8 +6586,8 @@
         </p:nvSpPr>
         <p:spPr>
           <a:xfrm>
-            <a:off x="7973298" y="4204820"/>
-            <a:ext cx="3300681" cy="576262"/>
+            <a:off x="5979974" y="3153615"/>
+            <a:ext cx="2475511" cy="432197"/>
           </a:xfrm>
         </p:spPr>
         <p:txBody>
@@ -3185,43 +6600,43 @@
                 <a:spcPct val="85000"/>
               </a:lnSpc>
               <a:buNone/>
-              <a:defRPr sz="2200" b="0">
+              <a:defRPr sz="1650" b="0">
                 <a:solidFill>
                   <a:schemeClr val="tx1"/>
                 </a:solidFill>
               </a:defRPr>
             </a:lvl1pPr>
-            <a:lvl2pPr marL="457200" indent="0">
-              <a:buNone/>
-              <a:defRPr sz="2000" b="1"/>
+            <a:lvl2pPr marL="342900" indent="0">
+              <a:buNone/>
+              <a:defRPr sz="1500" b="1"/>
             </a:lvl2pPr>
-            <a:lvl3pPr marL="914400" indent="0">
-              <a:buNone/>
-              <a:defRPr sz="1800" b="1"/>
+            <a:lvl3pPr marL="685800" indent="0">
+              <a:buNone/>
+              <a:defRPr sz="1350" b="1"/>
             </a:lvl3pPr>
-            <a:lvl4pPr marL="1371600" indent="0">
-              <a:buNone/>
-              <a:defRPr sz="1600" b="1"/>
+            <a:lvl4pPr marL="1028700" indent="0">
+              <a:buNone/>
+              <a:defRPr sz="1200" b="1"/>
             </a:lvl4pPr>
-            <a:lvl5pPr marL="1828800" indent="0">
-              <a:buNone/>
-              <a:defRPr sz="1600" b="1"/>
+            <a:lvl5pPr marL="1371600" indent="0">
+              <a:buNone/>
+              <a:defRPr sz="1200" b="1"/>
             </a:lvl5pPr>
-            <a:lvl6pPr marL="2286000" indent="0">
-              <a:buNone/>
-              <a:defRPr sz="1600" b="1"/>
+            <a:lvl6pPr marL="1714500" indent="0">
+              <a:buNone/>
+              <a:defRPr sz="1200" b="1"/>
             </a:lvl6pPr>
-            <a:lvl7pPr marL="2743200" indent="0">
-              <a:buNone/>
-              <a:defRPr sz="1600" b="1"/>
+            <a:lvl7pPr marL="2057400" indent="0">
+              <a:buNone/>
+              <a:defRPr sz="1200" b="1"/>
             </a:lvl7pPr>
-            <a:lvl8pPr marL="3200400" indent="0">
-              <a:buNone/>
-              <a:defRPr sz="1600" b="1"/>
+            <a:lvl8pPr marL="2400300" indent="0">
+              <a:buNone/>
+              <a:defRPr sz="1200" b="1"/>
             </a:lvl8pPr>
-            <a:lvl9pPr marL="3657600" indent="0">
-              <a:buNone/>
-              <a:defRPr sz="1600" b="1"/>
+            <a:lvl9pPr marL="2743200" indent="0">
+              <a:buNone/>
+              <a:defRPr sz="1200" b="1"/>
             </a:lvl9pPr>
           </a:lstStyle>
           <a:p>
@@ -3245,8 +6660,8 @@
         </p:nvSpPr>
         <p:spPr>
           <a:xfrm>
-            <a:off x="7973298" y="2367093"/>
-            <a:ext cx="3304928" cy="1524000"/>
+            <a:off x="5979974" y="1775320"/>
+            <a:ext cx="2478696" cy="1143000"/>
           </a:xfrm>
           <a:prstGeom prst="roundRect">
             <a:avLst>
@@ -3281,44 +6696,44 @@
           <a:lstStyle>
             <a:lvl1pPr marL="0" indent="0" algn="ctr">
               <a:buNone/>
-              <a:defRPr sz="1600"/>
+              <a:defRPr sz="1200"/>
             </a:lvl1pPr>
-            <a:lvl2pPr marL="457200" indent="0">
-              <a:buNone/>
-              <a:defRPr sz="1600"/>
+            <a:lvl2pPr marL="342900" indent="0">
+              <a:buNone/>
+              <a:defRPr sz="1200"/>
             </a:lvl2pPr>
-            <a:lvl3pPr marL="914400" indent="0">
-              <a:buNone/>
-              <a:defRPr sz="1600"/>
+            <a:lvl3pPr marL="685800" indent="0">
+              <a:buNone/>
+              <a:defRPr sz="1200"/>
             </a:lvl3pPr>
-            <a:lvl4pPr marL="1371600" indent="0">
-              <a:buNone/>
-              <a:defRPr sz="1600"/>
+            <a:lvl4pPr marL="1028700" indent="0">
+              <a:buNone/>
+              <a:defRPr sz="1200"/>
             </a:lvl4pPr>
-            <a:lvl5pPr marL="1828800" indent="0">
-              <a:buNone/>
-              <a:defRPr sz="1600"/>
+            <a:lvl5pPr marL="1371600" indent="0">
+              <a:buNone/>
+              <a:defRPr sz="1200"/>
             </a:lvl5pPr>
-            <a:lvl6pPr marL="2286000" indent="0">
-              <a:buNone/>
-              <a:defRPr sz="1600"/>
+            <a:lvl6pPr marL="1714500" indent="0">
+              <a:buNone/>
+              <a:defRPr sz="1200"/>
             </a:lvl6pPr>
-            <a:lvl7pPr marL="2743200" indent="0">
-              <a:buNone/>
-              <a:defRPr sz="1600"/>
+            <a:lvl7pPr marL="2057400" indent="0">
+              <a:buNone/>
+              <a:defRPr sz="1200"/>
             </a:lvl7pPr>
-            <a:lvl8pPr marL="3200400" indent="0">
-              <a:buNone/>
-              <a:defRPr sz="1600"/>
+            <a:lvl8pPr marL="2400300" indent="0">
+              <a:buNone/>
+              <a:defRPr sz="1200"/>
             </a:lvl8pPr>
-            <a:lvl9pPr marL="3657600" indent="0">
-              <a:buNone/>
-              <a:defRPr sz="1600"/>
+            <a:lvl9pPr marL="2743200" indent="0">
+              <a:buNone/>
+              <a:defRPr sz="1200"/>
             </a:lvl9pPr>
           </a:lstStyle>
           <a:p>
             <a:r>
-              <a:rPr lang="en-GB" dirty="0"/>
+              <a:rPr lang="en-GB"/>
               <a:t>Click icon to add picture</a:t>
             </a:r>
             <a:endParaRPr lang="en-US" dirty="0"/>
@@ -3337,8 +6752,8 @@
         </p:nvSpPr>
         <p:spPr>
           <a:xfrm>
-            <a:off x="7973173" y="4781078"/>
-            <a:ext cx="3305053" cy="1010121"/>
+            <a:off x="5979880" y="3585809"/>
+            <a:ext cx="2478790" cy="757591"/>
           </a:xfrm>
         </p:spPr>
         <p:txBody>
@@ -3348,39 +6763,39 @@
           <a:lstStyle>
             <a:lvl1pPr marL="0" indent="0" algn="ctr">
               <a:buNone/>
-              <a:defRPr sz="1400"/>
+              <a:defRPr sz="1050"/>
             </a:lvl1pPr>
-            <a:lvl2pPr marL="457200" indent="0">
-              <a:buNone/>
-              <a:defRPr sz="1200"/>
+            <a:lvl2pPr marL="342900" indent="0">
+              <a:buNone/>
+              <a:defRPr sz="900"/>
             </a:lvl2pPr>
-            <a:lvl3pPr marL="914400" indent="0">
-              <a:buNone/>
-              <a:defRPr sz="1000"/>
+            <a:lvl3pPr marL="685800" indent="0">
+              <a:buNone/>
+              <a:defRPr sz="750"/>
             </a:lvl3pPr>
-            <a:lvl4pPr marL="1371600" indent="0">
-              <a:buNone/>
-              <a:defRPr sz="900"/>
+            <a:lvl4pPr marL="1028700" indent="0">
+              <a:buNone/>
+              <a:defRPr sz="675"/>
             </a:lvl4pPr>
-            <a:lvl5pPr marL="1828800" indent="0">
-              <a:buNone/>
-              <a:defRPr sz="900"/>
+            <a:lvl5pPr marL="1371600" indent="0">
+              <a:buNone/>
+              <a:defRPr sz="675"/>
             </a:lvl5pPr>
-            <a:lvl6pPr marL="2286000" indent="0">
-              <a:buNone/>
-              <a:defRPr sz="900"/>
+            <a:lvl6pPr marL="1714500" indent="0">
+              <a:buNone/>
+              <a:defRPr sz="675"/>
             </a:lvl6pPr>
-            <a:lvl7pPr marL="2743200" indent="0">
-              <a:buNone/>
-              <a:defRPr sz="900"/>
+            <a:lvl7pPr marL="2057400" indent="0">
+              <a:buNone/>
+              <a:defRPr sz="675"/>
             </a:lvl7pPr>
-            <a:lvl8pPr marL="3200400" indent="0">
-              <a:buNone/>
-              <a:defRPr sz="900"/>
+            <a:lvl8pPr marL="2400300" indent="0">
+              <a:buNone/>
+              <a:defRPr sz="675"/>
             </a:lvl8pPr>
-            <a:lvl9pPr marL="3657600" indent="0">
-              <a:buNone/>
-              <a:defRPr sz="900"/>
+            <a:lvl9pPr marL="2743200" indent="0">
+              <a:buNone/>
+              <a:defRPr sz="675"/>
             </a:lvl9pPr>
           </a:lstStyle>
           <a:p>
@@ -3408,8 +6823,8 @@
           <a:lstStyle/>
           <a:p>
             <a:fld id="{48A87A34-81AB-432B-8DAE-1953F412C126}" type="datetimeFigureOut">
-              <a:rPr lang="en-US"/>
-              <a:t>1/4/22</a:t>
+              <a:rPr lang="en-US" smtClean="0"/>
+              <a:t>1/5/22</a:t>
             </a:fld>
             <a:endParaRPr lang="en-US" dirty="0"/>
           </a:p>
@@ -3450,7 +6865,7 @@
           <a:lstStyle/>
           <a:p>
             <a:fld id="{6D22F896-40B5-4ADD-8801-0D06FADFA095}" type="slidenum">
-              <a:rPr lang="en-US"/>
+              <a:rPr lang="en-US" smtClean="0"/>
               <a:t>‹#›</a:t>
             </a:fld>
             <a:endParaRPr lang="en-US" dirty="0"/>
@@ -3458,6 +6873,11 @@
         </p:txBody>
       </p:sp>
     </p:spTree>
+    <p:extLst>
+      <p:ext uri="{BB962C8B-B14F-4D97-AF65-F5344CB8AC3E}">
+        <p14:creationId xmlns:p14="http://schemas.microsoft.com/office/powerpoint/2010/main" val="3406818314"/>
+      </p:ext>
+    </p:extLst>
   </p:cSld>
   <p:clrMapOvr>
     <a:masterClrMapping/>
@@ -3517,7 +6937,7 @@
         <p:spPr>
           <a:xfrm>
             <a:off x="0" y="0"/>
-            <a:ext cx="12192000" cy="6858000"/>
+            <a:ext cx="9144000" cy="5143500"/>
           </a:xfrm>
           <a:prstGeom prst="rect">
             <a:avLst/>
@@ -3559,8 +6979,8 @@
         </p:nvSpPr>
         <p:spPr>
           <a:xfrm>
-            <a:off x="913775" y="2367093"/>
-            <a:ext cx="10364452" cy="3424107"/>
+            <a:off x="685331" y="1775320"/>
+            <a:ext cx="7773339" cy="2568080"/>
           </a:xfrm>
         </p:spPr>
         <p:txBody>
@@ -3620,8 +7040,8 @@
           <a:lstStyle/>
           <a:p>
             <a:fld id="{48A87A34-81AB-432B-8DAE-1953F412C126}" type="datetimeFigureOut">
-              <a:rPr lang="en-US"/>
-              <a:t>1/4/22</a:t>
+              <a:rPr lang="en-US" smtClean="0"/>
+              <a:t>1/5/22</a:t>
             </a:fld>
             <a:endParaRPr lang="en-US" dirty="0"/>
           </a:p>
@@ -3662,7 +7082,7 @@
           <a:lstStyle/>
           <a:p>
             <a:fld id="{6D22F896-40B5-4ADD-8801-0D06FADFA095}" type="slidenum">
-              <a:rPr lang="en-US"/>
+              <a:rPr lang="en-US" smtClean="0"/>
               <a:t>‹#›</a:t>
             </a:fld>
             <a:endParaRPr lang="en-US" dirty="0"/>
@@ -3670,6 +7090,11 @@
         </p:txBody>
       </p:sp>
     </p:spTree>
+    <p:extLst>
+      <p:ext uri="{BB962C8B-B14F-4D97-AF65-F5344CB8AC3E}">
+        <p14:creationId xmlns:p14="http://schemas.microsoft.com/office/powerpoint/2010/main" val="4243047325"/>
+      </p:ext>
+    </p:extLst>
   </p:cSld>
   <p:clrMapOvr>
     <a:masterClrMapping/>
@@ -3729,7 +7154,7 @@
         <p:spPr>
           <a:xfrm>
             <a:off x="0" y="0"/>
-            <a:ext cx="12192000" cy="6858000"/>
+            <a:ext cx="9144000" cy="5143500"/>
           </a:xfrm>
           <a:prstGeom prst="rect">
             <a:avLst/>
@@ -3748,8 +7173,8 @@
         </p:nvSpPr>
         <p:spPr>
           <a:xfrm>
-            <a:off x="8724900" y="609601"/>
-            <a:ext cx="2553326" cy="5181599"/>
+            <a:off x="6543675" y="457201"/>
+            <a:ext cx="1914995" cy="3886199"/>
           </a:xfrm>
         </p:spPr>
         <p:txBody>
@@ -3780,8 +7205,8 @@
         </p:nvSpPr>
         <p:spPr>
           <a:xfrm>
-            <a:off x="913775" y="609601"/>
-            <a:ext cx="7658724" cy="5181599"/>
+            <a:off x="685331" y="457201"/>
+            <a:ext cx="5744043" cy="3886199"/>
           </a:xfrm>
         </p:spPr>
         <p:txBody>
@@ -3841,8 +7266,8 @@
           <a:lstStyle/>
           <a:p>
             <a:fld id="{48A87A34-81AB-432B-8DAE-1953F412C126}" type="datetimeFigureOut">
-              <a:rPr lang="en-US"/>
-              <a:t>1/4/22</a:t>
+              <a:rPr lang="en-US" smtClean="0"/>
+              <a:t>1/5/22</a:t>
             </a:fld>
             <a:endParaRPr lang="en-US" dirty="0"/>
           </a:p>
@@ -3883,7 +7308,7 @@
           <a:lstStyle/>
           <a:p>
             <a:fld id="{6D22F896-40B5-4ADD-8801-0D06FADFA095}" type="slidenum">
-              <a:rPr lang="en-US"/>
+              <a:rPr lang="en-US" smtClean="0"/>
               <a:t>‹#›</a:t>
             </a:fld>
             <a:endParaRPr lang="en-US" dirty="0"/>
@@ -3891,6 +7316,11 @@
         </p:txBody>
       </p:sp>
     </p:spTree>
+    <p:extLst>
+      <p:ext uri="{BB962C8B-B14F-4D97-AF65-F5344CB8AC3E}">
+        <p14:creationId xmlns:p14="http://schemas.microsoft.com/office/powerpoint/2010/main" val="1383109149"/>
+      </p:ext>
+    </p:extLst>
   </p:cSld>
   <p:clrMapOvr>
     <a:masterClrMapping/>
@@ -3950,7 +7380,7 @@
         <p:spPr>
           <a:xfrm>
             <a:off x="0" y="0"/>
-            <a:ext cx="12192000" cy="6858000"/>
+            <a:ext cx="9144000" cy="5143500"/>
           </a:xfrm>
           <a:prstGeom prst="rect">
             <a:avLst/>
@@ -3992,8 +7422,8 @@
         </p:nvSpPr>
         <p:spPr>
           <a:xfrm>
-            <a:off x="913774" y="2367092"/>
-            <a:ext cx="10363826" cy="3424107"/>
+            <a:off x="685330" y="1775320"/>
+            <a:ext cx="7772870" cy="2568080"/>
           </a:xfrm>
         </p:spPr>
         <p:txBody>
@@ -4053,8 +7483,8 @@
           <a:lstStyle/>
           <a:p>
             <a:fld id="{48A87A34-81AB-432B-8DAE-1953F412C126}" type="datetimeFigureOut">
-              <a:rPr lang="en-US"/>
-              <a:t>1/4/22</a:t>
+              <a:rPr lang="en-US" smtClean="0"/>
+              <a:t>1/5/22</a:t>
             </a:fld>
             <a:endParaRPr lang="en-US" dirty="0"/>
           </a:p>
@@ -4095,7 +7525,7 @@
           <a:lstStyle/>
           <a:p>
             <a:fld id="{6D22F896-40B5-4ADD-8801-0D06FADFA095}" type="slidenum">
-              <a:rPr lang="en-US"/>
+              <a:rPr lang="en-US" smtClean="0"/>
               <a:t>‹#›</a:t>
             </a:fld>
             <a:endParaRPr lang="en-US" dirty="0"/>
@@ -4103,6 +7533,11 @@
         </p:txBody>
       </p:sp>
     </p:spTree>
+    <p:extLst>
+      <p:ext uri="{BB962C8B-B14F-4D97-AF65-F5344CB8AC3E}">
+        <p14:creationId xmlns:p14="http://schemas.microsoft.com/office/powerpoint/2010/main" val="2707140608"/>
+      </p:ext>
+    </p:extLst>
   </p:cSld>
   <p:clrMapOvr>
     <a:masterClrMapping/>
@@ -4162,7 +7597,7 @@
         <p:spPr>
           <a:xfrm>
             <a:off x="0" y="0"/>
-            <a:ext cx="12192000" cy="6858000"/>
+            <a:ext cx="9144000" cy="5143500"/>
           </a:xfrm>
           <a:prstGeom prst="rect">
             <a:avLst/>
@@ -4181,8 +7616,8 @@
         </p:nvSpPr>
         <p:spPr>
           <a:xfrm>
-            <a:off x="913774" y="828563"/>
-            <a:ext cx="10351752" cy="2736819"/>
+            <a:off x="685331" y="621423"/>
+            <a:ext cx="7763814" cy="2052614"/>
           </a:xfrm>
         </p:spPr>
         <p:txBody>
@@ -4191,7 +7626,7 @@
           </a:bodyPr>
           <a:lstStyle>
             <a:lvl1pPr>
-              <a:defRPr sz="4000"/>
+              <a:defRPr sz="3000"/>
             </a:lvl1pPr>
           </a:lstStyle>
           <a:p>
@@ -4215,8 +7650,8 @@
         </p:nvSpPr>
         <p:spPr>
           <a:xfrm>
-            <a:off x="913774" y="3657457"/>
-            <a:ext cx="10351752" cy="1368183"/>
+            <a:off x="685331" y="2743093"/>
+            <a:ext cx="7763814" cy="1026137"/>
           </a:xfrm>
         </p:spPr>
         <p:txBody>
@@ -4226,7 +7661,7 @@
           <a:lstStyle>
             <a:lvl1pPr marL="0" indent="0" algn="ctr">
               <a:buNone/>
-              <a:defRPr sz="2000">
+              <a:defRPr sz="1500">
                 <a:solidFill>
                   <a:schemeClr val="bg1">
                     <a:lumMod val="50000"/>
@@ -4234,9 +7669,9 @@
                 </a:solidFill>
               </a:defRPr>
             </a:lvl1pPr>
-            <a:lvl2pPr marL="457200" indent="0">
-              <a:buNone/>
-              <a:defRPr sz="2000">
+            <a:lvl2pPr marL="342900" indent="0">
+              <a:buNone/>
+              <a:defRPr sz="1500">
                 <a:solidFill>
                   <a:schemeClr val="tx1">
                     <a:tint val="75000"/>
@@ -4244,9 +7679,9 @@
                 </a:solidFill>
               </a:defRPr>
             </a:lvl2pPr>
-            <a:lvl3pPr marL="914400" indent="0">
-              <a:buNone/>
-              <a:defRPr sz="1800">
+            <a:lvl3pPr marL="685800" indent="0">
+              <a:buNone/>
+              <a:defRPr sz="1350">
                 <a:solidFill>
                   <a:schemeClr val="tx1">
                     <a:tint val="75000"/>
@@ -4254,9 +7689,9 @@
                 </a:solidFill>
               </a:defRPr>
             </a:lvl3pPr>
-            <a:lvl4pPr marL="1371600" indent="0">
-              <a:buNone/>
-              <a:defRPr sz="1600">
+            <a:lvl4pPr marL="1028700" indent="0">
+              <a:buNone/>
+              <a:defRPr sz="1200">
                 <a:solidFill>
                   <a:schemeClr val="tx1">
                     <a:tint val="75000"/>
@@ -4264,9 +7699,9 @@
                 </a:solidFill>
               </a:defRPr>
             </a:lvl4pPr>
-            <a:lvl5pPr marL="1828800" indent="0">
-              <a:buNone/>
-              <a:defRPr sz="1600">
+            <a:lvl5pPr marL="1371600" indent="0">
+              <a:buNone/>
+              <a:defRPr sz="1200">
                 <a:solidFill>
                   <a:schemeClr val="tx1">
                     <a:tint val="75000"/>
@@ -4274,9 +7709,9 @@
                 </a:solidFill>
               </a:defRPr>
             </a:lvl5pPr>
-            <a:lvl6pPr marL="2286000" indent="0">
-              <a:buNone/>
-              <a:defRPr sz="1600">
+            <a:lvl6pPr marL="1714500" indent="0">
+              <a:buNone/>
+              <a:defRPr sz="1200">
                 <a:solidFill>
                   <a:schemeClr val="tx1">
                     <a:tint val="75000"/>
@@ -4284,9 +7719,9 @@
                 </a:solidFill>
               </a:defRPr>
             </a:lvl6pPr>
-            <a:lvl7pPr marL="2743200" indent="0">
-              <a:buNone/>
-              <a:defRPr sz="1600">
+            <a:lvl7pPr marL="2057400" indent="0">
+              <a:buNone/>
+              <a:defRPr sz="1200">
                 <a:solidFill>
                   <a:schemeClr val="tx1">
                     <a:tint val="75000"/>
@@ -4294,9 +7729,9 @@
                 </a:solidFill>
               </a:defRPr>
             </a:lvl7pPr>
-            <a:lvl8pPr marL="3200400" indent="0">
-              <a:buNone/>
-              <a:defRPr sz="1600">
+            <a:lvl8pPr marL="2400300" indent="0">
+              <a:buNone/>
+              <a:defRPr sz="1200">
                 <a:solidFill>
                   <a:schemeClr val="tx1">
                     <a:tint val="75000"/>
@@ -4304,9 +7739,9 @@
                 </a:solidFill>
               </a:defRPr>
             </a:lvl8pPr>
-            <a:lvl9pPr marL="3657600" indent="0">
-              <a:buNone/>
-              <a:defRPr sz="1600">
+            <a:lvl9pPr marL="2743200" indent="0">
+              <a:buNone/>
+              <a:defRPr sz="1200">
                 <a:solidFill>
                   <a:schemeClr val="tx1">
                     <a:tint val="75000"/>
@@ -4340,8 +7775,8 @@
           <a:lstStyle/>
           <a:p>
             <a:fld id="{48A87A34-81AB-432B-8DAE-1953F412C126}" type="datetimeFigureOut">
-              <a:rPr lang="en-US"/>
-              <a:t>1/4/22</a:t>
+              <a:rPr lang="en-US" smtClean="0"/>
+              <a:t>1/5/22</a:t>
             </a:fld>
             <a:endParaRPr lang="en-US" dirty="0"/>
           </a:p>
@@ -4382,7 +7817,7 @@
           <a:lstStyle/>
           <a:p>
             <a:fld id="{6D22F896-40B5-4ADD-8801-0D06FADFA095}" type="slidenum">
-              <a:rPr lang="en-US"/>
+              <a:rPr lang="en-US" smtClean="0"/>
               <a:t>‹#›</a:t>
             </a:fld>
             <a:endParaRPr lang="en-US" dirty="0"/>
@@ -4390,6 +7825,11 @@
         </p:txBody>
       </p:sp>
     </p:spTree>
+    <p:extLst>
+      <p:ext uri="{BB962C8B-B14F-4D97-AF65-F5344CB8AC3E}">
+        <p14:creationId xmlns:p14="http://schemas.microsoft.com/office/powerpoint/2010/main" val="4050192240"/>
+      </p:ext>
+    </p:extLst>
   </p:cSld>
   <p:clrMapOvr>
     <a:masterClrMapping/>
@@ -4449,7 +7889,7 @@
         <p:spPr>
           <a:xfrm>
             <a:off x="0" y="0"/>
-            <a:ext cx="12192000" cy="6858000"/>
+            <a:ext cx="9144000" cy="5143500"/>
           </a:xfrm>
           <a:prstGeom prst="rect">
             <a:avLst/>
@@ -4468,8 +7908,8 @@
         </p:nvSpPr>
         <p:spPr>
           <a:xfrm>
-            <a:off x="913775" y="618517"/>
-            <a:ext cx="10364451" cy="1596177"/>
+            <a:off x="685332" y="463888"/>
+            <a:ext cx="7773338" cy="1197133"/>
           </a:xfrm>
         </p:spPr>
         <p:txBody>
@@ -4496,8 +7936,8 @@
         </p:nvSpPr>
         <p:spPr>
           <a:xfrm>
-            <a:off x="913774" y="2367092"/>
-            <a:ext cx="5106026" cy="3424107"/>
+            <a:off x="685330" y="1775320"/>
+            <a:ext cx="3829520" cy="2568080"/>
           </a:xfrm>
         </p:spPr>
         <p:txBody>
@@ -4553,8 +7993,8 @@
         </p:nvSpPr>
         <p:spPr>
           <a:xfrm>
-            <a:off x="6172200" y="2367092"/>
-            <a:ext cx="5105400" cy="3424107"/>
+            <a:off x="4629150" y="1775320"/>
+            <a:ext cx="3829050" cy="2568080"/>
           </a:xfrm>
         </p:spPr>
         <p:txBody>
@@ -4614,8 +8054,8 @@
           <a:lstStyle/>
           <a:p>
             <a:fld id="{48A87A34-81AB-432B-8DAE-1953F412C126}" type="datetimeFigureOut">
-              <a:rPr lang="en-US"/>
-              <a:t>1/4/22</a:t>
+              <a:rPr lang="en-US" smtClean="0"/>
+              <a:t>1/5/22</a:t>
             </a:fld>
             <a:endParaRPr lang="en-US" dirty="0"/>
           </a:p>
@@ -4656,7 +8096,7 @@
           <a:lstStyle/>
           <a:p>
             <a:fld id="{6D22F896-40B5-4ADD-8801-0D06FADFA095}" type="slidenum">
-              <a:rPr lang="en-US"/>
+              <a:rPr lang="en-US" smtClean="0"/>
               <a:t>‹#›</a:t>
             </a:fld>
             <a:endParaRPr lang="en-US" dirty="0"/>
@@ -4664,6 +8104,11 @@
         </p:txBody>
       </p:sp>
     </p:spTree>
+    <p:extLst>
+      <p:ext uri="{BB962C8B-B14F-4D97-AF65-F5344CB8AC3E}">
+        <p14:creationId xmlns:p14="http://schemas.microsoft.com/office/powerpoint/2010/main" val="4143776579"/>
+      </p:ext>
+    </p:extLst>
   </p:cSld>
   <p:clrMapOvr>
     <a:masterClrMapping/>
@@ -4723,7 +8168,7 @@
         <p:spPr>
           <a:xfrm>
             <a:off x="0" y="0"/>
-            <a:ext cx="12192000" cy="6858000"/>
+            <a:ext cx="9144000" cy="5143500"/>
           </a:xfrm>
           <a:prstGeom prst="rect">
             <a:avLst/>
@@ -4742,8 +8187,8 @@
         </p:nvSpPr>
         <p:spPr>
           <a:xfrm>
-            <a:off x="913775" y="618517"/>
-            <a:ext cx="10364451" cy="1596177"/>
+            <a:off x="685332" y="463888"/>
+            <a:ext cx="7773338" cy="1197133"/>
           </a:xfrm>
         </p:spPr>
         <p:txBody>
@@ -4770,8 +8215,8 @@
         </p:nvSpPr>
         <p:spPr>
           <a:xfrm>
-            <a:off x="1146328" y="2371018"/>
-            <a:ext cx="4873474" cy="679994"/>
+            <a:off x="859746" y="1778263"/>
+            <a:ext cx="3655106" cy="509996"/>
           </a:xfrm>
         </p:spPr>
         <p:txBody>
@@ -4784,43 +8229,43 @@
                 <a:spcPct val="85000"/>
               </a:lnSpc>
               <a:buNone/>
-              <a:defRPr sz="2600" b="0">
+              <a:defRPr sz="1950" b="0">
                 <a:solidFill>
                   <a:schemeClr val="tx1"/>
                 </a:solidFill>
               </a:defRPr>
             </a:lvl1pPr>
-            <a:lvl2pPr marL="457200" indent="0">
-              <a:buNone/>
-              <a:defRPr sz="2000" b="1"/>
+            <a:lvl2pPr marL="342900" indent="0">
+              <a:buNone/>
+              <a:defRPr sz="1500" b="1"/>
             </a:lvl2pPr>
-            <a:lvl3pPr marL="914400" indent="0">
-              <a:buNone/>
-              <a:defRPr sz="1800" b="1"/>
+            <a:lvl3pPr marL="685800" indent="0">
+              <a:buNone/>
+              <a:defRPr sz="1350" b="1"/>
             </a:lvl3pPr>
-            <a:lvl4pPr marL="1371600" indent="0">
-              <a:buNone/>
-              <a:defRPr sz="1600" b="1"/>
+            <a:lvl4pPr marL="1028700" indent="0">
+              <a:buNone/>
+              <a:defRPr sz="1200" b="1"/>
             </a:lvl4pPr>
-            <a:lvl5pPr marL="1828800" indent="0">
-              <a:buNone/>
-              <a:defRPr sz="1600" b="1"/>
+            <a:lvl5pPr marL="1371600" indent="0">
+              <a:buNone/>
+              <a:defRPr sz="1200" b="1"/>
             </a:lvl5pPr>
-            <a:lvl6pPr marL="2286000" indent="0">
-              <a:buNone/>
-              <a:defRPr sz="1600" b="1"/>
+            <a:lvl6pPr marL="1714500" indent="0">
+              <a:buNone/>
+              <a:defRPr sz="1200" b="1"/>
             </a:lvl6pPr>
-            <a:lvl7pPr marL="2743200" indent="0">
-              <a:buNone/>
-              <a:defRPr sz="1600" b="1"/>
+            <a:lvl7pPr marL="2057400" indent="0">
+              <a:buNone/>
+              <a:defRPr sz="1200" b="1"/>
             </a:lvl7pPr>
-            <a:lvl8pPr marL="3200400" indent="0">
-              <a:buNone/>
-              <a:defRPr sz="1600" b="1"/>
+            <a:lvl8pPr marL="2400300" indent="0">
+              <a:buNone/>
+              <a:defRPr sz="1200" b="1"/>
             </a:lvl8pPr>
-            <a:lvl9pPr marL="3657600" indent="0">
-              <a:buNone/>
-              <a:defRPr sz="1600" b="1"/>
+            <a:lvl9pPr marL="2743200" indent="0">
+              <a:buNone/>
+              <a:defRPr sz="1200" b="1"/>
             </a:lvl9pPr>
           </a:lstStyle>
           <a:p>
@@ -4844,8 +8289,8 @@
         </p:nvSpPr>
         <p:spPr>
           <a:xfrm>
-            <a:off x="913774" y="3051012"/>
-            <a:ext cx="5106027" cy="2740187"/>
+            <a:off x="685331" y="2288260"/>
+            <a:ext cx="3829520" cy="2055140"/>
           </a:xfrm>
         </p:spPr>
         <p:txBody>
@@ -4901,8 +8346,8 @@
         </p:nvSpPr>
         <p:spPr>
           <a:xfrm>
-            <a:off x="6396423" y="2371018"/>
-            <a:ext cx="4881804" cy="679994"/>
+            <a:off x="4797317" y="1778263"/>
+            <a:ext cx="3661353" cy="509996"/>
           </a:xfrm>
         </p:spPr>
         <p:txBody>
@@ -4915,43 +8360,43 @@
                 <a:spcPct val="85000"/>
               </a:lnSpc>
               <a:buNone/>
-              <a:defRPr sz="2600" b="0">
+              <a:defRPr sz="1950" b="0">
                 <a:solidFill>
                   <a:schemeClr val="tx1"/>
                 </a:solidFill>
               </a:defRPr>
             </a:lvl1pPr>
-            <a:lvl2pPr marL="457200" indent="0">
-              <a:buNone/>
-              <a:defRPr sz="2000" b="1"/>
+            <a:lvl2pPr marL="342900" indent="0">
+              <a:buNone/>
+              <a:defRPr sz="1500" b="1"/>
             </a:lvl2pPr>
-            <a:lvl3pPr marL="914400" indent="0">
-              <a:buNone/>
-              <a:defRPr sz="1800" b="1"/>
+            <a:lvl3pPr marL="685800" indent="0">
+              <a:buNone/>
+              <a:defRPr sz="1350" b="1"/>
             </a:lvl3pPr>
-            <a:lvl4pPr marL="1371600" indent="0">
-              <a:buNone/>
-              <a:defRPr sz="1600" b="1"/>
+            <a:lvl4pPr marL="1028700" indent="0">
+              <a:buNone/>
+              <a:defRPr sz="1200" b="1"/>
             </a:lvl4pPr>
-            <a:lvl5pPr marL="1828800" indent="0">
-              <a:buNone/>
-              <a:defRPr sz="1600" b="1"/>
+            <a:lvl5pPr marL="1371600" indent="0">
+              <a:buNone/>
+              <a:defRPr sz="1200" b="1"/>
             </a:lvl5pPr>
-            <a:lvl6pPr marL="2286000" indent="0">
-              <a:buNone/>
-              <a:defRPr sz="1600" b="1"/>
+            <a:lvl6pPr marL="1714500" indent="0">
+              <a:buNone/>
+              <a:defRPr sz="1200" b="1"/>
             </a:lvl6pPr>
-            <a:lvl7pPr marL="2743200" indent="0">
-              <a:buNone/>
-              <a:defRPr sz="1600" b="1"/>
+            <a:lvl7pPr marL="2057400" indent="0">
+              <a:buNone/>
+              <a:defRPr sz="1200" b="1"/>
             </a:lvl7pPr>
-            <a:lvl8pPr marL="3200400" indent="0">
-              <a:buNone/>
-              <a:defRPr sz="1600" b="1"/>
+            <a:lvl8pPr marL="2400300" indent="0">
+              <a:buNone/>
+              <a:defRPr sz="1200" b="1"/>
             </a:lvl8pPr>
-            <a:lvl9pPr marL="3657600" indent="0">
-              <a:buNone/>
-              <a:defRPr sz="1600" b="1"/>
+            <a:lvl9pPr marL="2743200" indent="0">
+              <a:buNone/>
+              <a:defRPr sz="1200" b="1"/>
             </a:lvl9pPr>
           </a:lstStyle>
           <a:p>
@@ -4975,8 +8420,8 @@
         </p:nvSpPr>
         <p:spPr>
           <a:xfrm>
-            <a:off x="6172200" y="3051012"/>
-            <a:ext cx="5105401" cy="2740187"/>
+            <a:off x="4629150" y="2288260"/>
+            <a:ext cx="3829051" cy="2055140"/>
           </a:xfrm>
         </p:spPr>
         <p:txBody>
@@ -5036,8 +8481,8 @@
           <a:lstStyle/>
           <a:p>
             <a:fld id="{48A87A34-81AB-432B-8DAE-1953F412C126}" type="datetimeFigureOut">
-              <a:rPr lang="en-US"/>
-              <a:t>1/4/22</a:t>
+              <a:rPr lang="en-US" smtClean="0"/>
+              <a:t>1/5/22</a:t>
             </a:fld>
             <a:endParaRPr lang="en-US" dirty="0"/>
           </a:p>
@@ -5078,7 +8523,7 @@
           <a:lstStyle/>
           <a:p>
             <a:fld id="{6D22F896-40B5-4ADD-8801-0D06FADFA095}" type="slidenum">
-              <a:rPr lang="en-US"/>
+              <a:rPr lang="en-US" smtClean="0"/>
               <a:t>‹#›</a:t>
             </a:fld>
             <a:endParaRPr lang="en-US" dirty="0"/>
@@ -5086,6 +8531,11 @@
         </p:txBody>
       </p:sp>
     </p:spTree>
+    <p:extLst>
+      <p:ext uri="{BB962C8B-B14F-4D97-AF65-F5344CB8AC3E}">
+        <p14:creationId xmlns:p14="http://schemas.microsoft.com/office/powerpoint/2010/main" val="1964777928"/>
+      </p:ext>
+    </p:extLst>
   </p:cSld>
   <p:clrMapOvr>
     <a:masterClrMapping/>
@@ -5145,7 +8595,7 @@
         <p:spPr>
           <a:xfrm>
             <a:off x="0" y="0"/>
-            <a:ext cx="12192000" cy="6858000"/>
+            <a:ext cx="9144000" cy="5143500"/>
           </a:xfrm>
           <a:prstGeom prst="rect">
             <a:avLst/>
@@ -5191,8 +8641,8 @@
           <a:lstStyle/>
           <a:p>
             <a:fld id="{48A87A34-81AB-432B-8DAE-1953F412C126}" type="datetimeFigureOut">
-              <a:rPr lang="en-US"/>
-              <a:t>1/4/22</a:t>
+              <a:rPr lang="en-US" smtClean="0"/>
+              <a:t>1/5/22</a:t>
             </a:fld>
             <a:endParaRPr lang="en-US" dirty="0"/>
           </a:p>
@@ -5233,7 +8683,7 @@
           <a:lstStyle/>
           <a:p>
             <a:fld id="{6D22F896-40B5-4ADD-8801-0D06FADFA095}" type="slidenum">
-              <a:rPr lang="en-US"/>
+              <a:rPr lang="en-US" smtClean="0"/>
               <a:t>‹#›</a:t>
             </a:fld>
             <a:endParaRPr lang="en-US" dirty="0"/>
@@ -5241,6 +8691,11 @@
         </p:txBody>
       </p:sp>
     </p:spTree>
+    <p:extLst>
+      <p:ext uri="{BB962C8B-B14F-4D97-AF65-F5344CB8AC3E}">
+        <p14:creationId xmlns:p14="http://schemas.microsoft.com/office/powerpoint/2010/main" val="2685446580"/>
+      </p:ext>
+    </p:extLst>
   </p:cSld>
   <p:clrMapOvr>
     <a:masterClrMapping/>
@@ -5300,7 +8755,7 @@
         <p:spPr>
           <a:xfrm>
             <a:off x="0" y="0"/>
-            <a:ext cx="12192000" cy="6858000"/>
+            <a:ext cx="9144000" cy="5143500"/>
           </a:xfrm>
           <a:prstGeom prst="rect">
             <a:avLst/>
@@ -5323,8 +8778,8 @@
           <a:lstStyle/>
           <a:p>
             <a:fld id="{48A87A34-81AB-432B-8DAE-1953F412C126}" type="datetimeFigureOut">
-              <a:rPr lang="en-US"/>
-              <a:t>1/4/22</a:t>
+              <a:rPr lang="en-US" smtClean="0"/>
+              <a:t>1/5/22</a:t>
             </a:fld>
             <a:endParaRPr lang="en-US" dirty="0"/>
           </a:p>
@@ -5365,7 +8820,7 @@
           <a:lstStyle/>
           <a:p>
             <a:fld id="{6D22F896-40B5-4ADD-8801-0D06FADFA095}" type="slidenum">
-              <a:rPr lang="en-US"/>
+              <a:rPr lang="en-US" smtClean="0"/>
               <a:t>‹#›</a:t>
             </a:fld>
             <a:endParaRPr lang="en-US" dirty="0"/>
@@ -5373,6 +8828,11 @@
         </p:txBody>
       </p:sp>
     </p:spTree>
+    <p:extLst>
+      <p:ext uri="{BB962C8B-B14F-4D97-AF65-F5344CB8AC3E}">
+        <p14:creationId xmlns:p14="http://schemas.microsoft.com/office/powerpoint/2010/main" val="2432861553"/>
+      </p:ext>
+    </p:extLst>
   </p:cSld>
   <p:clrMapOvr>
     <a:masterClrMapping/>
@@ -5432,7 +8892,7 @@
         <p:spPr>
           <a:xfrm>
             <a:off x="0" y="0"/>
-            <a:ext cx="12192000" cy="6858000"/>
+            <a:ext cx="9144000" cy="5143500"/>
           </a:xfrm>
           <a:prstGeom prst="rect">
             <a:avLst/>
@@ -5451,15 +8911,15 @@
         </p:nvSpPr>
         <p:spPr>
           <a:xfrm>
-            <a:off x="913775" y="609600"/>
-            <a:ext cx="3935688" cy="2023252"/>
+            <a:off x="685331" y="457200"/>
+            <a:ext cx="2951766" cy="1517439"/>
           </a:xfrm>
         </p:spPr>
         <p:txBody>
           <a:bodyPr anchor="b"/>
           <a:lstStyle>
             <a:lvl1pPr algn="ctr">
-              <a:defRPr sz="3200"/>
+              <a:defRPr sz="2400"/>
             </a:lvl1pPr>
           </a:lstStyle>
           <a:p>
@@ -5483,8 +8943,8 @@
         </p:nvSpPr>
         <p:spPr>
           <a:xfrm>
-            <a:off x="5078062" y="609600"/>
-            <a:ext cx="6200163" cy="5181599"/>
+            <a:off x="3808547" y="457201"/>
+            <a:ext cx="4650122" cy="3886199"/>
           </a:xfrm>
         </p:spPr>
         <p:txBody>
@@ -5540,8 +9000,8 @@
         </p:nvSpPr>
         <p:spPr>
           <a:xfrm>
-            <a:off x="913774" y="2632852"/>
-            <a:ext cx="3935689" cy="3158348"/>
+            <a:off x="685331" y="1974639"/>
+            <a:ext cx="2951767" cy="2368761"/>
           </a:xfrm>
         </p:spPr>
         <p:txBody>
@@ -5549,39 +9009,39 @@
           <a:lstStyle>
             <a:lvl1pPr marL="0" indent="0" algn="ctr">
               <a:buNone/>
-              <a:defRPr sz="1600"/>
+              <a:defRPr sz="1200"/>
             </a:lvl1pPr>
-            <a:lvl2pPr marL="457200" indent="0">
-              <a:buNone/>
-              <a:defRPr sz="1400"/>
+            <a:lvl2pPr marL="342900" indent="0">
+              <a:buNone/>
+              <a:defRPr sz="1050"/>
             </a:lvl2pPr>
-            <a:lvl3pPr marL="914400" indent="0">
-              <a:buNone/>
-              <a:defRPr sz="1200"/>
+            <a:lvl3pPr marL="685800" indent="0">
+              <a:buNone/>
+              <a:defRPr sz="900"/>
             </a:lvl3pPr>
-            <a:lvl4pPr marL="1371600" indent="0">
-              <a:buNone/>
-              <a:defRPr sz="1000"/>
+            <a:lvl4pPr marL="1028700" indent="0">
+              <a:buNone/>
+              <a:defRPr sz="750"/>
             </a:lvl4pPr>
-            <a:lvl5pPr marL="1828800" indent="0">
-              <a:buNone/>
-              <a:defRPr sz="1000"/>
+            <a:lvl5pPr marL="1371600" indent="0">
+              <a:buNone/>
+              <a:defRPr sz="750"/>
             </a:lvl5pPr>
-            <a:lvl6pPr marL="2286000" indent="0">
-              <a:buNone/>
-              <a:defRPr sz="1000"/>
+            <a:lvl6pPr marL="1714500" indent="0">
+              <a:buNone/>
+              <a:defRPr sz="750"/>
             </a:lvl6pPr>
-            <a:lvl7pPr marL="2743200" indent="0">
-              <a:buNone/>
-              <a:defRPr sz="1000"/>
+            <a:lvl7pPr marL="2057400" indent="0">
+              <a:buNone/>
+              <a:defRPr sz="750"/>
             </a:lvl7pPr>
-            <a:lvl8pPr marL="3200400" indent="0">
-              <a:buNone/>
-              <a:defRPr sz="1000"/>
+            <a:lvl8pPr marL="2400300" indent="0">
+              <a:buNone/>
+              <a:defRPr sz="750"/>
             </a:lvl8pPr>
-            <a:lvl9pPr marL="3657600" indent="0">
-              <a:buNone/>
-              <a:defRPr sz="1000"/>
+            <a:lvl9pPr marL="2743200" indent="0">
+              <a:buNone/>
+              <a:defRPr sz="750"/>
             </a:lvl9pPr>
           </a:lstStyle>
           <a:p>
@@ -5609,8 +9069,8 @@
           <a:lstStyle/>
           <a:p>
             <a:fld id="{48A87A34-81AB-432B-8DAE-1953F412C126}" type="datetimeFigureOut">
-              <a:rPr lang="en-US"/>
-              <a:t>1/4/22</a:t>
+              <a:rPr lang="en-US" smtClean="0"/>
+              <a:t>1/5/22</a:t>
             </a:fld>
             <a:endParaRPr lang="en-US" dirty="0"/>
           </a:p>
@@ -5651,7 +9111,7 @@
           <a:lstStyle/>
           <a:p>
             <a:fld id="{6D22F896-40B5-4ADD-8801-0D06FADFA095}" type="slidenum">
-              <a:rPr lang="en-US"/>
+              <a:rPr lang="en-US" smtClean="0"/>
               <a:t>‹#›</a:t>
             </a:fld>
             <a:endParaRPr lang="en-US" dirty="0"/>
@@ -5659,6 +9119,11 @@
         </p:txBody>
       </p:sp>
     </p:spTree>
+    <p:extLst>
+      <p:ext uri="{BB962C8B-B14F-4D97-AF65-F5344CB8AC3E}">
+        <p14:creationId xmlns:p14="http://schemas.microsoft.com/office/powerpoint/2010/main" val="896831723"/>
+      </p:ext>
+    </p:extLst>
   </p:cSld>
   <p:clrMapOvr>
     <a:masterClrMapping/>
@@ -5718,7 +9183,7 @@
         <p:spPr>
           <a:xfrm>
             <a:off x="0" y="0"/>
-            <a:ext cx="12192000" cy="6858000"/>
+            <a:ext cx="9144000" cy="5143500"/>
           </a:xfrm>
           <a:prstGeom prst="rect">
             <a:avLst/>
@@ -5737,15 +9202,15 @@
         </p:nvSpPr>
         <p:spPr>
           <a:xfrm>
-            <a:off x="913774" y="609600"/>
-            <a:ext cx="5934969" cy="2023254"/>
+            <a:off x="685331" y="457200"/>
+            <a:ext cx="4451227" cy="1517441"/>
           </a:xfrm>
         </p:spPr>
         <p:txBody>
           <a:bodyPr anchor="b"/>
           <a:lstStyle>
             <a:lvl1pPr algn="ctr">
-              <a:defRPr sz="3200"/>
+              <a:defRPr sz="2400"/>
             </a:lvl1pPr>
           </a:lstStyle>
           <a:p>
@@ -5769,8 +9234,8 @@
         </p:nvSpPr>
         <p:spPr>
           <a:xfrm>
-            <a:off x="7424803" y="609601"/>
-            <a:ext cx="3255358" cy="5181600"/>
+            <a:off x="5568602" y="457201"/>
+            <a:ext cx="2441519" cy="3886200"/>
           </a:xfrm>
           <a:prstGeom prst="roundRect">
             <a:avLst>
@@ -5803,44 +9268,44 @@
           <a:lstStyle>
             <a:lvl1pPr marL="0" indent="0">
               <a:buNone/>
-              <a:defRPr sz="3200"/>
+              <a:defRPr sz="2400"/>
             </a:lvl1pPr>
-            <a:lvl2pPr marL="457200" indent="0">
-              <a:buNone/>
-              <a:defRPr sz="2800"/>
+            <a:lvl2pPr marL="342900" indent="0">
+              <a:buNone/>
+              <a:defRPr sz="2100"/>
             </a:lvl2pPr>
-            <a:lvl3pPr marL="914400" indent="0">
-              <a:buNone/>
-              <a:defRPr sz="2400"/>
+            <a:lvl3pPr marL="685800" indent="0">
+              <a:buNone/>
+              <a:defRPr sz="1800"/>
             </a:lvl3pPr>
-            <a:lvl4pPr marL="1371600" indent="0">
-              <a:buNone/>
-              <a:defRPr sz="2000"/>
+            <a:lvl4pPr marL="1028700" indent="0">
+              <a:buNone/>
+              <a:defRPr sz="1500"/>
             </a:lvl4pPr>
-            <a:lvl5pPr marL="1828800" indent="0">
-              <a:buNone/>
-              <a:defRPr sz="2000"/>
+            <a:lvl5pPr marL="1371600" indent="0">
+              <a:buNone/>
+              <a:defRPr sz="1500"/>
             </a:lvl5pPr>
-            <a:lvl6pPr marL="2286000" indent="0">
-              <a:buNone/>
-              <a:defRPr sz="2000"/>
+            <a:lvl6pPr marL="1714500" indent="0">
+              <a:buNone/>
+              <a:defRPr sz="1500"/>
             </a:lvl6pPr>
-            <a:lvl7pPr marL="2743200" indent="0">
-              <a:buNone/>
-              <a:defRPr sz="2000"/>
+            <a:lvl7pPr marL="2057400" indent="0">
+              <a:buNone/>
+              <a:defRPr sz="1500"/>
             </a:lvl7pPr>
-            <a:lvl8pPr marL="3200400" indent="0">
-              <a:buNone/>
-              <a:defRPr sz="2000"/>
+            <a:lvl8pPr marL="2400300" indent="0">
+              <a:buNone/>
+              <a:defRPr sz="1500"/>
             </a:lvl8pPr>
-            <a:lvl9pPr marL="3657600" indent="0">
-              <a:buNone/>
-              <a:defRPr sz="2000"/>
+            <a:lvl9pPr marL="2743200" indent="0">
+              <a:buNone/>
+              <a:defRPr sz="1500"/>
             </a:lvl9pPr>
           </a:lstStyle>
           <a:p>
             <a:r>
-              <a:rPr lang="en-GB" dirty="0"/>
+              <a:rPr lang="en-GB"/>
               <a:t>Click icon to add picture</a:t>
             </a:r>
             <a:endParaRPr lang="en-US" dirty="0"/>
@@ -5859,8 +9324,8 @@
         </p:nvSpPr>
         <p:spPr>
           <a:xfrm>
-            <a:off x="913794" y="2632852"/>
-            <a:ext cx="5934949" cy="3158347"/>
+            <a:off x="685346" y="1974639"/>
+            <a:ext cx="4451212" cy="2368760"/>
           </a:xfrm>
         </p:spPr>
         <p:txBody>
@@ -5868,39 +9333,39 @@
           <a:lstStyle>
             <a:lvl1pPr marL="0" indent="0" algn="ctr">
               <a:buNone/>
-              <a:defRPr sz="1600"/>
+              <a:defRPr sz="1200"/>
             </a:lvl1pPr>
-            <a:lvl2pPr marL="457200" indent="0">
-              <a:buNone/>
-              <a:defRPr sz="1400"/>
+            <a:lvl2pPr marL="342900" indent="0">
+              <a:buNone/>
+              <a:defRPr sz="1050"/>
             </a:lvl2pPr>
-            <a:lvl3pPr marL="914400" indent="0">
-              <a:buNone/>
-              <a:defRPr sz="1200"/>
+            <a:lvl3pPr marL="685800" indent="0">
+              <a:buNone/>
+              <a:defRPr sz="900"/>
             </a:lvl3pPr>
-            <a:lvl4pPr marL="1371600" indent="0">
-              <a:buNone/>
-              <a:defRPr sz="1000"/>
+            <a:lvl4pPr marL="1028700" indent="0">
+              <a:buNone/>
+              <a:defRPr sz="750"/>
             </a:lvl4pPr>
-            <a:lvl5pPr marL="1828800" indent="0">
-              <a:buNone/>
-              <a:defRPr sz="1000"/>
+            <a:lvl5pPr marL="1371600" indent="0">
+              <a:buNone/>
+              <a:defRPr sz="750"/>
             </a:lvl5pPr>
-            <a:lvl6pPr marL="2286000" indent="0">
-              <a:buNone/>
-              <a:defRPr sz="1000"/>
+            <a:lvl6pPr marL="1714500" indent="0">
+              <a:buNone/>
+              <a:defRPr sz="750"/>
             </a:lvl6pPr>
-            <a:lvl7pPr marL="2743200" indent="0">
-              <a:buNone/>
-              <a:defRPr sz="1000"/>
+            <a:lvl7pPr marL="2057400" indent="0">
+              <a:buNone/>
+              <a:defRPr sz="750"/>
             </a:lvl7pPr>
-            <a:lvl8pPr marL="3200400" indent="0">
-              <a:buNone/>
-              <a:defRPr sz="1000"/>
+            <a:lvl8pPr marL="2400300" indent="0">
+              <a:buNone/>
+              <a:defRPr sz="750"/>
             </a:lvl8pPr>
-            <a:lvl9pPr marL="3657600" indent="0">
-              <a:buNone/>
-              <a:defRPr sz="1000"/>
+            <a:lvl9pPr marL="2743200" indent="0">
+              <a:buNone/>
+              <a:defRPr sz="750"/>
             </a:lvl9pPr>
           </a:lstStyle>
           <a:p>
@@ -5928,8 +9393,8 @@
           <a:lstStyle/>
           <a:p>
             <a:fld id="{48A87A34-81AB-432B-8DAE-1953F412C126}" type="datetimeFigureOut">
-              <a:rPr lang="en-US"/>
-              <a:t>1/4/22</a:t>
+              <a:rPr lang="en-US" smtClean="0"/>
+              <a:t>1/5/22</a:t>
             </a:fld>
             <a:endParaRPr lang="en-US" dirty="0"/>
           </a:p>
@@ -5970,7 +9435,7 @@
           <a:lstStyle/>
           <a:p>
             <a:fld id="{6D22F896-40B5-4ADD-8801-0D06FADFA095}" type="slidenum">
-              <a:rPr lang="en-US"/>
+              <a:rPr lang="en-US" smtClean="0"/>
               <a:t>‹#›</a:t>
             </a:fld>
             <a:endParaRPr lang="en-US" dirty="0"/>
@@ -5978,6 +9443,11 @@
         </p:txBody>
       </p:sp>
     </p:spTree>
+    <p:extLst>
+      <p:ext uri="{BB962C8B-B14F-4D97-AF65-F5344CB8AC3E}">
+        <p14:creationId xmlns:p14="http://schemas.microsoft.com/office/powerpoint/2010/main" val="441375645"/>
+      </p:ext>
+    </p:extLst>
   </p:cSld>
   <p:clrMapOvr>
     <a:masterClrMapping/>
@@ -6043,8 +9513,8 @@
         </p:blipFill>
         <p:spPr bwMode="auto">
           <a:xfrm>
-            <a:off x="0" y="-1"/>
-            <a:ext cx="12192003" cy="6858001"/>
+            <a:off x="1" y="-1"/>
+            <a:ext cx="9144002" cy="5143501"/>
           </a:xfrm>
           <a:prstGeom prst="rect">
             <a:avLst/>
@@ -6073,8 +9543,8 @@
         </p:nvSpPr>
         <p:spPr>
           <a:xfrm>
-            <a:off x="913775" y="618517"/>
-            <a:ext cx="10364451" cy="1596177"/>
+            <a:off x="685332" y="463888"/>
+            <a:ext cx="7773338" cy="1197133"/>
           </a:xfrm>
           <a:prstGeom prst="rect">
             <a:avLst/>
@@ -6106,8 +9576,8 @@
         </p:nvSpPr>
         <p:spPr>
           <a:xfrm>
-            <a:off x="913775" y="2367093"/>
-            <a:ext cx="10364452" cy="3424107"/>
+            <a:off x="685331" y="1775320"/>
+            <a:ext cx="7773339" cy="2568080"/>
           </a:xfrm>
           <a:prstGeom prst="rect">
             <a:avLst/>
@@ -6168,8 +9638,8 @@
         </p:nvSpPr>
         <p:spPr>
           <a:xfrm>
-            <a:off x="7678737" y="5883275"/>
-            <a:ext cx="2743200" cy="365125"/>
+            <a:off x="5759053" y="4412457"/>
+            <a:ext cx="2057400" cy="273844"/>
           </a:xfrm>
           <a:prstGeom prst="rect">
             <a:avLst/>
@@ -6179,7 +9649,7 @@
           <a:bodyPr vert="horz" lIns="91440" tIns="45720" rIns="91440" bIns="45720" rtlCol="0" anchor="ctr"/>
           <a:lstStyle>
             <a:lvl1pPr algn="r">
-              <a:defRPr sz="1000">
+              <a:defRPr sz="750">
                 <a:solidFill>
                   <a:schemeClr val="tx1"/>
                 </a:solidFill>
@@ -6188,9 +9658,9 @@
           </a:lstStyle>
           <a:p>
             <a:fld id="{48A87A34-81AB-432B-8DAE-1953F412C126}" type="datetimeFigureOut">
-              <a:rPr lang="en-US"/>
+              <a:rPr lang="en-US" smtClean="0"/>
               <a:pPr/>
-              <a:t>1/4/22</a:t>
+              <a:t>1/5/22</a:t>
             </a:fld>
             <a:endParaRPr lang="en-US" dirty="0"/>
           </a:p>
@@ -6208,8 +9678,8 @@
         </p:nvSpPr>
         <p:spPr>
           <a:xfrm>
-            <a:off x="913774" y="5883275"/>
-            <a:ext cx="6672887" cy="365125"/>
+            <a:off x="685331" y="4412457"/>
+            <a:ext cx="5004665" cy="273844"/>
           </a:xfrm>
           <a:prstGeom prst="rect">
             <a:avLst/>
@@ -6219,7 +9689,7 @@
           <a:bodyPr vert="horz" lIns="91440" tIns="45720" rIns="91440" bIns="45720" rtlCol="0" anchor="ctr"/>
           <a:lstStyle>
             <a:lvl1pPr algn="l">
-              <a:defRPr sz="1000">
+              <a:defRPr sz="750">
                 <a:solidFill>
                   <a:schemeClr val="tx1"/>
                 </a:solidFill>
@@ -6243,8 +9713,8 @@
         </p:nvSpPr>
         <p:spPr>
           <a:xfrm>
-            <a:off x="10514011" y="5883275"/>
-            <a:ext cx="764215" cy="365125"/>
+            <a:off x="7885509" y="4412457"/>
+            <a:ext cx="573161" cy="273844"/>
           </a:xfrm>
           <a:prstGeom prst="rect">
             <a:avLst/>
@@ -6254,7 +9724,7 @@
           <a:bodyPr vert="horz" lIns="91440" tIns="45720" rIns="91440" bIns="45720" rtlCol="0" anchor="ctr"/>
           <a:lstStyle>
             <a:lvl1pPr algn="r">
-              <a:defRPr sz="1000">
+              <a:defRPr sz="750">
                 <a:solidFill>
                   <a:schemeClr val="tx1"/>
                 </a:solidFill>
@@ -6263,7 +9733,7 @@
           </a:lstStyle>
           <a:p>
             <a:fld id="{6D22F896-40B5-4ADD-8801-0D06FADFA095}" type="slidenum">
-              <a:rPr lang="en-US"/>
+              <a:rPr lang="en-US" smtClean="0"/>
               <a:pPr/>
               <a:t>‹#›</a:t>
             </a:fld>
@@ -6272,26 +9742,31 @@
         </p:txBody>
       </p:sp>
     </p:spTree>
+    <p:extLst>
+      <p:ext uri="{BB962C8B-B14F-4D97-AF65-F5344CB8AC3E}">
+        <p14:creationId xmlns:p14="http://schemas.microsoft.com/office/powerpoint/2010/main" val="3317113297"/>
+      </p:ext>
+    </p:extLst>
   </p:cSld>
   <p:clrMap bg1="lt1" tx1="dk1" bg2="lt2" tx2="dk2" accent1="accent1" accent2="accent2" accent3="accent3" accent4="accent4" accent5="accent5" accent6="accent6" hlink="hlink" folHlink="folHlink"/>
   <p:sldLayoutIdLst>
-    <p:sldLayoutId id="2147483649" r:id="rId1"/>
-    <p:sldLayoutId id="2147483650" r:id="rId2"/>
-    <p:sldLayoutId id="2147483651" r:id="rId3"/>
-    <p:sldLayoutId id="2147483652" r:id="rId4"/>
-    <p:sldLayoutId id="2147483653" r:id="rId5"/>
-    <p:sldLayoutId id="2147483654" r:id="rId6"/>
-    <p:sldLayoutId id="2147483655" r:id="rId7"/>
-    <p:sldLayoutId id="2147483656" r:id="rId8"/>
-    <p:sldLayoutId id="2147483657" r:id="rId9"/>
-    <p:sldLayoutId id="2147483660" r:id="rId10"/>
-    <p:sldLayoutId id="2147483661" r:id="rId11"/>
-    <p:sldLayoutId id="2147483666" r:id="rId12"/>
-    <p:sldLayoutId id="2147483663" r:id="rId13"/>
-    <p:sldLayoutId id="2147483667" r:id="rId14"/>
-    <p:sldLayoutId id="2147483668" r:id="rId15"/>
-    <p:sldLayoutId id="2147483658" r:id="rId16"/>
-    <p:sldLayoutId id="2147483659" r:id="rId17"/>
+    <p:sldLayoutId id="2147483670" r:id="rId1"/>
+    <p:sldLayoutId id="2147483671" r:id="rId2"/>
+    <p:sldLayoutId id="2147483672" r:id="rId3"/>
+    <p:sldLayoutId id="2147483673" r:id="rId4"/>
+    <p:sldLayoutId id="2147483674" r:id="rId5"/>
+    <p:sldLayoutId id="2147483675" r:id="rId6"/>
+    <p:sldLayoutId id="2147483676" r:id="rId7"/>
+    <p:sldLayoutId id="2147483677" r:id="rId8"/>
+    <p:sldLayoutId id="2147483678" r:id="rId9"/>
+    <p:sldLayoutId id="2147483679" r:id="rId10"/>
+    <p:sldLayoutId id="2147483680" r:id="rId11"/>
+    <p:sldLayoutId id="2147483681" r:id="rId12"/>
+    <p:sldLayoutId id="2147483682" r:id="rId13"/>
+    <p:sldLayoutId id="2147483683" r:id="rId14"/>
+    <p:sldLayoutId id="2147483684" r:id="rId15"/>
+    <p:sldLayoutId id="2147483685" r:id="rId16"/>
+    <p:sldLayoutId id="2147483686" r:id="rId17"/>
   </p:sldLayoutIdLst>
   <mc:AlternateContent xmlns:mc="http://schemas.openxmlformats.org/markup-compatibility/2006" xmlns:p14="http://schemas.microsoft.com/office/powerpoint/2010/main">
     <mc:Choice Requires="p14">
@@ -6307,7 +9782,7 @@
   </mc:AlternateContent>
   <p:txStyles>
     <p:titleStyle>
-      <a:lvl1pPr algn="ctr" defTabSz="914400" rtl="0" eaLnBrk="1" latinLnBrk="0" hangingPunct="1">
+      <a:lvl1pPr algn="ctr" defTabSz="685800" rtl="0" eaLnBrk="1" latinLnBrk="0" hangingPunct="1">
         <a:lnSpc>
           <a:spcPct val="90000"/>
         </a:lnSpc>
@@ -6315,7 +9790,7 @@
           <a:spcPct val="0"/>
         </a:spcBef>
         <a:buNone/>
-        <a:defRPr sz="3600" kern="1200" cap="all" baseline="0">
+        <a:defRPr sz="2700" kern="1200" cap="all" baseline="0">
           <a:solidFill>
             <a:schemeClr val="tx1"/>
           </a:solidFill>
@@ -6327,19 +9802,19 @@
       </a:lvl1pPr>
     </p:titleStyle>
     <p:bodyStyle>
-      <a:lvl1pPr marL="228600" indent="-228600" algn="l" defTabSz="914400" rtl="0" eaLnBrk="1" latinLnBrk="0" hangingPunct="1">
+      <a:lvl1pPr marL="171450" indent="-171450" algn="l" defTabSz="685800" rtl="0" eaLnBrk="1" latinLnBrk="0" hangingPunct="1">
         <a:lnSpc>
           <a:spcPct val="120000"/>
         </a:lnSpc>
         <a:spcBef>
-          <a:spcPts val="1000"/>
+          <a:spcPts val="750"/>
         </a:spcBef>
         <a:buClr>
           <a:schemeClr val="tx1"/>
         </a:buClr>
         <a:buFont typeface="Arial" panose="020B0604020202020204" pitchFamily="34" charset="0"/>
         <a:buChar char="•"/>
-        <a:defRPr sz="2000" kern="1200" cap="all" baseline="0">
+        <a:defRPr sz="1500" kern="1200" cap="all" baseline="0">
           <a:solidFill>
             <a:schemeClr val="tx1"/>
           </a:solidFill>
@@ -6349,19 +9824,19 @@
           <a:cs typeface="+mn-cs"/>
         </a:defRPr>
       </a:lvl1pPr>
-      <a:lvl2pPr marL="685800" indent="-228600" algn="l" defTabSz="914400" rtl="0" eaLnBrk="1" latinLnBrk="0" hangingPunct="1">
+      <a:lvl2pPr marL="514350" indent="-171450" algn="l" defTabSz="685800" rtl="0" eaLnBrk="1" latinLnBrk="0" hangingPunct="1">
         <a:lnSpc>
           <a:spcPct val="120000"/>
         </a:lnSpc>
         <a:spcBef>
-          <a:spcPts val="500"/>
+          <a:spcPts val="375"/>
         </a:spcBef>
         <a:buClr>
           <a:schemeClr val="tx1"/>
         </a:buClr>
         <a:buFont typeface="Arial" panose="020B0604020202020204" pitchFamily="34" charset="0"/>
         <a:buChar char="•"/>
-        <a:defRPr sz="1800" kern="1200" cap="all" baseline="0">
+        <a:defRPr sz="1350" kern="1200" cap="all" baseline="0">
           <a:solidFill>
             <a:schemeClr val="tx1"/>
           </a:solidFill>
@@ -6371,19 +9846,19 @@
           <a:cs typeface="+mn-cs"/>
         </a:defRPr>
       </a:lvl2pPr>
-      <a:lvl3pPr marL="1143000" indent="-228600" algn="l" defTabSz="914400" rtl="0" eaLnBrk="1" latinLnBrk="0" hangingPunct="1">
+      <a:lvl3pPr marL="857250" indent="-171450" algn="l" defTabSz="685800" rtl="0" eaLnBrk="1" latinLnBrk="0" hangingPunct="1">
         <a:lnSpc>
           <a:spcPct val="120000"/>
         </a:lnSpc>
         <a:spcBef>
-          <a:spcPts val="500"/>
+          <a:spcPts val="375"/>
         </a:spcBef>
         <a:buClr>
           <a:schemeClr val="tx1"/>
         </a:buClr>
         <a:buFont typeface="Arial" panose="020B0604020202020204" pitchFamily="34" charset="0"/>
         <a:buChar char="•"/>
-        <a:defRPr sz="1600" kern="1200" cap="all" baseline="0">
+        <a:defRPr sz="1200" kern="1200" cap="all" baseline="0">
           <a:solidFill>
             <a:schemeClr val="tx1"/>
           </a:solidFill>
@@ -6393,19 +9868,19 @@
           <a:cs typeface="+mn-cs"/>
         </a:defRPr>
       </a:lvl3pPr>
-      <a:lvl4pPr marL="1600200" indent="-228600" algn="l" defTabSz="914400" rtl="0" eaLnBrk="1" latinLnBrk="0" hangingPunct="1">
+      <a:lvl4pPr marL="1200150" indent="-171450" algn="l" defTabSz="685800" rtl="0" eaLnBrk="1" latinLnBrk="0" hangingPunct="1">
         <a:lnSpc>
           <a:spcPct val="120000"/>
         </a:lnSpc>
         <a:spcBef>
-          <a:spcPts val="500"/>
+          <a:spcPts val="375"/>
         </a:spcBef>
         <a:buClr>
           <a:schemeClr val="tx1"/>
         </a:buClr>
         <a:buFont typeface="Arial" panose="020B0604020202020204" pitchFamily="34" charset="0"/>
         <a:buChar char="•"/>
-        <a:defRPr sz="1400" kern="1200" cap="all" baseline="0">
+        <a:defRPr sz="1050" kern="1200" cap="all" baseline="0">
           <a:solidFill>
             <a:schemeClr val="tx1"/>
           </a:solidFill>
@@ -6415,19 +9890,19 @@
           <a:cs typeface="+mn-cs"/>
         </a:defRPr>
       </a:lvl4pPr>
-      <a:lvl5pPr marL="2057400" indent="-228600" algn="l" defTabSz="914400" rtl="0" eaLnBrk="1" latinLnBrk="0" hangingPunct="1">
+      <a:lvl5pPr marL="1543050" indent="-171450" algn="l" defTabSz="685800" rtl="0" eaLnBrk="1" latinLnBrk="0" hangingPunct="1">
         <a:lnSpc>
           <a:spcPct val="120000"/>
         </a:lnSpc>
         <a:spcBef>
-          <a:spcPts val="500"/>
+          <a:spcPts val="375"/>
         </a:spcBef>
         <a:buClr>
           <a:schemeClr val="tx1"/>
         </a:buClr>
         <a:buFont typeface="Arial" panose="020B0604020202020204" pitchFamily="34" charset="0"/>
         <a:buChar char="•"/>
-        <a:defRPr sz="1400" kern="1200" cap="all" baseline="0">
+        <a:defRPr sz="1050" kern="1200" cap="all" baseline="0">
           <a:solidFill>
             <a:schemeClr val="tx1"/>
           </a:solidFill>
@@ -6437,19 +9912,19 @@
           <a:cs typeface="+mn-cs"/>
         </a:defRPr>
       </a:lvl5pPr>
-      <a:lvl6pPr marL="2514600" indent="-228600" algn="l" defTabSz="914400" rtl="0" eaLnBrk="1" latinLnBrk="0" hangingPunct="1">
+      <a:lvl6pPr marL="1885950" indent="-171450" algn="l" defTabSz="685800" rtl="0" eaLnBrk="1" latinLnBrk="0" hangingPunct="1">
         <a:lnSpc>
           <a:spcPct val="120000"/>
         </a:lnSpc>
         <a:spcBef>
-          <a:spcPts val="500"/>
+          <a:spcPts val="375"/>
         </a:spcBef>
         <a:buClr>
           <a:schemeClr val="tx1"/>
         </a:buClr>
         <a:buFont typeface="Arial" panose="020B0604020202020204" pitchFamily="34" charset="0"/>
         <a:buChar char="•"/>
-        <a:defRPr sz="1400" kern="1200" cap="all" baseline="0">
+        <a:defRPr sz="1050" kern="1200" cap="all" baseline="0">
           <a:solidFill>
             <a:schemeClr val="tx1"/>
           </a:solidFill>
@@ -6459,19 +9934,19 @@
           <a:cs typeface="+mn-cs"/>
         </a:defRPr>
       </a:lvl6pPr>
-      <a:lvl7pPr marL="2971800" indent="-228600" algn="l" defTabSz="914400" rtl="0" eaLnBrk="1" latinLnBrk="0" hangingPunct="1">
+      <a:lvl7pPr marL="2228850" indent="-171450" algn="l" defTabSz="685800" rtl="0" eaLnBrk="1" latinLnBrk="0" hangingPunct="1">
         <a:lnSpc>
           <a:spcPct val="120000"/>
         </a:lnSpc>
         <a:spcBef>
-          <a:spcPts val="500"/>
+          <a:spcPts val="375"/>
         </a:spcBef>
         <a:buClr>
           <a:schemeClr val="tx1"/>
         </a:buClr>
         <a:buFont typeface="Arial" panose="020B0604020202020204" pitchFamily="34" charset="0"/>
         <a:buChar char="•"/>
-        <a:defRPr sz="1400" kern="1200" cap="all" baseline="0">
+        <a:defRPr sz="1050" kern="1200" cap="all" baseline="0">
           <a:solidFill>
             <a:schemeClr val="tx1"/>
           </a:solidFill>
@@ -6481,19 +9956,19 @@
           <a:cs typeface="+mn-cs"/>
         </a:defRPr>
       </a:lvl7pPr>
-      <a:lvl8pPr marL="3429000" indent="-228600" algn="l" defTabSz="914400" rtl="0" eaLnBrk="1" latinLnBrk="0" hangingPunct="1">
+      <a:lvl8pPr marL="2571750" indent="-171450" algn="l" defTabSz="685800" rtl="0" eaLnBrk="1" latinLnBrk="0" hangingPunct="1">
         <a:lnSpc>
           <a:spcPct val="120000"/>
         </a:lnSpc>
         <a:spcBef>
-          <a:spcPts val="500"/>
+          <a:spcPts val="375"/>
         </a:spcBef>
         <a:buClr>
           <a:schemeClr val="tx1"/>
         </a:buClr>
         <a:buFont typeface="Arial" panose="020B0604020202020204" pitchFamily="34" charset="0"/>
         <a:buChar char="•"/>
-        <a:defRPr sz="1400" kern="1200" cap="all" baseline="0">
+        <a:defRPr sz="1050" kern="1200" cap="all" baseline="0">
           <a:solidFill>
             <a:schemeClr val="tx1"/>
           </a:solidFill>
@@ -6503,19 +9978,19 @@
           <a:cs typeface="+mn-cs"/>
         </a:defRPr>
       </a:lvl8pPr>
-      <a:lvl9pPr marL="3886200" indent="-228600" algn="l" defTabSz="914400" rtl="0" eaLnBrk="1" latinLnBrk="0" hangingPunct="1">
+      <a:lvl9pPr marL="2914650" indent="-171450" algn="l" defTabSz="685800" rtl="0" eaLnBrk="1" latinLnBrk="0" hangingPunct="1">
         <a:lnSpc>
           <a:spcPct val="120000"/>
         </a:lnSpc>
         <a:spcBef>
-          <a:spcPts val="500"/>
+          <a:spcPts val="375"/>
         </a:spcBef>
         <a:buClr>
           <a:schemeClr val="tx1"/>
         </a:buClr>
         <a:buFont typeface="Arial" panose="020B0604020202020204" pitchFamily="34" charset="0"/>
         <a:buChar char="•"/>
-        <a:defRPr sz="1400" kern="1200" cap="all" baseline="0">
+        <a:defRPr sz="1050" kern="1200" cap="all" baseline="0">
           <a:solidFill>
             <a:schemeClr val="tx1"/>
           </a:solidFill>
@@ -6530,8 +10005,8 @@
       <a:defPPr>
         <a:defRPr lang="en-US"/>
       </a:defPPr>
-      <a:lvl1pPr marL="0" algn="l" defTabSz="914400" rtl="0" eaLnBrk="1" latinLnBrk="0" hangingPunct="1">
-        <a:defRPr sz="1800" kern="1200">
+      <a:lvl1pPr marL="0" algn="l" defTabSz="685800" rtl="0" eaLnBrk="1" latinLnBrk="0" hangingPunct="1">
+        <a:defRPr sz="1350" kern="1200">
           <a:solidFill>
             <a:schemeClr val="tx1"/>
           </a:solidFill>
@@ -6540,8 +10015,8 @@
           <a:cs typeface="+mn-cs"/>
         </a:defRPr>
       </a:lvl1pPr>
-      <a:lvl2pPr marL="457200" algn="l" defTabSz="914400" rtl="0" eaLnBrk="1" latinLnBrk="0" hangingPunct="1">
-        <a:defRPr sz="1800" kern="1200">
+      <a:lvl2pPr marL="342900" algn="l" defTabSz="685800" rtl="0" eaLnBrk="1" latinLnBrk="0" hangingPunct="1">
+        <a:defRPr sz="1350" kern="1200">
           <a:solidFill>
             <a:schemeClr val="tx1"/>
           </a:solidFill>
@@ -6550,8 +10025,8 @@
           <a:cs typeface="+mn-cs"/>
         </a:defRPr>
       </a:lvl2pPr>
-      <a:lvl3pPr marL="914400" algn="l" defTabSz="914400" rtl="0" eaLnBrk="1" latinLnBrk="0" hangingPunct="1">
-        <a:defRPr sz="1800" kern="1200">
+      <a:lvl3pPr marL="685800" algn="l" defTabSz="685800" rtl="0" eaLnBrk="1" latinLnBrk="0" hangingPunct="1">
+        <a:defRPr sz="1350" kern="1200">
           <a:solidFill>
             <a:schemeClr val="tx1"/>
           </a:solidFill>
@@ -6560,8 +10035,8 @@
           <a:cs typeface="+mn-cs"/>
         </a:defRPr>
       </a:lvl3pPr>
-      <a:lvl4pPr marL="1371600" algn="l" defTabSz="914400" rtl="0" eaLnBrk="1" latinLnBrk="0" hangingPunct="1">
-        <a:defRPr sz="1800" kern="1200">
+      <a:lvl4pPr marL="1028700" algn="l" defTabSz="685800" rtl="0" eaLnBrk="1" latinLnBrk="0" hangingPunct="1">
+        <a:defRPr sz="1350" kern="1200">
           <a:solidFill>
             <a:schemeClr val="tx1"/>
           </a:solidFill>
@@ -6570,8 +10045,8 @@
           <a:cs typeface="+mn-cs"/>
         </a:defRPr>
       </a:lvl4pPr>
-      <a:lvl5pPr marL="1828800" algn="l" defTabSz="914400" rtl="0" eaLnBrk="1" latinLnBrk="0" hangingPunct="1">
-        <a:defRPr sz="1800" kern="1200">
+      <a:lvl5pPr marL="1371600" algn="l" defTabSz="685800" rtl="0" eaLnBrk="1" latinLnBrk="0" hangingPunct="1">
+        <a:defRPr sz="1350" kern="1200">
           <a:solidFill>
             <a:schemeClr val="tx1"/>
           </a:solidFill>
@@ -6580,8 +10055,8 @@
           <a:cs typeface="+mn-cs"/>
         </a:defRPr>
       </a:lvl5pPr>
-      <a:lvl6pPr marL="2286000" algn="l" defTabSz="914400" rtl="0" eaLnBrk="1" latinLnBrk="0" hangingPunct="1">
-        <a:defRPr sz="1800" kern="1200">
+      <a:lvl6pPr marL="1714500" algn="l" defTabSz="685800" rtl="0" eaLnBrk="1" latinLnBrk="0" hangingPunct="1">
+        <a:defRPr sz="1350" kern="1200">
           <a:solidFill>
             <a:schemeClr val="tx1"/>
           </a:solidFill>
@@ -6590,8 +10065,8 @@
           <a:cs typeface="+mn-cs"/>
         </a:defRPr>
       </a:lvl6pPr>
-      <a:lvl7pPr marL="2743200" algn="l" defTabSz="914400" rtl="0" eaLnBrk="1" latinLnBrk="0" hangingPunct="1">
-        <a:defRPr sz="1800" kern="1200">
+      <a:lvl7pPr marL="2057400" algn="l" defTabSz="685800" rtl="0" eaLnBrk="1" latinLnBrk="0" hangingPunct="1">
+        <a:defRPr sz="1350" kern="1200">
           <a:solidFill>
             <a:schemeClr val="tx1"/>
           </a:solidFill>
@@ -6600,8 +10075,8 @@
           <a:cs typeface="+mn-cs"/>
         </a:defRPr>
       </a:lvl7pPr>
-      <a:lvl8pPr marL="3200400" algn="l" defTabSz="914400" rtl="0" eaLnBrk="1" latinLnBrk="0" hangingPunct="1">
-        <a:defRPr sz="1800" kern="1200">
+      <a:lvl8pPr marL="2400300" algn="l" defTabSz="685800" rtl="0" eaLnBrk="1" latinLnBrk="0" hangingPunct="1">
+        <a:defRPr sz="1350" kern="1200">
           <a:solidFill>
             <a:schemeClr val="tx1"/>
           </a:solidFill>
@@ -6610,8 +10085,8 @@
           <a:cs typeface="+mn-cs"/>
         </a:defRPr>
       </a:lvl8pPr>
-      <a:lvl9pPr marL="3657600" algn="l" defTabSz="914400" rtl="0" eaLnBrk="1" latinLnBrk="0" hangingPunct="1">
-        <a:defRPr sz="1800" kern="1200">
+      <a:lvl9pPr marL="2743200" algn="l" defTabSz="685800" rtl="0" eaLnBrk="1" latinLnBrk="0" hangingPunct="1">
+        <a:defRPr sz="1350" kern="1200">
           <a:solidFill>
             <a:schemeClr val="tx1"/>
           </a:solidFill>
@@ -6727,8 +10202,8 @@
         </p:nvSpPr>
         <p:spPr>
           <a:xfrm>
-            <a:off x="43096" y="5946960"/>
-            <a:ext cx="1015022" cy="923330"/>
+            <a:off x="32723" y="4460220"/>
+            <a:ext cx="760466" cy="692497"/>
           </a:xfrm>
           <a:prstGeom prst="rect">
             <a:avLst/>
@@ -6736,23 +10211,20 @@
           <a:noFill/>
         </p:spPr>
         <p:txBody>
-          <a:bodyPr wrap="none" lIns="91440" tIns="45720" rIns="91440" bIns="45720">
+          <a:bodyPr wrap="none" lIns="68580" tIns="34290" rIns="68580" bIns="34290">
             <a:spAutoFit/>
           </a:bodyPr>
           <a:lstStyle/>
           <a:p>
             <a:pPr algn="ctr"/>
             <a:r>
-              <a:rPr lang="en-GB" sz="5400" b="1" cap="none" spc="0" dirty="0">
+              <a:rPr lang="en-GB" sz="4050" b="1" dirty="0">
                 <a:ln w="9525">
                   <a:solidFill>
                     <a:schemeClr val="bg1"/>
                   </a:solidFill>
                   <a:prstDash val="solid"/>
                 </a:ln>
-                <a:solidFill>
-                  <a:schemeClr val="tx1"/>
-                </a:solidFill>
                 <a:effectLst>
                   <a:outerShdw blurRad="12700" dist="38100" dir="2700000" algn="tl" rotWithShape="0">
                     <a:schemeClr val="bg1">
@@ -6791,6 +10263,625 @@
 </p:sld>
 </file>
 
+<file path=ppt/slides/slide10.xml><?xml version="1.0" encoding="utf-8"?>
+<p:sld xmlns:a="http://schemas.openxmlformats.org/drawingml/2006/main" xmlns:r="http://schemas.openxmlformats.org/officeDocument/2006/relationships" xmlns:p="http://schemas.openxmlformats.org/presentationml/2006/main">
+  <p:cSld>
+    <p:spTree>
+      <p:nvGrpSpPr>
+        <p:cNvPr id="1" name=""/>
+        <p:cNvGrpSpPr/>
+        <p:nvPr/>
+      </p:nvGrpSpPr>
+      <p:grpSpPr>
+        <a:xfrm>
+          <a:off x="0" y="0"/>
+          <a:ext cx="0" cy="0"/>
+          <a:chOff x="0" y="0"/>
+          <a:chExt cx="0" cy="0"/>
+        </a:xfrm>
+      </p:grpSpPr>
+      <p:sp>
+        <p:nvSpPr>
+          <p:cNvPr id="2" name="Title 1">
+            <a:extLst>
+              <a:ext uri="{FF2B5EF4-FFF2-40B4-BE49-F238E27FC236}">
+                <a16:creationId xmlns:a16="http://schemas.microsoft.com/office/drawing/2014/main" id="{ABD15FE4-E12E-8C4D-BFD8-FEABFE4AD456}"/>
+              </a:ext>
+            </a:extLst>
+          </p:cNvPr>
+          <p:cNvSpPr>
+            <a:spLocks noGrp="1"/>
+          </p:cNvSpPr>
+          <p:nvPr>
+            <p:ph type="title"/>
+          </p:nvPr>
+        </p:nvSpPr>
+        <p:spPr/>
+        <p:txBody>
+          <a:bodyPr/>
+          <a:lstStyle/>
+          <a:p>
+            <a:r>
+              <a:rPr lang="en-US" dirty="0"/>
+              <a:t>conclusion</a:t>
+            </a:r>
+          </a:p>
+        </p:txBody>
+      </p:sp>
+      <p:sp>
+        <p:nvSpPr>
+          <p:cNvPr id="3" name="Content Placeholder 2">
+            <a:extLst>
+              <a:ext uri="{FF2B5EF4-FFF2-40B4-BE49-F238E27FC236}">
+                <a16:creationId xmlns:a16="http://schemas.microsoft.com/office/drawing/2014/main" id="{AF549E37-1647-064C-9B3A-C6F128153E3C}"/>
+              </a:ext>
+            </a:extLst>
+          </p:cNvPr>
+          <p:cNvSpPr>
+            <a:spLocks noGrp="1"/>
+          </p:cNvSpPr>
+          <p:nvPr>
+            <p:ph sz="quarter" idx="13"/>
+          </p:nvPr>
+        </p:nvSpPr>
+        <p:spPr/>
+        <p:txBody>
+          <a:bodyPr/>
+          <a:lstStyle/>
+          <a:p>
+            <a:r>
+              <a:rPr lang="en-US" dirty="0"/>
+              <a:t>A Simple construct may bear a complex behavior.</a:t>
+            </a:r>
+          </a:p>
+          <a:p>
+            <a:r>
+              <a:rPr lang="en-US" dirty="0"/>
+              <a:t>You are fully accountable for all the code you deliver, be it explicitly or implicitly assumed.</a:t>
+            </a:r>
+          </a:p>
+          <a:p>
+            <a:r>
+              <a:rPr lang="en-US" dirty="0"/>
+              <a:t>Without knowing what is going on in the background you will not able to ship </a:t>
+            </a:r>
+            <a:r>
+              <a:rPr lang="en-US" dirty="0">
+                <a:hlinkClick r:id="rId2"/>
+              </a:rPr>
+              <a:t>dependable</a:t>
+            </a:r>
+            <a:r>
+              <a:rPr lang="en-US" dirty="0"/>
+              <a:t> solutions.</a:t>
+            </a:r>
+          </a:p>
+          <a:p>
+            <a:r>
+              <a:rPr lang="en-US" dirty="0"/>
+              <a:t>Requirements engineering must be the epicenter of all activities. </a:t>
+            </a:r>
+          </a:p>
+        </p:txBody>
+      </p:sp>
+    </p:spTree>
+    <p:extLst>
+      <p:ext uri="{BB962C8B-B14F-4D97-AF65-F5344CB8AC3E}">
+        <p14:creationId xmlns:p14="http://schemas.microsoft.com/office/powerpoint/2010/main" val="761897836"/>
+      </p:ext>
+    </p:extLst>
+  </p:cSld>
+  <p:clrMapOvr>
+    <a:masterClrMapping/>
+  </p:clrMapOvr>
+  <mc:AlternateContent xmlns:mc="http://schemas.openxmlformats.org/markup-compatibility/2006" xmlns:p14="http://schemas.microsoft.com/office/powerpoint/2010/main">
+    <mc:Choice Requires="p14">
+      <p:transition spd="slow" p14:dur="1600">
+        <p14:conveyor dir="l"/>
+      </p:transition>
+    </mc:Choice>
+    <mc:Fallback xmlns="">
+      <p:transition spd="slow">
+        <p:fade/>
+      </p:transition>
+    </mc:Fallback>
+  </mc:AlternateContent>
+  <p:timing>
+    <p:tnLst>
+      <p:par>
+        <p:cTn id="1" dur="indefinite" restart="never" nodeType="tmRoot">
+          <p:childTnLst>
+            <p:seq concurrent="1" nextAc="seek">
+              <p:cTn id="2" dur="indefinite" nodeType="mainSeq">
+                <p:childTnLst>
+                  <p:par>
+                    <p:cTn id="3" fill="hold">
+                      <p:stCondLst>
+                        <p:cond delay="indefinite"/>
+                      </p:stCondLst>
+                      <p:childTnLst>
+                        <p:par>
+                          <p:cTn id="4" fill="hold">
+                            <p:stCondLst>
+                              <p:cond delay="0"/>
+                            </p:stCondLst>
+                            <p:childTnLst>
+                              <p:par>
+                                <p:cTn id="5" presetID="53" presetClass="entr" presetSubtype="16" fill="hold" grpId="0" nodeType="clickEffect">
+                                  <p:stCondLst>
+                                    <p:cond delay="0"/>
+                                  </p:stCondLst>
+                                  <p:childTnLst>
+                                    <p:set>
+                                      <p:cBhvr>
+                                        <p:cTn id="6" dur="1" fill="hold">
+                                          <p:stCondLst>
+                                            <p:cond delay="0"/>
+                                          </p:stCondLst>
+                                        </p:cTn>
+                                        <p:tgtEl>
+                                          <p:spTgt spid="3">
+                                            <p:txEl>
+                                              <p:pRg st="0" end="0"/>
+                                            </p:txEl>
+                                          </p:spTgt>
+                                        </p:tgtEl>
+                                        <p:attrNameLst>
+                                          <p:attrName>style.visibility</p:attrName>
+                                        </p:attrNameLst>
+                                      </p:cBhvr>
+                                      <p:to>
+                                        <p:strVal val="visible"/>
+                                      </p:to>
+                                    </p:set>
+                                    <p:anim calcmode="lin" valueType="num">
+                                      <p:cBhvr>
+                                        <p:cTn id="7" dur="500" fill="hold"/>
+                                        <p:tgtEl>
+                                          <p:spTgt spid="3">
+                                            <p:txEl>
+                                              <p:pRg st="0" end="0"/>
+                                            </p:txEl>
+                                          </p:spTgt>
+                                        </p:tgtEl>
+                                        <p:attrNameLst>
+                                          <p:attrName>ppt_w</p:attrName>
+                                        </p:attrNameLst>
+                                      </p:cBhvr>
+                                      <p:tavLst>
+                                        <p:tav tm="0">
+                                          <p:val>
+                                            <p:fltVal val="0"/>
+                                          </p:val>
+                                        </p:tav>
+                                        <p:tav tm="100000">
+                                          <p:val>
+                                            <p:strVal val="#ppt_w"/>
+                                          </p:val>
+                                        </p:tav>
+                                      </p:tavLst>
+                                    </p:anim>
+                                    <p:anim calcmode="lin" valueType="num">
+                                      <p:cBhvr>
+                                        <p:cTn id="8" dur="500" fill="hold"/>
+                                        <p:tgtEl>
+                                          <p:spTgt spid="3">
+                                            <p:txEl>
+                                              <p:pRg st="0" end="0"/>
+                                            </p:txEl>
+                                          </p:spTgt>
+                                        </p:tgtEl>
+                                        <p:attrNameLst>
+                                          <p:attrName>ppt_h</p:attrName>
+                                        </p:attrNameLst>
+                                      </p:cBhvr>
+                                      <p:tavLst>
+                                        <p:tav tm="0">
+                                          <p:val>
+                                            <p:fltVal val="0"/>
+                                          </p:val>
+                                        </p:tav>
+                                        <p:tav tm="100000">
+                                          <p:val>
+                                            <p:strVal val="#ppt_h"/>
+                                          </p:val>
+                                        </p:tav>
+                                      </p:tavLst>
+                                    </p:anim>
+                                    <p:animEffect transition="in" filter="fade">
+                                      <p:cBhvr>
+                                        <p:cTn id="9" dur="500"/>
+                                        <p:tgtEl>
+                                          <p:spTgt spid="3">
+                                            <p:txEl>
+                                              <p:pRg st="0" end="0"/>
+                                            </p:txEl>
+                                          </p:spTgt>
+                                        </p:tgtEl>
+                                      </p:cBhvr>
+                                    </p:animEffect>
+                                  </p:childTnLst>
+                                </p:cTn>
+                              </p:par>
+                            </p:childTnLst>
+                          </p:cTn>
+                        </p:par>
+                      </p:childTnLst>
+                    </p:cTn>
+                  </p:par>
+                  <p:par>
+                    <p:cTn id="10" fill="hold">
+                      <p:stCondLst>
+                        <p:cond delay="indefinite"/>
+                      </p:stCondLst>
+                      <p:childTnLst>
+                        <p:par>
+                          <p:cTn id="11" fill="hold">
+                            <p:stCondLst>
+                              <p:cond delay="0"/>
+                            </p:stCondLst>
+                            <p:childTnLst>
+                              <p:par>
+                                <p:cTn id="12" presetID="53" presetClass="entr" presetSubtype="16" fill="hold" grpId="0" nodeType="clickEffect">
+                                  <p:stCondLst>
+                                    <p:cond delay="0"/>
+                                  </p:stCondLst>
+                                  <p:childTnLst>
+                                    <p:set>
+                                      <p:cBhvr>
+                                        <p:cTn id="13" dur="1" fill="hold">
+                                          <p:stCondLst>
+                                            <p:cond delay="0"/>
+                                          </p:stCondLst>
+                                        </p:cTn>
+                                        <p:tgtEl>
+                                          <p:spTgt spid="3">
+                                            <p:txEl>
+                                              <p:pRg st="1" end="1"/>
+                                            </p:txEl>
+                                          </p:spTgt>
+                                        </p:tgtEl>
+                                        <p:attrNameLst>
+                                          <p:attrName>style.visibility</p:attrName>
+                                        </p:attrNameLst>
+                                      </p:cBhvr>
+                                      <p:to>
+                                        <p:strVal val="visible"/>
+                                      </p:to>
+                                    </p:set>
+                                    <p:anim calcmode="lin" valueType="num">
+                                      <p:cBhvr>
+                                        <p:cTn id="14" dur="500" fill="hold"/>
+                                        <p:tgtEl>
+                                          <p:spTgt spid="3">
+                                            <p:txEl>
+                                              <p:pRg st="1" end="1"/>
+                                            </p:txEl>
+                                          </p:spTgt>
+                                        </p:tgtEl>
+                                        <p:attrNameLst>
+                                          <p:attrName>ppt_w</p:attrName>
+                                        </p:attrNameLst>
+                                      </p:cBhvr>
+                                      <p:tavLst>
+                                        <p:tav tm="0">
+                                          <p:val>
+                                            <p:fltVal val="0"/>
+                                          </p:val>
+                                        </p:tav>
+                                        <p:tav tm="100000">
+                                          <p:val>
+                                            <p:strVal val="#ppt_w"/>
+                                          </p:val>
+                                        </p:tav>
+                                      </p:tavLst>
+                                    </p:anim>
+                                    <p:anim calcmode="lin" valueType="num">
+                                      <p:cBhvr>
+                                        <p:cTn id="15" dur="500" fill="hold"/>
+                                        <p:tgtEl>
+                                          <p:spTgt spid="3">
+                                            <p:txEl>
+                                              <p:pRg st="1" end="1"/>
+                                            </p:txEl>
+                                          </p:spTgt>
+                                        </p:tgtEl>
+                                        <p:attrNameLst>
+                                          <p:attrName>ppt_h</p:attrName>
+                                        </p:attrNameLst>
+                                      </p:cBhvr>
+                                      <p:tavLst>
+                                        <p:tav tm="0">
+                                          <p:val>
+                                            <p:fltVal val="0"/>
+                                          </p:val>
+                                        </p:tav>
+                                        <p:tav tm="100000">
+                                          <p:val>
+                                            <p:strVal val="#ppt_h"/>
+                                          </p:val>
+                                        </p:tav>
+                                      </p:tavLst>
+                                    </p:anim>
+                                    <p:animEffect transition="in" filter="fade">
+                                      <p:cBhvr>
+                                        <p:cTn id="16" dur="500"/>
+                                        <p:tgtEl>
+                                          <p:spTgt spid="3">
+                                            <p:txEl>
+                                              <p:pRg st="1" end="1"/>
+                                            </p:txEl>
+                                          </p:spTgt>
+                                        </p:tgtEl>
+                                      </p:cBhvr>
+                                    </p:animEffect>
+                                  </p:childTnLst>
+                                </p:cTn>
+                              </p:par>
+                            </p:childTnLst>
+                          </p:cTn>
+                        </p:par>
+                      </p:childTnLst>
+                    </p:cTn>
+                  </p:par>
+                  <p:par>
+                    <p:cTn id="17" fill="hold">
+                      <p:stCondLst>
+                        <p:cond delay="indefinite"/>
+                      </p:stCondLst>
+                      <p:childTnLst>
+                        <p:par>
+                          <p:cTn id="18" fill="hold">
+                            <p:stCondLst>
+                              <p:cond delay="0"/>
+                            </p:stCondLst>
+                            <p:childTnLst>
+                              <p:par>
+                                <p:cTn id="19" presetID="53" presetClass="entr" presetSubtype="16" fill="hold" grpId="0" nodeType="clickEffect">
+                                  <p:stCondLst>
+                                    <p:cond delay="0"/>
+                                  </p:stCondLst>
+                                  <p:childTnLst>
+                                    <p:set>
+                                      <p:cBhvr>
+                                        <p:cTn id="20" dur="1" fill="hold">
+                                          <p:stCondLst>
+                                            <p:cond delay="0"/>
+                                          </p:stCondLst>
+                                        </p:cTn>
+                                        <p:tgtEl>
+                                          <p:spTgt spid="3">
+                                            <p:txEl>
+                                              <p:pRg st="2" end="2"/>
+                                            </p:txEl>
+                                          </p:spTgt>
+                                        </p:tgtEl>
+                                        <p:attrNameLst>
+                                          <p:attrName>style.visibility</p:attrName>
+                                        </p:attrNameLst>
+                                      </p:cBhvr>
+                                      <p:to>
+                                        <p:strVal val="visible"/>
+                                      </p:to>
+                                    </p:set>
+                                    <p:anim calcmode="lin" valueType="num">
+                                      <p:cBhvr>
+                                        <p:cTn id="21" dur="500" fill="hold"/>
+                                        <p:tgtEl>
+                                          <p:spTgt spid="3">
+                                            <p:txEl>
+                                              <p:pRg st="2" end="2"/>
+                                            </p:txEl>
+                                          </p:spTgt>
+                                        </p:tgtEl>
+                                        <p:attrNameLst>
+                                          <p:attrName>ppt_w</p:attrName>
+                                        </p:attrNameLst>
+                                      </p:cBhvr>
+                                      <p:tavLst>
+                                        <p:tav tm="0">
+                                          <p:val>
+                                            <p:fltVal val="0"/>
+                                          </p:val>
+                                        </p:tav>
+                                        <p:tav tm="100000">
+                                          <p:val>
+                                            <p:strVal val="#ppt_w"/>
+                                          </p:val>
+                                        </p:tav>
+                                      </p:tavLst>
+                                    </p:anim>
+                                    <p:anim calcmode="lin" valueType="num">
+                                      <p:cBhvr>
+                                        <p:cTn id="22" dur="500" fill="hold"/>
+                                        <p:tgtEl>
+                                          <p:spTgt spid="3">
+                                            <p:txEl>
+                                              <p:pRg st="2" end="2"/>
+                                            </p:txEl>
+                                          </p:spTgt>
+                                        </p:tgtEl>
+                                        <p:attrNameLst>
+                                          <p:attrName>ppt_h</p:attrName>
+                                        </p:attrNameLst>
+                                      </p:cBhvr>
+                                      <p:tavLst>
+                                        <p:tav tm="0">
+                                          <p:val>
+                                            <p:fltVal val="0"/>
+                                          </p:val>
+                                        </p:tav>
+                                        <p:tav tm="100000">
+                                          <p:val>
+                                            <p:strVal val="#ppt_h"/>
+                                          </p:val>
+                                        </p:tav>
+                                      </p:tavLst>
+                                    </p:anim>
+                                    <p:animEffect transition="in" filter="fade">
+                                      <p:cBhvr>
+                                        <p:cTn id="23" dur="500"/>
+                                        <p:tgtEl>
+                                          <p:spTgt spid="3">
+                                            <p:txEl>
+                                              <p:pRg st="2" end="2"/>
+                                            </p:txEl>
+                                          </p:spTgt>
+                                        </p:tgtEl>
+                                      </p:cBhvr>
+                                    </p:animEffect>
+                                  </p:childTnLst>
+                                </p:cTn>
+                              </p:par>
+                            </p:childTnLst>
+                          </p:cTn>
+                        </p:par>
+                      </p:childTnLst>
+                    </p:cTn>
+                  </p:par>
+                  <p:par>
+                    <p:cTn id="24" fill="hold">
+                      <p:stCondLst>
+                        <p:cond delay="indefinite"/>
+                      </p:stCondLst>
+                      <p:childTnLst>
+                        <p:par>
+                          <p:cTn id="25" fill="hold">
+                            <p:stCondLst>
+                              <p:cond delay="0"/>
+                            </p:stCondLst>
+                            <p:childTnLst>
+                              <p:par>
+                                <p:cTn id="26" presetID="53" presetClass="entr" presetSubtype="16" fill="hold" grpId="0" nodeType="clickEffect">
+                                  <p:stCondLst>
+                                    <p:cond delay="0"/>
+                                  </p:stCondLst>
+                                  <p:childTnLst>
+                                    <p:set>
+                                      <p:cBhvr>
+                                        <p:cTn id="27" dur="1" fill="hold">
+                                          <p:stCondLst>
+                                            <p:cond delay="0"/>
+                                          </p:stCondLst>
+                                        </p:cTn>
+                                        <p:tgtEl>
+                                          <p:spTgt spid="3">
+                                            <p:txEl>
+                                              <p:pRg st="3" end="3"/>
+                                            </p:txEl>
+                                          </p:spTgt>
+                                        </p:tgtEl>
+                                        <p:attrNameLst>
+                                          <p:attrName>style.visibility</p:attrName>
+                                        </p:attrNameLst>
+                                      </p:cBhvr>
+                                      <p:to>
+                                        <p:strVal val="visible"/>
+                                      </p:to>
+                                    </p:set>
+                                    <p:anim calcmode="lin" valueType="num">
+                                      <p:cBhvr>
+                                        <p:cTn id="28" dur="500" fill="hold"/>
+                                        <p:tgtEl>
+                                          <p:spTgt spid="3">
+                                            <p:txEl>
+                                              <p:pRg st="3" end="3"/>
+                                            </p:txEl>
+                                          </p:spTgt>
+                                        </p:tgtEl>
+                                        <p:attrNameLst>
+                                          <p:attrName>ppt_w</p:attrName>
+                                        </p:attrNameLst>
+                                      </p:cBhvr>
+                                      <p:tavLst>
+                                        <p:tav tm="0">
+                                          <p:val>
+                                            <p:fltVal val="0"/>
+                                          </p:val>
+                                        </p:tav>
+                                        <p:tav tm="100000">
+                                          <p:val>
+                                            <p:strVal val="#ppt_w"/>
+                                          </p:val>
+                                        </p:tav>
+                                      </p:tavLst>
+                                    </p:anim>
+                                    <p:anim calcmode="lin" valueType="num">
+                                      <p:cBhvr>
+                                        <p:cTn id="29" dur="500" fill="hold"/>
+                                        <p:tgtEl>
+                                          <p:spTgt spid="3">
+                                            <p:txEl>
+                                              <p:pRg st="3" end="3"/>
+                                            </p:txEl>
+                                          </p:spTgt>
+                                        </p:tgtEl>
+                                        <p:attrNameLst>
+                                          <p:attrName>ppt_h</p:attrName>
+                                        </p:attrNameLst>
+                                      </p:cBhvr>
+                                      <p:tavLst>
+                                        <p:tav tm="0">
+                                          <p:val>
+                                            <p:fltVal val="0"/>
+                                          </p:val>
+                                        </p:tav>
+                                        <p:tav tm="100000">
+                                          <p:val>
+                                            <p:strVal val="#ppt_h"/>
+                                          </p:val>
+                                        </p:tav>
+                                      </p:tavLst>
+                                    </p:anim>
+                                    <p:animEffect transition="in" filter="fade">
+                                      <p:cBhvr>
+                                        <p:cTn id="30" dur="500"/>
+                                        <p:tgtEl>
+                                          <p:spTgt spid="3">
+                                            <p:txEl>
+                                              <p:pRg st="3" end="3"/>
+                                            </p:txEl>
+                                          </p:spTgt>
+                                        </p:tgtEl>
+                                      </p:cBhvr>
+                                    </p:animEffect>
+                                  </p:childTnLst>
+                                </p:cTn>
+                              </p:par>
+                            </p:childTnLst>
+                          </p:cTn>
+                        </p:par>
+                      </p:childTnLst>
+                    </p:cTn>
+                  </p:par>
+                </p:childTnLst>
+              </p:cTn>
+              <p:prevCondLst>
+                <p:cond evt="onPrev" delay="0">
+                  <p:tgtEl>
+                    <p:sldTgt/>
+                  </p:tgtEl>
+                </p:cond>
+              </p:prevCondLst>
+              <p:nextCondLst>
+                <p:cond evt="onNext" delay="0">
+                  <p:tgtEl>
+                    <p:sldTgt/>
+                  </p:tgtEl>
+                </p:cond>
+              </p:nextCondLst>
+            </p:seq>
+          </p:childTnLst>
+        </p:cTn>
+      </p:par>
+    </p:tnLst>
+    <p:bldLst>
+      <p:bldP spid="3" grpId="0" build="p"/>
+    </p:bldLst>
+  </p:timing>
+</p:sld>
+</file>
+
 <file path=ppt/slides/slide2.xml><?xml version="1.0" encoding="utf-8"?>
 <p:sld xmlns:a="http://schemas.openxmlformats.org/drawingml/2006/main" xmlns:r="http://schemas.openxmlformats.org/officeDocument/2006/relationships" xmlns:p="http://schemas.openxmlformats.org/presentationml/2006/main">
   <p:cSld>
@@ -6850,8 +10941,8 @@
         </p:nvSpPr>
         <p:spPr>
           <a:xfrm>
-            <a:off x="1317523" y="2214694"/>
-            <a:ext cx="9497961" cy="2862322"/>
+            <a:off x="988143" y="1661020"/>
+            <a:ext cx="7123471" cy="1339341"/>
           </a:xfrm>
           <a:prstGeom prst="rect">
             <a:avLst/>
@@ -6866,31 +10957,31 @@
           <a:p>
             <a:pPr algn="just"/>
             <a:r>
-              <a:rPr lang="en-RS" dirty="0"/>
+              <a:rPr lang="en-RS" sz="1013" dirty="0"/>
               <a:t>In the old days of computing, for example, when I had worked on my </a:t>
             </a:r>
             <a:r>
-              <a:rPr lang="en-RS" dirty="0">
+              <a:rPr lang="en-RS" sz="1013" dirty="0">
                 <a:hlinkClick r:id="rId2"/>
               </a:rPr>
               <a:t>Sinclair ZX Spectrum 48K</a:t>
             </a:r>
             <a:r>
-              <a:rPr lang="en-RS" dirty="0"/>
+              <a:rPr lang="en-RS" sz="1013" dirty="0"/>
               <a:t> in Z80 assembly, there was an intimate relationship between software and hardware. A software engineer had deep knowledge about the underlying mechanisms of a computer system. This has changed tremendously; just think about the shift toward serverless computing. Today most software people don’t even understand the memory layout of a computer let alone write programs in assembly language.</a:t>
             </a:r>
           </a:p>
           <a:p>
             <a:pPr algn="just"/>
-            <a:endParaRPr lang="en-RS" dirty="0"/>
+            <a:endParaRPr lang="en-RS" sz="1013" dirty="0"/>
           </a:p>
           <a:p>
             <a:pPr algn="just"/>
             <a:r>
-              <a:rPr lang="en-GB" dirty="0"/>
+              <a:rPr lang="en-GB" sz="1013" dirty="0"/>
               <a:t>Modern programming languages try to make things simple by hiding details. IDEs autogenerate lots of boilerplate code reducing manual work and opportunity for bugs. Nevertheless, ignoring how things work in the background may lead to unwanted surprises and hard debugging sessions. This video is a story about why it is important to be knowledgeable about things happening under the hood.</a:t>
             </a:r>
-            <a:endParaRPr lang="en-RS" dirty="0"/>
+            <a:endParaRPr lang="en-RS" sz="1013" dirty="0"/>
           </a:p>
         </p:txBody>
       </p:sp>
@@ -6959,7 +11050,7 @@
           <a:p>
             <a:r>
               <a:rPr lang="en-RS" dirty="0"/>
-              <a:t>Table of contents</a:t>
+              <a:t>The Table of contents</a:t>
             </a:r>
           </a:p>
         </p:txBody>
@@ -6985,7 +11076,7 @@
           <a:bodyPr/>
           <a:lstStyle/>
           <a:p>
-            <a:pPr marL="457200" indent="-457200">
+            <a:pPr marL="342900" indent="-342900">
               <a:buFont typeface="+mj-lt"/>
               <a:buAutoNum type="arabicPeriod"/>
             </a:pPr>
@@ -6995,17 +11086,22 @@
             </a:r>
           </a:p>
           <a:p>
-            <a:pPr marL="457200" indent="-457200">
+            <a:pPr marL="342900" indent="-342900">
               <a:buFont typeface="+mj-lt"/>
               <a:buAutoNum type="arabicPeriod"/>
             </a:pPr>
             <a:r>
               <a:rPr lang="en-US" dirty="0"/>
-              <a:t>The need for caching and memoization</a:t>
-            </a:r>
-          </a:p>
-          <a:p>
-            <a:pPr marL="457200" indent="-457200">
+              <a:t>The alleged need for </a:t>
+            </a:r>
+            <a:r>
+              <a:rPr lang="en-US" dirty="0" err="1"/>
+              <a:t>memoization</a:t>
+            </a:r>
+            <a:endParaRPr lang="en-US" dirty="0"/>
+          </a:p>
+          <a:p>
+            <a:pPr marL="342900" indent="-342900">
               <a:buFont typeface="+mj-lt"/>
               <a:buAutoNum type="arabicPeriod"/>
             </a:pPr>
@@ -7015,23 +11111,38 @@
             </a:r>
           </a:p>
           <a:p>
-            <a:pPr marL="457200" indent="-457200">
+            <a:pPr marL="342900" indent="-342900">
               <a:buFont typeface="+mj-lt"/>
               <a:buAutoNum type="arabicPeriod"/>
             </a:pPr>
             <a:r>
               <a:rPr lang="en-US" dirty="0"/>
-              <a:t>Built-in support for memoization exemplified in python 3.9</a:t>
-            </a:r>
-          </a:p>
-          <a:p>
-            <a:pPr marL="457200" indent="-457200">
+              <a:t>Python’s support for </a:t>
+            </a:r>
+            <a:r>
+              <a:rPr lang="en-US" dirty="0" err="1"/>
+              <a:t>memoization</a:t>
+            </a:r>
+            <a:endParaRPr lang="en-US" dirty="0"/>
+          </a:p>
+          <a:p>
+            <a:pPr marL="342900" indent="-342900">
               <a:buFont typeface="+mj-lt"/>
               <a:buAutoNum type="arabicPeriod"/>
             </a:pPr>
             <a:r>
               <a:rPr lang="en-US" dirty="0"/>
-              <a:t>the importance of monitoring caching behavior</a:t>
+              <a:t>the importance of monitoring the caching behavior</a:t>
+            </a:r>
+          </a:p>
+          <a:p>
+            <a:pPr marL="342900" indent="-342900">
+              <a:buFont typeface="+mj-lt"/>
+              <a:buAutoNum type="arabicPeriod"/>
+            </a:pPr>
+            <a:r>
+              <a:rPr lang="en-US" dirty="0"/>
+              <a:t>Rethinking the need for caching</a:t>
             </a:r>
           </a:p>
         </p:txBody>
@@ -7581,6 +11692,109 @@
                       </p:childTnLst>
                     </p:cTn>
                   </p:par>
+                  <p:par>
+                    <p:cTn id="33" fill="hold">
+                      <p:stCondLst>
+                        <p:cond delay="indefinite"/>
+                      </p:stCondLst>
+                      <p:childTnLst>
+                        <p:par>
+                          <p:cTn id="34" fill="hold">
+                            <p:stCondLst>
+                              <p:cond delay="0"/>
+                            </p:stCondLst>
+                            <p:childTnLst>
+                              <p:par>
+                                <p:cTn id="35" presetID="2" presetClass="entr" presetSubtype="4" fill="hold" grpId="0" nodeType="clickEffect">
+                                  <p:stCondLst>
+                                    <p:cond delay="0"/>
+                                  </p:stCondLst>
+                                  <p:childTnLst>
+                                    <p:set>
+                                      <p:cBhvr>
+                                        <p:cTn id="36" dur="1" fill="hold">
+                                          <p:stCondLst>
+                                            <p:cond delay="0"/>
+                                          </p:stCondLst>
+                                        </p:cTn>
+                                        <p:tgtEl>
+                                          <p:spTgt spid="3">
+                                            <p:txEl>
+                                              <p:pRg st="5" end="5"/>
+                                            </p:txEl>
+                                          </p:spTgt>
+                                        </p:tgtEl>
+                                        <p:attrNameLst>
+                                          <p:attrName>style.visibility</p:attrName>
+                                        </p:attrNameLst>
+                                      </p:cBhvr>
+                                      <p:to>
+                                        <p:strVal val="visible"/>
+                                      </p:to>
+                                    </p:set>
+                                    <p:anim calcmode="lin" valueType="num">
+                                      <p:cBhvr additive="base">
+                                        <p:cTn id="37" dur="500" fill="hold"/>
+                                        <p:tgtEl>
+                                          <p:spTgt spid="3">
+                                            <p:txEl>
+                                              <p:pRg st="5" end="5"/>
+                                            </p:txEl>
+                                          </p:spTgt>
+                                        </p:tgtEl>
+                                        <p:attrNameLst>
+                                          <p:attrName>ppt_x</p:attrName>
+                                        </p:attrNameLst>
+                                      </p:cBhvr>
+                                      <p:tavLst>
+                                        <p:tav tm="0">
+                                          <p:val>
+                                            <p:strVal val="#ppt_x"/>
+                                          </p:val>
+                                        </p:tav>
+                                        <p:tav tm="100000">
+                                          <p:val>
+                                            <p:strVal val="#ppt_x"/>
+                                          </p:val>
+                                        </p:tav>
+                                      </p:tavLst>
+                                    </p:anim>
+                                    <p:anim calcmode="lin" valueType="num">
+                                      <p:cBhvr additive="base">
+                                        <p:cTn id="38" dur="500" fill="hold"/>
+                                        <p:tgtEl>
+                                          <p:spTgt spid="3">
+                                            <p:txEl>
+                                              <p:pRg st="5" end="5"/>
+                                            </p:txEl>
+                                          </p:spTgt>
+                                        </p:tgtEl>
+                                        <p:attrNameLst>
+                                          <p:attrName>ppt_y</p:attrName>
+                                        </p:attrNameLst>
+                                      </p:cBhvr>
+                                      <p:tavLst>
+                                        <p:tav tm="0">
+                                          <p:val>
+                                            <p:strVal val="1+#ppt_h/2"/>
+                                          </p:val>
+                                        </p:tav>
+                                        <p:tav tm="100000">
+                                          <p:val>
+                                            <p:strVal val="#ppt_y"/>
+                                          </p:val>
+                                        </p:tav>
+                                      </p:tavLst>
+                                    </p:anim>
+                                  </p:childTnLst>
+                                </p:cTn>
+                              </p:par>
+                            </p:childTnLst>
+                          </p:cTn>
+                        </p:par>
+                      </p:childTnLst>
+                    </p:cTn>
+                  </p:par>
                 </p:childTnLst>
               </p:cTn>
               <p:prevCondLst>
@@ -7768,213 +11982,6 @@
           <a:chExt cx="0" cy="0"/>
         </a:xfrm>
       </p:grpSpPr>
-      <p:pic>
-        <p:nvPicPr>
-          <p:cNvPr id="41" name="Picture 2">
-            <a:extLst>
-              <a:ext uri="{FF2B5EF4-FFF2-40B4-BE49-F238E27FC236}">
-                <a16:creationId xmlns:a16="http://schemas.microsoft.com/office/drawing/2014/main" id="{9A0F0AC6-A89F-416B-9FA4-48E664065E73}"/>
-              </a:ext>
-              <a:ext uri="{C183D7F6-B498-43B3-948B-1728B52AA6E4}">
-                <adec:decorative xmlns:adec="http://schemas.microsoft.com/office/drawing/2017/decorative" val="1"/>
-              </a:ext>
-            </a:extLst>
-          </p:cNvPr>
-          <p:cNvPicPr>
-            <a:picLocks noGrp="1" noRot="1" noChangeAspect="1" noMove="1" noResize="1" noEditPoints="1" noAdjustHandles="1" noChangeArrowheads="1" noChangeShapeType="1" noCrop="1"/>
-          </p:cNvPicPr>
-          <p:nvPr>
-            <p:extLst>
-              <p:ext uri="{386F3935-93C4-4BCD-93E2-E3B085C9AB24}">
-                <p16:designElem xmlns:p16="http://schemas.microsoft.com/office/powerpoint/2015/main" val="1"/>
-              </p:ext>
-            </p:extLst>
-          </p:nvPr>
-        </p:nvPicPr>
-        <p:blipFill>
-          <a:blip r:embed="rId2">
-            <a:alphaModFix/>
-            <a:extLst>
-              <a:ext uri="{28A0092B-C50C-407E-A947-70E740481C1C}">
-                <a14:useLocalDpi xmlns:a14="http://schemas.microsoft.com/office/drawing/2010/main" val="0"/>
-              </a:ext>
-            </a:extLst>
-          </a:blip>
-          <a:srcRect/>
-          <a:stretch>
-            <a:fillRect/>
-          </a:stretch>
-        </p:blipFill>
-        <p:spPr bwMode="auto">
-          <a:xfrm>
-            <a:off x="0" y="-1"/>
-            <a:ext cx="12192003" cy="6858001"/>
-          </a:xfrm>
-          <a:prstGeom prst="rect">
-            <a:avLst/>
-          </a:prstGeom>
-          <a:noFill/>
-          <a:extLst>
-            <a:ext uri="{909E8E84-426E-40DD-AFC4-6F175D3DCCD1}">
-              <a14:hiddenFill xmlns:a14="http://schemas.microsoft.com/office/drawing/2010/main">
-                <a:solidFill>
-                  <a:srgbClr val="FFFFFF"/>
-                </a:solidFill>
-              </a14:hiddenFill>
-            </a:ext>
-          </a:extLst>
-        </p:spPr>
-      </p:pic>
-      <p:pic>
-        <p:nvPicPr>
-          <p:cNvPr id="43" name="Picture 42">
-            <a:extLst>
-              <a:ext uri="{FF2B5EF4-FFF2-40B4-BE49-F238E27FC236}">
-                <a16:creationId xmlns:a16="http://schemas.microsoft.com/office/drawing/2014/main" id="{C31AA009-40AD-4098-8AE7-680CA35C6EAA}"/>
-              </a:ext>
-              <a:ext uri="{C183D7F6-B498-43B3-948B-1728B52AA6E4}">
-                <adec:decorative xmlns:adec="http://schemas.microsoft.com/office/drawing/2017/decorative" val="1"/>
-              </a:ext>
-            </a:extLst>
-          </p:cNvPr>
-          <p:cNvPicPr>
-            <a:picLocks noGrp="1" noRot="1" noChangeAspect="1" noMove="1" noResize="1" noEditPoints="1" noAdjustHandles="1" noChangeArrowheads="1" noChangeShapeType="1" noCrop="1"/>
-          </p:cNvPicPr>
-          <p:nvPr>
-            <p:extLst>
-              <p:ext uri="{386F3935-93C4-4BCD-93E2-E3B085C9AB24}">
-                <p16:designElem xmlns:p16="http://schemas.microsoft.com/office/powerpoint/2015/main" val="1"/>
-              </p:ext>
-            </p:extLst>
-          </p:nvPr>
-        </p:nvPicPr>
-        <p:blipFill>
-          <a:blip r:embed="rId3">
-            <a:extLst>
-              <a:ext uri="{28A0092B-C50C-407E-A947-70E740481C1C}">
-                <a14:useLocalDpi xmlns:a14="http://schemas.microsoft.com/office/drawing/2010/main" val="0"/>
-              </a:ext>
-            </a:extLst>
-          </a:blip>
-          <a:stretch>
-            <a:fillRect/>
-          </a:stretch>
-        </p:blipFill>
-        <p:spPr>
-          <a:xfrm>
-            <a:off x="0" y="0"/>
-            <a:ext cx="12192000" cy="6858000"/>
-          </a:xfrm>
-          <a:prstGeom prst="rect">
-            <a:avLst/>
-          </a:prstGeom>
-        </p:spPr>
-      </p:pic>
-      <p:sp useBgFill="1">
-        <p:nvSpPr>
-          <p:cNvPr id="45" name="Rectangle 44">
-            <a:extLst>
-              <a:ext uri="{FF2B5EF4-FFF2-40B4-BE49-F238E27FC236}">
-                <a16:creationId xmlns:a16="http://schemas.microsoft.com/office/drawing/2014/main" id="{B63B6C0C-65BB-4F38-9C8A-0892266F8BC3}"/>
-              </a:ext>
-              <a:ext uri="{C183D7F6-B498-43B3-948B-1728B52AA6E4}">
-                <adec:decorative xmlns:adec="http://schemas.microsoft.com/office/drawing/2017/decorative" val="1"/>
-              </a:ext>
-            </a:extLst>
-          </p:cNvPr>
-          <p:cNvSpPr>
-            <a:spLocks noGrp="1" noRot="1" noChangeAspect="1" noMove="1" noResize="1" noEditPoints="1" noAdjustHandles="1" noChangeArrowheads="1" noChangeShapeType="1" noTextEdit="1"/>
-          </p:cNvSpPr>
-          <p:nvPr>
-            <p:extLst>
-              <p:ext uri="{386F3935-93C4-4BCD-93E2-E3B085C9AB24}">
-                <p16:designElem xmlns:p16="http://schemas.microsoft.com/office/powerpoint/2015/main" val="1"/>
-              </p:ext>
-            </p:extLst>
-          </p:nvPr>
-        </p:nvSpPr>
-        <p:spPr>
-          <a:xfrm>
-            <a:off x="0" y="0"/>
-            <a:ext cx="12192000" cy="6858000"/>
-          </a:xfrm>
-          <a:prstGeom prst="rect">
-            <a:avLst/>
-          </a:prstGeom>
-          <a:ln>
-            <a:noFill/>
-          </a:ln>
-        </p:spPr>
-        <p:style>
-          <a:lnRef idx="2">
-            <a:schemeClr val="accent1">
-              <a:shade val="50000"/>
-            </a:schemeClr>
-          </a:lnRef>
-          <a:fillRef idx="1">
-            <a:schemeClr val="accent1"/>
-          </a:fillRef>
-          <a:effectRef idx="0">
-            <a:schemeClr val="accent1"/>
-          </a:effectRef>
-          <a:fontRef idx="minor">
-            <a:schemeClr val="lt1"/>
-          </a:fontRef>
-        </p:style>
-        <p:txBody>
-          <a:bodyPr rtlCol="0" anchor="ctr"/>
-          <a:lstStyle/>
-          <a:p>
-            <a:pPr algn="ctr"/>
-            <a:endParaRPr lang="en-US" dirty="0"/>
-          </a:p>
-        </p:txBody>
-      </p:sp>
-      <p:pic>
-        <p:nvPicPr>
-          <p:cNvPr id="47" name="Picture 46">
-            <a:extLst>
-              <a:ext uri="{FF2B5EF4-FFF2-40B4-BE49-F238E27FC236}">
-                <a16:creationId xmlns:a16="http://schemas.microsoft.com/office/drawing/2014/main" id="{09D77137-01B7-45E4-AA14-CD9E779B443C}"/>
-              </a:ext>
-              <a:ext uri="{C183D7F6-B498-43B3-948B-1728B52AA6E4}">
-                <adec:decorative xmlns:adec="http://schemas.microsoft.com/office/drawing/2017/decorative" val="1"/>
-              </a:ext>
-            </a:extLst>
-          </p:cNvPr>
-          <p:cNvPicPr>
-            <a:picLocks noGrp="1" noRot="1" noChangeAspect="1" noMove="1" noResize="1" noEditPoints="1" noAdjustHandles="1" noChangeArrowheads="1" noChangeShapeType="1" noCrop="1"/>
-          </p:cNvPicPr>
-          <p:nvPr>
-            <p:extLst>
-              <p:ext uri="{386F3935-93C4-4BCD-93E2-E3B085C9AB24}">
-                <p16:designElem xmlns:p16="http://schemas.microsoft.com/office/powerpoint/2015/main" val="1"/>
-              </p:ext>
-            </p:extLst>
-          </p:nvPr>
-        </p:nvPicPr>
-        <p:blipFill>
-          <a:blip r:embed="rId3">
-            <a:extLst>
-              <a:ext uri="{28A0092B-C50C-407E-A947-70E740481C1C}">
-                <a14:useLocalDpi xmlns:a14="http://schemas.microsoft.com/office/drawing/2010/main" val="0"/>
-              </a:ext>
-            </a:extLst>
-          </a:blip>
-          <a:stretch>
-            <a:fillRect/>
-          </a:stretch>
-        </p:blipFill>
-        <p:spPr>
-          <a:xfrm>
-            <a:off x="0" y="0"/>
-            <a:ext cx="12192000" cy="6858000"/>
-          </a:xfrm>
-          <a:prstGeom prst="rect">
-            <a:avLst/>
-          </a:prstGeom>
-        </p:spPr>
-      </p:pic>
       <p:sp>
         <p:nvSpPr>
           <p:cNvPr id="4" name="Title 3">
@@ -7993,30 +12000,27 @@
         </p:nvSpPr>
         <p:spPr>
           <a:xfrm>
-            <a:off x="913774" y="1365957"/>
-            <a:ext cx="10364452" cy="4041422"/>
+            <a:off x="685331" y="1024468"/>
+            <a:ext cx="7773339" cy="3031067"/>
           </a:xfrm>
         </p:spPr>
         <p:txBody>
-          <a:bodyPr vert="horz" lIns="91440" tIns="45720" rIns="91440" bIns="45720" rtlCol="0" anchor="ctr">
+          <a:bodyPr vert="horz" lIns="68580" tIns="34290" rIns="68580" bIns="34290" rtlCol="0" anchor="ctr">
             <a:normAutofit/>
           </a:bodyPr>
           <a:lstStyle/>
           <a:p>
             <a:r>
-              <a:rPr lang="en-US" sz="8000" dirty="0"/>
-              <a:t>The need for </a:t>
-            </a:r>
-            <a:r>
-              <a:rPr lang="en-US" sz="8000" dirty="0">
-                <a:hlinkClick r:id="rId4"/>
+              <a:rPr lang="en-US" sz="6000" dirty="0"/>
+              <a:t>The Supposed need for </a:t>
+            </a:r>
+            <a:r>
+              <a:rPr lang="en-US" sz="6000" dirty="0">
+                <a:hlinkClick r:id="rId2"/>
               </a:rPr>
               <a:t>memoization</a:t>
             </a:r>
-            <a:r>
-              <a:rPr lang="en-US" sz="8000" dirty="0"/>
-              <a:t> (form of caching)</a:t>
-            </a:r>
+            <a:endParaRPr lang="en-US" sz="6000" dirty="0"/>
           </a:p>
         </p:txBody>
       </p:sp>
@@ -8084,213 +12088,6 @@
           <a:chExt cx="0" cy="0"/>
         </a:xfrm>
       </p:grpSpPr>
-      <p:pic>
-        <p:nvPicPr>
-          <p:cNvPr id="7" name="Picture 2">
-            <a:extLst>
-              <a:ext uri="{FF2B5EF4-FFF2-40B4-BE49-F238E27FC236}">
-                <a16:creationId xmlns:a16="http://schemas.microsoft.com/office/drawing/2014/main" id="{9A0F0AC6-A89F-416B-9FA4-48E664065E73}"/>
-              </a:ext>
-              <a:ext uri="{C183D7F6-B498-43B3-948B-1728B52AA6E4}">
-                <adec:decorative xmlns:adec="http://schemas.microsoft.com/office/drawing/2017/decorative" val="1"/>
-              </a:ext>
-            </a:extLst>
-          </p:cNvPr>
-          <p:cNvPicPr>
-            <a:picLocks noGrp="1" noRot="1" noChangeAspect="1" noMove="1" noResize="1" noEditPoints="1" noAdjustHandles="1" noChangeArrowheads="1" noChangeShapeType="1" noCrop="1"/>
-          </p:cNvPicPr>
-          <p:nvPr>
-            <p:extLst>
-              <p:ext uri="{386F3935-93C4-4BCD-93E2-E3B085C9AB24}">
-                <p16:designElem xmlns:p16="http://schemas.microsoft.com/office/powerpoint/2015/main" val="1"/>
-              </p:ext>
-            </p:extLst>
-          </p:nvPr>
-        </p:nvPicPr>
-        <p:blipFill>
-          <a:blip r:embed="rId2">
-            <a:alphaModFix/>
-            <a:extLst>
-              <a:ext uri="{28A0092B-C50C-407E-A947-70E740481C1C}">
-                <a14:useLocalDpi xmlns:a14="http://schemas.microsoft.com/office/drawing/2010/main" val="0"/>
-              </a:ext>
-            </a:extLst>
-          </a:blip>
-          <a:srcRect/>
-          <a:stretch>
-            <a:fillRect/>
-          </a:stretch>
-        </p:blipFill>
-        <p:spPr bwMode="auto">
-          <a:xfrm>
-            <a:off x="0" y="-1"/>
-            <a:ext cx="12192003" cy="6858001"/>
-          </a:xfrm>
-          <a:prstGeom prst="rect">
-            <a:avLst/>
-          </a:prstGeom>
-          <a:noFill/>
-          <a:extLst>
-            <a:ext uri="{909E8E84-426E-40DD-AFC4-6F175D3DCCD1}">
-              <a14:hiddenFill xmlns:a14="http://schemas.microsoft.com/office/drawing/2010/main">
-                <a:solidFill>
-                  <a:srgbClr val="FFFFFF"/>
-                </a:solidFill>
-              </a14:hiddenFill>
-            </a:ext>
-          </a:extLst>
-        </p:spPr>
-      </p:pic>
-      <p:pic>
-        <p:nvPicPr>
-          <p:cNvPr id="9" name="Picture 8">
-            <a:extLst>
-              <a:ext uri="{FF2B5EF4-FFF2-40B4-BE49-F238E27FC236}">
-                <a16:creationId xmlns:a16="http://schemas.microsoft.com/office/drawing/2014/main" id="{C31AA009-40AD-4098-8AE7-680CA35C6EAA}"/>
-              </a:ext>
-              <a:ext uri="{C183D7F6-B498-43B3-948B-1728B52AA6E4}">
-                <adec:decorative xmlns:adec="http://schemas.microsoft.com/office/drawing/2017/decorative" val="1"/>
-              </a:ext>
-            </a:extLst>
-          </p:cNvPr>
-          <p:cNvPicPr>
-            <a:picLocks noGrp="1" noRot="1" noChangeAspect="1" noMove="1" noResize="1" noEditPoints="1" noAdjustHandles="1" noChangeArrowheads="1" noChangeShapeType="1" noCrop="1"/>
-          </p:cNvPicPr>
-          <p:nvPr>
-            <p:extLst>
-              <p:ext uri="{386F3935-93C4-4BCD-93E2-E3B085C9AB24}">
-                <p16:designElem xmlns:p16="http://schemas.microsoft.com/office/powerpoint/2015/main" val="1"/>
-              </p:ext>
-            </p:extLst>
-          </p:nvPr>
-        </p:nvPicPr>
-        <p:blipFill>
-          <a:blip r:embed="rId3">
-            <a:extLst>
-              <a:ext uri="{28A0092B-C50C-407E-A947-70E740481C1C}">
-                <a14:useLocalDpi xmlns:a14="http://schemas.microsoft.com/office/drawing/2010/main" val="0"/>
-              </a:ext>
-            </a:extLst>
-          </a:blip>
-          <a:stretch>
-            <a:fillRect/>
-          </a:stretch>
-        </p:blipFill>
-        <p:spPr>
-          <a:xfrm>
-            <a:off x="0" y="0"/>
-            <a:ext cx="12192000" cy="6858000"/>
-          </a:xfrm>
-          <a:prstGeom prst="rect">
-            <a:avLst/>
-          </a:prstGeom>
-        </p:spPr>
-      </p:pic>
-      <p:sp useBgFill="1">
-        <p:nvSpPr>
-          <p:cNvPr id="11" name="Rectangle 10">
-            <a:extLst>
-              <a:ext uri="{FF2B5EF4-FFF2-40B4-BE49-F238E27FC236}">
-                <a16:creationId xmlns:a16="http://schemas.microsoft.com/office/drawing/2014/main" id="{B63B6C0C-65BB-4F38-9C8A-0892266F8BC3}"/>
-              </a:ext>
-              <a:ext uri="{C183D7F6-B498-43B3-948B-1728B52AA6E4}">
-                <adec:decorative xmlns:adec="http://schemas.microsoft.com/office/drawing/2017/decorative" val="1"/>
-              </a:ext>
-            </a:extLst>
-          </p:cNvPr>
-          <p:cNvSpPr>
-            <a:spLocks noGrp="1" noRot="1" noChangeAspect="1" noMove="1" noResize="1" noEditPoints="1" noAdjustHandles="1" noChangeArrowheads="1" noChangeShapeType="1" noTextEdit="1"/>
-          </p:cNvSpPr>
-          <p:nvPr>
-            <p:extLst>
-              <p:ext uri="{386F3935-93C4-4BCD-93E2-E3B085C9AB24}">
-                <p16:designElem xmlns:p16="http://schemas.microsoft.com/office/powerpoint/2015/main" val="1"/>
-              </p:ext>
-            </p:extLst>
-          </p:nvPr>
-        </p:nvSpPr>
-        <p:spPr>
-          <a:xfrm>
-            <a:off x="0" y="0"/>
-            <a:ext cx="12192000" cy="6858000"/>
-          </a:xfrm>
-          <a:prstGeom prst="rect">
-            <a:avLst/>
-          </a:prstGeom>
-          <a:ln>
-            <a:noFill/>
-          </a:ln>
-        </p:spPr>
-        <p:style>
-          <a:lnRef idx="2">
-            <a:schemeClr val="accent1">
-              <a:shade val="50000"/>
-            </a:schemeClr>
-          </a:lnRef>
-          <a:fillRef idx="1">
-            <a:schemeClr val="accent1"/>
-          </a:fillRef>
-          <a:effectRef idx="0">
-            <a:schemeClr val="accent1"/>
-          </a:effectRef>
-          <a:fontRef idx="minor">
-            <a:schemeClr val="lt1"/>
-          </a:fontRef>
-        </p:style>
-        <p:txBody>
-          <a:bodyPr rtlCol="0" anchor="ctr"/>
-          <a:lstStyle/>
-          <a:p>
-            <a:pPr algn="ctr"/>
-            <a:endParaRPr lang="en-US" dirty="0"/>
-          </a:p>
-        </p:txBody>
-      </p:sp>
-      <p:pic>
-        <p:nvPicPr>
-          <p:cNvPr id="13" name="Picture 12">
-            <a:extLst>
-              <a:ext uri="{FF2B5EF4-FFF2-40B4-BE49-F238E27FC236}">
-                <a16:creationId xmlns:a16="http://schemas.microsoft.com/office/drawing/2014/main" id="{09D77137-01B7-45E4-AA14-CD9E779B443C}"/>
-              </a:ext>
-              <a:ext uri="{C183D7F6-B498-43B3-948B-1728B52AA6E4}">
-                <adec:decorative xmlns:adec="http://schemas.microsoft.com/office/drawing/2017/decorative" val="1"/>
-              </a:ext>
-            </a:extLst>
-          </p:cNvPr>
-          <p:cNvPicPr>
-            <a:picLocks noGrp="1" noRot="1" noChangeAspect="1" noMove="1" noResize="1" noEditPoints="1" noAdjustHandles="1" noChangeArrowheads="1" noChangeShapeType="1" noCrop="1"/>
-          </p:cNvPicPr>
-          <p:nvPr>
-            <p:extLst>
-              <p:ext uri="{386F3935-93C4-4BCD-93E2-E3B085C9AB24}">
-                <p16:designElem xmlns:p16="http://schemas.microsoft.com/office/powerpoint/2015/main" val="1"/>
-              </p:ext>
-            </p:extLst>
-          </p:nvPr>
-        </p:nvPicPr>
-        <p:blipFill>
-          <a:blip r:embed="rId3">
-            <a:extLst>
-              <a:ext uri="{28A0092B-C50C-407E-A947-70E740481C1C}">
-                <a14:useLocalDpi xmlns:a14="http://schemas.microsoft.com/office/drawing/2010/main" val="0"/>
-              </a:ext>
-            </a:extLst>
-          </a:blip>
-          <a:stretch>
-            <a:fillRect/>
-          </a:stretch>
-        </p:blipFill>
-        <p:spPr>
-          <a:xfrm>
-            <a:off x="0" y="0"/>
-            <a:ext cx="12192000" cy="6858000"/>
-          </a:xfrm>
-          <a:prstGeom prst="rect">
-            <a:avLst/>
-          </a:prstGeom>
-        </p:spPr>
-      </p:pic>
       <p:sp>
         <p:nvSpPr>
           <p:cNvPr id="2" name="Title 1">
@@ -8309,19 +12106,19 @@
         </p:nvSpPr>
         <p:spPr>
           <a:xfrm>
-            <a:off x="913774" y="1365957"/>
-            <a:ext cx="10364452" cy="4041422"/>
+            <a:off x="685331" y="1024468"/>
+            <a:ext cx="7773339" cy="3031067"/>
           </a:xfrm>
         </p:spPr>
         <p:txBody>
-          <a:bodyPr vert="horz" lIns="91440" tIns="45720" rIns="91440" bIns="45720" rtlCol="0" anchor="ctr">
+          <a:bodyPr vert="horz" lIns="68580" tIns="34290" rIns="68580" bIns="34290" rtlCol="0" anchor="ctr">
             <a:normAutofit/>
           </a:bodyPr>
           <a:lstStyle/>
           <a:p>
             <a:r>
-              <a:rPr lang="en-US" sz="8000" dirty="0"/>
-              <a:t>Cold vs. warm cache</a:t>
+              <a:rPr lang="en-US" sz="6000" dirty="0"/>
+              <a:t>Cold vs. warm caches</a:t>
             </a:r>
           </a:p>
         </p:txBody>
@@ -8390,213 +12187,6 @@
           <a:chExt cx="0" cy="0"/>
         </a:xfrm>
       </p:grpSpPr>
-      <p:pic>
-        <p:nvPicPr>
-          <p:cNvPr id="7" name="Picture 2">
-            <a:extLst>
-              <a:ext uri="{FF2B5EF4-FFF2-40B4-BE49-F238E27FC236}">
-                <a16:creationId xmlns:a16="http://schemas.microsoft.com/office/drawing/2014/main" id="{9A0F0AC6-A89F-416B-9FA4-48E664065E73}"/>
-              </a:ext>
-              <a:ext uri="{C183D7F6-B498-43B3-948B-1728B52AA6E4}">
-                <adec:decorative xmlns:adec="http://schemas.microsoft.com/office/drawing/2017/decorative" val="1"/>
-              </a:ext>
-            </a:extLst>
-          </p:cNvPr>
-          <p:cNvPicPr>
-            <a:picLocks noGrp="1" noRot="1" noChangeAspect="1" noMove="1" noResize="1" noEditPoints="1" noAdjustHandles="1" noChangeArrowheads="1" noChangeShapeType="1" noCrop="1"/>
-          </p:cNvPicPr>
-          <p:nvPr>
-            <p:extLst>
-              <p:ext uri="{386F3935-93C4-4BCD-93E2-E3B085C9AB24}">
-                <p16:designElem xmlns:p16="http://schemas.microsoft.com/office/powerpoint/2015/main" val="1"/>
-              </p:ext>
-            </p:extLst>
-          </p:nvPr>
-        </p:nvPicPr>
-        <p:blipFill>
-          <a:blip r:embed="rId2">
-            <a:alphaModFix/>
-            <a:extLst>
-              <a:ext uri="{28A0092B-C50C-407E-A947-70E740481C1C}">
-                <a14:useLocalDpi xmlns:a14="http://schemas.microsoft.com/office/drawing/2010/main" val="0"/>
-              </a:ext>
-            </a:extLst>
-          </a:blip>
-          <a:srcRect/>
-          <a:stretch>
-            <a:fillRect/>
-          </a:stretch>
-        </p:blipFill>
-        <p:spPr bwMode="auto">
-          <a:xfrm>
-            <a:off x="0" y="-1"/>
-            <a:ext cx="12192003" cy="6858001"/>
-          </a:xfrm>
-          <a:prstGeom prst="rect">
-            <a:avLst/>
-          </a:prstGeom>
-          <a:noFill/>
-          <a:extLst>
-            <a:ext uri="{909E8E84-426E-40DD-AFC4-6F175D3DCCD1}">
-              <a14:hiddenFill xmlns:a14="http://schemas.microsoft.com/office/drawing/2010/main">
-                <a:solidFill>
-                  <a:srgbClr val="FFFFFF"/>
-                </a:solidFill>
-              </a14:hiddenFill>
-            </a:ext>
-          </a:extLst>
-        </p:spPr>
-      </p:pic>
-      <p:pic>
-        <p:nvPicPr>
-          <p:cNvPr id="9" name="Picture 8">
-            <a:extLst>
-              <a:ext uri="{FF2B5EF4-FFF2-40B4-BE49-F238E27FC236}">
-                <a16:creationId xmlns:a16="http://schemas.microsoft.com/office/drawing/2014/main" id="{C31AA009-40AD-4098-8AE7-680CA35C6EAA}"/>
-              </a:ext>
-              <a:ext uri="{C183D7F6-B498-43B3-948B-1728B52AA6E4}">
-                <adec:decorative xmlns:adec="http://schemas.microsoft.com/office/drawing/2017/decorative" val="1"/>
-              </a:ext>
-            </a:extLst>
-          </p:cNvPr>
-          <p:cNvPicPr>
-            <a:picLocks noGrp="1" noRot="1" noChangeAspect="1" noMove="1" noResize="1" noEditPoints="1" noAdjustHandles="1" noChangeArrowheads="1" noChangeShapeType="1" noCrop="1"/>
-          </p:cNvPicPr>
-          <p:nvPr>
-            <p:extLst>
-              <p:ext uri="{386F3935-93C4-4BCD-93E2-E3B085C9AB24}">
-                <p16:designElem xmlns:p16="http://schemas.microsoft.com/office/powerpoint/2015/main" val="1"/>
-              </p:ext>
-            </p:extLst>
-          </p:nvPr>
-        </p:nvPicPr>
-        <p:blipFill>
-          <a:blip r:embed="rId3">
-            <a:extLst>
-              <a:ext uri="{28A0092B-C50C-407E-A947-70E740481C1C}">
-                <a14:useLocalDpi xmlns:a14="http://schemas.microsoft.com/office/drawing/2010/main" val="0"/>
-              </a:ext>
-            </a:extLst>
-          </a:blip>
-          <a:stretch>
-            <a:fillRect/>
-          </a:stretch>
-        </p:blipFill>
-        <p:spPr>
-          <a:xfrm>
-            <a:off x="0" y="0"/>
-            <a:ext cx="12192000" cy="6858000"/>
-          </a:xfrm>
-          <a:prstGeom prst="rect">
-            <a:avLst/>
-          </a:prstGeom>
-        </p:spPr>
-      </p:pic>
-      <p:sp useBgFill="1">
-        <p:nvSpPr>
-          <p:cNvPr id="11" name="Rectangle 10">
-            <a:extLst>
-              <a:ext uri="{FF2B5EF4-FFF2-40B4-BE49-F238E27FC236}">
-                <a16:creationId xmlns:a16="http://schemas.microsoft.com/office/drawing/2014/main" id="{B63B6C0C-65BB-4F38-9C8A-0892266F8BC3}"/>
-              </a:ext>
-              <a:ext uri="{C183D7F6-B498-43B3-948B-1728B52AA6E4}">
-                <adec:decorative xmlns:adec="http://schemas.microsoft.com/office/drawing/2017/decorative" val="1"/>
-              </a:ext>
-            </a:extLst>
-          </p:cNvPr>
-          <p:cNvSpPr>
-            <a:spLocks noGrp="1" noRot="1" noChangeAspect="1" noMove="1" noResize="1" noEditPoints="1" noAdjustHandles="1" noChangeArrowheads="1" noChangeShapeType="1" noTextEdit="1"/>
-          </p:cNvSpPr>
-          <p:nvPr>
-            <p:extLst>
-              <p:ext uri="{386F3935-93C4-4BCD-93E2-E3B085C9AB24}">
-                <p16:designElem xmlns:p16="http://schemas.microsoft.com/office/powerpoint/2015/main" val="1"/>
-              </p:ext>
-            </p:extLst>
-          </p:nvPr>
-        </p:nvSpPr>
-        <p:spPr>
-          <a:xfrm>
-            <a:off x="0" y="0"/>
-            <a:ext cx="12192000" cy="6858000"/>
-          </a:xfrm>
-          <a:prstGeom prst="rect">
-            <a:avLst/>
-          </a:prstGeom>
-          <a:ln>
-            <a:noFill/>
-          </a:ln>
-        </p:spPr>
-        <p:style>
-          <a:lnRef idx="2">
-            <a:schemeClr val="accent1">
-              <a:shade val="50000"/>
-            </a:schemeClr>
-          </a:lnRef>
-          <a:fillRef idx="1">
-            <a:schemeClr val="accent1"/>
-          </a:fillRef>
-          <a:effectRef idx="0">
-            <a:schemeClr val="accent1"/>
-          </a:effectRef>
-          <a:fontRef idx="minor">
-            <a:schemeClr val="lt1"/>
-          </a:fontRef>
-        </p:style>
-        <p:txBody>
-          <a:bodyPr rtlCol="0" anchor="ctr"/>
-          <a:lstStyle/>
-          <a:p>
-            <a:pPr algn="ctr"/>
-            <a:endParaRPr lang="en-US" dirty="0"/>
-          </a:p>
-        </p:txBody>
-      </p:sp>
-      <p:pic>
-        <p:nvPicPr>
-          <p:cNvPr id="13" name="Picture 12">
-            <a:extLst>
-              <a:ext uri="{FF2B5EF4-FFF2-40B4-BE49-F238E27FC236}">
-                <a16:creationId xmlns:a16="http://schemas.microsoft.com/office/drawing/2014/main" id="{09D77137-01B7-45E4-AA14-CD9E779B443C}"/>
-              </a:ext>
-              <a:ext uri="{C183D7F6-B498-43B3-948B-1728B52AA6E4}">
-                <adec:decorative xmlns:adec="http://schemas.microsoft.com/office/drawing/2017/decorative" val="1"/>
-              </a:ext>
-            </a:extLst>
-          </p:cNvPr>
-          <p:cNvPicPr>
-            <a:picLocks noGrp="1" noRot="1" noChangeAspect="1" noMove="1" noResize="1" noEditPoints="1" noAdjustHandles="1" noChangeArrowheads="1" noChangeShapeType="1" noCrop="1"/>
-          </p:cNvPicPr>
-          <p:nvPr>
-            <p:extLst>
-              <p:ext uri="{386F3935-93C4-4BCD-93E2-E3B085C9AB24}">
-                <p16:designElem xmlns:p16="http://schemas.microsoft.com/office/powerpoint/2015/main" val="1"/>
-              </p:ext>
-            </p:extLst>
-          </p:nvPr>
-        </p:nvPicPr>
-        <p:blipFill>
-          <a:blip r:embed="rId3">
-            <a:extLst>
-              <a:ext uri="{28A0092B-C50C-407E-A947-70E740481C1C}">
-                <a14:useLocalDpi xmlns:a14="http://schemas.microsoft.com/office/drawing/2010/main" val="0"/>
-              </a:ext>
-            </a:extLst>
-          </a:blip>
-          <a:stretch>
-            <a:fillRect/>
-          </a:stretch>
-        </p:blipFill>
-        <p:spPr>
-          <a:xfrm>
-            <a:off x="0" y="0"/>
-            <a:ext cx="12192000" cy="6858000"/>
-          </a:xfrm>
-          <a:prstGeom prst="rect">
-            <a:avLst/>
-          </a:prstGeom>
-        </p:spPr>
-      </p:pic>
       <p:sp>
         <p:nvSpPr>
           <p:cNvPr id="2" name="Title 1">
@@ -8615,18 +12205,18 @@
         </p:nvSpPr>
         <p:spPr>
           <a:xfrm>
-            <a:off x="913774" y="1365957"/>
-            <a:ext cx="10364452" cy="4041422"/>
+            <a:off x="685331" y="1024468"/>
+            <a:ext cx="7773339" cy="3031067"/>
           </a:xfrm>
         </p:spPr>
         <p:txBody>
-          <a:bodyPr vert="horz" lIns="91440" tIns="45720" rIns="91440" bIns="45720" rtlCol="0" anchor="ctr">
+          <a:bodyPr vert="horz" lIns="68580" tIns="34290" rIns="68580" bIns="34290" rtlCol="0" anchor="ctr">
             <a:normAutofit/>
           </a:bodyPr>
           <a:lstStyle/>
           <a:p>
             <a:r>
-              <a:rPr lang="en-US" sz="8000" dirty="0"/>
+              <a:rPr lang="en-US" sz="6000" dirty="0"/>
               <a:t>memoization in Python 3.9+</a:t>
             </a:r>
           </a:p>
@@ -8696,213 +12286,6 @@
           <a:chExt cx="0" cy="0"/>
         </a:xfrm>
       </p:grpSpPr>
-      <p:pic>
-        <p:nvPicPr>
-          <p:cNvPr id="7" name="Picture 2">
-            <a:extLst>
-              <a:ext uri="{FF2B5EF4-FFF2-40B4-BE49-F238E27FC236}">
-                <a16:creationId xmlns:a16="http://schemas.microsoft.com/office/drawing/2014/main" id="{9A0F0AC6-A89F-416B-9FA4-48E664065E73}"/>
-              </a:ext>
-              <a:ext uri="{C183D7F6-B498-43B3-948B-1728B52AA6E4}">
-                <adec:decorative xmlns:adec="http://schemas.microsoft.com/office/drawing/2017/decorative" val="1"/>
-              </a:ext>
-            </a:extLst>
-          </p:cNvPr>
-          <p:cNvPicPr>
-            <a:picLocks noGrp="1" noRot="1" noChangeAspect="1" noMove="1" noResize="1" noEditPoints="1" noAdjustHandles="1" noChangeArrowheads="1" noChangeShapeType="1" noCrop="1"/>
-          </p:cNvPicPr>
-          <p:nvPr>
-            <p:extLst>
-              <p:ext uri="{386F3935-93C4-4BCD-93E2-E3B085C9AB24}">
-                <p16:designElem xmlns:p16="http://schemas.microsoft.com/office/powerpoint/2015/main" val="1"/>
-              </p:ext>
-            </p:extLst>
-          </p:nvPr>
-        </p:nvPicPr>
-        <p:blipFill>
-          <a:blip r:embed="rId2">
-            <a:alphaModFix/>
-            <a:extLst>
-              <a:ext uri="{28A0092B-C50C-407E-A947-70E740481C1C}">
-                <a14:useLocalDpi xmlns:a14="http://schemas.microsoft.com/office/drawing/2010/main" val="0"/>
-              </a:ext>
-            </a:extLst>
-          </a:blip>
-          <a:srcRect/>
-          <a:stretch>
-            <a:fillRect/>
-          </a:stretch>
-        </p:blipFill>
-        <p:spPr bwMode="auto">
-          <a:xfrm>
-            <a:off x="0" y="-1"/>
-            <a:ext cx="12192003" cy="6858001"/>
-          </a:xfrm>
-          <a:prstGeom prst="rect">
-            <a:avLst/>
-          </a:prstGeom>
-          <a:noFill/>
-          <a:extLst>
-            <a:ext uri="{909E8E84-426E-40DD-AFC4-6F175D3DCCD1}">
-              <a14:hiddenFill xmlns:a14="http://schemas.microsoft.com/office/drawing/2010/main">
-                <a:solidFill>
-                  <a:srgbClr val="FFFFFF"/>
-                </a:solidFill>
-              </a14:hiddenFill>
-            </a:ext>
-          </a:extLst>
-        </p:spPr>
-      </p:pic>
-      <p:pic>
-        <p:nvPicPr>
-          <p:cNvPr id="9" name="Picture 8">
-            <a:extLst>
-              <a:ext uri="{FF2B5EF4-FFF2-40B4-BE49-F238E27FC236}">
-                <a16:creationId xmlns:a16="http://schemas.microsoft.com/office/drawing/2014/main" id="{C31AA009-40AD-4098-8AE7-680CA35C6EAA}"/>
-              </a:ext>
-              <a:ext uri="{C183D7F6-B498-43B3-948B-1728B52AA6E4}">
-                <adec:decorative xmlns:adec="http://schemas.microsoft.com/office/drawing/2017/decorative" val="1"/>
-              </a:ext>
-            </a:extLst>
-          </p:cNvPr>
-          <p:cNvPicPr>
-            <a:picLocks noGrp="1" noRot="1" noChangeAspect="1" noMove="1" noResize="1" noEditPoints="1" noAdjustHandles="1" noChangeArrowheads="1" noChangeShapeType="1" noCrop="1"/>
-          </p:cNvPicPr>
-          <p:nvPr>
-            <p:extLst>
-              <p:ext uri="{386F3935-93C4-4BCD-93E2-E3B085C9AB24}">
-                <p16:designElem xmlns:p16="http://schemas.microsoft.com/office/powerpoint/2015/main" val="1"/>
-              </p:ext>
-            </p:extLst>
-          </p:nvPr>
-        </p:nvPicPr>
-        <p:blipFill>
-          <a:blip r:embed="rId3">
-            <a:extLst>
-              <a:ext uri="{28A0092B-C50C-407E-A947-70E740481C1C}">
-                <a14:useLocalDpi xmlns:a14="http://schemas.microsoft.com/office/drawing/2010/main" val="0"/>
-              </a:ext>
-            </a:extLst>
-          </a:blip>
-          <a:stretch>
-            <a:fillRect/>
-          </a:stretch>
-        </p:blipFill>
-        <p:spPr>
-          <a:xfrm>
-            <a:off x="0" y="0"/>
-            <a:ext cx="12192000" cy="6858000"/>
-          </a:xfrm>
-          <a:prstGeom prst="rect">
-            <a:avLst/>
-          </a:prstGeom>
-        </p:spPr>
-      </p:pic>
-      <p:sp useBgFill="1">
-        <p:nvSpPr>
-          <p:cNvPr id="11" name="Rectangle 10">
-            <a:extLst>
-              <a:ext uri="{FF2B5EF4-FFF2-40B4-BE49-F238E27FC236}">
-                <a16:creationId xmlns:a16="http://schemas.microsoft.com/office/drawing/2014/main" id="{B63B6C0C-65BB-4F38-9C8A-0892266F8BC3}"/>
-              </a:ext>
-              <a:ext uri="{C183D7F6-B498-43B3-948B-1728B52AA6E4}">
-                <adec:decorative xmlns:adec="http://schemas.microsoft.com/office/drawing/2017/decorative" val="1"/>
-              </a:ext>
-            </a:extLst>
-          </p:cNvPr>
-          <p:cNvSpPr>
-            <a:spLocks noGrp="1" noRot="1" noChangeAspect="1" noMove="1" noResize="1" noEditPoints="1" noAdjustHandles="1" noChangeArrowheads="1" noChangeShapeType="1" noTextEdit="1"/>
-          </p:cNvSpPr>
-          <p:nvPr>
-            <p:extLst>
-              <p:ext uri="{386F3935-93C4-4BCD-93E2-E3B085C9AB24}">
-                <p16:designElem xmlns:p16="http://schemas.microsoft.com/office/powerpoint/2015/main" val="1"/>
-              </p:ext>
-            </p:extLst>
-          </p:nvPr>
-        </p:nvSpPr>
-        <p:spPr>
-          <a:xfrm>
-            <a:off x="0" y="0"/>
-            <a:ext cx="12192000" cy="6858000"/>
-          </a:xfrm>
-          <a:prstGeom prst="rect">
-            <a:avLst/>
-          </a:prstGeom>
-          <a:ln>
-            <a:noFill/>
-          </a:ln>
-        </p:spPr>
-        <p:style>
-          <a:lnRef idx="2">
-            <a:schemeClr val="accent1">
-              <a:shade val="50000"/>
-            </a:schemeClr>
-          </a:lnRef>
-          <a:fillRef idx="1">
-            <a:schemeClr val="accent1"/>
-          </a:fillRef>
-          <a:effectRef idx="0">
-            <a:schemeClr val="accent1"/>
-          </a:effectRef>
-          <a:fontRef idx="minor">
-            <a:schemeClr val="lt1"/>
-          </a:fontRef>
-        </p:style>
-        <p:txBody>
-          <a:bodyPr rtlCol="0" anchor="ctr"/>
-          <a:lstStyle/>
-          <a:p>
-            <a:pPr algn="ctr"/>
-            <a:endParaRPr lang="en-US" dirty="0"/>
-          </a:p>
-        </p:txBody>
-      </p:sp>
-      <p:pic>
-        <p:nvPicPr>
-          <p:cNvPr id="13" name="Picture 12">
-            <a:extLst>
-              <a:ext uri="{FF2B5EF4-FFF2-40B4-BE49-F238E27FC236}">
-                <a16:creationId xmlns:a16="http://schemas.microsoft.com/office/drawing/2014/main" id="{09D77137-01B7-45E4-AA14-CD9E779B443C}"/>
-              </a:ext>
-              <a:ext uri="{C183D7F6-B498-43B3-948B-1728B52AA6E4}">
-                <adec:decorative xmlns:adec="http://schemas.microsoft.com/office/drawing/2017/decorative" val="1"/>
-              </a:ext>
-            </a:extLst>
-          </p:cNvPr>
-          <p:cNvPicPr>
-            <a:picLocks noGrp="1" noRot="1" noChangeAspect="1" noMove="1" noResize="1" noEditPoints="1" noAdjustHandles="1" noChangeArrowheads="1" noChangeShapeType="1" noCrop="1"/>
-          </p:cNvPicPr>
-          <p:nvPr>
-            <p:extLst>
-              <p:ext uri="{386F3935-93C4-4BCD-93E2-E3B085C9AB24}">
-                <p16:designElem xmlns:p16="http://schemas.microsoft.com/office/powerpoint/2015/main" val="1"/>
-              </p:ext>
-            </p:extLst>
-          </p:nvPr>
-        </p:nvPicPr>
-        <p:blipFill>
-          <a:blip r:embed="rId3">
-            <a:extLst>
-              <a:ext uri="{28A0092B-C50C-407E-A947-70E740481C1C}">
-                <a14:useLocalDpi xmlns:a14="http://schemas.microsoft.com/office/drawing/2010/main" val="0"/>
-              </a:ext>
-            </a:extLst>
-          </a:blip>
-          <a:stretch>
-            <a:fillRect/>
-          </a:stretch>
-        </p:blipFill>
-        <p:spPr>
-          <a:xfrm>
-            <a:off x="0" y="0"/>
-            <a:ext cx="12192000" cy="6858000"/>
-          </a:xfrm>
-          <a:prstGeom prst="rect">
-            <a:avLst/>
-          </a:prstGeom>
-        </p:spPr>
-      </p:pic>
       <p:sp>
         <p:nvSpPr>
           <p:cNvPr id="2" name="Title 1">
@@ -8921,19 +12304,19 @@
         </p:nvSpPr>
         <p:spPr>
           <a:xfrm>
-            <a:off x="913774" y="1365957"/>
-            <a:ext cx="10364452" cy="4041422"/>
+            <a:off x="685331" y="1024468"/>
+            <a:ext cx="7773339" cy="3031067"/>
           </a:xfrm>
         </p:spPr>
         <p:txBody>
-          <a:bodyPr vert="horz" lIns="91440" tIns="45720" rIns="91440" bIns="45720" rtlCol="0" anchor="ctr">
+          <a:bodyPr vert="horz" lIns="68580" tIns="34290" rIns="68580" bIns="34290" rtlCol="0" anchor="ctr">
             <a:normAutofit/>
           </a:bodyPr>
           <a:lstStyle/>
           <a:p>
             <a:r>
-              <a:rPr lang="en-US" sz="8000" dirty="0"/>
-              <a:t>Monitoring caching behavior</a:t>
+              <a:rPr lang="en-US" sz="6000" dirty="0"/>
+              <a:t>reflecting on requirements</a:t>
             </a:r>
           </a:p>
         </p:txBody>
@@ -8941,20 +12324,20 @@
     </p:spTree>
     <p:extLst>
       <p:ext uri="{BB962C8B-B14F-4D97-AF65-F5344CB8AC3E}">
-        <p14:creationId xmlns:p14="http://schemas.microsoft.com/office/powerpoint/2010/main" val="422017673"/>
+        <p14:creationId xmlns:p14="http://schemas.microsoft.com/office/powerpoint/2010/main" val="3588576688"/>
       </p:ext>
     </p:extLst>
   </p:cSld>
   <p:clrMapOvr>
     <a:masterClrMapping/>
   </p:clrMapOvr>
-  <mc:AlternateContent xmlns:mc="http://schemas.openxmlformats.org/markup-compatibility/2006" xmlns:p14="http://schemas.microsoft.com/office/powerpoint/2010/main">
-    <mc:Choice Requires="p14">
+  <mc:AlternateContent xmlns:mc="http://schemas.openxmlformats.org/markup-compatibility/2006">
+    <mc:Choice xmlns:p14="http://schemas.microsoft.com/office/powerpoint/2010/main" Requires="p14">
       <p:transition spd="slow" p14:dur="1600">
         <p14:conveyor dir="l"/>
       </p:transition>
     </mc:Choice>
-    <mc:Fallback xmlns="">
+    <mc:Fallback>
       <p:transition spd="slow">
         <p:fade/>
       </p:transition>
@@ -8985,7 +12368,7 @@
           <p:cNvPr id="2" name="Title 1">
             <a:extLst>
               <a:ext uri="{FF2B5EF4-FFF2-40B4-BE49-F238E27FC236}">
-                <a16:creationId xmlns:a16="http://schemas.microsoft.com/office/drawing/2014/main" id="{ABD15FE4-E12E-8C4D-BFD8-FEABFE4AD456}"/>
+                <a16:creationId xmlns:a16="http://schemas.microsoft.com/office/drawing/2014/main" id="{877699AC-B13B-0F44-A991-2D087C02BA26}"/>
               </a:ext>
             </a:extLst>
           </p:cNvPr>
@@ -9003,65 +12386,154 @@
           <a:p>
             <a:r>
               <a:rPr lang="en-US" dirty="0"/>
-              <a:t>conclusion</a:t>
-            </a:r>
-          </a:p>
-        </p:txBody>
-      </p:sp>
-      <p:sp>
-        <p:nvSpPr>
-          <p:cNvPr id="3" name="Content Placeholder 2">
+              <a:t>Requirements traceability &amp; control</a:t>
+            </a:r>
+          </a:p>
+        </p:txBody>
+      </p:sp>
+      <p:graphicFrame>
+        <p:nvGraphicFramePr>
+          <p:cNvPr id="3" name="Diagram 2">
             <a:extLst>
               <a:ext uri="{FF2B5EF4-FFF2-40B4-BE49-F238E27FC236}">
-                <a16:creationId xmlns:a16="http://schemas.microsoft.com/office/drawing/2014/main" id="{AF549E37-1647-064C-9B3A-C6F128153E3C}"/>
+                <a16:creationId xmlns:a16="http://schemas.microsoft.com/office/drawing/2014/main" id="{39B31833-8C47-4E42-80F9-5A96E878AFAE}"/>
               </a:ext>
             </a:extLst>
           </p:cNvPr>
-          <p:cNvSpPr>
-            <a:spLocks noGrp="1"/>
-          </p:cNvSpPr>
+          <p:cNvGraphicFramePr/>
           <p:nvPr>
-            <p:ph sz="quarter" idx="13"/>
+            <p:extLst>
+              <p:ext uri="{D42A27DB-BD31-4B8C-83A1-F6EECF244321}">
+                <p14:modId xmlns:p14="http://schemas.microsoft.com/office/powerpoint/2010/main" val="2942680166"/>
+              </p:ext>
+            </p:extLst>
           </p:nvPr>
-        </p:nvSpPr>
-        <p:spPr/>
-        <p:txBody>
-          <a:bodyPr/>
+        </p:nvGraphicFramePr>
+        <p:xfrm>
+          <a:off x="1524000" y="539750"/>
+          <a:ext cx="6096000" cy="4064000"/>
+        </p:xfrm>
+        <a:graphic>
+          <a:graphicData uri="http://schemas.openxmlformats.org/drawingml/2006/diagram">
+            <dgm:relIds xmlns:dgm="http://schemas.openxmlformats.org/drawingml/2006/diagram" xmlns:r="http://schemas.openxmlformats.org/officeDocument/2006/relationships" r:dm="rId2" r:lo="rId3" r:qs="rId4" r:cs="rId5"/>
+          </a:graphicData>
+        </a:graphic>
+      </p:graphicFrame>
+      <p:sp>
+        <p:nvSpPr>
+          <p:cNvPr id="4" name="TextBox 3">
+            <a:extLst>
+              <a:ext uri="{FF2B5EF4-FFF2-40B4-BE49-F238E27FC236}">
+                <a16:creationId xmlns:a16="http://schemas.microsoft.com/office/drawing/2014/main" id="{FB0F40B7-8F50-5449-B3D6-793725118404}"/>
+              </a:ext>
+            </a:extLst>
+          </p:cNvPr>
+          <p:cNvSpPr txBox="1"/>
+          <p:nvPr/>
+        </p:nvSpPr>
+        <p:spPr>
+          <a:xfrm>
+            <a:off x="1238865" y="3296265"/>
+            <a:ext cx="6894871" cy="923330"/>
+          </a:xfrm>
+          <a:prstGeom prst="rect">
+            <a:avLst/>
+          </a:prstGeom>
+          <a:noFill/>
+        </p:spPr>
+        <p:txBody>
+          <a:bodyPr wrap="square" rtlCol="0">
+            <a:spAutoFit/>
+          </a:bodyPr>
           <a:lstStyle/>
           <a:p>
             <a:r>
               <a:rPr lang="en-US" dirty="0"/>
-              <a:t>A Simple construct may bear a complex behavior.</a:t>
-            </a:r>
-          </a:p>
-          <a:p>
+              <a:t>We would like to compute the n-</a:t>
+            </a:r>
+            <a:r>
+              <a:rPr lang="en-US" dirty="0" err="1"/>
+              <a:t>th</a:t>
+            </a:r>
             <a:r>
               <a:rPr lang="en-US" dirty="0"/>
-              <a:t>You are fully accountable for all the code you deliver, be it explicitly or implicitly assumed.</a:t>
-            </a:r>
-          </a:p>
-          <a:p>
+              <a:t> </a:t>
+            </a:r>
+            <a:r>
+              <a:rPr lang="en-US" dirty="0">
+                <a:hlinkClick r:id="rId7"/>
+              </a:rPr>
+              <a:t>fibonacci number</a:t>
+            </a:r>
             <a:r>
               <a:rPr lang="en-US" dirty="0"/>
-              <a:t>Without knowing what is going on in the background you will not able to ship </a:t>
+              <a:t> and output both its value as well as </a:t>
             </a:r>
             <a:r>
               <a:rPr lang="en-US" dirty="0">
-                <a:hlinkClick r:id="rId2"/>
+                <a:highlight>
+                  <a:srgbClr val="FF0000"/>
+                </a:highlight>
               </a:rPr>
-              <a:t>dependable</a:t>
-            </a:r>
-            <a:r>
-              <a:rPr lang="en-US" dirty="0"/>
-              <a:t> solutions. </a:t>
-            </a:r>
+              <a:t>number of steps taken to calculate it. Think of the latter as the number of times we’ve recalculated the same inner component.</a:t>
+            </a:r>
+          </a:p>
+        </p:txBody>
+      </p:sp>
+      <p:sp>
+        <p:nvSpPr>
+          <p:cNvPr id="5" name="Curved Right Arrow 4">
+            <a:extLst>
+              <a:ext uri="{FF2B5EF4-FFF2-40B4-BE49-F238E27FC236}">
+                <a16:creationId xmlns:a16="http://schemas.microsoft.com/office/drawing/2014/main" id="{1EC42086-C1C8-7E47-BC32-0E044238154D}"/>
+              </a:ext>
+            </a:extLst>
+          </p:cNvPr>
+          <p:cNvSpPr/>
+          <p:nvPr/>
+        </p:nvSpPr>
+        <p:spPr>
+          <a:xfrm>
+            <a:off x="722202" y="2492477"/>
+            <a:ext cx="428171" cy="1179871"/>
+          </a:xfrm>
+          <a:prstGeom prst="curvedRightArrow">
+            <a:avLst/>
+          </a:prstGeom>
+        </p:spPr>
+        <p:style>
+          <a:lnRef idx="2">
+            <a:schemeClr val="accent1">
+              <a:shade val="50000"/>
+            </a:schemeClr>
+          </a:lnRef>
+          <a:fillRef idx="1">
+            <a:schemeClr val="accent1"/>
+          </a:fillRef>
+          <a:effectRef idx="0">
+            <a:schemeClr val="accent1"/>
+          </a:effectRef>
+          <a:fontRef idx="minor">
+            <a:schemeClr val="lt1"/>
+          </a:fontRef>
+        </p:style>
+        <p:txBody>
+          <a:bodyPr rtlCol="0" anchor="ctr"/>
+          <a:lstStyle/>
+          <a:p>
+            <a:pPr algn="ctr"/>
+            <a:endParaRPr lang="en-US">
+              <a:solidFill>
+                <a:schemeClr val="tx1"/>
+              </a:solidFill>
+            </a:endParaRPr>
           </a:p>
         </p:txBody>
       </p:sp>
     </p:spTree>
     <p:extLst>
       <p:ext uri="{BB962C8B-B14F-4D97-AF65-F5344CB8AC3E}">
-        <p14:creationId xmlns:p14="http://schemas.microsoft.com/office/powerpoint/2010/main" val="761897836"/>
+        <p14:creationId xmlns:p14="http://schemas.microsoft.com/office/powerpoint/2010/main" val="453601261"/>
       </p:ext>
     </p:extLst>
   </p:cSld>
@@ -9101,7 +12573,7 @@
                             </p:stCondLst>
                             <p:childTnLst>
                               <p:par>
-                                <p:cTn id="5" presetID="53" presetClass="entr" presetSubtype="16" fill="hold" grpId="0" nodeType="clickEffect">
+                                <p:cTn id="5" presetID="6" presetClass="entr" presetSubtype="16" fill="hold" grpId="0" nodeType="clickEffect">
                                   <p:stCondLst>
                                     <p:cond delay="0"/>
                                   </p:stCondLst>
@@ -9114,11 +12586,7 @@
                                           </p:stCondLst>
                                         </p:cTn>
                                         <p:tgtEl>
-                                          <p:spTgt spid="3">
-                                            <p:txEl>
-                                              <p:pRg st="0" end="0"/>
-                                            </p:txEl>
-                                          </p:spTgt>
+                                          <p:spTgt spid="4"/>
                                         </p:tgtEl>
                                         <p:attrNameLst>
                                           <p:attrName>style.visibility</p:attrName>
@@ -9128,112 +12596,32 @@
                                         <p:strVal val="visible"/>
                                       </p:to>
                                     </p:set>
-                                    <p:anim calcmode="lin" valueType="num">
+                                    <p:animEffect transition="in" filter="circle(in)">
                                       <p:cBhvr>
-                                        <p:cTn id="7" dur="500" fill="hold"/>
+                                        <p:cTn id="7" dur="2000"/>
                                         <p:tgtEl>
-                                          <p:spTgt spid="3">
-                                            <p:txEl>
-                                              <p:pRg st="0" end="0"/>
-                                            </p:txEl>
-                                          </p:spTgt>
-                                        </p:tgtEl>
-                                        <p:attrNameLst>
-                                          <p:attrName>ppt_w</p:attrName>
-                                        </p:attrNameLst>
-                                      </p:cBhvr>
-                                      <p:tavLst>
-                                        <p:tav tm="0">
-                                          <p:val>
-                                            <p:fltVal val="0"/>
-                                          </p:val>
-                                        </p:tav>
-                                        <p:tav tm="100000">
-                                          <p:val>
-                                            <p:strVal val="#ppt_w"/>
-                                          </p:val>
-                                        </p:tav>
-                                      </p:tavLst>
-                                    </p:anim>
-                                    <p:anim calcmode="lin" valueType="num">
-                                      <p:cBhvr>
-                                        <p:cTn id="8" dur="500" fill="hold"/>
-                                        <p:tgtEl>
-                                          <p:spTgt spid="3">
-                                            <p:txEl>
-                                              <p:pRg st="0" end="0"/>
-                                            </p:txEl>
-                                          </p:spTgt>
-                                        </p:tgtEl>
-                                        <p:attrNameLst>
-                                          <p:attrName>ppt_h</p:attrName>
-                                        </p:attrNameLst>
-                                      </p:cBhvr>
-                                      <p:tavLst>
-                                        <p:tav tm="0">
-                                          <p:val>
-                                            <p:fltVal val="0"/>
-                                          </p:val>
-                                        </p:tav>
-                                        <p:tav tm="100000">
-                                          <p:val>
-                                            <p:strVal val="#ppt_h"/>
-                                          </p:val>
-                                        </p:tav>
-                                      </p:tavLst>
-                                    </p:anim>
-                                    <p:animEffect transition="in" filter="fade">
-                                      <p:cBhvr>
-                                        <p:cTn id="9" dur="500"/>
-                                        <p:tgtEl>
-                                          <p:spTgt spid="3">
-                                            <p:txEl>
-                                              <p:pRg st="0" end="0"/>
-                                            </p:txEl>
-                                          </p:spTgt>
+                                          <p:spTgt spid="4"/>
                                         </p:tgtEl>
                                       </p:cBhvr>
                                     </p:animEffect>
                                   </p:childTnLst>
                                 </p:cTn>
                               </p:par>
-                            </p:childTnLst>
-                          </p:cTn>
-                        </p:par>
-                      </p:childTnLst>
-                    </p:cTn>
-                  </p:par>
-                  <p:par>
-                    <p:cTn id="10" fill="hold">
-                      <p:stCondLst>
-                        <p:cond delay="indefinite"/>
-                      </p:stCondLst>
-                      <p:childTnLst>
-                        <p:par>
-                          <p:cTn id="11" fill="hold">
-                            <p:stCondLst>
-                              <p:cond delay="0"/>
-                            </p:stCondLst>
-                            <p:childTnLst>
                               <p:par>
-                                <p:cTn id="12" presetID="53" presetClass="entr" presetSubtype="16" fill="hold" grpId="0" nodeType="clickEffect">
+                                <p:cTn id="8" presetID="6" presetClass="entr" presetSubtype="16" fill="hold" grpId="0" nodeType="withEffect">
                                   <p:stCondLst>
                                     <p:cond delay="0"/>
                                   </p:stCondLst>
                                   <p:childTnLst>
                                     <p:set>
                                       <p:cBhvr>
-                                        <p:cTn id="13" dur="1" fill="hold">
+                                        <p:cTn id="9" dur="1" fill="hold">
                                           <p:stCondLst>
                                             <p:cond delay="0"/>
                                           </p:stCondLst>
                                         </p:cTn>
                                         <p:tgtEl>
-                                          <p:spTgt spid="3">
-                                            <p:txEl>
-                                              <p:pRg st="1" end="1"/>
-                                            </p:txEl>
-                                          </p:spTgt>
+                                          <p:spTgt spid="5"/>
                                         </p:tgtEl>
                                         <p:attrNameLst>
                                           <p:attrName>style.visibility</p:attrName>
@@ -9243,184 +12631,11 @@
                                         <p:strVal val="visible"/>
                                       </p:to>
                                     </p:set>
-                                    <p:anim calcmode="lin" valueType="num">
+                                    <p:animEffect transition="in" filter="circle(in)">
                                       <p:cBhvr>
-                                        <p:cTn id="14" dur="500" fill="hold"/>
+                                        <p:cTn id="10" dur="2000"/>
                                         <p:tgtEl>
-                                          <p:spTgt spid="3">
-                                            <p:txEl>
-                                              <p:pRg st="1" end="1"/>
-                                            </p:txEl>
-                                          </p:spTgt>
-                                        </p:tgtEl>
-                                        <p:attrNameLst>
-                                          <p:attrName>ppt_w</p:attrName>
-                                        </p:attrNameLst>
-                                      </p:cBhvr>
-                                      <p:tavLst>
-                                        <p:tav tm="0">
-                                          <p:val>
-                                            <p:fltVal val="0"/>
-                                          </p:val>
-                                        </p:tav>
-                                        <p:tav tm="100000">
-                                          <p:val>
-                                            <p:strVal val="#ppt_w"/>
-                                          </p:val>
-                                        </p:tav>
-                                      </p:tavLst>
-                                    </p:anim>
-                                    <p:anim calcmode="lin" valueType="num">
-                                      <p:cBhvr>
-                                        <p:cTn id="15" dur="500" fill="hold"/>
-                                        <p:tgtEl>
-                                          <p:spTgt spid="3">
-                                            <p:txEl>
-                                              <p:pRg st="1" end="1"/>
-                                            </p:txEl>
-                                          </p:spTgt>
-                                        </p:tgtEl>
-                                        <p:attrNameLst>
-                                          <p:attrName>ppt_h</p:attrName>
-                                        </p:attrNameLst>
-                                      </p:cBhvr>
-                                      <p:tavLst>
-                                        <p:tav tm="0">
-                                          <p:val>
-                                            <p:fltVal val="0"/>
-                                          </p:val>
-                                        </p:tav>
-                                        <p:tav tm="100000">
-                                          <p:val>
-                                            <p:strVal val="#ppt_h"/>
-                                          </p:val>
-                                        </p:tav>
-                                      </p:tavLst>
-                                    </p:anim>
-                                    <p:animEffect transition="in" filter="fade">
-                                      <p:cBhvr>
-                                        <p:cTn id="16" dur="500"/>
-                                        <p:tgtEl>
-                                          <p:spTgt spid="3">
-                                            <p:txEl>
-                                              <p:pRg st="1" end="1"/>
-                                            </p:txEl>
-                                          </p:spTgt>
-                                        </p:tgtEl>
-                                      </p:cBhvr>
-                                    </p:animEffect>
-                                  </p:childTnLst>
-                                </p:cTn>
-                              </p:par>
-                            </p:childTnLst>
-                          </p:cTn>
-                        </p:par>
-                      </p:childTnLst>
-                    </p:cTn>
-                  </p:par>
-                  <p:par>
-                    <p:cTn id="17" fill="hold">
-                      <p:stCondLst>
-                        <p:cond delay="indefinite"/>
-                      </p:stCondLst>
-                      <p:childTnLst>
-                        <p:par>
-                          <p:cTn id="18" fill="hold">
-                            <p:stCondLst>
-                              <p:cond delay="0"/>
-                            </p:stCondLst>
-                            <p:childTnLst>
-                              <p:par>
-                                <p:cTn id="19" presetID="53" presetClass="entr" presetSubtype="16" fill="hold" grpId="0" nodeType="clickEffect">
-                                  <p:stCondLst>
-                                    <p:cond delay="0"/>
-                                  </p:stCondLst>
-                                  <p:childTnLst>
-                                    <p:set>
-                                      <p:cBhvr>
-                                        <p:cTn id="20" dur="1" fill="hold">
-                                          <p:stCondLst>
-                                            <p:cond delay="0"/>
-                                          </p:stCondLst>
-                                        </p:cTn>
-                                        <p:tgtEl>
-                                          <p:spTgt spid="3">
-                                            <p:txEl>
-                                              <p:pRg st="2" end="2"/>
-                                            </p:txEl>
-                                          </p:spTgt>
-                                        </p:tgtEl>
-                                        <p:attrNameLst>
-                                          <p:attrName>style.visibility</p:attrName>
-                                        </p:attrNameLst>
-                                      </p:cBhvr>
-                                      <p:to>
-                                        <p:strVal val="visible"/>
-                                      </p:to>
-                                    </p:set>
-                                    <p:anim calcmode="lin" valueType="num">
-                                      <p:cBhvr>
-                                        <p:cTn id="21" dur="500" fill="hold"/>
-                                        <p:tgtEl>
-                                          <p:spTgt spid="3">
-                                            <p:txEl>
-                                              <p:pRg st="2" end="2"/>
-                                            </p:txEl>
-                                          </p:spTgt>
-                                        </p:tgtEl>
-                                        <p:attrNameLst>
-                                          <p:attrName>ppt_w</p:attrName>
-                                        </p:attrNameLst>
-                                      </p:cBhvr>
-                                      <p:tavLst>
-                                        <p:tav tm="0">
-                                          <p:val>
-                                            <p:fltVal val="0"/>
-                                          </p:val>
-                                        </p:tav>
-                                        <p:tav tm="100000">
-                                          <p:val>
-                                            <p:strVal val="#ppt_w"/>
-                                          </p:val>
-                                        </p:tav>
-                                      </p:tavLst>
-                                    </p:anim>
-                                    <p:anim calcmode="lin" valueType="num">
-                                      <p:cBhvr>
-                                        <p:cTn id="22" dur="500" fill="hold"/>
-                                        <p:tgtEl>
-                                          <p:spTgt spid="3">
-                                            <p:txEl>
-                                              <p:pRg st="2" end="2"/>
-                                            </p:txEl>
-                                          </p:spTgt>
-                                        </p:tgtEl>
-                                        <p:attrNameLst>
-                                          <p:attrName>ppt_h</p:attrName>
-                                        </p:attrNameLst>
-                                      </p:cBhvr>
-                                      <p:tavLst>
-                                        <p:tav tm="0">
-                                          <p:val>
-                                            <p:fltVal val="0"/>
-                                          </p:val>
-                                        </p:tav>
-                                        <p:tav tm="100000">
-                                          <p:val>
-                                            <p:strVal val="#ppt_h"/>
-                                          </p:val>
-                                        </p:tav>
-                                      </p:tavLst>
-                                    </p:anim>
-                                    <p:animEffect transition="in" filter="fade">
-                                      <p:cBhvr>
-                                        <p:cTn id="23" dur="500"/>
-                                        <p:tgtEl>
-                                          <p:spTgt spid="3">
-                                            <p:txEl>
-                                              <p:pRg st="2" end="2"/>
-                                            </p:txEl>
-                                          </p:spTgt>
+                                          <p:spTgt spid="5"/>
                                         </p:tgtEl>
                                       </p:cBhvr>
                                     </p:animEffect>
@@ -9455,7 +12670,8 @@
       </p:par>
     </p:tnLst>
     <p:bldLst>
-      <p:bldP spid="3" grpId="0" build="p"/>
+      <p:bldP spid="4" grpId="0"/>
+      <p:bldP spid="5" grpId="0" animBg="1"/>
     </p:bldLst>
   </p:timing>
 </p:sld>
@@ -9464,7 +12680,7 @@
 <file path=ppt/theme/theme1.xml><?xml version="1.0" encoding="utf-8"?>
 <a:theme xmlns:a="http://schemas.openxmlformats.org/drawingml/2006/main" name="Droplet">
   <a:themeElements>
-    <a:clrScheme name="Greyscale">
+    <a:clrScheme name="Droplet">
       <a:dk1>
         <a:sysClr val="windowText" lastClr="000000"/>
       </a:dk1>
@@ -9472,34 +12688,34 @@
         <a:sysClr val="window" lastClr="FFFFFF"/>
       </a:lt1>
       <a:dk2>
-        <a:srgbClr val="000000"/>
+        <a:srgbClr val="355071"/>
       </a:dk2>
       <a:lt2>
-        <a:srgbClr val="F8F8F8"/>
+        <a:srgbClr val="AABED7"/>
       </a:lt2>
       <a:accent1>
-        <a:srgbClr val="DDDDDD"/>
+        <a:srgbClr val="2FA3EE"/>
       </a:accent1>
       <a:accent2>
-        <a:srgbClr val="B2B2B2"/>
+        <a:srgbClr val="4BCAAD"/>
       </a:accent2>
       <a:accent3>
-        <a:srgbClr val="969696"/>
+        <a:srgbClr val="86C157"/>
       </a:accent3>
       <a:accent4>
-        <a:srgbClr val="808080"/>
+        <a:srgbClr val="D99C3F"/>
       </a:accent4>
       <a:accent5>
-        <a:srgbClr val="5F5F5F"/>
+        <a:srgbClr val="CE6633"/>
       </a:accent5>
       <a:accent6>
-        <a:srgbClr val="4D4D4D"/>
+        <a:srgbClr val="A35DD1"/>
       </a:accent6>
       <a:hlink>
-        <a:srgbClr val="5F5F5F"/>
+        <a:srgbClr val="56BCFE"/>
       </a:hlink>
       <a:folHlink>
-        <a:srgbClr val="919191"/>
+        <a:srgbClr val="97C5E3"/>
       </a:folHlink>
     </a:clrScheme>
     <a:fontScheme name="Droplet">
